--- a/src-powerfx/slides/PowerFX embedding session.pptx
+++ b/src-powerfx/slides/PowerFX embedding session.pptx
@@ -4,16 +4,26 @@
   <p:sldMasterIdLst>
     <p:sldMasterId id="2147483648" r:id="rId1"/>
   </p:sldMasterIdLst>
+  <p:notesMasterIdLst>
+    <p:notesMasterId r:id="rId18"/>
+  </p:notesMasterIdLst>
   <p:sldIdLst>
     <p:sldId id="256" r:id="rId2"/>
-    <p:sldId id="257" r:id="rId3"/>
-    <p:sldId id="258" r:id="rId4"/>
-    <p:sldId id="260" r:id="rId5"/>
-    <p:sldId id="259" r:id="rId6"/>
-    <p:sldId id="261" r:id="rId7"/>
-    <p:sldId id="262" r:id="rId8"/>
-    <p:sldId id="263" r:id="rId9"/>
-    <p:sldId id="264" r:id="rId10"/>
+    <p:sldId id="272" r:id="rId3"/>
+    <p:sldId id="257" r:id="rId4"/>
+    <p:sldId id="271" r:id="rId5"/>
+    <p:sldId id="258" r:id="rId6"/>
+    <p:sldId id="267" r:id="rId7"/>
+    <p:sldId id="268" r:id="rId8"/>
+    <p:sldId id="265" r:id="rId9"/>
+    <p:sldId id="260" r:id="rId10"/>
+    <p:sldId id="259" r:id="rId11"/>
+    <p:sldId id="261" r:id="rId12"/>
+    <p:sldId id="262" r:id="rId13"/>
+    <p:sldId id="269" r:id="rId14"/>
+    <p:sldId id="270" r:id="rId15"/>
+    <p:sldId id="263" r:id="rId16"/>
+    <p:sldId id="264" r:id="rId17"/>
   </p:sldIdLst>
   <p:sldSz cx="12192000" cy="6858000"/>
   <p:notesSz cx="6858000" cy="9144000"/>
@@ -112,6 +122,11 @@
       </a:defRPr>
     </a:lvl9pPr>
   </p:defaultTextStyle>
+  <p:extLst>
+    <p:ext uri="{EFAFB233-063F-42B5-8137-9DF3F51BA10A}">
+      <p15:sldGuideLst xmlns:p15="http://schemas.microsoft.com/office/powerpoint/2012/main"/>
+    </p:ext>
+  </p:extLst>
 </p:presentation>
 </file>
 
@@ -2951,6 +2966,1127 @@
 </dgm:styleDef>
 </file>
 
+<file path=ppt/notesMasters/notesMaster1.xml><?xml version="1.0" encoding="utf-8"?>
+<p:notesMaster xmlns:a="http://schemas.openxmlformats.org/drawingml/2006/main" xmlns:r="http://schemas.openxmlformats.org/officeDocument/2006/relationships" xmlns:p="http://schemas.openxmlformats.org/presentationml/2006/main">
+  <p:cSld>
+    <p:bg>
+      <p:bgRef idx="1001">
+        <a:schemeClr val="bg1"/>
+      </p:bgRef>
+    </p:bg>
+    <p:spTree>
+      <p:nvGrpSpPr>
+        <p:cNvPr id="1" name=""/>
+        <p:cNvGrpSpPr/>
+        <p:nvPr/>
+      </p:nvGrpSpPr>
+      <p:grpSpPr>
+        <a:xfrm>
+          <a:off x="0" y="0"/>
+          <a:ext cx="0" cy="0"/>
+          <a:chOff x="0" y="0"/>
+          <a:chExt cx="0" cy="0"/>
+        </a:xfrm>
+      </p:grpSpPr>
+      <p:sp>
+        <p:nvSpPr>
+          <p:cNvPr id="2" name="Header Placeholder 1"/>
+          <p:cNvSpPr>
+            <a:spLocks noGrp="1"/>
+          </p:cNvSpPr>
+          <p:nvPr>
+            <p:ph type="hdr" sz="quarter"/>
+          </p:nvPr>
+        </p:nvSpPr>
+        <p:spPr>
+          <a:xfrm>
+            <a:off x="0" y="0"/>
+            <a:ext cx="2971800" cy="458788"/>
+          </a:xfrm>
+          <a:prstGeom prst="rect">
+            <a:avLst/>
+          </a:prstGeom>
+        </p:spPr>
+        <p:txBody>
+          <a:bodyPr vert="horz" lIns="91440" tIns="45720" rIns="91440" bIns="45720" rtlCol="0"/>
+          <a:lstStyle>
+            <a:lvl1pPr algn="l">
+              <a:defRPr sz="1200"/>
+            </a:lvl1pPr>
+          </a:lstStyle>
+          <a:p>
+            <a:endParaRPr lang="en-US"/>
+          </a:p>
+        </p:txBody>
+      </p:sp>
+      <p:sp>
+        <p:nvSpPr>
+          <p:cNvPr id="3" name="Date Placeholder 2"/>
+          <p:cNvSpPr>
+            <a:spLocks noGrp="1"/>
+          </p:cNvSpPr>
+          <p:nvPr>
+            <p:ph type="dt" idx="1"/>
+          </p:nvPr>
+        </p:nvSpPr>
+        <p:spPr>
+          <a:xfrm>
+            <a:off x="3884613" y="0"/>
+            <a:ext cx="2971800" cy="458788"/>
+          </a:xfrm>
+          <a:prstGeom prst="rect">
+            <a:avLst/>
+          </a:prstGeom>
+        </p:spPr>
+        <p:txBody>
+          <a:bodyPr vert="horz" lIns="91440" tIns="45720" rIns="91440" bIns="45720" rtlCol="0"/>
+          <a:lstStyle>
+            <a:lvl1pPr algn="r">
+              <a:defRPr sz="1200"/>
+            </a:lvl1pPr>
+          </a:lstStyle>
+          <a:p>
+            <a:fld id="{23F0FD94-F7CE-4D08-B49E-5E530976B685}" type="datetimeFigureOut">
+              <a:rPr lang="en-US" smtClean="0"/>
+              <a:t>2/28/2026</a:t>
+            </a:fld>
+            <a:endParaRPr lang="en-US"/>
+          </a:p>
+        </p:txBody>
+      </p:sp>
+      <p:sp>
+        <p:nvSpPr>
+          <p:cNvPr id="4" name="Slide Image Placeholder 3"/>
+          <p:cNvSpPr>
+            <a:spLocks noGrp="1" noRot="1" noChangeAspect="1"/>
+          </p:cNvSpPr>
+          <p:nvPr>
+            <p:ph type="sldImg" idx="2"/>
+          </p:nvPr>
+        </p:nvSpPr>
+        <p:spPr>
+          <a:xfrm>
+            <a:off x="685800" y="1143000"/>
+            <a:ext cx="5486400" cy="3086100"/>
+          </a:xfrm>
+          <a:prstGeom prst="rect">
+            <a:avLst/>
+          </a:prstGeom>
+          <a:noFill/>
+          <a:ln w="12700">
+            <a:solidFill>
+              <a:prstClr val="black"/>
+            </a:solidFill>
+          </a:ln>
+        </p:spPr>
+        <p:txBody>
+          <a:bodyPr vert="horz" lIns="91440" tIns="45720" rIns="91440" bIns="45720" rtlCol="0" anchor="ctr"/>
+          <a:lstStyle/>
+          <a:p>
+            <a:endParaRPr lang="en-US"/>
+          </a:p>
+        </p:txBody>
+      </p:sp>
+      <p:sp>
+        <p:nvSpPr>
+          <p:cNvPr id="5" name="Notes Placeholder 4"/>
+          <p:cNvSpPr>
+            <a:spLocks noGrp="1"/>
+          </p:cNvSpPr>
+          <p:nvPr>
+            <p:ph type="body" sz="quarter" idx="3"/>
+          </p:nvPr>
+        </p:nvSpPr>
+        <p:spPr>
+          <a:xfrm>
+            <a:off x="685800" y="4400550"/>
+            <a:ext cx="5486400" cy="3600450"/>
+          </a:xfrm>
+          <a:prstGeom prst="rect">
+            <a:avLst/>
+          </a:prstGeom>
+        </p:spPr>
+        <p:txBody>
+          <a:bodyPr vert="horz" lIns="91440" tIns="45720" rIns="91440" bIns="45720" rtlCol="0"/>
+          <a:lstStyle/>
+          <a:p>
+            <a:pPr lvl="0"/>
+            <a:r>
+              <a:rPr lang="en-US"/>
+              <a:t>Click to edit Master text styles</a:t>
+            </a:r>
+          </a:p>
+          <a:p>
+            <a:pPr lvl="1"/>
+            <a:r>
+              <a:rPr lang="en-US"/>
+              <a:t>Second level</a:t>
+            </a:r>
+          </a:p>
+          <a:p>
+            <a:pPr lvl="2"/>
+            <a:r>
+              <a:rPr lang="en-US"/>
+              <a:t>Third level</a:t>
+            </a:r>
+          </a:p>
+          <a:p>
+            <a:pPr lvl="3"/>
+            <a:r>
+              <a:rPr lang="en-US"/>
+              <a:t>Fourth level</a:t>
+            </a:r>
+          </a:p>
+          <a:p>
+            <a:pPr lvl="4"/>
+            <a:r>
+              <a:rPr lang="en-US"/>
+              <a:t>Fifth level</a:t>
+            </a:r>
+          </a:p>
+        </p:txBody>
+      </p:sp>
+      <p:sp>
+        <p:nvSpPr>
+          <p:cNvPr id="6" name="Footer Placeholder 5"/>
+          <p:cNvSpPr>
+            <a:spLocks noGrp="1"/>
+          </p:cNvSpPr>
+          <p:nvPr>
+            <p:ph type="ftr" sz="quarter" idx="4"/>
+          </p:nvPr>
+        </p:nvSpPr>
+        <p:spPr>
+          <a:xfrm>
+            <a:off x="0" y="8685213"/>
+            <a:ext cx="2971800" cy="458787"/>
+          </a:xfrm>
+          <a:prstGeom prst="rect">
+            <a:avLst/>
+          </a:prstGeom>
+        </p:spPr>
+        <p:txBody>
+          <a:bodyPr vert="horz" lIns="91440" tIns="45720" rIns="91440" bIns="45720" rtlCol="0" anchor="b"/>
+          <a:lstStyle>
+            <a:lvl1pPr algn="l">
+              <a:defRPr sz="1200"/>
+            </a:lvl1pPr>
+          </a:lstStyle>
+          <a:p>
+            <a:endParaRPr lang="en-US"/>
+          </a:p>
+        </p:txBody>
+      </p:sp>
+      <p:sp>
+        <p:nvSpPr>
+          <p:cNvPr id="7" name="Slide Number Placeholder 6"/>
+          <p:cNvSpPr>
+            <a:spLocks noGrp="1"/>
+          </p:cNvSpPr>
+          <p:nvPr>
+            <p:ph type="sldNum" sz="quarter" idx="5"/>
+          </p:nvPr>
+        </p:nvSpPr>
+        <p:spPr>
+          <a:xfrm>
+            <a:off x="3884613" y="8685213"/>
+            <a:ext cx="2971800" cy="458787"/>
+          </a:xfrm>
+          <a:prstGeom prst="rect">
+            <a:avLst/>
+          </a:prstGeom>
+        </p:spPr>
+        <p:txBody>
+          <a:bodyPr vert="horz" lIns="91440" tIns="45720" rIns="91440" bIns="45720" rtlCol="0" anchor="b"/>
+          <a:lstStyle>
+            <a:lvl1pPr algn="r">
+              <a:defRPr sz="1200"/>
+            </a:lvl1pPr>
+          </a:lstStyle>
+          <a:p>
+            <a:fld id="{A3FADD39-AB8A-4278-99D9-40CD8D745BA1}" type="slidenum">
+              <a:rPr lang="en-US" smtClean="0"/>
+              <a:t>‹#›</a:t>
+            </a:fld>
+            <a:endParaRPr lang="en-US"/>
+          </a:p>
+        </p:txBody>
+      </p:sp>
+    </p:spTree>
+    <p:extLst>
+      <p:ext uri="{BB962C8B-B14F-4D97-AF65-F5344CB8AC3E}">
+        <p14:creationId xmlns:p14="http://schemas.microsoft.com/office/powerpoint/2010/main" val="3209361809"/>
+      </p:ext>
+    </p:extLst>
+  </p:cSld>
+  <p:clrMap bg1="lt1" tx1="dk1" bg2="lt2" tx2="dk2" accent1="accent1" accent2="accent2" accent3="accent3" accent4="accent4" accent5="accent5" accent6="accent6" hlink="hlink" folHlink="folHlink"/>
+  <p:notesStyle>
+    <a:lvl1pPr marL="0" algn="l" defTabSz="914400" rtl="0" eaLnBrk="1" latinLnBrk="0" hangingPunct="1">
+      <a:defRPr sz="1200" kern="1200">
+        <a:solidFill>
+          <a:schemeClr val="tx1"/>
+        </a:solidFill>
+        <a:latin typeface="+mn-lt"/>
+        <a:ea typeface="+mn-ea"/>
+        <a:cs typeface="+mn-cs"/>
+      </a:defRPr>
+    </a:lvl1pPr>
+    <a:lvl2pPr marL="457200" algn="l" defTabSz="914400" rtl="0" eaLnBrk="1" latinLnBrk="0" hangingPunct="1">
+      <a:defRPr sz="1200" kern="1200">
+        <a:solidFill>
+          <a:schemeClr val="tx1"/>
+        </a:solidFill>
+        <a:latin typeface="+mn-lt"/>
+        <a:ea typeface="+mn-ea"/>
+        <a:cs typeface="+mn-cs"/>
+      </a:defRPr>
+    </a:lvl2pPr>
+    <a:lvl3pPr marL="914400" algn="l" defTabSz="914400" rtl="0" eaLnBrk="1" latinLnBrk="0" hangingPunct="1">
+      <a:defRPr sz="1200" kern="1200">
+        <a:solidFill>
+          <a:schemeClr val="tx1"/>
+        </a:solidFill>
+        <a:latin typeface="+mn-lt"/>
+        <a:ea typeface="+mn-ea"/>
+        <a:cs typeface="+mn-cs"/>
+      </a:defRPr>
+    </a:lvl3pPr>
+    <a:lvl4pPr marL="1371600" algn="l" defTabSz="914400" rtl="0" eaLnBrk="1" latinLnBrk="0" hangingPunct="1">
+      <a:defRPr sz="1200" kern="1200">
+        <a:solidFill>
+          <a:schemeClr val="tx1"/>
+        </a:solidFill>
+        <a:latin typeface="+mn-lt"/>
+        <a:ea typeface="+mn-ea"/>
+        <a:cs typeface="+mn-cs"/>
+      </a:defRPr>
+    </a:lvl4pPr>
+    <a:lvl5pPr marL="1828800" algn="l" defTabSz="914400" rtl="0" eaLnBrk="1" latinLnBrk="0" hangingPunct="1">
+      <a:defRPr sz="1200" kern="1200">
+        <a:solidFill>
+          <a:schemeClr val="tx1"/>
+        </a:solidFill>
+        <a:latin typeface="+mn-lt"/>
+        <a:ea typeface="+mn-ea"/>
+        <a:cs typeface="+mn-cs"/>
+      </a:defRPr>
+    </a:lvl5pPr>
+    <a:lvl6pPr marL="2286000" algn="l" defTabSz="914400" rtl="0" eaLnBrk="1" latinLnBrk="0" hangingPunct="1">
+      <a:defRPr sz="1200" kern="1200">
+        <a:solidFill>
+          <a:schemeClr val="tx1"/>
+        </a:solidFill>
+        <a:latin typeface="+mn-lt"/>
+        <a:ea typeface="+mn-ea"/>
+        <a:cs typeface="+mn-cs"/>
+      </a:defRPr>
+    </a:lvl6pPr>
+    <a:lvl7pPr marL="2743200" algn="l" defTabSz="914400" rtl="0" eaLnBrk="1" latinLnBrk="0" hangingPunct="1">
+      <a:defRPr sz="1200" kern="1200">
+        <a:solidFill>
+          <a:schemeClr val="tx1"/>
+        </a:solidFill>
+        <a:latin typeface="+mn-lt"/>
+        <a:ea typeface="+mn-ea"/>
+        <a:cs typeface="+mn-cs"/>
+      </a:defRPr>
+    </a:lvl7pPr>
+    <a:lvl8pPr marL="3200400" algn="l" defTabSz="914400" rtl="0" eaLnBrk="1" latinLnBrk="0" hangingPunct="1">
+      <a:defRPr sz="1200" kern="1200">
+        <a:solidFill>
+          <a:schemeClr val="tx1"/>
+        </a:solidFill>
+        <a:latin typeface="+mn-lt"/>
+        <a:ea typeface="+mn-ea"/>
+        <a:cs typeface="+mn-cs"/>
+      </a:defRPr>
+    </a:lvl8pPr>
+    <a:lvl9pPr marL="3657600" algn="l" defTabSz="914400" rtl="0" eaLnBrk="1" latinLnBrk="0" hangingPunct="1">
+      <a:defRPr sz="1200" kern="1200">
+        <a:solidFill>
+          <a:schemeClr val="tx1"/>
+        </a:solidFill>
+        <a:latin typeface="+mn-lt"/>
+        <a:ea typeface="+mn-ea"/>
+        <a:cs typeface="+mn-cs"/>
+      </a:defRPr>
+    </a:lvl9pPr>
+  </p:notesStyle>
+</p:notesMaster>
+</file>
+
+<file path=ppt/notesSlides/notesSlide1.xml><?xml version="1.0" encoding="utf-8"?>
+<p:notes xmlns:a="http://schemas.openxmlformats.org/drawingml/2006/main" xmlns:r="http://schemas.openxmlformats.org/officeDocument/2006/relationships" xmlns:p="http://schemas.openxmlformats.org/presentationml/2006/main">
+  <p:cSld>
+    <p:spTree>
+      <p:nvGrpSpPr>
+        <p:cNvPr id="1" name=""/>
+        <p:cNvGrpSpPr/>
+        <p:nvPr/>
+      </p:nvGrpSpPr>
+      <p:grpSpPr>
+        <a:xfrm>
+          <a:off x="0" y="0"/>
+          <a:ext cx="0" cy="0"/>
+          <a:chOff x="0" y="0"/>
+          <a:chExt cx="0" cy="0"/>
+        </a:xfrm>
+      </p:grpSpPr>
+      <p:sp>
+        <p:nvSpPr>
+          <p:cNvPr id="2" name="Slide Image Placeholder 1"/>
+          <p:cNvSpPr>
+            <a:spLocks noGrp="1" noRot="1" noChangeAspect="1"/>
+          </p:cNvSpPr>
+          <p:nvPr>
+            <p:ph type="sldImg"/>
+          </p:nvPr>
+        </p:nvSpPr>
+        <p:spPr/>
+      </p:sp>
+      <p:sp>
+        <p:nvSpPr>
+          <p:cNvPr id="3" name="Notes Placeholder 2"/>
+          <p:cNvSpPr>
+            <a:spLocks noGrp="1"/>
+          </p:cNvSpPr>
+          <p:nvPr>
+            <p:ph type="body" idx="1"/>
+          </p:nvPr>
+        </p:nvSpPr>
+        <p:spPr/>
+        <p:txBody>
+          <a:bodyPr/>
+          <a:lstStyle/>
+          <a:p>
+            <a:endParaRPr lang="en-US"/>
+          </a:p>
+        </p:txBody>
+      </p:sp>
+      <p:sp>
+        <p:nvSpPr>
+          <p:cNvPr id="4" name="Slide Number Placeholder 3"/>
+          <p:cNvSpPr>
+            <a:spLocks noGrp="1"/>
+          </p:cNvSpPr>
+          <p:nvPr>
+            <p:ph type="sldNum" sz="quarter" idx="5"/>
+          </p:nvPr>
+        </p:nvSpPr>
+        <p:spPr/>
+        <p:txBody>
+          <a:bodyPr/>
+          <a:lstStyle/>
+          <a:p>
+            <a:fld id="{A3FADD39-AB8A-4278-99D9-40CD8D745BA1}" type="slidenum">
+              <a:rPr lang="en-US" smtClean="0"/>
+              <a:t>1</a:t>
+            </a:fld>
+            <a:endParaRPr lang="en-US"/>
+          </a:p>
+        </p:txBody>
+      </p:sp>
+    </p:spTree>
+    <p:extLst>
+      <p:ext uri="{BB962C8B-B14F-4D97-AF65-F5344CB8AC3E}">
+        <p14:creationId xmlns:p14="http://schemas.microsoft.com/office/powerpoint/2010/main" val="2919710667"/>
+      </p:ext>
+    </p:extLst>
+  </p:cSld>
+  <p:clrMapOvr>
+    <a:masterClrMapping/>
+  </p:clrMapOvr>
+</p:notes>
+</file>
+
+<file path=ppt/notesSlides/notesSlide2.xml><?xml version="1.0" encoding="utf-8"?>
+<p:notes xmlns:a="http://schemas.openxmlformats.org/drawingml/2006/main" xmlns:r="http://schemas.openxmlformats.org/officeDocument/2006/relationships" xmlns:p="http://schemas.openxmlformats.org/presentationml/2006/main">
+  <p:cSld>
+    <p:spTree>
+      <p:nvGrpSpPr>
+        <p:cNvPr id="1" name=""/>
+        <p:cNvGrpSpPr/>
+        <p:nvPr/>
+      </p:nvGrpSpPr>
+      <p:grpSpPr>
+        <a:xfrm>
+          <a:off x="0" y="0"/>
+          <a:ext cx="0" cy="0"/>
+          <a:chOff x="0" y="0"/>
+          <a:chExt cx="0" cy="0"/>
+        </a:xfrm>
+      </p:grpSpPr>
+      <p:sp>
+        <p:nvSpPr>
+          <p:cNvPr id="2" name="Slide Image Placeholder 1"/>
+          <p:cNvSpPr>
+            <a:spLocks noGrp="1" noRot="1" noChangeAspect="1"/>
+          </p:cNvSpPr>
+          <p:nvPr>
+            <p:ph type="sldImg"/>
+          </p:nvPr>
+        </p:nvSpPr>
+        <p:spPr/>
+      </p:sp>
+      <p:sp>
+        <p:nvSpPr>
+          <p:cNvPr id="3" name="Notes Placeholder 2"/>
+          <p:cNvSpPr>
+            <a:spLocks noGrp="1"/>
+          </p:cNvSpPr>
+          <p:nvPr>
+            <p:ph type="body" idx="1"/>
+          </p:nvPr>
+        </p:nvSpPr>
+        <p:spPr/>
+        <p:txBody>
+          <a:bodyPr/>
+          <a:lstStyle/>
+          <a:p>
+            <a:r>
+              <a:rPr lang="en-US" dirty="0"/>
+              <a:t>My name is Juan Tarquino, I am software developer with 20 years of experience, mostly .NET and SQL, but I also did some Ruby and Java and even a dialect of Cobol earlier in my career.</a:t>
+            </a:r>
+          </a:p>
+          <a:p>
+            <a:r>
+              <a:rPr lang="en-US" dirty="0"/>
+              <a:t>Here is my linked in link, if you wish to contact me with questions or comments after the conference, or if you would just like to connect.</a:t>
+            </a:r>
+          </a:p>
+          <a:p>
+            <a:r>
+              <a:rPr lang="en-US" dirty="0"/>
+              <a:t>The sample GitHub repository for this session is at this link (QR code).</a:t>
+            </a:r>
+          </a:p>
+          <a:p>
+            <a:r>
+              <a:rPr lang="en-US" dirty="0"/>
+              <a:t>I know is hard to believe but I was not born in this country, so I do have an accent. Please feel free to ask me to repeat or to clarify things if there is something I am not explaining clearly. I will not be offended at all.</a:t>
+            </a:r>
+          </a:p>
+        </p:txBody>
+      </p:sp>
+      <p:sp>
+        <p:nvSpPr>
+          <p:cNvPr id="4" name="Slide Number Placeholder 3"/>
+          <p:cNvSpPr>
+            <a:spLocks noGrp="1"/>
+          </p:cNvSpPr>
+          <p:nvPr>
+            <p:ph type="sldNum" sz="quarter" idx="5"/>
+          </p:nvPr>
+        </p:nvSpPr>
+        <p:spPr/>
+        <p:txBody>
+          <a:bodyPr/>
+          <a:lstStyle/>
+          <a:p>
+            <a:fld id="{CDDD3684-6E52-4019-8D61-A9B0BAC0DBD6}" type="slidenum">
+              <a:rPr lang="en-US" smtClean="0"/>
+              <a:t>2</a:t>
+            </a:fld>
+            <a:endParaRPr lang="en-US"/>
+          </a:p>
+        </p:txBody>
+      </p:sp>
+    </p:spTree>
+    <p:extLst>
+      <p:ext uri="{BB962C8B-B14F-4D97-AF65-F5344CB8AC3E}">
+        <p14:creationId xmlns:p14="http://schemas.microsoft.com/office/powerpoint/2010/main" val="2469617870"/>
+      </p:ext>
+    </p:extLst>
+  </p:cSld>
+  <p:clrMapOvr>
+    <a:masterClrMapping/>
+  </p:clrMapOvr>
+</p:notes>
+</file>
+
+<file path=ppt/notesSlides/notesSlide3.xml><?xml version="1.0" encoding="utf-8"?>
+<p:notes xmlns:a="http://schemas.openxmlformats.org/drawingml/2006/main" xmlns:r="http://schemas.openxmlformats.org/officeDocument/2006/relationships" xmlns:p="http://schemas.openxmlformats.org/presentationml/2006/main">
+  <p:cSld>
+    <p:spTree>
+      <p:nvGrpSpPr>
+        <p:cNvPr id="1" name=""/>
+        <p:cNvGrpSpPr/>
+        <p:nvPr/>
+      </p:nvGrpSpPr>
+      <p:grpSpPr>
+        <a:xfrm>
+          <a:off x="0" y="0"/>
+          <a:ext cx="0" cy="0"/>
+          <a:chOff x="0" y="0"/>
+          <a:chExt cx="0" cy="0"/>
+        </a:xfrm>
+      </p:grpSpPr>
+      <p:sp>
+        <p:nvSpPr>
+          <p:cNvPr id="2" name="Slide Image Placeholder 1"/>
+          <p:cNvSpPr>
+            <a:spLocks noGrp="1" noRot="1" noChangeAspect="1"/>
+          </p:cNvSpPr>
+          <p:nvPr>
+            <p:ph type="sldImg"/>
+          </p:nvPr>
+        </p:nvSpPr>
+        <p:spPr/>
+      </p:sp>
+      <p:sp>
+        <p:nvSpPr>
+          <p:cNvPr id="3" name="Notes Placeholder 2"/>
+          <p:cNvSpPr>
+            <a:spLocks noGrp="1"/>
+          </p:cNvSpPr>
+          <p:nvPr>
+            <p:ph type="body" idx="1"/>
+          </p:nvPr>
+        </p:nvSpPr>
+        <p:spPr/>
+        <p:txBody>
+          <a:bodyPr/>
+          <a:lstStyle/>
+          <a:p>
+            <a:r>
+              <a:rPr lang="en-US" dirty="0"/>
+              <a:t>Today we will talk about how to use </a:t>
+            </a:r>
+            <a:r>
+              <a:rPr lang="en-US" dirty="0" err="1"/>
+              <a:t>PowerFX</a:t>
+            </a:r>
+            <a:r>
+              <a:rPr lang="en-US" dirty="0"/>
+              <a:t> from a .NET app. But before we move to that we will first go through a pretend scenario that will describe a problem that many Dev teams in the enterprise face.</a:t>
+            </a:r>
+          </a:p>
+          <a:p>
+            <a:r>
+              <a:rPr lang="en-US" dirty="0"/>
+              <a:t>We will then introduce what </a:t>
+            </a:r>
+            <a:r>
+              <a:rPr lang="en-US" dirty="0" err="1"/>
+              <a:t>PowerFX</a:t>
+            </a:r>
+            <a:r>
+              <a:rPr lang="en-US" dirty="0"/>
+              <a:t> is and how it can be a solution to the problem stated. </a:t>
+            </a:r>
+          </a:p>
+          <a:p>
+            <a:r>
+              <a:rPr lang="en-US" dirty="0"/>
+              <a:t>We will then move to how we can embed a </a:t>
+            </a:r>
+            <a:r>
+              <a:rPr lang="en-US" dirty="0" err="1"/>
+              <a:t>PowerFX</a:t>
+            </a:r>
+            <a:r>
+              <a:rPr lang="en-US" dirty="0"/>
+              <a:t> </a:t>
+            </a:r>
+            <a:r>
+              <a:rPr lang="en-US" dirty="0" err="1"/>
+              <a:t>interpereter</a:t>
+            </a:r>
+            <a:r>
+              <a:rPr lang="en-US" dirty="0"/>
+              <a:t> from a </a:t>
+            </a:r>
+            <a:r>
+              <a:rPr lang="en-US" dirty="0" err="1"/>
+              <a:t>.net</a:t>
+            </a:r>
+            <a:r>
+              <a:rPr lang="en-US" dirty="0"/>
+              <a:t> app in order to run </a:t>
+            </a:r>
+            <a:r>
+              <a:rPr lang="en-US" dirty="0" err="1"/>
+              <a:t>PowerFX</a:t>
+            </a:r>
+            <a:r>
+              <a:rPr lang="en-US" dirty="0"/>
+              <a:t> formulas from .NET.</a:t>
+            </a:r>
+          </a:p>
+          <a:p>
+            <a:r>
+              <a:rPr lang="en-US" dirty="0"/>
+              <a:t>Finally, we will explore ways we can extend </a:t>
+            </a:r>
+            <a:r>
+              <a:rPr lang="en-US" dirty="0" err="1"/>
+              <a:t>PowerFX</a:t>
+            </a:r>
+            <a:r>
+              <a:rPr lang="en-US" dirty="0"/>
+              <a:t> by creating custom functions in .NET that can be called from </a:t>
+            </a:r>
+            <a:r>
+              <a:rPr lang="en-US" dirty="0" err="1"/>
+              <a:t>PowerFX</a:t>
+            </a:r>
+            <a:r>
+              <a:rPr lang="en-US" dirty="0"/>
+              <a:t>.</a:t>
+            </a:r>
+          </a:p>
+        </p:txBody>
+      </p:sp>
+      <p:sp>
+        <p:nvSpPr>
+          <p:cNvPr id="4" name="Slide Number Placeholder 3"/>
+          <p:cNvSpPr>
+            <a:spLocks noGrp="1"/>
+          </p:cNvSpPr>
+          <p:nvPr>
+            <p:ph type="sldNum" sz="quarter" idx="5"/>
+          </p:nvPr>
+        </p:nvSpPr>
+        <p:spPr/>
+        <p:txBody>
+          <a:bodyPr/>
+          <a:lstStyle/>
+          <a:p>
+            <a:fld id="{A3FADD39-AB8A-4278-99D9-40CD8D745BA1}" type="slidenum">
+              <a:rPr lang="en-US" smtClean="0"/>
+              <a:t>3</a:t>
+            </a:fld>
+            <a:endParaRPr lang="en-US"/>
+          </a:p>
+        </p:txBody>
+      </p:sp>
+    </p:spTree>
+    <p:extLst>
+      <p:ext uri="{BB962C8B-B14F-4D97-AF65-F5344CB8AC3E}">
+        <p14:creationId xmlns:p14="http://schemas.microsoft.com/office/powerpoint/2010/main" val="1514823605"/>
+      </p:ext>
+    </p:extLst>
+  </p:cSld>
+  <p:clrMapOvr>
+    <a:masterClrMapping/>
+  </p:clrMapOvr>
+</p:notes>
+</file>
+
+<file path=ppt/notesSlides/notesSlide4.xml><?xml version="1.0" encoding="utf-8"?>
+<p:notes xmlns:a="http://schemas.openxmlformats.org/drawingml/2006/main" xmlns:r="http://schemas.openxmlformats.org/officeDocument/2006/relationships" xmlns:p="http://schemas.openxmlformats.org/presentationml/2006/main">
+  <p:cSld>
+    <p:spTree>
+      <p:nvGrpSpPr>
+        <p:cNvPr id="1" name=""/>
+        <p:cNvGrpSpPr/>
+        <p:nvPr/>
+      </p:nvGrpSpPr>
+      <p:grpSpPr>
+        <a:xfrm>
+          <a:off x="0" y="0"/>
+          <a:ext cx="0" cy="0"/>
+          <a:chOff x="0" y="0"/>
+          <a:chExt cx="0" cy="0"/>
+        </a:xfrm>
+      </p:grpSpPr>
+      <p:sp>
+        <p:nvSpPr>
+          <p:cNvPr id="2" name="Slide Image Placeholder 1"/>
+          <p:cNvSpPr>
+            <a:spLocks noGrp="1" noRot="1" noChangeAspect="1"/>
+          </p:cNvSpPr>
+          <p:nvPr>
+            <p:ph type="sldImg"/>
+          </p:nvPr>
+        </p:nvSpPr>
+        <p:spPr/>
+      </p:sp>
+      <p:sp>
+        <p:nvSpPr>
+          <p:cNvPr id="3" name="Notes Placeholder 2"/>
+          <p:cNvSpPr>
+            <a:spLocks noGrp="1"/>
+          </p:cNvSpPr>
+          <p:nvPr>
+            <p:ph type="body" idx="1"/>
+          </p:nvPr>
+        </p:nvSpPr>
+        <p:spPr/>
+        <p:txBody>
+          <a:bodyPr/>
+          <a:lstStyle/>
+          <a:p>
+            <a:r>
+              <a:rPr lang="en-US" dirty="0"/>
+              <a:t>We will start our session with a story abut a pretend company and a </a:t>
+            </a:r>
+            <a:r>
+              <a:rPr lang="en-US" dirty="0" err="1"/>
+              <a:t>a</a:t>
+            </a:r>
+            <a:r>
+              <a:rPr lang="en-US" dirty="0"/>
+              <a:t> fake dev team. This story will help us frame a problem that </a:t>
+            </a:r>
+            <a:r>
+              <a:rPr lang="en-US" dirty="0" err="1"/>
+              <a:t>PowerFX</a:t>
+            </a:r>
+            <a:r>
+              <a:rPr lang="en-US" dirty="0"/>
+              <a:t> is a good candidate to solve.</a:t>
+            </a:r>
+          </a:p>
+          <a:p>
+            <a:endParaRPr lang="en-US" dirty="0"/>
+          </a:p>
+          <a:p>
+            <a:r>
+              <a:rPr lang="en-US" dirty="0"/>
+              <a:t>Our pretend enterprise is </a:t>
+            </a:r>
+            <a:r>
+              <a:rPr lang="en-US" dirty="0" err="1"/>
+              <a:t>Pizzas’R’Us</a:t>
+            </a:r>
+            <a:r>
+              <a:rPr lang="en-US" dirty="0"/>
+              <a:t>. A small but profitable company, trying to be as nimble as possible. They provide pizza services to restaurants and super-markets.</a:t>
+            </a:r>
+          </a:p>
+        </p:txBody>
+      </p:sp>
+      <p:sp>
+        <p:nvSpPr>
+          <p:cNvPr id="4" name="Slide Number Placeholder 3"/>
+          <p:cNvSpPr>
+            <a:spLocks noGrp="1"/>
+          </p:cNvSpPr>
+          <p:nvPr>
+            <p:ph type="sldNum" sz="quarter" idx="5"/>
+          </p:nvPr>
+        </p:nvSpPr>
+        <p:spPr/>
+        <p:txBody>
+          <a:bodyPr/>
+          <a:lstStyle/>
+          <a:p>
+            <a:fld id="{CDDD3684-6E52-4019-8D61-A9B0BAC0DBD6}" type="slidenum">
+              <a:rPr lang="en-US" smtClean="0"/>
+              <a:t>4</a:t>
+            </a:fld>
+            <a:endParaRPr lang="en-US"/>
+          </a:p>
+        </p:txBody>
+      </p:sp>
+    </p:spTree>
+    <p:extLst>
+      <p:ext uri="{BB962C8B-B14F-4D97-AF65-F5344CB8AC3E}">
+        <p14:creationId xmlns:p14="http://schemas.microsoft.com/office/powerpoint/2010/main" val="2486648016"/>
+      </p:ext>
+    </p:extLst>
+  </p:cSld>
+  <p:clrMapOvr>
+    <a:masterClrMapping/>
+  </p:clrMapOvr>
+</p:notes>
+</file>
+
+<file path=ppt/notesSlides/notesSlide5.xml><?xml version="1.0" encoding="utf-8"?>
+<p:notes xmlns:a="http://schemas.openxmlformats.org/drawingml/2006/main" xmlns:r="http://schemas.openxmlformats.org/officeDocument/2006/relationships" xmlns:p="http://schemas.openxmlformats.org/presentationml/2006/main">
+  <p:cSld>
+    <p:spTree>
+      <p:nvGrpSpPr>
+        <p:cNvPr id="1" name=""/>
+        <p:cNvGrpSpPr/>
+        <p:nvPr/>
+      </p:nvGrpSpPr>
+      <p:grpSpPr>
+        <a:xfrm>
+          <a:off x="0" y="0"/>
+          <a:ext cx="0" cy="0"/>
+          <a:chOff x="0" y="0"/>
+          <a:chExt cx="0" cy="0"/>
+        </a:xfrm>
+      </p:grpSpPr>
+      <p:sp>
+        <p:nvSpPr>
+          <p:cNvPr id="2" name="Slide Image Placeholder 1"/>
+          <p:cNvSpPr>
+            <a:spLocks noGrp="1" noRot="1" noChangeAspect="1"/>
+          </p:cNvSpPr>
+          <p:nvPr>
+            <p:ph type="sldImg"/>
+          </p:nvPr>
+        </p:nvSpPr>
+        <p:spPr/>
+      </p:sp>
+      <p:sp>
+        <p:nvSpPr>
+          <p:cNvPr id="3" name="Notes Placeholder 2"/>
+          <p:cNvSpPr>
+            <a:spLocks noGrp="1"/>
+          </p:cNvSpPr>
+          <p:nvPr>
+            <p:ph type="body" idx="1"/>
+          </p:nvPr>
+        </p:nvSpPr>
+        <p:spPr/>
+        <p:txBody>
+          <a:bodyPr/>
+          <a:lstStyle/>
+          <a:p>
+            <a:r>
+              <a:rPr lang="en-US" dirty="0" err="1"/>
+              <a:t>Pizza’r’us</a:t>
+            </a:r>
+            <a:r>
+              <a:rPr lang="en-US" dirty="0"/>
+              <a:t> has a small dev team led by Alexandria. Alexandria is great .NET developer, and her talent has helped the business units achieve many of their goals via the custom apps and jobs she has created for them.</a:t>
+            </a:r>
+          </a:p>
+          <a:p>
+            <a:r>
+              <a:rPr lang="en-US" dirty="0"/>
+              <a:t>Because of the competitive business environment, the business units have been busy asking Alexandria for changes and new </a:t>
+            </a:r>
+            <a:r>
+              <a:rPr lang="en-US" dirty="0" err="1"/>
+              <a:t>feaures</a:t>
+            </a:r>
+            <a:r>
+              <a:rPr lang="en-US" dirty="0"/>
+              <a:t>. </a:t>
+            </a:r>
+          </a:p>
+          <a:p>
+            <a:r>
+              <a:rPr lang="en-US" dirty="0"/>
+              <a:t>Alexandria has a great reputation with the business side, but she sometimes feels like the bottleneck and wishes their was a way to make those changes faster or for another team to be able to help with the changes.</a:t>
+            </a:r>
+          </a:p>
+          <a:p>
+            <a:endParaRPr lang="en-US" dirty="0"/>
+          </a:p>
+          <a:p>
+            <a:r>
+              <a:rPr lang="en-US" dirty="0"/>
+              <a:t>She notices that the biggest part of those changes have been changes to business rules, as the business is trying to evolve their tactics to gain a competitive advantage.</a:t>
+            </a:r>
+          </a:p>
+          <a:p>
+            <a:r>
+              <a:rPr lang="en-US" dirty="0"/>
+              <a:t> </a:t>
+            </a:r>
+          </a:p>
+        </p:txBody>
+      </p:sp>
+      <p:sp>
+        <p:nvSpPr>
+          <p:cNvPr id="4" name="Slide Number Placeholder 3"/>
+          <p:cNvSpPr>
+            <a:spLocks noGrp="1"/>
+          </p:cNvSpPr>
+          <p:nvPr>
+            <p:ph type="sldNum" sz="quarter" idx="5"/>
+          </p:nvPr>
+        </p:nvSpPr>
+        <p:spPr/>
+        <p:txBody>
+          <a:bodyPr/>
+          <a:lstStyle/>
+          <a:p>
+            <a:fld id="{A3FADD39-AB8A-4278-99D9-40CD8D745BA1}" type="slidenum">
+              <a:rPr lang="en-US" smtClean="0"/>
+              <a:t>5</a:t>
+            </a:fld>
+            <a:endParaRPr lang="en-US"/>
+          </a:p>
+        </p:txBody>
+      </p:sp>
+    </p:spTree>
+    <p:extLst>
+      <p:ext uri="{BB962C8B-B14F-4D97-AF65-F5344CB8AC3E}">
+        <p14:creationId xmlns:p14="http://schemas.microsoft.com/office/powerpoint/2010/main" val="676335622"/>
+      </p:ext>
+    </p:extLst>
+  </p:cSld>
+  <p:clrMapOvr>
+    <a:masterClrMapping/>
+  </p:clrMapOvr>
+</p:notes>
+</file>
+
+<file path=ppt/notesSlides/notesSlide6.xml><?xml version="1.0" encoding="utf-8"?>
+<p:notes xmlns:a="http://schemas.openxmlformats.org/drawingml/2006/main" xmlns:r="http://schemas.openxmlformats.org/officeDocument/2006/relationships" xmlns:p="http://schemas.openxmlformats.org/presentationml/2006/main">
+  <p:cSld>
+    <p:spTree>
+      <p:nvGrpSpPr>
+        <p:cNvPr id="1" name=""/>
+        <p:cNvGrpSpPr/>
+        <p:nvPr/>
+      </p:nvGrpSpPr>
+      <p:grpSpPr>
+        <a:xfrm>
+          <a:off x="0" y="0"/>
+          <a:ext cx="0" cy="0"/>
+          <a:chOff x="0" y="0"/>
+          <a:chExt cx="0" cy="0"/>
+        </a:xfrm>
+      </p:grpSpPr>
+      <p:sp>
+        <p:nvSpPr>
+          <p:cNvPr id="2" name="Slide Image Placeholder 1"/>
+          <p:cNvSpPr>
+            <a:spLocks noGrp="1" noRot="1" noChangeAspect="1"/>
+          </p:cNvSpPr>
+          <p:nvPr>
+            <p:ph type="sldImg"/>
+          </p:nvPr>
+        </p:nvSpPr>
+        <p:spPr/>
+      </p:sp>
+      <p:sp>
+        <p:nvSpPr>
+          <p:cNvPr id="3" name="Notes Placeholder 2"/>
+          <p:cNvSpPr>
+            <a:spLocks noGrp="1"/>
+          </p:cNvSpPr>
+          <p:nvPr>
+            <p:ph type="body" idx="1"/>
+          </p:nvPr>
+        </p:nvSpPr>
+        <p:spPr/>
+        <p:txBody>
+          <a:bodyPr/>
+          <a:lstStyle/>
+          <a:p>
+            <a:endParaRPr lang="en-US"/>
+          </a:p>
+        </p:txBody>
+      </p:sp>
+      <p:sp>
+        <p:nvSpPr>
+          <p:cNvPr id="4" name="Slide Number Placeholder 3"/>
+          <p:cNvSpPr>
+            <a:spLocks noGrp="1"/>
+          </p:cNvSpPr>
+          <p:nvPr>
+            <p:ph type="sldNum" sz="quarter" idx="5"/>
+          </p:nvPr>
+        </p:nvSpPr>
+        <p:spPr/>
+        <p:txBody>
+          <a:bodyPr/>
+          <a:lstStyle/>
+          <a:p>
+            <a:fld id="{A3FADD39-AB8A-4278-99D9-40CD8D745BA1}" type="slidenum">
+              <a:rPr lang="en-US" smtClean="0"/>
+              <a:t>6</a:t>
+            </a:fld>
+            <a:endParaRPr lang="en-US"/>
+          </a:p>
+        </p:txBody>
+      </p:sp>
+    </p:spTree>
+    <p:extLst>
+      <p:ext uri="{BB962C8B-B14F-4D97-AF65-F5344CB8AC3E}">
+        <p14:creationId xmlns:p14="http://schemas.microsoft.com/office/powerpoint/2010/main" val="1107287744"/>
+      </p:ext>
+    </p:extLst>
+  </p:cSld>
+  <p:clrMapOvr>
+    <a:masterClrMapping/>
+  </p:clrMapOvr>
+</p:notes>
+</file>
+
+<file path=ppt/notesSlides/notesSlide7.xml><?xml version="1.0" encoding="utf-8"?>
+<p:notes xmlns:a="http://schemas.openxmlformats.org/drawingml/2006/main" xmlns:r="http://schemas.openxmlformats.org/officeDocument/2006/relationships" xmlns:p="http://schemas.openxmlformats.org/presentationml/2006/main">
+  <p:cSld>
+    <p:spTree>
+      <p:nvGrpSpPr>
+        <p:cNvPr id="1" name=""/>
+        <p:cNvGrpSpPr/>
+        <p:nvPr/>
+      </p:nvGrpSpPr>
+      <p:grpSpPr>
+        <a:xfrm>
+          <a:off x="0" y="0"/>
+          <a:ext cx="0" cy="0"/>
+          <a:chOff x="0" y="0"/>
+          <a:chExt cx="0" cy="0"/>
+        </a:xfrm>
+      </p:grpSpPr>
+      <p:sp>
+        <p:nvSpPr>
+          <p:cNvPr id="2" name="Slide Image Placeholder 1"/>
+          <p:cNvSpPr>
+            <a:spLocks noGrp="1" noRot="1" noChangeAspect="1"/>
+          </p:cNvSpPr>
+          <p:nvPr>
+            <p:ph type="sldImg"/>
+          </p:nvPr>
+        </p:nvSpPr>
+        <p:spPr/>
+      </p:sp>
+      <p:sp>
+        <p:nvSpPr>
+          <p:cNvPr id="3" name="Notes Placeholder 2"/>
+          <p:cNvSpPr>
+            <a:spLocks noGrp="1"/>
+          </p:cNvSpPr>
+          <p:nvPr>
+            <p:ph type="body" idx="1"/>
+          </p:nvPr>
+        </p:nvSpPr>
+        <p:spPr/>
+        <p:txBody>
+          <a:bodyPr/>
+          <a:lstStyle/>
+          <a:p>
+            <a:endParaRPr lang="en-US"/>
+          </a:p>
+        </p:txBody>
+      </p:sp>
+      <p:sp>
+        <p:nvSpPr>
+          <p:cNvPr id="4" name="Slide Number Placeholder 3"/>
+          <p:cNvSpPr>
+            <a:spLocks noGrp="1"/>
+          </p:cNvSpPr>
+          <p:nvPr>
+            <p:ph type="sldNum" sz="quarter" idx="5"/>
+          </p:nvPr>
+        </p:nvSpPr>
+        <p:spPr/>
+        <p:txBody>
+          <a:bodyPr/>
+          <a:lstStyle/>
+          <a:p>
+            <a:fld id="{A3FADD39-AB8A-4278-99D9-40CD8D745BA1}" type="slidenum">
+              <a:rPr lang="en-US" smtClean="0"/>
+              <a:t>7</a:t>
+            </a:fld>
+            <a:endParaRPr lang="en-US"/>
+          </a:p>
+        </p:txBody>
+      </p:sp>
+    </p:spTree>
+    <p:extLst>
+      <p:ext uri="{BB962C8B-B14F-4D97-AF65-F5344CB8AC3E}">
+        <p14:creationId xmlns:p14="http://schemas.microsoft.com/office/powerpoint/2010/main" val="2463375002"/>
+      </p:ext>
+    </p:extLst>
+  </p:cSld>
+  <p:clrMapOvr>
+    <a:masterClrMapping/>
+  </p:clrMapOvr>
+</p:notes>
+</file>
+
 <file path=ppt/slideLayouts/slideLayout1.xml><?xml version="1.0" encoding="utf-8"?>
 <p:sldLayout xmlns:a="http://schemas.openxmlformats.org/drawingml/2006/main" xmlns:r="http://schemas.openxmlformats.org/officeDocument/2006/relationships" xmlns:p="http://schemas.openxmlformats.org/presentationml/2006/main" type="title" preserve="1">
   <p:cSld name="Title Slide">
@@ -3098,7 +4234,7 @@
           <a:p>
             <a:fld id="{5CDD294D-83BB-48C2-9EE9-4B0B0168A414}" type="datetimeFigureOut">
               <a:rPr lang="en-US" smtClean="0"/>
-              <a:t>10/6/2025</a:t>
+              <a:t>2/28/2026</a:t>
             </a:fld>
             <a:endParaRPr lang="en-US"/>
           </a:p>
@@ -3296,7 +4432,7 @@
           <a:p>
             <a:fld id="{5CDD294D-83BB-48C2-9EE9-4B0B0168A414}" type="datetimeFigureOut">
               <a:rPr lang="en-US" smtClean="0"/>
-              <a:t>10/6/2025</a:t>
+              <a:t>2/28/2026</a:t>
             </a:fld>
             <a:endParaRPr lang="en-US"/>
           </a:p>
@@ -3504,7 +4640,7 @@
           <a:p>
             <a:fld id="{5CDD294D-83BB-48C2-9EE9-4B0B0168A414}" type="datetimeFigureOut">
               <a:rPr lang="en-US" smtClean="0"/>
-              <a:t>10/6/2025</a:t>
+              <a:t>2/28/2026</a:t>
             </a:fld>
             <a:endParaRPr lang="en-US"/>
           </a:p>
@@ -3702,7 +4838,7 @@
           <a:p>
             <a:fld id="{5CDD294D-83BB-48C2-9EE9-4B0B0168A414}" type="datetimeFigureOut">
               <a:rPr lang="en-US" smtClean="0"/>
-              <a:t>10/6/2025</a:t>
+              <a:t>2/28/2026</a:t>
             </a:fld>
             <a:endParaRPr lang="en-US"/>
           </a:p>
@@ -3977,7 +5113,7 @@
           <a:p>
             <a:fld id="{5CDD294D-83BB-48C2-9EE9-4B0B0168A414}" type="datetimeFigureOut">
               <a:rPr lang="en-US" smtClean="0"/>
-              <a:t>10/6/2025</a:t>
+              <a:t>2/28/2026</a:t>
             </a:fld>
             <a:endParaRPr lang="en-US"/>
           </a:p>
@@ -4242,7 +5378,7 @@
           <a:p>
             <a:fld id="{5CDD294D-83BB-48C2-9EE9-4B0B0168A414}" type="datetimeFigureOut">
               <a:rPr lang="en-US" smtClean="0"/>
-              <a:t>10/6/2025</a:t>
+              <a:t>2/28/2026</a:t>
             </a:fld>
             <a:endParaRPr lang="en-US"/>
           </a:p>
@@ -4654,7 +5790,7 @@
           <a:p>
             <a:fld id="{5CDD294D-83BB-48C2-9EE9-4B0B0168A414}" type="datetimeFigureOut">
               <a:rPr lang="en-US" smtClean="0"/>
-              <a:t>10/6/2025</a:t>
+              <a:t>2/28/2026</a:t>
             </a:fld>
             <a:endParaRPr lang="en-US"/>
           </a:p>
@@ -4795,7 +5931,7 @@
           <a:p>
             <a:fld id="{5CDD294D-83BB-48C2-9EE9-4B0B0168A414}" type="datetimeFigureOut">
               <a:rPr lang="en-US" smtClean="0"/>
-              <a:t>10/6/2025</a:t>
+              <a:t>2/28/2026</a:t>
             </a:fld>
             <a:endParaRPr lang="en-US"/>
           </a:p>
@@ -4908,7 +6044,7 @@
           <a:p>
             <a:fld id="{5CDD294D-83BB-48C2-9EE9-4B0B0168A414}" type="datetimeFigureOut">
               <a:rPr lang="en-US" smtClean="0"/>
-              <a:t>10/6/2025</a:t>
+              <a:t>2/28/2026</a:t>
             </a:fld>
             <a:endParaRPr lang="en-US"/>
           </a:p>
@@ -5219,7 +6355,7 @@
           <a:p>
             <a:fld id="{5CDD294D-83BB-48C2-9EE9-4B0B0168A414}" type="datetimeFigureOut">
               <a:rPr lang="en-US" smtClean="0"/>
-              <a:t>10/6/2025</a:t>
+              <a:t>2/28/2026</a:t>
             </a:fld>
             <a:endParaRPr lang="en-US"/>
           </a:p>
@@ -5507,7 +6643,7 @@
           <a:p>
             <a:fld id="{5CDD294D-83BB-48C2-9EE9-4B0B0168A414}" type="datetimeFigureOut">
               <a:rPr lang="en-US" smtClean="0"/>
-              <a:t>10/6/2025</a:t>
+              <a:t>2/28/2026</a:t>
             </a:fld>
             <a:endParaRPr lang="en-US"/>
           </a:p>
@@ -5748,7 +6884,7 @@
           <a:p>
             <a:fld id="{5CDD294D-83BB-48C2-9EE9-4B0B0168A414}" type="datetimeFigureOut">
               <a:rPr lang="en-US" smtClean="0"/>
-              <a:t>10/6/2025</a:t>
+              <a:t>2/28/2026</a:t>
             </a:fld>
             <a:endParaRPr lang="en-US"/>
           </a:p>
@@ -6264,33 +7400,33 @@
           <a:custGeom>
             <a:avLst/>
             <a:gdLst>
-              <a:gd name="connsiteX0" fmla="*/ 0 w 5649003"/>
-              <a:gd name="connsiteY0" fmla="*/ 5325836 h 10651671"/>
-              <a:gd name="connsiteX1" fmla="*/ 2824502 w 5649003"/>
-              <a:gd name="connsiteY1" fmla="*/ 0 h 10651671"/>
-              <a:gd name="connsiteX2" fmla="*/ 5649004 w 5649003"/>
-              <a:gd name="connsiteY2" fmla="*/ 5325836 h 10651671"/>
-              <a:gd name="connsiteX3" fmla="*/ 2824502 w 5649003"/>
-              <a:gd name="connsiteY3" fmla="*/ 10651672 h 10651671"/>
-              <a:gd name="connsiteX4" fmla="*/ 0 w 5649003"/>
-              <a:gd name="connsiteY4" fmla="*/ 5325836 h 10651671"/>
+              <a:gd name="csX0" fmla="*/ 0 w 5649003"/>
+              <a:gd name="csY0" fmla="*/ 5325836 h 10651671"/>
+              <a:gd name="csX1" fmla="*/ 2824502 w 5649003"/>
+              <a:gd name="csY1" fmla="*/ 0 h 10651671"/>
+              <a:gd name="csX2" fmla="*/ 5649004 w 5649003"/>
+              <a:gd name="csY2" fmla="*/ 5325836 h 10651671"/>
+              <a:gd name="csX3" fmla="*/ 2824502 w 5649003"/>
+              <a:gd name="csY3" fmla="*/ 10651672 h 10651671"/>
+              <a:gd name="csX4" fmla="*/ 0 w 5649003"/>
+              <a:gd name="csY4" fmla="*/ 5325836 h 10651671"/>
             </a:gdLst>
             <a:ahLst/>
             <a:cxnLst>
               <a:cxn ang="0">
-                <a:pos x="connsiteX0" y="connsiteY0"/>
-              </a:cxn>
-              <a:cxn ang="0">
-                <a:pos x="connsiteX1" y="connsiteY1"/>
-              </a:cxn>
-              <a:cxn ang="0">
-                <a:pos x="connsiteX2" y="connsiteY2"/>
-              </a:cxn>
-              <a:cxn ang="0">
-                <a:pos x="connsiteX3" y="connsiteY3"/>
-              </a:cxn>
-              <a:cxn ang="0">
-                <a:pos x="connsiteX4" y="connsiteY4"/>
+                <a:pos x="csX0" y="csY0"/>
+              </a:cxn>
+              <a:cxn ang="0">
+                <a:pos x="csX1" y="csY1"/>
+              </a:cxn>
+              <a:cxn ang="0">
+                <a:pos x="csX2" y="csY2"/>
+              </a:cxn>
+              <a:cxn ang="0">
+                <a:pos x="csX3" y="csY3"/>
+              </a:cxn>
+              <a:cxn ang="0">
+                <a:pos x="csX4" y="csY4"/>
               </a:cxn>
             </a:cxnLst>
             <a:rect l="l" t="t" r="r" b="b"/>
@@ -6424,12 +7560,28 @@
           <a:lstStyle/>
           <a:p>
             <a:r>
-              <a:rPr lang="en-US" sz="6600">
+              <a:rPr lang="en-US" sz="6600" dirty="0">
                 <a:solidFill>
                   <a:srgbClr val="FFFFFF"/>
                 </a:solidFill>
               </a:rPr>
-              <a:t>Embed PowerFX in your .NET Apps!</a:t>
+              <a:t>Embed </a:t>
+            </a:r>
+            <a:r>
+              <a:rPr lang="en-US" sz="6600" dirty="0" err="1">
+                <a:solidFill>
+                  <a:srgbClr val="FFFFFF"/>
+                </a:solidFill>
+              </a:rPr>
+              <a:t>PowerFX</a:t>
+            </a:r>
+            <a:r>
+              <a:rPr lang="en-US" sz="6600" dirty="0">
+                <a:solidFill>
+                  <a:srgbClr val="FFFFFF"/>
+                </a:solidFill>
+              </a:rPr>
+              <a:t> in your .NET Apps!</a:t>
             </a:r>
           </a:p>
         </p:txBody>
@@ -6501,93 +7653,93 @@
           <a:custGeom>
             <a:avLst/>
             <a:gdLst>
-              <a:gd name="connsiteX0" fmla="*/ 0 w 4243589"/>
-              <a:gd name="connsiteY0" fmla="*/ 0 h 18288"/>
-              <a:gd name="connsiteX1" fmla="*/ 563791 w 4243589"/>
-              <a:gd name="connsiteY1" fmla="*/ 0 h 18288"/>
-              <a:gd name="connsiteX2" fmla="*/ 1042710 w 4243589"/>
-              <a:gd name="connsiteY2" fmla="*/ 0 h 18288"/>
-              <a:gd name="connsiteX3" fmla="*/ 1564066 w 4243589"/>
-              <a:gd name="connsiteY3" fmla="*/ 0 h 18288"/>
-              <a:gd name="connsiteX4" fmla="*/ 2212729 w 4243589"/>
-              <a:gd name="connsiteY4" fmla="*/ 0 h 18288"/>
-              <a:gd name="connsiteX5" fmla="*/ 2776520 w 4243589"/>
-              <a:gd name="connsiteY5" fmla="*/ 0 h 18288"/>
-              <a:gd name="connsiteX6" fmla="*/ 3297875 w 4243589"/>
-              <a:gd name="connsiteY6" fmla="*/ 0 h 18288"/>
-              <a:gd name="connsiteX7" fmla="*/ 4243589 w 4243589"/>
-              <a:gd name="connsiteY7" fmla="*/ 0 h 18288"/>
-              <a:gd name="connsiteX8" fmla="*/ 4243589 w 4243589"/>
-              <a:gd name="connsiteY8" fmla="*/ 18288 h 18288"/>
-              <a:gd name="connsiteX9" fmla="*/ 3637362 w 4243589"/>
-              <a:gd name="connsiteY9" fmla="*/ 18288 h 18288"/>
-              <a:gd name="connsiteX10" fmla="*/ 3116007 w 4243589"/>
-              <a:gd name="connsiteY10" fmla="*/ 18288 h 18288"/>
-              <a:gd name="connsiteX11" fmla="*/ 2424908 w 4243589"/>
-              <a:gd name="connsiteY11" fmla="*/ 18288 h 18288"/>
-              <a:gd name="connsiteX12" fmla="*/ 1861117 w 4243589"/>
-              <a:gd name="connsiteY12" fmla="*/ 18288 h 18288"/>
-              <a:gd name="connsiteX13" fmla="*/ 1382198 w 4243589"/>
-              <a:gd name="connsiteY13" fmla="*/ 18288 h 18288"/>
-              <a:gd name="connsiteX14" fmla="*/ 733535 w 4243589"/>
-              <a:gd name="connsiteY14" fmla="*/ 18288 h 18288"/>
-              <a:gd name="connsiteX15" fmla="*/ 0 w 4243589"/>
-              <a:gd name="connsiteY15" fmla="*/ 18288 h 18288"/>
-              <a:gd name="connsiteX16" fmla="*/ 0 w 4243589"/>
-              <a:gd name="connsiteY16" fmla="*/ 0 h 18288"/>
+              <a:gd name="csX0" fmla="*/ 0 w 4243589"/>
+              <a:gd name="csY0" fmla="*/ 0 h 18288"/>
+              <a:gd name="csX1" fmla="*/ 563791 w 4243589"/>
+              <a:gd name="csY1" fmla="*/ 0 h 18288"/>
+              <a:gd name="csX2" fmla="*/ 1042710 w 4243589"/>
+              <a:gd name="csY2" fmla="*/ 0 h 18288"/>
+              <a:gd name="csX3" fmla="*/ 1564066 w 4243589"/>
+              <a:gd name="csY3" fmla="*/ 0 h 18288"/>
+              <a:gd name="csX4" fmla="*/ 2212729 w 4243589"/>
+              <a:gd name="csY4" fmla="*/ 0 h 18288"/>
+              <a:gd name="csX5" fmla="*/ 2776520 w 4243589"/>
+              <a:gd name="csY5" fmla="*/ 0 h 18288"/>
+              <a:gd name="csX6" fmla="*/ 3297875 w 4243589"/>
+              <a:gd name="csY6" fmla="*/ 0 h 18288"/>
+              <a:gd name="csX7" fmla="*/ 4243589 w 4243589"/>
+              <a:gd name="csY7" fmla="*/ 0 h 18288"/>
+              <a:gd name="csX8" fmla="*/ 4243589 w 4243589"/>
+              <a:gd name="csY8" fmla="*/ 18288 h 18288"/>
+              <a:gd name="csX9" fmla="*/ 3637362 w 4243589"/>
+              <a:gd name="csY9" fmla="*/ 18288 h 18288"/>
+              <a:gd name="csX10" fmla="*/ 3116007 w 4243589"/>
+              <a:gd name="csY10" fmla="*/ 18288 h 18288"/>
+              <a:gd name="csX11" fmla="*/ 2424908 w 4243589"/>
+              <a:gd name="csY11" fmla="*/ 18288 h 18288"/>
+              <a:gd name="csX12" fmla="*/ 1861117 w 4243589"/>
+              <a:gd name="csY12" fmla="*/ 18288 h 18288"/>
+              <a:gd name="csX13" fmla="*/ 1382198 w 4243589"/>
+              <a:gd name="csY13" fmla="*/ 18288 h 18288"/>
+              <a:gd name="csX14" fmla="*/ 733535 w 4243589"/>
+              <a:gd name="csY14" fmla="*/ 18288 h 18288"/>
+              <a:gd name="csX15" fmla="*/ 0 w 4243589"/>
+              <a:gd name="csY15" fmla="*/ 18288 h 18288"/>
+              <a:gd name="csX16" fmla="*/ 0 w 4243589"/>
+              <a:gd name="csY16" fmla="*/ 0 h 18288"/>
             </a:gdLst>
             <a:ahLst/>
             <a:cxnLst>
               <a:cxn ang="0">
-                <a:pos x="connsiteX0" y="connsiteY0"/>
-              </a:cxn>
-              <a:cxn ang="0">
-                <a:pos x="connsiteX1" y="connsiteY1"/>
-              </a:cxn>
-              <a:cxn ang="0">
-                <a:pos x="connsiteX2" y="connsiteY2"/>
-              </a:cxn>
-              <a:cxn ang="0">
-                <a:pos x="connsiteX3" y="connsiteY3"/>
-              </a:cxn>
-              <a:cxn ang="0">
-                <a:pos x="connsiteX4" y="connsiteY4"/>
-              </a:cxn>
-              <a:cxn ang="0">
-                <a:pos x="connsiteX5" y="connsiteY5"/>
-              </a:cxn>
-              <a:cxn ang="0">
-                <a:pos x="connsiteX6" y="connsiteY6"/>
-              </a:cxn>
-              <a:cxn ang="0">
-                <a:pos x="connsiteX7" y="connsiteY7"/>
-              </a:cxn>
-              <a:cxn ang="0">
-                <a:pos x="connsiteX8" y="connsiteY8"/>
-              </a:cxn>
-              <a:cxn ang="0">
-                <a:pos x="connsiteX9" y="connsiteY9"/>
-              </a:cxn>
-              <a:cxn ang="0">
-                <a:pos x="connsiteX10" y="connsiteY10"/>
-              </a:cxn>
-              <a:cxn ang="0">
-                <a:pos x="connsiteX11" y="connsiteY11"/>
-              </a:cxn>
-              <a:cxn ang="0">
-                <a:pos x="connsiteX12" y="connsiteY12"/>
-              </a:cxn>
-              <a:cxn ang="0">
-                <a:pos x="connsiteX13" y="connsiteY13"/>
-              </a:cxn>
-              <a:cxn ang="0">
-                <a:pos x="connsiteX14" y="connsiteY14"/>
-              </a:cxn>
-              <a:cxn ang="0">
-                <a:pos x="connsiteX15" y="connsiteY15"/>
-              </a:cxn>
-              <a:cxn ang="0">
-                <a:pos x="connsiteX16" y="connsiteY16"/>
+                <a:pos x="csX0" y="csY0"/>
+              </a:cxn>
+              <a:cxn ang="0">
+                <a:pos x="csX1" y="csY1"/>
+              </a:cxn>
+              <a:cxn ang="0">
+                <a:pos x="csX2" y="csY2"/>
+              </a:cxn>
+              <a:cxn ang="0">
+                <a:pos x="csX3" y="csY3"/>
+              </a:cxn>
+              <a:cxn ang="0">
+                <a:pos x="csX4" y="csY4"/>
+              </a:cxn>
+              <a:cxn ang="0">
+                <a:pos x="csX5" y="csY5"/>
+              </a:cxn>
+              <a:cxn ang="0">
+                <a:pos x="csX6" y="csY6"/>
+              </a:cxn>
+              <a:cxn ang="0">
+                <a:pos x="csX7" y="csY7"/>
+              </a:cxn>
+              <a:cxn ang="0">
+                <a:pos x="csX8" y="csY8"/>
+              </a:cxn>
+              <a:cxn ang="0">
+                <a:pos x="csX9" y="csY9"/>
+              </a:cxn>
+              <a:cxn ang="0">
+                <a:pos x="csX10" y="csY10"/>
+              </a:cxn>
+              <a:cxn ang="0">
+                <a:pos x="csX11" y="csY11"/>
+              </a:cxn>
+              <a:cxn ang="0">
+                <a:pos x="csX12" y="csY12"/>
+              </a:cxn>
+              <a:cxn ang="0">
+                <a:pos x="csX13" y="csY13"/>
+              </a:cxn>
+              <a:cxn ang="0">
+                <a:pos x="csX14" y="csY14"/>
+              </a:cxn>
+              <a:cxn ang="0">
+                <a:pos x="csX15" y="csY15"/>
+              </a:cxn>
+              <a:cxn ang="0">
+                <a:pos x="csX16" y="csY16"/>
               </a:cxn>
             </a:cxnLst>
             <a:rect l="l" t="t" r="r" b="b"/>
@@ -6826,7 +7978,7 @@
 </p:sld>
 </file>
 
-<file path=ppt/slides/slide2.xml><?xml version="1.0" encoding="utf-8"?>
+<file path=ppt/slides/slide10.xml><?xml version="1.0" encoding="utf-8"?>
 <p:sld xmlns:a="http://schemas.openxmlformats.org/drawingml/2006/main" xmlns:r="http://schemas.openxmlformats.org/officeDocument/2006/relationships" xmlns:p="http://schemas.openxmlformats.org/presentationml/2006/main">
   <p:cSld>
     <p:bg>
@@ -6853,7 +8005,7 @@
       </p:grpSpPr>
       <p:sp useBgFill="1">
         <p:nvSpPr>
-          <p:cNvPr id="8" name="Rectangle 7">
+          <p:cNvPr id="19" name="Rectangle 18">
             <a:extLst>
               <a:ext uri="{FF2B5EF4-FFF2-40B4-BE49-F238E27FC236}">
                 <a16:creationId xmlns:a16="http://schemas.microsoft.com/office/drawing/2014/main" id="{100EDD19-6802-4EC3-95CE-CFFAB042CFD6}"/>
@@ -6916,7 +8068,7 @@
           <p:cNvPr id="2" name="Title 1">
             <a:extLst>
               <a:ext uri="{FF2B5EF4-FFF2-40B4-BE49-F238E27FC236}">
-                <a16:creationId xmlns:a16="http://schemas.microsoft.com/office/drawing/2014/main" id="{3630D041-AC4E-A657-E3F2-972A41C6004F}"/>
+                <a16:creationId xmlns:a16="http://schemas.microsoft.com/office/drawing/2014/main" id="{ED378837-F088-4F73-261A-E994B5D75E04}"/>
               </a:ext>
             </a:extLst>
           </p:cNvPr>
@@ -6940,15 +8092,15 @@
           <a:lstStyle/>
           <a:p>
             <a:r>
-              <a:rPr lang="en-US" sz="5400"/>
-              <a:t>Outline</a:t>
+              <a:rPr lang="en-US" sz="4200"/>
+              <a:t>Why we should consider using PowerFX from our .NET apps</a:t>
             </a:r>
           </a:p>
         </p:txBody>
       </p:sp>
       <p:sp>
         <p:nvSpPr>
-          <p:cNvPr id="10" name="sketch line">
+          <p:cNvPr id="21" name="sketch line">
             <a:extLst>
               <a:ext uri="{FF2B5EF4-FFF2-40B4-BE49-F238E27FC236}">
                 <a16:creationId xmlns:a16="http://schemas.microsoft.com/office/drawing/2014/main" id="{DB17E863-922E-4C26-BD64-E8FD41D28661}"/>
@@ -6977,188 +8129,188 @@
           <a:custGeom>
             <a:avLst/>
             <a:gdLst>
-              <a:gd name="connsiteX0" fmla="*/ 0 w 10853928"/>
-              <a:gd name="connsiteY0" fmla="*/ 0 h 18288"/>
-              <a:gd name="connsiteX1" fmla="*/ 461292 w 10853928"/>
-              <a:gd name="connsiteY1" fmla="*/ 0 h 18288"/>
-              <a:gd name="connsiteX2" fmla="*/ 1139662 w 10853928"/>
-              <a:gd name="connsiteY2" fmla="*/ 0 h 18288"/>
-              <a:gd name="connsiteX3" fmla="*/ 1926572 w 10853928"/>
-              <a:gd name="connsiteY3" fmla="*/ 0 h 18288"/>
-              <a:gd name="connsiteX4" fmla="*/ 2279325 w 10853928"/>
-              <a:gd name="connsiteY4" fmla="*/ 0 h 18288"/>
-              <a:gd name="connsiteX5" fmla="*/ 2632078 w 10853928"/>
-              <a:gd name="connsiteY5" fmla="*/ 0 h 18288"/>
-              <a:gd name="connsiteX6" fmla="*/ 3527527 w 10853928"/>
-              <a:gd name="connsiteY6" fmla="*/ 0 h 18288"/>
-              <a:gd name="connsiteX7" fmla="*/ 4205897 w 10853928"/>
-              <a:gd name="connsiteY7" fmla="*/ 0 h 18288"/>
-              <a:gd name="connsiteX8" fmla="*/ 4558650 w 10853928"/>
-              <a:gd name="connsiteY8" fmla="*/ 0 h 18288"/>
-              <a:gd name="connsiteX9" fmla="*/ 5237020 w 10853928"/>
-              <a:gd name="connsiteY9" fmla="*/ 0 h 18288"/>
-              <a:gd name="connsiteX10" fmla="*/ 6132469 w 10853928"/>
-              <a:gd name="connsiteY10" fmla="*/ 0 h 18288"/>
-              <a:gd name="connsiteX11" fmla="*/ 6702301 w 10853928"/>
-              <a:gd name="connsiteY11" fmla="*/ 0 h 18288"/>
-              <a:gd name="connsiteX12" fmla="*/ 7272132 w 10853928"/>
-              <a:gd name="connsiteY12" fmla="*/ 0 h 18288"/>
-              <a:gd name="connsiteX13" fmla="*/ 7950502 w 10853928"/>
-              <a:gd name="connsiteY13" fmla="*/ 0 h 18288"/>
-              <a:gd name="connsiteX14" fmla="*/ 8737412 w 10853928"/>
-              <a:gd name="connsiteY14" fmla="*/ 0 h 18288"/>
-              <a:gd name="connsiteX15" fmla="*/ 9524322 w 10853928"/>
-              <a:gd name="connsiteY15" fmla="*/ 0 h 18288"/>
-              <a:gd name="connsiteX16" fmla="*/ 10853928 w 10853928"/>
-              <a:gd name="connsiteY16" fmla="*/ 0 h 18288"/>
-              <a:gd name="connsiteX17" fmla="*/ 10853928 w 10853928"/>
-              <a:gd name="connsiteY17" fmla="*/ 18288 h 18288"/>
-              <a:gd name="connsiteX18" fmla="*/ 10392636 w 10853928"/>
-              <a:gd name="connsiteY18" fmla="*/ 18288 h 18288"/>
-              <a:gd name="connsiteX19" fmla="*/ 9497187 w 10853928"/>
-              <a:gd name="connsiteY19" fmla="*/ 18288 h 18288"/>
-              <a:gd name="connsiteX20" fmla="*/ 8818817 w 10853928"/>
-              <a:gd name="connsiteY20" fmla="*/ 18288 h 18288"/>
-              <a:gd name="connsiteX21" fmla="*/ 8466064 w 10853928"/>
-              <a:gd name="connsiteY21" fmla="*/ 18288 h 18288"/>
-              <a:gd name="connsiteX22" fmla="*/ 7787693 w 10853928"/>
-              <a:gd name="connsiteY22" fmla="*/ 18288 h 18288"/>
-              <a:gd name="connsiteX23" fmla="*/ 7217862 w 10853928"/>
-              <a:gd name="connsiteY23" fmla="*/ 18288 h 18288"/>
-              <a:gd name="connsiteX24" fmla="*/ 6648031 w 10853928"/>
-              <a:gd name="connsiteY24" fmla="*/ 18288 h 18288"/>
-              <a:gd name="connsiteX25" fmla="*/ 6078200 w 10853928"/>
-              <a:gd name="connsiteY25" fmla="*/ 18288 h 18288"/>
-              <a:gd name="connsiteX26" fmla="*/ 5508368 w 10853928"/>
-              <a:gd name="connsiteY26" fmla="*/ 18288 h 18288"/>
-              <a:gd name="connsiteX27" fmla="*/ 4721459 w 10853928"/>
-              <a:gd name="connsiteY27" fmla="*/ 18288 h 18288"/>
-              <a:gd name="connsiteX28" fmla="*/ 4043088 w 10853928"/>
-              <a:gd name="connsiteY28" fmla="*/ 18288 h 18288"/>
-              <a:gd name="connsiteX29" fmla="*/ 3690336 w 10853928"/>
-              <a:gd name="connsiteY29" fmla="*/ 18288 h 18288"/>
-              <a:gd name="connsiteX30" fmla="*/ 3120504 w 10853928"/>
-              <a:gd name="connsiteY30" fmla="*/ 18288 h 18288"/>
-              <a:gd name="connsiteX31" fmla="*/ 2333595 w 10853928"/>
-              <a:gd name="connsiteY31" fmla="*/ 18288 h 18288"/>
-              <a:gd name="connsiteX32" fmla="*/ 1872303 w 10853928"/>
-              <a:gd name="connsiteY32" fmla="*/ 18288 h 18288"/>
-              <a:gd name="connsiteX33" fmla="*/ 976854 w 10853928"/>
-              <a:gd name="connsiteY33" fmla="*/ 18288 h 18288"/>
-              <a:gd name="connsiteX34" fmla="*/ 0 w 10853928"/>
-              <a:gd name="connsiteY34" fmla="*/ 18288 h 18288"/>
-              <a:gd name="connsiteX35" fmla="*/ 0 w 10853928"/>
-              <a:gd name="connsiteY35" fmla="*/ 0 h 18288"/>
+              <a:gd name="csX0" fmla="*/ 0 w 10853928"/>
+              <a:gd name="csY0" fmla="*/ 0 h 18288"/>
+              <a:gd name="csX1" fmla="*/ 461292 w 10853928"/>
+              <a:gd name="csY1" fmla="*/ 0 h 18288"/>
+              <a:gd name="csX2" fmla="*/ 1139662 w 10853928"/>
+              <a:gd name="csY2" fmla="*/ 0 h 18288"/>
+              <a:gd name="csX3" fmla="*/ 1926572 w 10853928"/>
+              <a:gd name="csY3" fmla="*/ 0 h 18288"/>
+              <a:gd name="csX4" fmla="*/ 2279325 w 10853928"/>
+              <a:gd name="csY4" fmla="*/ 0 h 18288"/>
+              <a:gd name="csX5" fmla="*/ 2632078 w 10853928"/>
+              <a:gd name="csY5" fmla="*/ 0 h 18288"/>
+              <a:gd name="csX6" fmla="*/ 3527527 w 10853928"/>
+              <a:gd name="csY6" fmla="*/ 0 h 18288"/>
+              <a:gd name="csX7" fmla="*/ 4205897 w 10853928"/>
+              <a:gd name="csY7" fmla="*/ 0 h 18288"/>
+              <a:gd name="csX8" fmla="*/ 4558650 w 10853928"/>
+              <a:gd name="csY8" fmla="*/ 0 h 18288"/>
+              <a:gd name="csX9" fmla="*/ 5237020 w 10853928"/>
+              <a:gd name="csY9" fmla="*/ 0 h 18288"/>
+              <a:gd name="csX10" fmla="*/ 6132469 w 10853928"/>
+              <a:gd name="csY10" fmla="*/ 0 h 18288"/>
+              <a:gd name="csX11" fmla="*/ 6702301 w 10853928"/>
+              <a:gd name="csY11" fmla="*/ 0 h 18288"/>
+              <a:gd name="csX12" fmla="*/ 7272132 w 10853928"/>
+              <a:gd name="csY12" fmla="*/ 0 h 18288"/>
+              <a:gd name="csX13" fmla="*/ 7950502 w 10853928"/>
+              <a:gd name="csY13" fmla="*/ 0 h 18288"/>
+              <a:gd name="csX14" fmla="*/ 8737412 w 10853928"/>
+              <a:gd name="csY14" fmla="*/ 0 h 18288"/>
+              <a:gd name="csX15" fmla="*/ 9524322 w 10853928"/>
+              <a:gd name="csY15" fmla="*/ 0 h 18288"/>
+              <a:gd name="csX16" fmla="*/ 10853928 w 10853928"/>
+              <a:gd name="csY16" fmla="*/ 0 h 18288"/>
+              <a:gd name="csX17" fmla="*/ 10853928 w 10853928"/>
+              <a:gd name="csY17" fmla="*/ 18288 h 18288"/>
+              <a:gd name="csX18" fmla="*/ 10392636 w 10853928"/>
+              <a:gd name="csY18" fmla="*/ 18288 h 18288"/>
+              <a:gd name="csX19" fmla="*/ 9497187 w 10853928"/>
+              <a:gd name="csY19" fmla="*/ 18288 h 18288"/>
+              <a:gd name="csX20" fmla="*/ 8818817 w 10853928"/>
+              <a:gd name="csY20" fmla="*/ 18288 h 18288"/>
+              <a:gd name="csX21" fmla="*/ 8466064 w 10853928"/>
+              <a:gd name="csY21" fmla="*/ 18288 h 18288"/>
+              <a:gd name="csX22" fmla="*/ 7787693 w 10853928"/>
+              <a:gd name="csY22" fmla="*/ 18288 h 18288"/>
+              <a:gd name="csX23" fmla="*/ 7217862 w 10853928"/>
+              <a:gd name="csY23" fmla="*/ 18288 h 18288"/>
+              <a:gd name="csX24" fmla="*/ 6648031 w 10853928"/>
+              <a:gd name="csY24" fmla="*/ 18288 h 18288"/>
+              <a:gd name="csX25" fmla="*/ 6078200 w 10853928"/>
+              <a:gd name="csY25" fmla="*/ 18288 h 18288"/>
+              <a:gd name="csX26" fmla="*/ 5508368 w 10853928"/>
+              <a:gd name="csY26" fmla="*/ 18288 h 18288"/>
+              <a:gd name="csX27" fmla="*/ 4721459 w 10853928"/>
+              <a:gd name="csY27" fmla="*/ 18288 h 18288"/>
+              <a:gd name="csX28" fmla="*/ 4043088 w 10853928"/>
+              <a:gd name="csY28" fmla="*/ 18288 h 18288"/>
+              <a:gd name="csX29" fmla="*/ 3690336 w 10853928"/>
+              <a:gd name="csY29" fmla="*/ 18288 h 18288"/>
+              <a:gd name="csX30" fmla="*/ 3120504 w 10853928"/>
+              <a:gd name="csY30" fmla="*/ 18288 h 18288"/>
+              <a:gd name="csX31" fmla="*/ 2333595 w 10853928"/>
+              <a:gd name="csY31" fmla="*/ 18288 h 18288"/>
+              <a:gd name="csX32" fmla="*/ 1872303 w 10853928"/>
+              <a:gd name="csY32" fmla="*/ 18288 h 18288"/>
+              <a:gd name="csX33" fmla="*/ 976854 w 10853928"/>
+              <a:gd name="csY33" fmla="*/ 18288 h 18288"/>
+              <a:gd name="csX34" fmla="*/ 0 w 10853928"/>
+              <a:gd name="csY34" fmla="*/ 18288 h 18288"/>
+              <a:gd name="csX35" fmla="*/ 0 w 10853928"/>
+              <a:gd name="csY35" fmla="*/ 0 h 18288"/>
             </a:gdLst>
             <a:ahLst/>
             <a:cxnLst>
               <a:cxn ang="0">
-                <a:pos x="connsiteX0" y="connsiteY0"/>
-              </a:cxn>
-              <a:cxn ang="0">
-                <a:pos x="connsiteX1" y="connsiteY1"/>
-              </a:cxn>
-              <a:cxn ang="0">
-                <a:pos x="connsiteX2" y="connsiteY2"/>
-              </a:cxn>
-              <a:cxn ang="0">
-                <a:pos x="connsiteX3" y="connsiteY3"/>
-              </a:cxn>
-              <a:cxn ang="0">
-                <a:pos x="connsiteX4" y="connsiteY4"/>
-              </a:cxn>
-              <a:cxn ang="0">
-                <a:pos x="connsiteX5" y="connsiteY5"/>
-              </a:cxn>
-              <a:cxn ang="0">
-                <a:pos x="connsiteX6" y="connsiteY6"/>
-              </a:cxn>
-              <a:cxn ang="0">
-                <a:pos x="connsiteX7" y="connsiteY7"/>
-              </a:cxn>
-              <a:cxn ang="0">
-                <a:pos x="connsiteX8" y="connsiteY8"/>
-              </a:cxn>
-              <a:cxn ang="0">
-                <a:pos x="connsiteX9" y="connsiteY9"/>
-              </a:cxn>
-              <a:cxn ang="0">
-                <a:pos x="connsiteX10" y="connsiteY10"/>
-              </a:cxn>
-              <a:cxn ang="0">
-                <a:pos x="connsiteX11" y="connsiteY11"/>
-              </a:cxn>
-              <a:cxn ang="0">
-                <a:pos x="connsiteX12" y="connsiteY12"/>
-              </a:cxn>
-              <a:cxn ang="0">
-                <a:pos x="connsiteX13" y="connsiteY13"/>
-              </a:cxn>
-              <a:cxn ang="0">
-                <a:pos x="connsiteX14" y="connsiteY14"/>
-              </a:cxn>
-              <a:cxn ang="0">
-                <a:pos x="connsiteX15" y="connsiteY15"/>
-              </a:cxn>
-              <a:cxn ang="0">
-                <a:pos x="connsiteX16" y="connsiteY16"/>
-              </a:cxn>
-              <a:cxn ang="0">
-                <a:pos x="connsiteX17" y="connsiteY17"/>
-              </a:cxn>
-              <a:cxn ang="0">
-                <a:pos x="connsiteX18" y="connsiteY18"/>
-              </a:cxn>
-              <a:cxn ang="0">
-                <a:pos x="connsiteX19" y="connsiteY19"/>
-              </a:cxn>
-              <a:cxn ang="0">
-                <a:pos x="connsiteX20" y="connsiteY20"/>
-              </a:cxn>
-              <a:cxn ang="0">
-                <a:pos x="connsiteX21" y="connsiteY21"/>
-              </a:cxn>
-              <a:cxn ang="0">
-                <a:pos x="connsiteX22" y="connsiteY22"/>
-              </a:cxn>
-              <a:cxn ang="0">
-                <a:pos x="connsiteX23" y="connsiteY23"/>
-              </a:cxn>
-              <a:cxn ang="0">
-                <a:pos x="connsiteX24" y="connsiteY24"/>
-              </a:cxn>
-              <a:cxn ang="0">
-                <a:pos x="connsiteX25" y="connsiteY25"/>
-              </a:cxn>
-              <a:cxn ang="0">
-                <a:pos x="connsiteX26" y="connsiteY26"/>
-              </a:cxn>
-              <a:cxn ang="0">
-                <a:pos x="connsiteX27" y="connsiteY27"/>
-              </a:cxn>
-              <a:cxn ang="0">
-                <a:pos x="connsiteX28" y="connsiteY28"/>
-              </a:cxn>
-              <a:cxn ang="0">
-                <a:pos x="connsiteX29" y="connsiteY29"/>
-              </a:cxn>
-              <a:cxn ang="0">
-                <a:pos x="connsiteX30" y="connsiteY30"/>
-              </a:cxn>
-              <a:cxn ang="0">
-                <a:pos x="connsiteX31" y="connsiteY31"/>
-              </a:cxn>
-              <a:cxn ang="0">
-                <a:pos x="connsiteX32" y="connsiteY32"/>
-              </a:cxn>
-              <a:cxn ang="0">
-                <a:pos x="connsiteX33" y="connsiteY33"/>
-              </a:cxn>
-              <a:cxn ang="0">
-                <a:pos x="connsiteX34" y="connsiteY34"/>
-              </a:cxn>
-              <a:cxn ang="0">
-                <a:pos x="connsiteX35" y="connsiteY35"/>
+                <a:pos x="csX0" y="csY0"/>
+              </a:cxn>
+              <a:cxn ang="0">
+                <a:pos x="csX1" y="csY1"/>
+              </a:cxn>
+              <a:cxn ang="0">
+                <a:pos x="csX2" y="csY2"/>
+              </a:cxn>
+              <a:cxn ang="0">
+                <a:pos x="csX3" y="csY3"/>
+              </a:cxn>
+              <a:cxn ang="0">
+                <a:pos x="csX4" y="csY4"/>
+              </a:cxn>
+              <a:cxn ang="0">
+                <a:pos x="csX5" y="csY5"/>
+              </a:cxn>
+              <a:cxn ang="0">
+                <a:pos x="csX6" y="csY6"/>
+              </a:cxn>
+              <a:cxn ang="0">
+                <a:pos x="csX7" y="csY7"/>
+              </a:cxn>
+              <a:cxn ang="0">
+                <a:pos x="csX8" y="csY8"/>
+              </a:cxn>
+              <a:cxn ang="0">
+                <a:pos x="csX9" y="csY9"/>
+              </a:cxn>
+              <a:cxn ang="0">
+                <a:pos x="csX10" y="csY10"/>
+              </a:cxn>
+              <a:cxn ang="0">
+                <a:pos x="csX11" y="csY11"/>
+              </a:cxn>
+              <a:cxn ang="0">
+                <a:pos x="csX12" y="csY12"/>
+              </a:cxn>
+              <a:cxn ang="0">
+                <a:pos x="csX13" y="csY13"/>
+              </a:cxn>
+              <a:cxn ang="0">
+                <a:pos x="csX14" y="csY14"/>
+              </a:cxn>
+              <a:cxn ang="0">
+                <a:pos x="csX15" y="csY15"/>
+              </a:cxn>
+              <a:cxn ang="0">
+                <a:pos x="csX16" y="csY16"/>
+              </a:cxn>
+              <a:cxn ang="0">
+                <a:pos x="csX17" y="csY17"/>
+              </a:cxn>
+              <a:cxn ang="0">
+                <a:pos x="csX18" y="csY18"/>
+              </a:cxn>
+              <a:cxn ang="0">
+                <a:pos x="csX19" y="csY19"/>
+              </a:cxn>
+              <a:cxn ang="0">
+                <a:pos x="csX20" y="csY20"/>
+              </a:cxn>
+              <a:cxn ang="0">
+                <a:pos x="csX21" y="csY21"/>
+              </a:cxn>
+              <a:cxn ang="0">
+                <a:pos x="csX22" y="csY22"/>
+              </a:cxn>
+              <a:cxn ang="0">
+                <a:pos x="csX23" y="csY23"/>
+              </a:cxn>
+              <a:cxn ang="0">
+                <a:pos x="csX24" y="csY24"/>
+              </a:cxn>
+              <a:cxn ang="0">
+                <a:pos x="csX25" y="csY25"/>
+              </a:cxn>
+              <a:cxn ang="0">
+                <a:pos x="csX26" y="csY26"/>
+              </a:cxn>
+              <a:cxn ang="0">
+                <a:pos x="csX27" y="csY27"/>
+              </a:cxn>
+              <a:cxn ang="0">
+                <a:pos x="csX28" y="csY28"/>
+              </a:cxn>
+              <a:cxn ang="0">
+                <a:pos x="csX29" y="csY29"/>
+              </a:cxn>
+              <a:cxn ang="0">
+                <a:pos x="csX30" y="csY30"/>
+              </a:cxn>
+              <a:cxn ang="0">
+                <a:pos x="csX31" y="csY31"/>
+              </a:cxn>
+              <a:cxn ang="0">
+                <a:pos x="csX32" y="csY32"/>
+              </a:cxn>
+              <a:cxn ang="0">
+                <a:pos x="csX33" y="csY33"/>
+              </a:cxn>
+              <a:cxn ang="0">
+                <a:pos x="csX34" y="csY34"/>
+              </a:cxn>
+              <a:cxn ang="0">
+                <a:pos x="csX35" y="csY35"/>
               </a:cxn>
             </a:cxnLst>
             <a:rect l="l" t="t" r="r" b="b"/>
@@ -7589,7 +8741,7 @@
           <p:cNvPr id="3" name="Content Placeholder 2">
             <a:extLst>
               <a:ext uri="{FF2B5EF4-FFF2-40B4-BE49-F238E27FC236}">
-                <a16:creationId xmlns:a16="http://schemas.microsoft.com/office/drawing/2014/main" id="{598D7916-63CE-FB74-076E-E44A9B1B59C9}"/>
+                <a16:creationId xmlns:a16="http://schemas.microsoft.com/office/drawing/2014/main" id="{7137A397-DC3B-644A-C99A-F144996F9654}"/>
               </a:ext>
             </a:extLst>
           </p:cNvPr>
@@ -7613,26 +8765,46 @@
           <a:lstStyle/>
           <a:p>
             <a:r>
-              <a:rPr lang="en-US" sz="2200"/>
-              <a:t>Intro to PowerFX</a:t>
-            </a:r>
-          </a:p>
-          <a:p>
-            <a:r>
-              <a:rPr lang="en-US" sz="2200"/>
-              <a:t>Why we should consider using PowerFX from our .NET apps</a:t>
-            </a:r>
-          </a:p>
-          <a:p>
-            <a:r>
-              <a:rPr lang="en-US" sz="2200"/>
-              <a:t>How to run the PowerFX interpreter from .NET</a:t>
-            </a:r>
-          </a:p>
-          <a:p>
-            <a:r>
-              <a:rPr lang="en-US" sz="2200"/>
-              <a:t>How to integrate with external data</a:t>
+              <a:rPr lang="en-US" sz="2200" dirty="0"/>
+              <a:t>Tap into the power of </a:t>
+            </a:r>
+            <a:r>
+              <a:rPr lang="en-US" sz="2200" dirty="0" err="1"/>
+              <a:t>PowerFX</a:t>
+            </a:r>
+            <a:endParaRPr lang="en-US" sz="2200" dirty="0"/>
+          </a:p>
+          <a:p>
+            <a:pPr lvl="1"/>
+            <a:r>
+              <a:rPr lang="en-US" sz="2200" dirty="0"/>
+              <a:t>Business users already familiar</a:t>
+            </a:r>
+          </a:p>
+          <a:p>
+            <a:pPr lvl="1"/>
+            <a:r>
+              <a:rPr lang="en-US" sz="2200" dirty="0"/>
+              <a:t>Answers on how-to already on Internet</a:t>
+            </a:r>
+          </a:p>
+          <a:p>
+            <a:pPr lvl="1"/>
+            <a:r>
+              <a:rPr lang="en-US" sz="2200" dirty="0"/>
+              <a:t>Co-pilot support</a:t>
+            </a:r>
+          </a:p>
+          <a:p>
+            <a:r>
+              <a:rPr lang="en-US" sz="2200" dirty="0"/>
+              <a:t>Execution at runtime add dynamism to your app</a:t>
+            </a:r>
+          </a:p>
+          <a:p>
+            <a:r>
+              <a:rPr lang="en-US" sz="2200" dirty="0"/>
+              <a:t>Business/Mapping rules</a:t>
             </a:r>
           </a:p>
         </p:txBody>
@@ -7640,7 +8812,3588 @@
     </p:spTree>
     <p:extLst>
       <p:ext uri="{BB962C8B-B14F-4D97-AF65-F5344CB8AC3E}">
-        <p14:creationId xmlns:p14="http://schemas.microsoft.com/office/powerpoint/2010/main" val="3085556934"/>
+        <p14:creationId xmlns:p14="http://schemas.microsoft.com/office/powerpoint/2010/main" val="1449738937"/>
+      </p:ext>
+    </p:extLst>
+  </p:cSld>
+  <p:clrMapOvr>
+    <a:masterClrMapping/>
+  </p:clrMapOvr>
+</p:sld>
+</file>
+
+<file path=ppt/slides/slide11.xml><?xml version="1.0" encoding="utf-8"?>
+<p:sld xmlns:a="http://schemas.openxmlformats.org/drawingml/2006/main" xmlns:r="http://schemas.openxmlformats.org/officeDocument/2006/relationships" xmlns:p="http://schemas.openxmlformats.org/presentationml/2006/main">
+  <p:cSld>
+    <p:spTree>
+      <p:nvGrpSpPr>
+        <p:cNvPr id="1" name="">
+          <a:extLst>
+            <a:ext uri="{FF2B5EF4-FFF2-40B4-BE49-F238E27FC236}">
+              <a16:creationId xmlns:a16="http://schemas.microsoft.com/office/drawing/2014/main" id="{72ADEA4B-5943-9C48-48F5-5F88DA6978BD}"/>
+            </a:ext>
+          </a:extLst>
+        </p:cNvPr>
+        <p:cNvGrpSpPr/>
+        <p:nvPr/>
+      </p:nvGrpSpPr>
+      <p:grpSpPr>
+        <a:xfrm>
+          <a:off x="0" y="0"/>
+          <a:ext cx="0" cy="0"/>
+          <a:chOff x="0" y="0"/>
+          <a:chExt cx="0" cy="0"/>
+        </a:xfrm>
+      </p:grpSpPr>
+      <p:sp>
+        <p:nvSpPr>
+          <p:cNvPr id="4" name="Title 3">
+            <a:extLst>
+              <a:ext uri="{FF2B5EF4-FFF2-40B4-BE49-F238E27FC236}">
+                <a16:creationId xmlns:a16="http://schemas.microsoft.com/office/drawing/2014/main" id="{A22E6497-D99D-3CE6-FF95-F68AABCA940B}"/>
+              </a:ext>
+            </a:extLst>
+          </p:cNvPr>
+          <p:cNvSpPr>
+            <a:spLocks noGrp="1"/>
+          </p:cNvSpPr>
+          <p:nvPr>
+            <p:ph type="ctrTitle"/>
+          </p:nvPr>
+        </p:nvSpPr>
+        <p:spPr/>
+        <p:txBody>
+          <a:bodyPr/>
+          <a:lstStyle/>
+          <a:p>
+            <a:r>
+              <a:rPr lang="en-US" dirty="0"/>
+              <a:t>Demo</a:t>
+            </a:r>
+          </a:p>
+        </p:txBody>
+      </p:sp>
+      <p:sp>
+        <p:nvSpPr>
+          <p:cNvPr id="5" name="Subtitle 4">
+            <a:extLst>
+              <a:ext uri="{FF2B5EF4-FFF2-40B4-BE49-F238E27FC236}">
+                <a16:creationId xmlns:a16="http://schemas.microsoft.com/office/drawing/2014/main" id="{06A25E4E-1025-7E29-9C12-1A362EE35AC1}"/>
+              </a:ext>
+            </a:extLst>
+          </p:cNvPr>
+          <p:cNvSpPr>
+            <a:spLocks noGrp="1"/>
+          </p:cNvSpPr>
+          <p:nvPr>
+            <p:ph type="subTitle" idx="1"/>
+          </p:nvPr>
+        </p:nvSpPr>
+        <p:spPr/>
+        <p:txBody>
+          <a:bodyPr/>
+          <a:lstStyle/>
+          <a:p>
+            <a:endParaRPr lang="en-US"/>
+          </a:p>
+        </p:txBody>
+      </p:sp>
+    </p:spTree>
+    <p:extLst>
+      <p:ext uri="{BB962C8B-B14F-4D97-AF65-F5344CB8AC3E}">
+        <p14:creationId xmlns:p14="http://schemas.microsoft.com/office/powerpoint/2010/main" val="3591279662"/>
+      </p:ext>
+    </p:extLst>
+  </p:cSld>
+  <p:clrMapOvr>
+    <a:masterClrMapping/>
+  </p:clrMapOvr>
+</p:sld>
+</file>
+
+<file path=ppt/slides/slide12.xml><?xml version="1.0" encoding="utf-8"?>
+<p:sld xmlns:a="http://schemas.openxmlformats.org/drawingml/2006/main" xmlns:r="http://schemas.openxmlformats.org/officeDocument/2006/relationships" xmlns:p="http://schemas.openxmlformats.org/presentationml/2006/main">
+  <p:cSld>
+    <p:bg>
+      <p:bgPr>
+        <a:solidFill>
+          <a:schemeClr val="bg1"/>
+        </a:solidFill>
+        <a:effectLst/>
+      </p:bgPr>
+    </p:bg>
+    <p:spTree>
+      <p:nvGrpSpPr>
+        <p:cNvPr id="1" name=""/>
+        <p:cNvGrpSpPr/>
+        <p:nvPr/>
+      </p:nvGrpSpPr>
+      <p:grpSpPr>
+        <a:xfrm>
+          <a:off x="0" y="0"/>
+          <a:ext cx="0" cy="0"/>
+          <a:chOff x="0" y="0"/>
+          <a:chExt cx="0" cy="0"/>
+        </a:xfrm>
+      </p:grpSpPr>
+      <p:sp useBgFill="1">
+        <p:nvSpPr>
+          <p:cNvPr id="19" name="Rectangle 18">
+            <a:extLst>
+              <a:ext uri="{FF2B5EF4-FFF2-40B4-BE49-F238E27FC236}">
+                <a16:creationId xmlns:a16="http://schemas.microsoft.com/office/drawing/2014/main" id="{100EDD19-6802-4EC3-95CE-CFFAB042CFD6}"/>
+              </a:ext>
+              <a:ext uri="{C183D7F6-B498-43B3-948B-1728B52AA6E4}">
+                <adec:decorative xmlns:adec="http://schemas.microsoft.com/office/drawing/2017/decorative" val="1"/>
+              </a:ext>
+            </a:extLst>
+          </p:cNvPr>
+          <p:cNvSpPr>
+            <a:spLocks noGrp="1" noRot="1" noChangeAspect="1" noMove="1" noResize="1" noEditPoints="1" noAdjustHandles="1" noChangeArrowheads="1" noChangeShapeType="1" noTextEdit="1"/>
+          </p:cNvSpPr>
+          <p:nvPr>
+            <p:extLst>
+              <p:ext uri="{386F3935-93C4-4BCD-93E2-E3B085C9AB24}">
+                <p16:designElem xmlns:p16="http://schemas.microsoft.com/office/powerpoint/2015/main" val="1"/>
+              </p:ext>
+            </p:extLst>
+          </p:nvPr>
+        </p:nvSpPr>
+        <p:spPr>
+          <a:xfrm>
+            <a:off x="0" y="0"/>
+            <a:ext cx="12188952" cy="6858000"/>
+          </a:xfrm>
+          <a:prstGeom prst="rect">
+            <a:avLst/>
+          </a:prstGeom>
+          <a:ln>
+            <a:noFill/>
+          </a:ln>
+        </p:spPr>
+        <p:style>
+          <a:lnRef idx="2">
+            <a:schemeClr val="accent1">
+              <a:shade val="50000"/>
+            </a:schemeClr>
+          </a:lnRef>
+          <a:fillRef idx="1">
+            <a:schemeClr val="accent1"/>
+          </a:fillRef>
+          <a:effectRef idx="0">
+            <a:schemeClr val="accent1"/>
+          </a:effectRef>
+          <a:fontRef idx="minor">
+            <a:schemeClr val="lt1"/>
+          </a:fontRef>
+        </p:style>
+        <p:txBody>
+          <a:bodyPr rtlCol="0" anchor="ctr"/>
+          <a:lstStyle/>
+          <a:p>
+            <a:pPr algn="ctr"/>
+            <a:endParaRPr lang="en-US"/>
+          </a:p>
+        </p:txBody>
+      </p:sp>
+      <p:sp>
+        <p:nvSpPr>
+          <p:cNvPr id="2" name="Title 1">
+            <a:extLst>
+              <a:ext uri="{FF2B5EF4-FFF2-40B4-BE49-F238E27FC236}">
+                <a16:creationId xmlns:a16="http://schemas.microsoft.com/office/drawing/2014/main" id="{1C9BAADF-FBD1-96C2-B5CB-49D1AE99E6CC}"/>
+              </a:ext>
+            </a:extLst>
+          </p:cNvPr>
+          <p:cNvSpPr>
+            <a:spLocks noGrp="1"/>
+          </p:cNvSpPr>
+          <p:nvPr>
+            <p:ph type="title"/>
+          </p:nvPr>
+        </p:nvSpPr>
+        <p:spPr>
+          <a:xfrm>
+            <a:off x="838200" y="365125"/>
+            <a:ext cx="10515600" cy="1325563"/>
+          </a:xfrm>
+        </p:spPr>
+        <p:txBody>
+          <a:bodyPr>
+            <a:normAutofit/>
+          </a:bodyPr>
+          <a:lstStyle/>
+          <a:p>
+            <a:r>
+              <a:rPr lang="en-US" sz="4200"/>
+              <a:t>How to run the PowerFX interpreter from .NET</a:t>
+            </a:r>
+          </a:p>
+        </p:txBody>
+      </p:sp>
+      <p:sp>
+        <p:nvSpPr>
+          <p:cNvPr id="21" name="sketch line">
+            <a:extLst>
+              <a:ext uri="{FF2B5EF4-FFF2-40B4-BE49-F238E27FC236}">
+                <a16:creationId xmlns:a16="http://schemas.microsoft.com/office/drawing/2014/main" id="{DB17E863-922E-4C26-BD64-E8FD41D28661}"/>
+              </a:ext>
+              <a:ext uri="{C183D7F6-B498-43B3-948B-1728B52AA6E4}">
+                <adec:decorative xmlns:adec="http://schemas.microsoft.com/office/drawing/2017/decorative" val="1"/>
+              </a:ext>
+            </a:extLst>
+          </p:cNvPr>
+          <p:cNvSpPr>
+            <a:spLocks noGrp="1" noRot="1" noChangeAspect="1" noMove="1" noResize="1" noEditPoints="1" noAdjustHandles="1" noChangeArrowheads="1" noChangeShapeType="1" noTextEdit="1"/>
+          </p:cNvSpPr>
+          <p:nvPr>
+            <p:extLst>
+              <p:ext uri="{386F3935-93C4-4BCD-93E2-E3B085C9AB24}">
+                <p16:designElem xmlns:p16="http://schemas.microsoft.com/office/powerpoint/2015/main" val="1"/>
+              </p:ext>
+            </p:extLst>
+          </p:nvPr>
+        </p:nvSpPr>
+        <p:spPr>
+          <a:xfrm>
+            <a:off x="669036" y="1677373"/>
+            <a:ext cx="10853928" cy="18288"/>
+          </a:xfrm>
+          <a:custGeom>
+            <a:avLst/>
+            <a:gdLst>
+              <a:gd name="csX0" fmla="*/ 0 w 10853928"/>
+              <a:gd name="csY0" fmla="*/ 0 h 18288"/>
+              <a:gd name="csX1" fmla="*/ 461292 w 10853928"/>
+              <a:gd name="csY1" fmla="*/ 0 h 18288"/>
+              <a:gd name="csX2" fmla="*/ 1139662 w 10853928"/>
+              <a:gd name="csY2" fmla="*/ 0 h 18288"/>
+              <a:gd name="csX3" fmla="*/ 1926572 w 10853928"/>
+              <a:gd name="csY3" fmla="*/ 0 h 18288"/>
+              <a:gd name="csX4" fmla="*/ 2279325 w 10853928"/>
+              <a:gd name="csY4" fmla="*/ 0 h 18288"/>
+              <a:gd name="csX5" fmla="*/ 2632078 w 10853928"/>
+              <a:gd name="csY5" fmla="*/ 0 h 18288"/>
+              <a:gd name="csX6" fmla="*/ 3527527 w 10853928"/>
+              <a:gd name="csY6" fmla="*/ 0 h 18288"/>
+              <a:gd name="csX7" fmla="*/ 4205897 w 10853928"/>
+              <a:gd name="csY7" fmla="*/ 0 h 18288"/>
+              <a:gd name="csX8" fmla="*/ 4558650 w 10853928"/>
+              <a:gd name="csY8" fmla="*/ 0 h 18288"/>
+              <a:gd name="csX9" fmla="*/ 5237020 w 10853928"/>
+              <a:gd name="csY9" fmla="*/ 0 h 18288"/>
+              <a:gd name="csX10" fmla="*/ 6132469 w 10853928"/>
+              <a:gd name="csY10" fmla="*/ 0 h 18288"/>
+              <a:gd name="csX11" fmla="*/ 6702301 w 10853928"/>
+              <a:gd name="csY11" fmla="*/ 0 h 18288"/>
+              <a:gd name="csX12" fmla="*/ 7272132 w 10853928"/>
+              <a:gd name="csY12" fmla="*/ 0 h 18288"/>
+              <a:gd name="csX13" fmla="*/ 7950502 w 10853928"/>
+              <a:gd name="csY13" fmla="*/ 0 h 18288"/>
+              <a:gd name="csX14" fmla="*/ 8737412 w 10853928"/>
+              <a:gd name="csY14" fmla="*/ 0 h 18288"/>
+              <a:gd name="csX15" fmla="*/ 9524322 w 10853928"/>
+              <a:gd name="csY15" fmla="*/ 0 h 18288"/>
+              <a:gd name="csX16" fmla="*/ 10853928 w 10853928"/>
+              <a:gd name="csY16" fmla="*/ 0 h 18288"/>
+              <a:gd name="csX17" fmla="*/ 10853928 w 10853928"/>
+              <a:gd name="csY17" fmla="*/ 18288 h 18288"/>
+              <a:gd name="csX18" fmla="*/ 10392636 w 10853928"/>
+              <a:gd name="csY18" fmla="*/ 18288 h 18288"/>
+              <a:gd name="csX19" fmla="*/ 9497187 w 10853928"/>
+              <a:gd name="csY19" fmla="*/ 18288 h 18288"/>
+              <a:gd name="csX20" fmla="*/ 8818817 w 10853928"/>
+              <a:gd name="csY20" fmla="*/ 18288 h 18288"/>
+              <a:gd name="csX21" fmla="*/ 8466064 w 10853928"/>
+              <a:gd name="csY21" fmla="*/ 18288 h 18288"/>
+              <a:gd name="csX22" fmla="*/ 7787693 w 10853928"/>
+              <a:gd name="csY22" fmla="*/ 18288 h 18288"/>
+              <a:gd name="csX23" fmla="*/ 7217862 w 10853928"/>
+              <a:gd name="csY23" fmla="*/ 18288 h 18288"/>
+              <a:gd name="csX24" fmla="*/ 6648031 w 10853928"/>
+              <a:gd name="csY24" fmla="*/ 18288 h 18288"/>
+              <a:gd name="csX25" fmla="*/ 6078200 w 10853928"/>
+              <a:gd name="csY25" fmla="*/ 18288 h 18288"/>
+              <a:gd name="csX26" fmla="*/ 5508368 w 10853928"/>
+              <a:gd name="csY26" fmla="*/ 18288 h 18288"/>
+              <a:gd name="csX27" fmla="*/ 4721459 w 10853928"/>
+              <a:gd name="csY27" fmla="*/ 18288 h 18288"/>
+              <a:gd name="csX28" fmla="*/ 4043088 w 10853928"/>
+              <a:gd name="csY28" fmla="*/ 18288 h 18288"/>
+              <a:gd name="csX29" fmla="*/ 3690336 w 10853928"/>
+              <a:gd name="csY29" fmla="*/ 18288 h 18288"/>
+              <a:gd name="csX30" fmla="*/ 3120504 w 10853928"/>
+              <a:gd name="csY30" fmla="*/ 18288 h 18288"/>
+              <a:gd name="csX31" fmla="*/ 2333595 w 10853928"/>
+              <a:gd name="csY31" fmla="*/ 18288 h 18288"/>
+              <a:gd name="csX32" fmla="*/ 1872303 w 10853928"/>
+              <a:gd name="csY32" fmla="*/ 18288 h 18288"/>
+              <a:gd name="csX33" fmla="*/ 976854 w 10853928"/>
+              <a:gd name="csY33" fmla="*/ 18288 h 18288"/>
+              <a:gd name="csX34" fmla="*/ 0 w 10853928"/>
+              <a:gd name="csY34" fmla="*/ 18288 h 18288"/>
+              <a:gd name="csX35" fmla="*/ 0 w 10853928"/>
+              <a:gd name="csY35" fmla="*/ 0 h 18288"/>
+            </a:gdLst>
+            <a:ahLst/>
+            <a:cxnLst>
+              <a:cxn ang="0">
+                <a:pos x="csX0" y="csY0"/>
+              </a:cxn>
+              <a:cxn ang="0">
+                <a:pos x="csX1" y="csY1"/>
+              </a:cxn>
+              <a:cxn ang="0">
+                <a:pos x="csX2" y="csY2"/>
+              </a:cxn>
+              <a:cxn ang="0">
+                <a:pos x="csX3" y="csY3"/>
+              </a:cxn>
+              <a:cxn ang="0">
+                <a:pos x="csX4" y="csY4"/>
+              </a:cxn>
+              <a:cxn ang="0">
+                <a:pos x="csX5" y="csY5"/>
+              </a:cxn>
+              <a:cxn ang="0">
+                <a:pos x="csX6" y="csY6"/>
+              </a:cxn>
+              <a:cxn ang="0">
+                <a:pos x="csX7" y="csY7"/>
+              </a:cxn>
+              <a:cxn ang="0">
+                <a:pos x="csX8" y="csY8"/>
+              </a:cxn>
+              <a:cxn ang="0">
+                <a:pos x="csX9" y="csY9"/>
+              </a:cxn>
+              <a:cxn ang="0">
+                <a:pos x="csX10" y="csY10"/>
+              </a:cxn>
+              <a:cxn ang="0">
+                <a:pos x="csX11" y="csY11"/>
+              </a:cxn>
+              <a:cxn ang="0">
+                <a:pos x="csX12" y="csY12"/>
+              </a:cxn>
+              <a:cxn ang="0">
+                <a:pos x="csX13" y="csY13"/>
+              </a:cxn>
+              <a:cxn ang="0">
+                <a:pos x="csX14" y="csY14"/>
+              </a:cxn>
+              <a:cxn ang="0">
+                <a:pos x="csX15" y="csY15"/>
+              </a:cxn>
+              <a:cxn ang="0">
+                <a:pos x="csX16" y="csY16"/>
+              </a:cxn>
+              <a:cxn ang="0">
+                <a:pos x="csX17" y="csY17"/>
+              </a:cxn>
+              <a:cxn ang="0">
+                <a:pos x="csX18" y="csY18"/>
+              </a:cxn>
+              <a:cxn ang="0">
+                <a:pos x="csX19" y="csY19"/>
+              </a:cxn>
+              <a:cxn ang="0">
+                <a:pos x="csX20" y="csY20"/>
+              </a:cxn>
+              <a:cxn ang="0">
+                <a:pos x="csX21" y="csY21"/>
+              </a:cxn>
+              <a:cxn ang="0">
+                <a:pos x="csX22" y="csY22"/>
+              </a:cxn>
+              <a:cxn ang="0">
+                <a:pos x="csX23" y="csY23"/>
+              </a:cxn>
+              <a:cxn ang="0">
+                <a:pos x="csX24" y="csY24"/>
+              </a:cxn>
+              <a:cxn ang="0">
+                <a:pos x="csX25" y="csY25"/>
+              </a:cxn>
+              <a:cxn ang="0">
+                <a:pos x="csX26" y="csY26"/>
+              </a:cxn>
+              <a:cxn ang="0">
+                <a:pos x="csX27" y="csY27"/>
+              </a:cxn>
+              <a:cxn ang="0">
+                <a:pos x="csX28" y="csY28"/>
+              </a:cxn>
+              <a:cxn ang="0">
+                <a:pos x="csX29" y="csY29"/>
+              </a:cxn>
+              <a:cxn ang="0">
+                <a:pos x="csX30" y="csY30"/>
+              </a:cxn>
+              <a:cxn ang="0">
+                <a:pos x="csX31" y="csY31"/>
+              </a:cxn>
+              <a:cxn ang="0">
+                <a:pos x="csX32" y="csY32"/>
+              </a:cxn>
+              <a:cxn ang="0">
+                <a:pos x="csX33" y="csY33"/>
+              </a:cxn>
+              <a:cxn ang="0">
+                <a:pos x="csX34" y="csY34"/>
+              </a:cxn>
+              <a:cxn ang="0">
+                <a:pos x="csX35" y="csY35"/>
+              </a:cxn>
+            </a:cxnLst>
+            <a:rect l="l" t="t" r="r" b="b"/>
+            <a:pathLst>
+              <a:path w="10853928" h="18288" fill="none" extrusionOk="0">
+                <a:moveTo>
+                  <a:pt x="0" y="0"/>
+                </a:moveTo>
+                <a:cubicBezTo>
+                  <a:pt x="146993" y="-19076"/>
+                  <a:pt x="347684" y="-4790"/>
+                  <a:pt x="461292" y="0"/>
+                </a:cubicBezTo>
+                <a:cubicBezTo>
+                  <a:pt x="574900" y="4790"/>
+                  <a:pt x="808367" y="19821"/>
+                  <a:pt x="1139662" y="0"/>
+                </a:cubicBezTo>
+                <a:cubicBezTo>
+                  <a:pt x="1470957" y="-19821"/>
+                  <a:pt x="1627405" y="5721"/>
+                  <a:pt x="1926572" y="0"/>
+                </a:cubicBezTo>
+                <a:cubicBezTo>
+                  <a:pt x="2225739" y="-5721"/>
+                  <a:pt x="2137730" y="-3235"/>
+                  <a:pt x="2279325" y="0"/>
+                </a:cubicBezTo>
+                <a:cubicBezTo>
+                  <a:pt x="2420920" y="3235"/>
+                  <a:pt x="2456518" y="9685"/>
+                  <a:pt x="2632078" y="0"/>
+                </a:cubicBezTo>
+                <a:cubicBezTo>
+                  <a:pt x="2807638" y="-9685"/>
+                  <a:pt x="3211516" y="-43007"/>
+                  <a:pt x="3527527" y="0"/>
+                </a:cubicBezTo>
+                <a:cubicBezTo>
+                  <a:pt x="3843538" y="43007"/>
+                  <a:pt x="4058833" y="22042"/>
+                  <a:pt x="4205897" y="0"/>
+                </a:cubicBezTo>
+                <a:cubicBezTo>
+                  <a:pt x="4352961" y="-22042"/>
+                  <a:pt x="4474805" y="-11846"/>
+                  <a:pt x="4558650" y="0"/>
+                </a:cubicBezTo>
+                <a:cubicBezTo>
+                  <a:pt x="4642495" y="11846"/>
+                  <a:pt x="5041928" y="-6069"/>
+                  <a:pt x="5237020" y="0"/>
+                </a:cubicBezTo>
+                <a:cubicBezTo>
+                  <a:pt x="5432112" y="6069"/>
+                  <a:pt x="5943266" y="-17479"/>
+                  <a:pt x="6132469" y="0"/>
+                </a:cubicBezTo>
+                <a:cubicBezTo>
+                  <a:pt x="6321672" y="17479"/>
+                  <a:pt x="6483872" y="26234"/>
+                  <a:pt x="6702301" y="0"/>
+                </a:cubicBezTo>
+                <a:cubicBezTo>
+                  <a:pt x="6920730" y="-26234"/>
+                  <a:pt x="6991194" y="-15156"/>
+                  <a:pt x="7272132" y="0"/>
+                </a:cubicBezTo>
+                <a:cubicBezTo>
+                  <a:pt x="7553070" y="15156"/>
+                  <a:pt x="7684444" y="-32961"/>
+                  <a:pt x="7950502" y="0"/>
+                </a:cubicBezTo>
+                <a:cubicBezTo>
+                  <a:pt x="8216560" y="32961"/>
+                  <a:pt x="8493290" y="-10491"/>
+                  <a:pt x="8737412" y="0"/>
+                </a:cubicBezTo>
+                <a:cubicBezTo>
+                  <a:pt x="8981534" y="10491"/>
+                  <a:pt x="9191586" y="-13899"/>
+                  <a:pt x="9524322" y="0"/>
+                </a:cubicBezTo>
+                <a:cubicBezTo>
+                  <a:pt x="9857058" y="13899"/>
+                  <a:pt x="10297509" y="7485"/>
+                  <a:pt x="10853928" y="0"/>
+                </a:cubicBezTo>
+                <a:cubicBezTo>
+                  <a:pt x="10854574" y="4451"/>
+                  <a:pt x="10854418" y="9226"/>
+                  <a:pt x="10853928" y="18288"/>
+                </a:cubicBezTo>
+                <a:cubicBezTo>
+                  <a:pt x="10691638" y="28522"/>
+                  <a:pt x="10574319" y="29578"/>
+                  <a:pt x="10392636" y="18288"/>
+                </a:cubicBezTo>
+                <a:cubicBezTo>
+                  <a:pt x="10210953" y="6998"/>
+                  <a:pt x="9836277" y="-16742"/>
+                  <a:pt x="9497187" y="18288"/>
+                </a:cubicBezTo>
+                <a:cubicBezTo>
+                  <a:pt x="9158097" y="53318"/>
+                  <a:pt x="9119479" y="30714"/>
+                  <a:pt x="8818817" y="18288"/>
+                </a:cubicBezTo>
+                <a:cubicBezTo>
+                  <a:pt x="8518155" y="5863"/>
+                  <a:pt x="8640037" y="6483"/>
+                  <a:pt x="8466064" y="18288"/>
+                </a:cubicBezTo>
+                <a:cubicBezTo>
+                  <a:pt x="8292091" y="30093"/>
+                  <a:pt x="7997656" y="18914"/>
+                  <a:pt x="7787693" y="18288"/>
+                </a:cubicBezTo>
+                <a:cubicBezTo>
+                  <a:pt x="7577730" y="17662"/>
+                  <a:pt x="7412468" y="21416"/>
+                  <a:pt x="7217862" y="18288"/>
+                </a:cubicBezTo>
+                <a:cubicBezTo>
+                  <a:pt x="7023256" y="15160"/>
+                  <a:pt x="6898018" y="14824"/>
+                  <a:pt x="6648031" y="18288"/>
+                </a:cubicBezTo>
+                <a:cubicBezTo>
+                  <a:pt x="6398044" y="21752"/>
+                  <a:pt x="6254402" y="38625"/>
+                  <a:pt x="6078200" y="18288"/>
+                </a:cubicBezTo>
+                <a:cubicBezTo>
+                  <a:pt x="5901998" y="-2049"/>
+                  <a:pt x="5622886" y="3213"/>
+                  <a:pt x="5508368" y="18288"/>
+                </a:cubicBezTo>
+                <a:cubicBezTo>
+                  <a:pt x="5393850" y="33363"/>
+                  <a:pt x="5036260" y="26830"/>
+                  <a:pt x="4721459" y="18288"/>
+                </a:cubicBezTo>
+                <a:cubicBezTo>
+                  <a:pt x="4406658" y="9746"/>
+                  <a:pt x="4239221" y="41551"/>
+                  <a:pt x="4043088" y="18288"/>
+                </a:cubicBezTo>
+                <a:cubicBezTo>
+                  <a:pt x="3846955" y="-4975"/>
+                  <a:pt x="3818802" y="34658"/>
+                  <a:pt x="3690336" y="18288"/>
+                </a:cubicBezTo>
+                <a:cubicBezTo>
+                  <a:pt x="3561870" y="1918"/>
+                  <a:pt x="3265491" y="42194"/>
+                  <a:pt x="3120504" y="18288"/>
+                </a:cubicBezTo>
+                <a:cubicBezTo>
+                  <a:pt x="2975517" y="-5618"/>
+                  <a:pt x="2720254" y="36673"/>
+                  <a:pt x="2333595" y="18288"/>
+                </a:cubicBezTo>
+                <a:cubicBezTo>
+                  <a:pt x="1946936" y="-97"/>
+                  <a:pt x="2097241" y="5776"/>
+                  <a:pt x="1872303" y="18288"/>
+                </a:cubicBezTo>
+                <a:cubicBezTo>
+                  <a:pt x="1647365" y="30800"/>
+                  <a:pt x="1282708" y="45380"/>
+                  <a:pt x="976854" y="18288"/>
+                </a:cubicBezTo>
+                <a:cubicBezTo>
+                  <a:pt x="671000" y="-8804"/>
+                  <a:pt x="408401" y="-12775"/>
+                  <a:pt x="0" y="18288"/>
+                </a:cubicBezTo>
+                <a:cubicBezTo>
+                  <a:pt x="-213" y="9468"/>
+                  <a:pt x="187" y="4459"/>
+                  <a:pt x="0" y="0"/>
+                </a:cubicBezTo>
+                <a:close/>
+              </a:path>
+              <a:path w="10853928" h="18288" stroke="0" extrusionOk="0">
+                <a:moveTo>
+                  <a:pt x="0" y="0"/>
+                </a:moveTo>
+                <a:cubicBezTo>
+                  <a:pt x="267322" y="15284"/>
+                  <a:pt x="415388" y="-21048"/>
+                  <a:pt x="569831" y="0"/>
+                </a:cubicBezTo>
+                <a:cubicBezTo>
+                  <a:pt x="724274" y="21048"/>
+                  <a:pt x="769333" y="-2353"/>
+                  <a:pt x="922584" y="0"/>
+                </a:cubicBezTo>
+                <a:cubicBezTo>
+                  <a:pt x="1075835" y="2353"/>
+                  <a:pt x="1399490" y="-145"/>
+                  <a:pt x="1818033" y="0"/>
+                </a:cubicBezTo>
+                <a:cubicBezTo>
+                  <a:pt x="2236576" y="145"/>
+                  <a:pt x="2145330" y="5482"/>
+                  <a:pt x="2387864" y="0"/>
+                </a:cubicBezTo>
+                <a:cubicBezTo>
+                  <a:pt x="2630398" y="-5482"/>
+                  <a:pt x="2793207" y="18487"/>
+                  <a:pt x="2957695" y="0"/>
+                </a:cubicBezTo>
+                <a:cubicBezTo>
+                  <a:pt x="3122183" y="-18487"/>
+                  <a:pt x="3579141" y="19003"/>
+                  <a:pt x="3853144" y="0"/>
+                </a:cubicBezTo>
+                <a:cubicBezTo>
+                  <a:pt x="4127147" y="-19003"/>
+                  <a:pt x="4209857" y="12211"/>
+                  <a:pt x="4314436" y="0"/>
+                </a:cubicBezTo>
+                <a:cubicBezTo>
+                  <a:pt x="4419015" y="-12211"/>
+                  <a:pt x="4762459" y="-17220"/>
+                  <a:pt x="5209885" y="0"/>
+                </a:cubicBezTo>
+                <a:cubicBezTo>
+                  <a:pt x="5657311" y="17220"/>
+                  <a:pt x="5692663" y="-3290"/>
+                  <a:pt x="6105335" y="0"/>
+                </a:cubicBezTo>
+                <a:cubicBezTo>
+                  <a:pt x="6518007" y="3290"/>
+                  <a:pt x="6455516" y="-5124"/>
+                  <a:pt x="6783705" y="0"/>
+                </a:cubicBezTo>
+                <a:cubicBezTo>
+                  <a:pt x="7111894" y="5124"/>
+                  <a:pt x="7441941" y="-17829"/>
+                  <a:pt x="7679154" y="0"/>
+                </a:cubicBezTo>
+                <a:cubicBezTo>
+                  <a:pt x="7916367" y="17829"/>
+                  <a:pt x="8102967" y="-24363"/>
+                  <a:pt x="8248985" y="0"/>
+                </a:cubicBezTo>
+                <a:cubicBezTo>
+                  <a:pt x="8395003" y="24363"/>
+                  <a:pt x="8552393" y="25505"/>
+                  <a:pt x="8818817" y="0"/>
+                </a:cubicBezTo>
+                <a:cubicBezTo>
+                  <a:pt x="9085241" y="-25505"/>
+                  <a:pt x="9411308" y="38000"/>
+                  <a:pt x="9605726" y="0"/>
+                </a:cubicBezTo>
+                <a:cubicBezTo>
+                  <a:pt x="9800144" y="-38000"/>
+                  <a:pt x="10006468" y="-25741"/>
+                  <a:pt x="10175558" y="0"/>
+                </a:cubicBezTo>
+                <a:cubicBezTo>
+                  <a:pt x="10344648" y="25741"/>
+                  <a:pt x="10696282" y="695"/>
+                  <a:pt x="10853928" y="0"/>
+                </a:cubicBezTo>
+                <a:cubicBezTo>
+                  <a:pt x="10853521" y="8690"/>
+                  <a:pt x="10853774" y="14141"/>
+                  <a:pt x="10853928" y="18288"/>
+                </a:cubicBezTo>
+                <a:cubicBezTo>
+                  <a:pt x="10608124" y="24255"/>
+                  <a:pt x="10343415" y="22307"/>
+                  <a:pt x="10067018" y="18288"/>
+                </a:cubicBezTo>
+                <a:cubicBezTo>
+                  <a:pt x="9790621" y="14270"/>
+                  <a:pt x="9843266" y="3564"/>
+                  <a:pt x="9714266" y="18288"/>
+                </a:cubicBezTo>
+                <a:cubicBezTo>
+                  <a:pt x="9585266" y="33012"/>
+                  <a:pt x="9379484" y="1875"/>
+                  <a:pt x="9252974" y="18288"/>
+                </a:cubicBezTo>
+                <a:cubicBezTo>
+                  <a:pt x="9126464" y="34701"/>
+                  <a:pt x="8580678" y="-4904"/>
+                  <a:pt x="8357525" y="18288"/>
+                </a:cubicBezTo>
+                <a:cubicBezTo>
+                  <a:pt x="8134372" y="41480"/>
+                  <a:pt x="7903199" y="26458"/>
+                  <a:pt x="7679154" y="18288"/>
+                </a:cubicBezTo>
+                <a:cubicBezTo>
+                  <a:pt x="7455109" y="10118"/>
+                  <a:pt x="7435944" y="27109"/>
+                  <a:pt x="7217862" y="18288"/>
+                </a:cubicBezTo>
+                <a:cubicBezTo>
+                  <a:pt x="6999780" y="9467"/>
+                  <a:pt x="6680409" y="18985"/>
+                  <a:pt x="6539492" y="18288"/>
+                </a:cubicBezTo>
+                <a:cubicBezTo>
+                  <a:pt x="6398575" y="17592"/>
+                  <a:pt x="6312077" y="33018"/>
+                  <a:pt x="6186739" y="18288"/>
+                </a:cubicBezTo>
+                <a:cubicBezTo>
+                  <a:pt x="6061401" y="3558"/>
+                  <a:pt x="5947033" y="12075"/>
+                  <a:pt x="5833986" y="18288"/>
+                </a:cubicBezTo>
+                <a:cubicBezTo>
+                  <a:pt x="5720939" y="24501"/>
+                  <a:pt x="5482226" y="8586"/>
+                  <a:pt x="5155616" y="18288"/>
+                </a:cubicBezTo>
+                <a:cubicBezTo>
+                  <a:pt x="4829006" y="27991"/>
+                  <a:pt x="4841274" y="29316"/>
+                  <a:pt x="4694324" y="18288"/>
+                </a:cubicBezTo>
+                <a:cubicBezTo>
+                  <a:pt x="4547374" y="7260"/>
+                  <a:pt x="4077675" y="7013"/>
+                  <a:pt x="3907414" y="18288"/>
+                </a:cubicBezTo>
+                <a:cubicBezTo>
+                  <a:pt x="3737153" y="29564"/>
+                  <a:pt x="3538393" y="21630"/>
+                  <a:pt x="3446122" y="18288"/>
+                </a:cubicBezTo>
+                <a:cubicBezTo>
+                  <a:pt x="3353851" y="14946"/>
+                  <a:pt x="2990320" y="-8091"/>
+                  <a:pt x="2659212" y="18288"/>
+                </a:cubicBezTo>
+                <a:cubicBezTo>
+                  <a:pt x="2328104" y="44667"/>
+                  <a:pt x="2427653" y="9607"/>
+                  <a:pt x="2306460" y="18288"/>
+                </a:cubicBezTo>
+                <a:cubicBezTo>
+                  <a:pt x="2185267" y="26969"/>
+                  <a:pt x="1719763" y="3717"/>
+                  <a:pt x="1519550" y="18288"/>
+                </a:cubicBezTo>
+                <a:cubicBezTo>
+                  <a:pt x="1319337" y="32860"/>
+                  <a:pt x="1167371" y="17040"/>
+                  <a:pt x="1058258" y="18288"/>
+                </a:cubicBezTo>
+                <a:cubicBezTo>
+                  <a:pt x="949145" y="19536"/>
+                  <a:pt x="780234" y="31447"/>
+                  <a:pt x="705505" y="18288"/>
+                </a:cubicBezTo>
+                <a:cubicBezTo>
+                  <a:pt x="630776" y="5129"/>
+                  <a:pt x="215796" y="30056"/>
+                  <a:pt x="0" y="18288"/>
+                </a:cubicBezTo>
+                <a:cubicBezTo>
+                  <a:pt x="-53" y="11301"/>
+                  <a:pt x="-649" y="7756"/>
+                  <a:pt x="0" y="0"/>
+                </a:cubicBezTo>
+                <a:close/>
+              </a:path>
+            </a:pathLst>
+          </a:custGeom>
+          <a:solidFill>
+            <a:schemeClr val="accent2"/>
+          </a:solidFill>
+          <a:ln w="41275" cap="rnd">
+            <a:solidFill>
+              <a:schemeClr val="accent2"/>
+            </a:solidFill>
+            <a:round/>
+            <a:extLst>
+              <a:ext uri="{C807C97D-BFC1-408E-A445-0C87EB9F89A2}">
+                <ask:lineSketchStyleProps xmlns:ask="http://schemas.microsoft.com/office/drawing/2018/sketchyshapes" sd="1219033472">
+                  <a:prstGeom prst="rect">
+                    <a:avLst/>
+                  </a:prstGeom>
+                  <ask:type>
+                    <ask:lineSketchFreehand/>
+                  </ask:type>
+                </ask:lineSketchStyleProps>
+              </a:ext>
+            </a:extLst>
+          </a:ln>
+        </p:spPr>
+        <p:style>
+          <a:lnRef idx="2">
+            <a:schemeClr val="accent1">
+              <a:shade val="50000"/>
+            </a:schemeClr>
+          </a:lnRef>
+          <a:fillRef idx="1">
+            <a:schemeClr val="accent1"/>
+          </a:fillRef>
+          <a:effectRef idx="0">
+            <a:schemeClr val="accent1"/>
+          </a:effectRef>
+          <a:fontRef idx="minor">
+            <a:schemeClr val="lt1"/>
+          </a:fontRef>
+        </p:style>
+        <p:txBody>
+          <a:bodyPr rtlCol="0" anchor="ctr"/>
+          <a:lstStyle/>
+          <a:p>
+            <a:pPr algn="ctr"/>
+            <a:endParaRPr lang="en-US"/>
+          </a:p>
+        </p:txBody>
+      </p:sp>
+      <p:sp>
+        <p:nvSpPr>
+          <p:cNvPr id="3" name="Content Placeholder 2">
+            <a:extLst>
+              <a:ext uri="{FF2B5EF4-FFF2-40B4-BE49-F238E27FC236}">
+                <a16:creationId xmlns:a16="http://schemas.microsoft.com/office/drawing/2014/main" id="{19714051-6D8A-B5CC-084A-649ADEC99D71}"/>
+              </a:ext>
+            </a:extLst>
+          </p:cNvPr>
+          <p:cNvSpPr>
+            <a:spLocks noGrp="1"/>
+          </p:cNvSpPr>
+          <p:nvPr>
+            <p:ph idx="1"/>
+          </p:nvPr>
+        </p:nvSpPr>
+        <p:spPr>
+          <a:xfrm>
+            <a:off x="838200" y="1929384"/>
+            <a:ext cx="10515600" cy="4251960"/>
+          </a:xfrm>
+        </p:spPr>
+        <p:txBody>
+          <a:bodyPr>
+            <a:normAutofit/>
+          </a:bodyPr>
+          <a:lstStyle/>
+          <a:p>
+            <a:r>
+              <a:rPr lang="en-US" sz="2200" dirty="0"/>
+              <a:t>Interpreter from Microsoft</a:t>
+            </a:r>
+          </a:p>
+          <a:p>
+            <a:pPr lvl="1"/>
+            <a:r>
+              <a:rPr lang="en-US" sz="2200" dirty="0">
+                <a:hlinkClick r:id="rId2"/>
+              </a:rPr>
+              <a:t>https://github.com/microsoft/Power-Fx</a:t>
+            </a:r>
+            <a:endParaRPr lang="en-US" sz="2200" dirty="0"/>
+          </a:p>
+          <a:p>
+            <a:r>
+              <a:rPr lang="en-US" sz="2200" dirty="0"/>
+              <a:t>Microsoft Samples:</a:t>
+            </a:r>
+          </a:p>
+          <a:p>
+            <a:pPr lvl="1"/>
+            <a:r>
+              <a:rPr lang="en-US" sz="2200" dirty="0">
+                <a:hlinkClick r:id="rId3"/>
+              </a:rPr>
+              <a:t>https://github.com/microsoft/power-fx-host-samples</a:t>
+            </a:r>
+            <a:r>
+              <a:rPr lang="en-US" sz="2200" dirty="0"/>
+              <a:t> </a:t>
+            </a:r>
+          </a:p>
+          <a:p>
+            <a:r>
+              <a:rPr lang="en-US" sz="2200" dirty="0"/>
+              <a:t>Minimal Sample:</a:t>
+            </a:r>
+          </a:p>
+          <a:p>
+            <a:pPr lvl="1"/>
+            <a:r>
+              <a:rPr lang="en-US" sz="2200" dirty="0">
+                <a:hlinkClick r:id="rId4"/>
+              </a:rPr>
+              <a:t>https://github.com/TheJuanitoLearnsShow/PuppyWorkbooks/blob/main/src/PuppyWorkbooks/5-Presentation/MinimalInterpreterExamples/Program.cs</a:t>
+            </a:r>
+            <a:endParaRPr lang="en-US" sz="2200" dirty="0"/>
+          </a:p>
+        </p:txBody>
+      </p:sp>
+    </p:spTree>
+    <p:extLst>
+      <p:ext uri="{BB962C8B-B14F-4D97-AF65-F5344CB8AC3E}">
+        <p14:creationId xmlns:p14="http://schemas.microsoft.com/office/powerpoint/2010/main" val="828761936"/>
+      </p:ext>
+    </p:extLst>
+  </p:cSld>
+  <p:clrMapOvr>
+    <a:masterClrMapping/>
+  </p:clrMapOvr>
+</p:sld>
+</file>
+
+<file path=ppt/slides/slide13.xml><?xml version="1.0" encoding="utf-8"?>
+<p:sld xmlns:a="http://schemas.openxmlformats.org/drawingml/2006/main" xmlns:r="http://schemas.openxmlformats.org/officeDocument/2006/relationships" xmlns:p="http://schemas.openxmlformats.org/presentationml/2006/main">
+  <p:cSld>
+    <p:bg>
+      <p:bgPr>
+        <a:solidFill>
+          <a:schemeClr val="bg1"/>
+        </a:solidFill>
+        <a:effectLst/>
+      </p:bgPr>
+    </p:bg>
+    <p:spTree>
+      <p:nvGrpSpPr>
+        <p:cNvPr id="1" name="">
+          <a:extLst>
+            <a:ext uri="{FF2B5EF4-FFF2-40B4-BE49-F238E27FC236}">
+              <a16:creationId xmlns:a16="http://schemas.microsoft.com/office/drawing/2014/main" id="{E1EEC2EE-058B-8395-CC11-FB36500DB031}"/>
+            </a:ext>
+          </a:extLst>
+        </p:cNvPr>
+        <p:cNvGrpSpPr/>
+        <p:nvPr/>
+      </p:nvGrpSpPr>
+      <p:grpSpPr>
+        <a:xfrm>
+          <a:off x="0" y="0"/>
+          <a:ext cx="0" cy="0"/>
+          <a:chOff x="0" y="0"/>
+          <a:chExt cx="0" cy="0"/>
+        </a:xfrm>
+      </p:grpSpPr>
+      <p:sp useBgFill="1">
+        <p:nvSpPr>
+          <p:cNvPr id="19" name="Rectangle 18">
+            <a:extLst>
+              <a:ext uri="{FF2B5EF4-FFF2-40B4-BE49-F238E27FC236}">
+                <a16:creationId xmlns:a16="http://schemas.microsoft.com/office/drawing/2014/main" id="{FF80A3D5-7F77-FF7C-84E0-D770178BE1D3}"/>
+              </a:ext>
+              <a:ext uri="{C183D7F6-B498-43B3-948B-1728B52AA6E4}">
+                <adec:decorative xmlns:adec="http://schemas.microsoft.com/office/drawing/2017/decorative" val="1"/>
+              </a:ext>
+            </a:extLst>
+          </p:cNvPr>
+          <p:cNvSpPr>
+            <a:spLocks noGrp="1" noRot="1" noChangeAspect="1" noMove="1" noResize="1" noEditPoints="1" noAdjustHandles="1" noChangeArrowheads="1" noChangeShapeType="1" noTextEdit="1"/>
+          </p:cNvSpPr>
+          <p:nvPr>
+            <p:extLst>
+              <p:ext uri="{386F3935-93C4-4BCD-93E2-E3B085C9AB24}">
+                <p16:designElem xmlns:p16="http://schemas.microsoft.com/office/powerpoint/2015/main" val="1"/>
+              </p:ext>
+            </p:extLst>
+          </p:nvPr>
+        </p:nvSpPr>
+        <p:spPr>
+          <a:xfrm>
+            <a:off x="0" y="0"/>
+            <a:ext cx="12188952" cy="6858000"/>
+          </a:xfrm>
+          <a:prstGeom prst="rect">
+            <a:avLst/>
+          </a:prstGeom>
+          <a:ln>
+            <a:noFill/>
+          </a:ln>
+        </p:spPr>
+        <p:style>
+          <a:lnRef idx="2">
+            <a:schemeClr val="accent1">
+              <a:shade val="50000"/>
+            </a:schemeClr>
+          </a:lnRef>
+          <a:fillRef idx="1">
+            <a:schemeClr val="accent1"/>
+          </a:fillRef>
+          <a:effectRef idx="0">
+            <a:schemeClr val="accent1"/>
+          </a:effectRef>
+          <a:fontRef idx="minor">
+            <a:schemeClr val="lt1"/>
+          </a:fontRef>
+        </p:style>
+        <p:txBody>
+          <a:bodyPr rtlCol="0" anchor="ctr"/>
+          <a:lstStyle/>
+          <a:p>
+            <a:pPr algn="ctr"/>
+            <a:endParaRPr lang="en-US"/>
+          </a:p>
+        </p:txBody>
+      </p:sp>
+      <p:sp>
+        <p:nvSpPr>
+          <p:cNvPr id="2" name="Title 1">
+            <a:extLst>
+              <a:ext uri="{FF2B5EF4-FFF2-40B4-BE49-F238E27FC236}">
+                <a16:creationId xmlns:a16="http://schemas.microsoft.com/office/drawing/2014/main" id="{DC8A028F-72EC-7A19-A7FB-0A87C4C1E9D3}"/>
+              </a:ext>
+            </a:extLst>
+          </p:cNvPr>
+          <p:cNvSpPr>
+            <a:spLocks noGrp="1"/>
+          </p:cNvSpPr>
+          <p:nvPr>
+            <p:ph type="title"/>
+          </p:nvPr>
+        </p:nvSpPr>
+        <p:spPr>
+          <a:xfrm>
+            <a:off x="838200" y="365125"/>
+            <a:ext cx="10515600" cy="1325563"/>
+          </a:xfrm>
+        </p:spPr>
+        <p:txBody>
+          <a:bodyPr>
+            <a:normAutofit/>
+          </a:bodyPr>
+          <a:lstStyle/>
+          <a:p>
+            <a:r>
+              <a:rPr lang="en-US" sz="4200" dirty="0"/>
+              <a:t>How to run the </a:t>
+            </a:r>
+            <a:r>
+              <a:rPr lang="en-US" sz="4200" dirty="0" err="1"/>
+              <a:t>PowerFX</a:t>
+            </a:r>
+            <a:r>
+              <a:rPr lang="en-US" sz="4200" dirty="0"/>
+              <a:t> interpreter from .NET</a:t>
+            </a:r>
+          </a:p>
+        </p:txBody>
+      </p:sp>
+      <p:sp>
+        <p:nvSpPr>
+          <p:cNvPr id="21" name="sketch line">
+            <a:extLst>
+              <a:ext uri="{FF2B5EF4-FFF2-40B4-BE49-F238E27FC236}">
+                <a16:creationId xmlns:a16="http://schemas.microsoft.com/office/drawing/2014/main" id="{8A32C08A-3FAB-2A97-9BA3-DEB6CA530895}"/>
+              </a:ext>
+              <a:ext uri="{C183D7F6-B498-43B3-948B-1728B52AA6E4}">
+                <adec:decorative xmlns:adec="http://schemas.microsoft.com/office/drawing/2017/decorative" val="1"/>
+              </a:ext>
+            </a:extLst>
+          </p:cNvPr>
+          <p:cNvSpPr>
+            <a:spLocks noGrp="1" noRot="1" noChangeAspect="1" noMove="1" noResize="1" noEditPoints="1" noAdjustHandles="1" noChangeArrowheads="1" noChangeShapeType="1" noTextEdit="1"/>
+          </p:cNvSpPr>
+          <p:nvPr>
+            <p:extLst>
+              <p:ext uri="{386F3935-93C4-4BCD-93E2-E3B085C9AB24}">
+                <p16:designElem xmlns:p16="http://schemas.microsoft.com/office/powerpoint/2015/main" val="1"/>
+              </p:ext>
+            </p:extLst>
+          </p:nvPr>
+        </p:nvSpPr>
+        <p:spPr>
+          <a:xfrm>
+            <a:off x="669036" y="1677373"/>
+            <a:ext cx="10853928" cy="18288"/>
+          </a:xfrm>
+          <a:custGeom>
+            <a:avLst/>
+            <a:gdLst>
+              <a:gd name="csX0" fmla="*/ 0 w 10853928"/>
+              <a:gd name="csY0" fmla="*/ 0 h 18288"/>
+              <a:gd name="csX1" fmla="*/ 461292 w 10853928"/>
+              <a:gd name="csY1" fmla="*/ 0 h 18288"/>
+              <a:gd name="csX2" fmla="*/ 1139662 w 10853928"/>
+              <a:gd name="csY2" fmla="*/ 0 h 18288"/>
+              <a:gd name="csX3" fmla="*/ 1926572 w 10853928"/>
+              <a:gd name="csY3" fmla="*/ 0 h 18288"/>
+              <a:gd name="csX4" fmla="*/ 2279325 w 10853928"/>
+              <a:gd name="csY4" fmla="*/ 0 h 18288"/>
+              <a:gd name="csX5" fmla="*/ 2632078 w 10853928"/>
+              <a:gd name="csY5" fmla="*/ 0 h 18288"/>
+              <a:gd name="csX6" fmla="*/ 3527527 w 10853928"/>
+              <a:gd name="csY6" fmla="*/ 0 h 18288"/>
+              <a:gd name="csX7" fmla="*/ 4205897 w 10853928"/>
+              <a:gd name="csY7" fmla="*/ 0 h 18288"/>
+              <a:gd name="csX8" fmla="*/ 4558650 w 10853928"/>
+              <a:gd name="csY8" fmla="*/ 0 h 18288"/>
+              <a:gd name="csX9" fmla="*/ 5237020 w 10853928"/>
+              <a:gd name="csY9" fmla="*/ 0 h 18288"/>
+              <a:gd name="csX10" fmla="*/ 6132469 w 10853928"/>
+              <a:gd name="csY10" fmla="*/ 0 h 18288"/>
+              <a:gd name="csX11" fmla="*/ 6702301 w 10853928"/>
+              <a:gd name="csY11" fmla="*/ 0 h 18288"/>
+              <a:gd name="csX12" fmla="*/ 7272132 w 10853928"/>
+              <a:gd name="csY12" fmla="*/ 0 h 18288"/>
+              <a:gd name="csX13" fmla="*/ 7950502 w 10853928"/>
+              <a:gd name="csY13" fmla="*/ 0 h 18288"/>
+              <a:gd name="csX14" fmla="*/ 8737412 w 10853928"/>
+              <a:gd name="csY14" fmla="*/ 0 h 18288"/>
+              <a:gd name="csX15" fmla="*/ 9524322 w 10853928"/>
+              <a:gd name="csY15" fmla="*/ 0 h 18288"/>
+              <a:gd name="csX16" fmla="*/ 10853928 w 10853928"/>
+              <a:gd name="csY16" fmla="*/ 0 h 18288"/>
+              <a:gd name="csX17" fmla="*/ 10853928 w 10853928"/>
+              <a:gd name="csY17" fmla="*/ 18288 h 18288"/>
+              <a:gd name="csX18" fmla="*/ 10392636 w 10853928"/>
+              <a:gd name="csY18" fmla="*/ 18288 h 18288"/>
+              <a:gd name="csX19" fmla="*/ 9497187 w 10853928"/>
+              <a:gd name="csY19" fmla="*/ 18288 h 18288"/>
+              <a:gd name="csX20" fmla="*/ 8818817 w 10853928"/>
+              <a:gd name="csY20" fmla="*/ 18288 h 18288"/>
+              <a:gd name="csX21" fmla="*/ 8466064 w 10853928"/>
+              <a:gd name="csY21" fmla="*/ 18288 h 18288"/>
+              <a:gd name="csX22" fmla="*/ 7787693 w 10853928"/>
+              <a:gd name="csY22" fmla="*/ 18288 h 18288"/>
+              <a:gd name="csX23" fmla="*/ 7217862 w 10853928"/>
+              <a:gd name="csY23" fmla="*/ 18288 h 18288"/>
+              <a:gd name="csX24" fmla="*/ 6648031 w 10853928"/>
+              <a:gd name="csY24" fmla="*/ 18288 h 18288"/>
+              <a:gd name="csX25" fmla="*/ 6078200 w 10853928"/>
+              <a:gd name="csY25" fmla="*/ 18288 h 18288"/>
+              <a:gd name="csX26" fmla="*/ 5508368 w 10853928"/>
+              <a:gd name="csY26" fmla="*/ 18288 h 18288"/>
+              <a:gd name="csX27" fmla="*/ 4721459 w 10853928"/>
+              <a:gd name="csY27" fmla="*/ 18288 h 18288"/>
+              <a:gd name="csX28" fmla="*/ 4043088 w 10853928"/>
+              <a:gd name="csY28" fmla="*/ 18288 h 18288"/>
+              <a:gd name="csX29" fmla="*/ 3690336 w 10853928"/>
+              <a:gd name="csY29" fmla="*/ 18288 h 18288"/>
+              <a:gd name="csX30" fmla="*/ 3120504 w 10853928"/>
+              <a:gd name="csY30" fmla="*/ 18288 h 18288"/>
+              <a:gd name="csX31" fmla="*/ 2333595 w 10853928"/>
+              <a:gd name="csY31" fmla="*/ 18288 h 18288"/>
+              <a:gd name="csX32" fmla="*/ 1872303 w 10853928"/>
+              <a:gd name="csY32" fmla="*/ 18288 h 18288"/>
+              <a:gd name="csX33" fmla="*/ 976854 w 10853928"/>
+              <a:gd name="csY33" fmla="*/ 18288 h 18288"/>
+              <a:gd name="csX34" fmla="*/ 0 w 10853928"/>
+              <a:gd name="csY34" fmla="*/ 18288 h 18288"/>
+              <a:gd name="csX35" fmla="*/ 0 w 10853928"/>
+              <a:gd name="csY35" fmla="*/ 0 h 18288"/>
+            </a:gdLst>
+            <a:ahLst/>
+            <a:cxnLst>
+              <a:cxn ang="0">
+                <a:pos x="csX0" y="csY0"/>
+              </a:cxn>
+              <a:cxn ang="0">
+                <a:pos x="csX1" y="csY1"/>
+              </a:cxn>
+              <a:cxn ang="0">
+                <a:pos x="csX2" y="csY2"/>
+              </a:cxn>
+              <a:cxn ang="0">
+                <a:pos x="csX3" y="csY3"/>
+              </a:cxn>
+              <a:cxn ang="0">
+                <a:pos x="csX4" y="csY4"/>
+              </a:cxn>
+              <a:cxn ang="0">
+                <a:pos x="csX5" y="csY5"/>
+              </a:cxn>
+              <a:cxn ang="0">
+                <a:pos x="csX6" y="csY6"/>
+              </a:cxn>
+              <a:cxn ang="0">
+                <a:pos x="csX7" y="csY7"/>
+              </a:cxn>
+              <a:cxn ang="0">
+                <a:pos x="csX8" y="csY8"/>
+              </a:cxn>
+              <a:cxn ang="0">
+                <a:pos x="csX9" y="csY9"/>
+              </a:cxn>
+              <a:cxn ang="0">
+                <a:pos x="csX10" y="csY10"/>
+              </a:cxn>
+              <a:cxn ang="0">
+                <a:pos x="csX11" y="csY11"/>
+              </a:cxn>
+              <a:cxn ang="0">
+                <a:pos x="csX12" y="csY12"/>
+              </a:cxn>
+              <a:cxn ang="0">
+                <a:pos x="csX13" y="csY13"/>
+              </a:cxn>
+              <a:cxn ang="0">
+                <a:pos x="csX14" y="csY14"/>
+              </a:cxn>
+              <a:cxn ang="0">
+                <a:pos x="csX15" y="csY15"/>
+              </a:cxn>
+              <a:cxn ang="0">
+                <a:pos x="csX16" y="csY16"/>
+              </a:cxn>
+              <a:cxn ang="0">
+                <a:pos x="csX17" y="csY17"/>
+              </a:cxn>
+              <a:cxn ang="0">
+                <a:pos x="csX18" y="csY18"/>
+              </a:cxn>
+              <a:cxn ang="0">
+                <a:pos x="csX19" y="csY19"/>
+              </a:cxn>
+              <a:cxn ang="0">
+                <a:pos x="csX20" y="csY20"/>
+              </a:cxn>
+              <a:cxn ang="0">
+                <a:pos x="csX21" y="csY21"/>
+              </a:cxn>
+              <a:cxn ang="0">
+                <a:pos x="csX22" y="csY22"/>
+              </a:cxn>
+              <a:cxn ang="0">
+                <a:pos x="csX23" y="csY23"/>
+              </a:cxn>
+              <a:cxn ang="0">
+                <a:pos x="csX24" y="csY24"/>
+              </a:cxn>
+              <a:cxn ang="0">
+                <a:pos x="csX25" y="csY25"/>
+              </a:cxn>
+              <a:cxn ang="0">
+                <a:pos x="csX26" y="csY26"/>
+              </a:cxn>
+              <a:cxn ang="0">
+                <a:pos x="csX27" y="csY27"/>
+              </a:cxn>
+              <a:cxn ang="0">
+                <a:pos x="csX28" y="csY28"/>
+              </a:cxn>
+              <a:cxn ang="0">
+                <a:pos x="csX29" y="csY29"/>
+              </a:cxn>
+              <a:cxn ang="0">
+                <a:pos x="csX30" y="csY30"/>
+              </a:cxn>
+              <a:cxn ang="0">
+                <a:pos x="csX31" y="csY31"/>
+              </a:cxn>
+              <a:cxn ang="0">
+                <a:pos x="csX32" y="csY32"/>
+              </a:cxn>
+              <a:cxn ang="0">
+                <a:pos x="csX33" y="csY33"/>
+              </a:cxn>
+              <a:cxn ang="0">
+                <a:pos x="csX34" y="csY34"/>
+              </a:cxn>
+              <a:cxn ang="0">
+                <a:pos x="csX35" y="csY35"/>
+              </a:cxn>
+            </a:cxnLst>
+            <a:rect l="l" t="t" r="r" b="b"/>
+            <a:pathLst>
+              <a:path w="10853928" h="18288" fill="none" extrusionOk="0">
+                <a:moveTo>
+                  <a:pt x="0" y="0"/>
+                </a:moveTo>
+                <a:cubicBezTo>
+                  <a:pt x="146993" y="-19076"/>
+                  <a:pt x="347684" y="-4790"/>
+                  <a:pt x="461292" y="0"/>
+                </a:cubicBezTo>
+                <a:cubicBezTo>
+                  <a:pt x="574900" y="4790"/>
+                  <a:pt x="808367" y="19821"/>
+                  <a:pt x="1139662" y="0"/>
+                </a:cubicBezTo>
+                <a:cubicBezTo>
+                  <a:pt x="1470957" y="-19821"/>
+                  <a:pt x="1627405" y="5721"/>
+                  <a:pt x="1926572" y="0"/>
+                </a:cubicBezTo>
+                <a:cubicBezTo>
+                  <a:pt x="2225739" y="-5721"/>
+                  <a:pt x="2137730" y="-3235"/>
+                  <a:pt x="2279325" y="0"/>
+                </a:cubicBezTo>
+                <a:cubicBezTo>
+                  <a:pt x="2420920" y="3235"/>
+                  <a:pt x="2456518" y="9685"/>
+                  <a:pt x="2632078" y="0"/>
+                </a:cubicBezTo>
+                <a:cubicBezTo>
+                  <a:pt x="2807638" y="-9685"/>
+                  <a:pt x="3211516" y="-43007"/>
+                  <a:pt x="3527527" y="0"/>
+                </a:cubicBezTo>
+                <a:cubicBezTo>
+                  <a:pt x="3843538" y="43007"/>
+                  <a:pt x="4058833" y="22042"/>
+                  <a:pt x="4205897" y="0"/>
+                </a:cubicBezTo>
+                <a:cubicBezTo>
+                  <a:pt x="4352961" y="-22042"/>
+                  <a:pt x="4474805" y="-11846"/>
+                  <a:pt x="4558650" y="0"/>
+                </a:cubicBezTo>
+                <a:cubicBezTo>
+                  <a:pt x="4642495" y="11846"/>
+                  <a:pt x="5041928" y="-6069"/>
+                  <a:pt x="5237020" y="0"/>
+                </a:cubicBezTo>
+                <a:cubicBezTo>
+                  <a:pt x="5432112" y="6069"/>
+                  <a:pt x="5943266" y="-17479"/>
+                  <a:pt x="6132469" y="0"/>
+                </a:cubicBezTo>
+                <a:cubicBezTo>
+                  <a:pt x="6321672" y="17479"/>
+                  <a:pt x="6483872" y="26234"/>
+                  <a:pt x="6702301" y="0"/>
+                </a:cubicBezTo>
+                <a:cubicBezTo>
+                  <a:pt x="6920730" y="-26234"/>
+                  <a:pt x="6991194" y="-15156"/>
+                  <a:pt x="7272132" y="0"/>
+                </a:cubicBezTo>
+                <a:cubicBezTo>
+                  <a:pt x="7553070" y="15156"/>
+                  <a:pt x="7684444" y="-32961"/>
+                  <a:pt x="7950502" y="0"/>
+                </a:cubicBezTo>
+                <a:cubicBezTo>
+                  <a:pt x="8216560" y="32961"/>
+                  <a:pt x="8493290" y="-10491"/>
+                  <a:pt x="8737412" y="0"/>
+                </a:cubicBezTo>
+                <a:cubicBezTo>
+                  <a:pt x="8981534" y="10491"/>
+                  <a:pt x="9191586" y="-13899"/>
+                  <a:pt x="9524322" y="0"/>
+                </a:cubicBezTo>
+                <a:cubicBezTo>
+                  <a:pt x="9857058" y="13899"/>
+                  <a:pt x="10297509" y="7485"/>
+                  <a:pt x="10853928" y="0"/>
+                </a:cubicBezTo>
+                <a:cubicBezTo>
+                  <a:pt x="10854574" y="4451"/>
+                  <a:pt x="10854418" y="9226"/>
+                  <a:pt x="10853928" y="18288"/>
+                </a:cubicBezTo>
+                <a:cubicBezTo>
+                  <a:pt x="10691638" y="28522"/>
+                  <a:pt x="10574319" y="29578"/>
+                  <a:pt x="10392636" y="18288"/>
+                </a:cubicBezTo>
+                <a:cubicBezTo>
+                  <a:pt x="10210953" y="6998"/>
+                  <a:pt x="9836277" y="-16742"/>
+                  <a:pt x="9497187" y="18288"/>
+                </a:cubicBezTo>
+                <a:cubicBezTo>
+                  <a:pt x="9158097" y="53318"/>
+                  <a:pt x="9119479" y="30714"/>
+                  <a:pt x="8818817" y="18288"/>
+                </a:cubicBezTo>
+                <a:cubicBezTo>
+                  <a:pt x="8518155" y="5863"/>
+                  <a:pt x="8640037" y="6483"/>
+                  <a:pt x="8466064" y="18288"/>
+                </a:cubicBezTo>
+                <a:cubicBezTo>
+                  <a:pt x="8292091" y="30093"/>
+                  <a:pt x="7997656" y="18914"/>
+                  <a:pt x="7787693" y="18288"/>
+                </a:cubicBezTo>
+                <a:cubicBezTo>
+                  <a:pt x="7577730" y="17662"/>
+                  <a:pt x="7412468" y="21416"/>
+                  <a:pt x="7217862" y="18288"/>
+                </a:cubicBezTo>
+                <a:cubicBezTo>
+                  <a:pt x="7023256" y="15160"/>
+                  <a:pt x="6898018" y="14824"/>
+                  <a:pt x="6648031" y="18288"/>
+                </a:cubicBezTo>
+                <a:cubicBezTo>
+                  <a:pt x="6398044" y="21752"/>
+                  <a:pt x="6254402" y="38625"/>
+                  <a:pt x="6078200" y="18288"/>
+                </a:cubicBezTo>
+                <a:cubicBezTo>
+                  <a:pt x="5901998" y="-2049"/>
+                  <a:pt x="5622886" y="3213"/>
+                  <a:pt x="5508368" y="18288"/>
+                </a:cubicBezTo>
+                <a:cubicBezTo>
+                  <a:pt x="5393850" y="33363"/>
+                  <a:pt x="5036260" y="26830"/>
+                  <a:pt x="4721459" y="18288"/>
+                </a:cubicBezTo>
+                <a:cubicBezTo>
+                  <a:pt x="4406658" y="9746"/>
+                  <a:pt x="4239221" y="41551"/>
+                  <a:pt x="4043088" y="18288"/>
+                </a:cubicBezTo>
+                <a:cubicBezTo>
+                  <a:pt x="3846955" y="-4975"/>
+                  <a:pt x="3818802" y="34658"/>
+                  <a:pt x="3690336" y="18288"/>
+                </a:cubicBezTo>
+                <a:cubicBezTo>
+                  <a:pt x="3561870" y="1918"/>
+                  <a:pt x="3265491" y="42194"/>
+                  <a:pt x="3120504" y="18288"/>
+                </a:cubicBezTo>
+                <a:cubicBezTo>
+                  <a:pt x="2975517" y="-5618"/>
+                  <a:pt x="2720254" y="36673"/>
+                  <a:pt x="2333595" y="18288"/>
+                </a:cubicBezTo>
+                <a:cubicBezTo>
+                  <a:pt x="1946936" y="-97"/>
+                  <a:pt x="2097241" y="5776"/>
+                  <a:pt x="1872303" y="18288"/>
+                </a:cubicBezTo>
+                <a:cubicBezTo>
+                  <a:pt x="1647365" y="30800"/>
+                  <a:pt x="1282708" y="45380"/>
+                  <a:pt x="976854" y="18288"/>
+                </a:cubicBezTo>
+                <a:cubicBezTo>
+                  <a:pt x="671000" y="-8804"/>
+                  <a:pt x="408401" y="-12775"/>
+                  <a:pt x="0" y="18288"/>
+                </a:cubicBezTo>
+                <a:cubicBezTo>
+                  <a:pt x="-213" y="9468"/>
+                  <a:pt x="187" y="4459"/>
+                  <a:pt x="0" y="0"/>
+                </a:cubicBezTo>
+                <a:close/>
+              </a:path>
+              <a:path w="10853928" h="18288" stroke="0" extrusionOk="0">
+                <a:moveTo>
+                  <a:pt x="0" y="0"/>
+                </a:moveTo>
+                <a:cubicBezTo>
+                  <a:pt x="267322" y="15284"/>
+                  <a:pt x="415388" y="-21048"/>
+                  <a:pt x="569831" y="0"/>
+                </a:cubicBezTo>
+                <a:cubicBezTo>
+                  <a:pt x="724274" y="21048"/>
+                  <a:pt x="769333" y="-2353"/>
+                  <a:pt x="922584" y="0"/>
+                </a:cubicBezTo>
+                <a:cubicBezTo>
+                  <a:pt x="1075835" y="2353"/>
+                  <a:pt x="1399490" y="-145"/>
+                  <a:pt x="1818033" y="0"/>
+                </a:cubicBezTo>
+                <a:cubicBezTo>
+                  <a:pt x="2236576" y="145"/>
+                  <a:pt x="2145330" y="5482"/>
+                  <a:pt x="2387864" y="0"/>
+                </a:cubicBezTo>
+                <a:cubicBezTo>
+                  <a:pt x="2630398" y="-5482"/>
+                  <a:pt x="2793207" y="18487"/>
+                  <a:pt x="2957695" y="0"/>
+                </a:cubicBezTo>
+                <a:cubicBezTo>
+                  <a:pt x="3122183" y="-18487"/>
+                  <a:pt x="3579141" y="19003"/>
+                  <a:pt x="3853144" y="0"/>
+                </a:cubicBezTo>
+                <a:cubicBezTo>
+                  <a:pt x="4127147" y="-19003"/>
+                  <a:pt x="4209857" y="12211"/>
+                  <a:pt x="4314436" y="0"/>
+                </a:cubicBezTo>
+                <a:cubicBezTo>
+                  <a:pt x="4419015" y="-12211"/>
+                  <a:pt x="4762459" y="-17220"/>
+                  <a:pt x="5209885" y="0"/>
+                </a:cubicBezTo>
+                <a:cubicBezTo>
+                  <a:pt x="5657311" y="17220"/>
+                  <a:pt x="5692663" y="-3290"/>
+                  <a:pt x="6105335" y="0"/>
+                </a:cubicBezTo>
+                <a:cubicBezTo>
+                  <a:pt x="6518007" y="3290"/>
+                  <a:pt x="6455516" y="-5124"/>
+                  <a:pt x="6783705" y="0"/>
+                </a:cubicBezTo>
+                <a:cubicBezTo>
+                  <a:pt x="7111894" y="5124"/>
+                  <a:pt x="7441941" y="-17829"/>
+                  <a:pt x="7679154" y="0"/>
+                </a:cubicBezTo>
+                <a:cubicBezTo>
+                  <a:pt x="7916367" y="17829"/>
+                  <a:pt x="8102967" y="-24363"/>
+                  <a:pt x="8248985" y="0"/>
+                </a:cubicBezTo>
+                <a:cubicBezTo>
+                  <a:pt x="8395003" y="24363"/>
+                  <a:pt x="8552393" y="25505"/>
+                  <a:pt x="8818817" y="0"/>
+                </a:cubicBezTo>
+                <a:cubicBezTo>
+                  <a:pt x="9085241" y="-25505"/>
+                  <a:pt x="9411308" y="38000"/>
+                  <a:pt x="9605726" y="0"/>
+                </a:cubicBezTo>
+                <a:cubicBezTo>
+                  <a:pt x="9800144" y="-38000"/>
+                  <a:pt x="10006468" y="-25741"/>
+                  <a:pt x="10175558" y="0"/>
+                </a:cubicBezTo>
+                <a:cubicBezTo>
+                  <a:pt x="10344648" y="25741"/>
+                  <a:pt x="10696282" y="695"/>
+                  <a:pt x="10853928" y="0"/>
+                </a:cubicBezTo>
+                <a:cubicBezTo>
+                  <a:pt x="10853521" y="8690"/>
+                  <a:pt x="10853774" y="14141"/>
+                  <a:pt x="10853928" y="18288"/>
+                </a:cubicBezTo>
+                <a:cubicBezTo>
+                  <a:pt x="10608124" y="24255"/>
+                  <a:pt x="10343415" y="22307"/>
+                  <a:pt x="10067018" y="18288"/>
+                </a:cubicBezTo>
+                <a:cubicBezTo>
+                  <a:pt x="9790621" y="14270"/>
+                  <a:pt x="9843266" y="3564"/>
+                  <a:pt x="9714266" y="18288"/>
+                </a:cubicBezTo>
+                <a:cubicBezTo>
+                  <a:pt x="9585266" y="33012"/>
+                  <a:pt x="9379484" y="1875"/>
+                  <a:pt x="9252974" y="18288"/>
+                </a:cubicBezTo>
+                <a:cubicBezTo>
+                  <a:pt x="9126464" y="34701"/>
+                  <a:pt x="8580678" y="-4904"/>
+                  <a:pt x="8357525" y="18288"/>
+                </a:cubicBezTo>
+                <a:cubicBezTo>
+                  <a:pt x="8134372" y="41480"/>
+                  <a:pt x="7903199" y="26458"/>
+                  <a:pt x="7679154" y="18288"/>
+                </a:cubicBezTo>
+                <a:cubicBezTo>
+                  <a:pt x="7455109" y="10118"/>
+                  <a:pt x="7435944" y="27109"/>
+                  <a:pt x="7217862" y="18288"/>
+                </a:cubicBezTo>
+                <a:cubicBezTo>
+                  <a:pt x="6999780" y="9467"/>
+                  <a:pt x="6680409" y="18985"/>
+                  <a:pt x="6539492" y="18288"/>
+                </a:cubicBezTo>
+                <a:cubicBezTo>
+                  <a:pt x="6398575" y="17592"/>
+                  <a:pt x="6312077" y="33018"/>
+                  <a:pt x="6186739" y="18288"/>
+                </a:cubicBezTo>
+                <a:cubicBezTo>
+                  <a:pt x="6061401" y="3558"/>
+                  <a:pt x="5947033" y="12075"/>
+                  <a:pt x="5833986" y="18288"/>
+                </a:cubicBezTo>
+                <a:cubicBezTo>
+                  <a:pt x="5720939" y="24501"/>
+                  <a:pt x="5482226" y="8586"/>
+                  <a:pt x="5155616" y="18288"/>
+                </a:cubicBezTo>
+                <a:cubicBezTo>
+                  <a:pt x="4829006" y="27991"/>
+                  <a:pt x="4841274" y="29316"/>
+                  <a:pt x="4694324" y="18288"/>
+                </a:cubicBezTo>
+                <a:cubicBezTo>
+                  <a:pt x="4547374" y="7260"/>
+                  <a:pt x="4077675" y="7013"/>
+                  <a:pt x="3907414" y="18288"/>
+                </a:cubicBezTo>
+                <a:cubicBezTo>
+                  <a:pt x="3737153" y="29564"/>
+                  <a:pt x="3538393" y="21630"/>
+                  <a:pt x="3446122" y="18288"/>
+                </a:cubicBezTo>
+                <a:cubicBezTo>
+                  <a:pt x="3353851" y="14946"/>
+                  <a:pt x="2990320" y="-8091"/>
+                  <a:pt x="2659212" y="18288"/>
+                </a:cubicBezTo>
+                <a:cubicBezTo>
+                  <a:pt x="2328104" y="44667"/>
+                  <a:pt x="2427653" y="9607"/>
+                  <a:pt x="2306460" y="18288"/>
+                </a:cubicBezTo>
+                <a:cubicBezTo>
+                  <a:pt x="2185267" y="26969"/>
+                  <a:pt x="1719763" y="3717"/>
+                  <a:pt x="1519550" y="18288"/>
+                </a:cubicBezTo>
+                <a:cubicBezTo>
+                  <a:pt x="1319337" y="32860"/>
+                  <a:pt x="1167371" y="17040"/>
+                  <a:pt x="1058258" y="18288"/>
+                </a:cubicBezTo>
+                <a:cubicBezTo>
+                  <a:pt x="949145" y="19536"/>
+                  <a:pt x="780234" y="31447"/>
+                  <a:pt x="705505" y="18288"/>
+                </a:cubicBezTo>
+                <a:cubicBezTo>
+                  <a:pt x="630776" y="5129"/>
+                  <a:pt x="215796" y="30056"/>
+                  <a:pt x="0" y="18288"/>
+                </a:cubicBezTo>
+                <a:cubicBezTo>
+                  <a:pt x="-53" y="11301"/>
+                  <a:pt x="-649" y="7756"/>
+                  <a:pt x="0" y="0"/>
+                </a:cubicBezTo>
+                <a:close/>
+              </a:path>
+            </a:pathLst>
+          </a:custGeom>
+          <a:solidFill>
+            <a:schemeClr val="accent2"/>
+          </a:solidFill>
+          <a:ln w="41275" cap="rnd">
+            <a:solidFill>
+              <a:schemeClr val="accent2"/>
+            </a:solidFill>
+            <a:round/>
+            <a:extLst>
+              <a:ext uri="{C807C97D-BFC1-408E-A445-0C87EB9F89A2}">
+                <ask:lineSketchStyleProps xmlns:ask="http://schemas.microsoft.com/office/drawing/2018/sketchyshapes" sd="1219033472">
+                  <a:prstGeom prst="rect">
+                    <a:avLst/>
+                  </a:prstGeom>
+                  <ask:type>
+                    <ask:lineSketchFreehand/>
+                  </ask:type>
+                </ask:lineSketchStyleProps>
+              </a:ext>
+            </a:extLst>
+          </a:ln>
+        </p:spPr>
+        <p:style>
+          <a:lnRef idx="2">
+            <a:schemeClr val="accent1">
+              <a:shade val="50000"/>
+            </a:schemeClr>
+          </a:lnRef>
+          <a:fillRef idx="1">
+            <a:schemeClr val="accent1"/>
+          </a:fillRef>
+          <a:effectRef idx="0">
+            <a:schemeClr val="accent1"/>
+          </a:effectRef>
+          <a:fontRef idx="minor">
+            <a:schemeClr val="lt1"/>
+          </a:fontRef>
+        </p:style>
+        <p:txBody>
+          <a:bodyPr rtlCol="0" anchor="ctr"/>
+          <a:lstStyle/>
+          <a:p>
+            <a:pPr algn="ctr"/>
+            <a:endParaRPr lang="en-US"/>
+          </a:p>
+        </p:txBody>
+      </p:sp>
+      <p:sp>
+        <p:nvSpPr>
+          <p:cNvPr id="3" name="Content Placeholder 2">
+            <a:extLst>
+              <a:ext uri="{FF2B5EF4-FFF2-40B4-BE49-F238E27FC236}">
+                <a16:creationId xmlns:a16="http://schemas.microsoft.com/office/drawing/2014/main" id="{DFBFC627-69DC-AD8A-E1DA-A63C6D11291E}"/>
+              </a:ext>
+            </a:extLst>
+          </p:cNvPr>
+          <p:cNvSpPr>
+            <a:spLocks noGrp="1"/>
+          </p:cNvSpPr>
+          <p:nvPr>
+            <p:ph idx="1"/>
+          </p:nvPr>
+        </p:nvSpPr>
+        <p:spPr>
+          <a:xfrm>
+            <a:off x="838200" y="1929384"/>
+            <a:ext cx="10515600" cy="4251960"/>
+          </a:xfrm>
+        </p:spPr>
+        <p:txBody>
+          <a:bodyPr>
+            <a:normAutofit/>
+          </a:bodyPr>
+          <a:lstStyle/>
+          <a:p>
+            <a:r>
+              <a:rPr lang="en-US" sz="2000" dirty="0"/>
+              <a:t>Initialize engine</a:t>
+            </a:r>
+          </a:p>
+          <a:p>
+            <a:r>
+              <a:rPr lang="en-US" sz="2000" dirty="0"/>
+              <a:t>Add formulas</a:t>
+            </a:r>
+          </a:p>
+          <a:p>
+            <a:r>
+              <a:rPr lang="en-US" sz="2000" dirty="0"/>
+              <a:t>Evaluate formulas</a:t>
+            </a:r>
+          </a:p>
+        </p:txBody>
+      </p:sp>
+    </p:spTree>
+    <p:extLst>
+      <p:ext uri="{BB962C8B-B14F-4D97-AF65-F5344CB8AC3E}">
+        <p14:creationId xmlns:p14="http://schemas.microsoft.com/office/powerpoint/2010/main" val="3248658166"/>
+      </p:ext>
+    </p:extLst>
+  </p:cSld>
+  <p:clrMapOvr>
+    <a:masterClrMapping/>
+  </p:clrMapOvr>
+</p:sld>
+</file>
+
+<file path=ppt/slides/slide14.xml><?xml version="1.0" encoding="utf-8"?>
+<p:sld xmlns:a="http://schemas.openxmlformats.org/drawingml/2006/main" xmlns:r="http://schemas.openxmlformats.org/officeDocument/2006/relationships" xmlns:p="http://schemas.openxmlformats.org/presentationml/2006/main">
+  <p:cSld>
+    <p:bg>
+      <p:bgPr>
+        <a:solidFill>
+          <a:schemeClr val="bg1"/>
+        </a:solidFill>
+        <a:effectLst/>
+      </p:bgPr>
+    </p:bg>
+    <p:spTree>
+      <p:nvGrpSpPr>
+        <p:cNvPr id="1" name="">
+          <a:extLst>
+            <a:ext uri="{FF2B5EF4-FFF2-40B4-BE49-F238E27FC236}">
+              <a16:creationId xmlns:a16="http://schemas.microsoft.com/office/drawing/2014/main" id="{01C2AC92-2A75-AAF8-1F3C-AC05D484F503}"/>
+            </a:ext>
+          </a:extLst>
+        </p:cNvPr>
+        <p:cNvGrpSpPr/>
+        <p:nvPr/>
+      </p:nvGrpSpPr>
+      <p:grpSpPr>
+        <a:xfrm>
+          <a:off x="0" y="0"/>
+          <a:ext cx="0" cy="0"/>
+          <a:chOff x="0" y="0"/>
+          <a:chExt cx="0" cy="0"/>
+        </a:xfrm>
+      </p:grpSpPr>
+      <p:sp useBgFill="1">
+        <p:nvSpPr>
+          <p:cNvPr id="19" name="Rectangle 18">
+            <a:extLst>
+              <a:ext uri="{FF2B5EF4-FFF2-40B4-BE49-F238E27FC236}">
+                <a16:creationId xmlns:a16="http://schemas.microsoft.com/office/drawing/2014/main" id="{CCD0DA76-8025-8AB3-FC6E-E892BADBCF72}"/>
+              </a:ext>
+              <a:ext uri="{C183D7F6-B498-43B3-948B-1728B52AA6E4}">
+                <adec:decorative xmlns:adec="http://schemas.microsoft.com/office/drawing/2017/decorative" val="1"/>
+              </a:ext>
+            </a:extLst>
+          </p:cNvPr>
+          <p:cNvSpPr>
+            <a:spLocks noGrp="1" noRot="1" noChangeAspect="1" noMove="1" noResize="1" noEditPoints="1" noAdjustHandles="1" noChangeArrowheads="1" noChangeShapeType="1" noTextEdit="1"/>
+          </p:cNvSpPr>
+          <p:nvPr>
+            <p:extLst>
+              <p:ext uri="{386F3935-93C4-4BCD-93E2-E3B085C9AB24}">
+                <p16:designElem xmlns:p16="http://schemas.microsoft.com/office/powerpoint/2015/main" val="1"/>
+              </p:ext>
+            </p:extLst>
+          </p:nvPr>
+        </p:nvSpPr>
+        <p:spPr>
+          <a:xfrm>
+            <a:off x="0" y="0"/>
+            <a:ext cx="12188952" cy="6858000"/>
+          </a:xfrm>
+          <a:prstGeom prst="rect">
+            <a:avLst/>
+          </a:prstGeom>
+          <a:ln>
+            <a:noFill/>
+          </a:ln>
+        </p:spPr>
+        <p:style>
+          <a:lnRef idx="2">
+            <a:schemeClr val="accent1">
+              <a:shade val="50000"/>
+            </a:schemeClr>
+          </a:lnRef>
+          <a:fillRef idx="1">
+            <a:schemeClr val="accent1"/>
+          </a:fillRef>
+          <a:effectRef idx="0">
+            <a:schemeClr val="accent1"/>
+          </a:effectRef>
+          <a:fontRef idx="minor">
+            <a:schemeClr val="lt1"/>
+          </a:fontRef>
+        </p:style>
+        <p:txBody>
+          <a:bodyPr rtlCol="0" anchor="ctr"/>
+          <a:lstStyle/>
+          <a:p>
+            <a:pPr algn="ctr"/>
+            <a:endParaRPr lang="en-US"/>
+          </a:p>
+        </p:txBody>
+      </p:sp>
+      <p:sp>
+        <p:nvSpPr>
+          <p:cNvPr id="2" name="Title 1">
+            <a:extLst>
+              <a:ext uri="{FF2B5EF4-FFF2-40B4-BE49-F238E27FC236}">
+                <a16:creationId xmlns:a16="http://schemas.microsoft.com/office/drawing/2014/main" id="{6AB8F743-8D02-A013-A215-801142BA4795}"/>
+              </a:ext>
+            </a:extLst>
+          </p:cNvPr>
+          <p:cNvSpPr>
+            <a:spLocks noGrp="1"/>
+          </p:cNvSpPr>
+          <p:nvPr>
+            <p:ph type="title"/>
+          </p:nvPr>
+        </p:nvSpPr>
+        <p:spPr>
+          <a:xfrm>
+            <a:off x="838200" y="365125"/>
+            <a:ext cx="10515600" cy="1325563"/>
+          </a:xfrm>
+        </p:spPr>
+        <p:txBody>
+          <a:bodyPr>
+            <a:normAutofit/>
+          </a:bodyPr>
+          <a:lstStyle/>
+          <a:p>
+            <a:r>
+              <a:rPr lang="en-US" sz="4200" dirty="0"/>
+              <a:t>How to run the </a:t>
+            </a:r>
+            <a:r>
+              <a:rPr lang="en-US" sz="4200" dirty="0" err="1"/>
+              <a:t>PowerFX</a:t>
+            </a:r>
+            <a:r>
+              <a:rPr lang="en-US" sz="4200" dirty="0"/>
+              <a:t> interpreter from .NET</a:t>
+            </a:r>
+          </a:p>
+        </p:txBody>
+      </p:sp>
+      <p:sp>
+        <p:nvSpPr>
+          <p:cNvPr id="21" name="sketch line">
+            <a:extLst>
+              <a:ext uri="{FF2B5EF4-FFF2-40B4-BE49-F238E27FC236}">
+                <a16:creationId xmlns:a16="http://schemas.microsoft.com/office/drawing/2014/main" id="{997F5DF3-329B-3D3C-9B68-1C35998C9DD4}"/>
+              </a:ext>
+              <a:ext uri="{C183D7F6-B498-43B3-948B-1728B52AA6E4}">
+                <adec:decorative xmlns:adec="http://schemas.microsoft.com/office/drawing/2017/decorative" val="1"/>
+              </a:ext>
+            </a:extLst>
+          </p:cNvPr>
+          <p:cNvSpPr>
+            <a:spLocks noGrp="1" noRot="1" noChangeAspect="1" noMove="1" noResize="1" noEditPoints="1" noAdjustHandles="1" noChangeArrowheads="1" noChangeShapeType="1" noTextEdit="1"/>
+          </p:cNvSpPr>
+          <p:nvPr>
+            <p:extLst>
+              <p:ext uri="{386F3935-93C4-4BCD-93E2-E3B085C9AB24}">
+                <p16:designElem xmlns:p16="http://schemas.microsoft.com/office/powerpoint/2015/main" val="1"/>
+              </p:ext>
+            </p:extLst>
+          </p:nvPr>
+        </p:nvSpPr>
+        <p:spPr>
+          <a:xfrm>
+            <a:off x="669036" y="1677373"/>
+            <a:ext cx="10853928" cy="18288"/>
+          </a:xfrm>
+          <a:custGeom>
+            <a:avLst/>
+            <a:gdLst>
+              <a:gd name="csX0" fmla="*/ 0 w 10853928"/>
+              <a:gd name="csY0" fmla="*/ 0 h 18288"/>
+              <a:gd name="csX1" fmla="*/ 461292 w 10853928"/>
+              <a:gd name="csY1" fmla="*/ 0 h 18288"/>
+              <a:gd name="csX2" fmla="*/ 1139662 w 10853928"/>
+              <a:gd name="csY2" fmla="*/ 0 h 18288"/>
+              <a:gd name="csX3" fmla="*/ 1926572 w 10853928"/>
+              <a:gd name="csY3" fmla="*/ 0 h 18288"/>
+              <a:gd name="csX4" fmla="*/ 2279325 w 10853928"/>
+              <a:gd name="csY4" fmla="*/ 0 h 18288"/>
+              <a:gd name="csX5" fmla="*/ 2632078 w 10853928"/>
+              <a:gd name="csY5" fmla="*/ 0 h 18288"/>
+              <a:gd name="csX6" fmla="*/ 3527527 w 10853928"/>
+              <a:gd name="csY6" fmla="*/ 0 h 18288"/>
+              <a:gd name="csX7" fmla="*/ 4205897 w 10853928"/>
+              <a:gd name="csY7" fmla="*/ 0 h 18288"/>
+              <a:gd name="csX8" fmla="*/ 4558650 w 10853928"/>
+              <a:gd name="csY8" fmla="*/ 0 h 18288"/>
+              <a:gd name="csX9" fmla="*/ 5237020 w 10853928"/>
+              <a:gd name="csY9" fmla="*/ 0 h 18288"/>
+              <a:gd name="csX10" fmla="*/ 6132469 w 10853928"/>
+              <a:gd name="csY10" fmla="*/ 0 h 18288"/>
+              <a:gd name="csX11" fmla="*/ 6702301 w 10853928"/>
+              <a:gd name="csY11" fmla="*/ 0 h 18288"/>
+              <a:gd name="csX12" fmla="*/ 7272132 w 10853928"/>
+              <a:gd name="csY12" fmla="*/ 0 h 18288"/>
+              <a:gd name="csX13" fmla="*/ 7950502 w 10853928"/>
+              <a:gd name="csY13" fmla="*/ 0 h 18288"/>
+              <a:gd name="csX14" fmla="*/ 8737412 w 10853928"/>
+              <a:gd name="csY14" fmla="*/ 0 h 18288"/>
+              <a:gd name="csX15" fmla="*/ 9524322 w 10853928"/>
+              <a:gd name="csY15" fmla="*/ 0 h 18288"/>
+              <a:gd name="csX16" fmla="*/ 10853928 w 10853928"/>
+              <a:gd name="csY16" fmla="*/ 0 h 18288"/>
+              <a:gd name="csX17" fmla="*/ 10853928 w 10853928"/>
+              <a:gd name="csY17" fmla="*/ 18288 h 18288"/>
+              <a:gd name="csX18" fmla="*/ 10392636 w 10853928"/>
+              <a:gd name="csY18" fmla="*/ 18288 h 18288"/>
+              <a:gd name="csX19" fmla="*/ 9497187 w 10853928"/>
+              <a:gd name="csY19" fmla="*/ 18288 h 18288"/>
+              <a:gd name="csX20" fmla="*/ 8818817 w 10853928"/>
+              <a:gd name="csY20" fmla="*/ 18288 h 18288"/>
+              <a:gd name="csX21" fmla="*/ 8466064 w 10853928"/>
+              <a:gd name="csY21" fmla="*/ 18288 h 18288"/>
+              <a:gd name="csX22" fmla="*/ 7787693 w 10853928"/>
+              <a:gd name="csY22" fmla="*/ 18288 h 18288"/>
+              <a:gd name="csX23" fmla="*/ 7217862 w 10853928"/>
+              <a:gd name="csY23" fmla="*/ 18288 h 18288"/>
+              <a:gd name="csX24" fmla="*/ 6648031 w 10853928"/>
+              <a:gd name="csY24" fmla="*/ 18288 h 18288"/>
+              <a:gd name="csX25" fmla="*/ 6078200 w 10853928"/>
+              <a:gd name="csY25" fmla="*/ 18288 h 18288"/>
+              <a:gd name="csX26" fmla="*/ 5508368 w 10853928"/>
+              <a:gd name="csY26" fmla="*/ 18288 h 18288"/>
+              <a:gd name="csX27" fmla="*/ 4721459 w 10853928"/>
+              <a:gd name="csY27" fmla="*/ 18288 h 18288"/>
+              <a:gd name="csX28" fmla="*/ 4043088 w 10853928"/>
+              <a:gd name="csY28" fmla="*/ 18288 h 18288"/>
+              <a:gd name="csX29" fmla="*/ 3690336 w 10853928"/>
+              <a:gd name="csY29" fmla="*/ 18288 h 18288"/>
+              <a:gd name="csX30" fmla="*/ 3120504 w 10853928"/>
+              <a:gd name="csY30" fmla="*/ 18288 h 18288"/>
+              <a:gd name="csX31" fmla="*/ 2333595 w 10853928"/>
+              <a:gd name="csY31" fmla="*/ 18288 h 18288"/>
+              <a:gd name="csX32" fmla="*/ 1872303 w 10853928"/>
+              <a:gd name="csY32" fmla="*/ 18288 h 18288"/>
+              <a:gd name="csX33" fmla="*/ 976854 w 10853928"/>
+              <a:gd name="csY33" fmla="*/ 18288 h 18288"/>
+              <a:gd name="csX34" fmla="*/ 0 w 10853928"/>
+              <a:gd name="csY34" fmla="*/ 18288 h 18288"/>
+              <a:gd name="csX35" fmla="*/ 0 w 10853928"/>
+              <a:gd name="csY35" fmla="*/ 0 h 18288"/>
+            </a:gdLst>
+            <a:ahLst/>
+            <a:cxnLst>
+              <a:cxn ang="0">
+                <a:pos x="csX0" y="csY0"/>
+              </a:cxn>
+              <a:cxn ang="0">
+                <a:pos x="csX1" y="csY1"/>
+              </a:cxn>
+              <a:cxn ang="0">
+                <a:pos x="csX2" y="csY2"/>
+              </a:cxn>
+              <a:cxn ang="0">
+                <a:pos x="csX3" y="csY3"/>
+              </a:cxn>
+              <a:cxn ang="0">
+                <a:pos x="csX4" y="csY4"/>
+              </a:cxn>
+              <a:cxn ang="0">
+                <a:pos x="csX5" y="csY5"/>
+              </a:cxn>
+              <a:cxn ang="0">
+                <a:pos x="csX6" y="csY6"/>
+              </a:cxn>
+              <a:cxn ang="0">
+                <a:pos x="csX7" y="csY7"/>
+              </a:cxn>
+              <a:cxn ang="0">
+                <a:pos x="csX8" y="csY8"/>
+              </a:cxn>
+              <a:cxn ang="0">
+                <a:pos x="csX9" y="csY9"/>
+              </a:cxn>
+              <a:cxn ang="0">
+                <a:pos x="csX10" y="csY10"/>
+              </a:cxn>
+              <a:cxn ang="0">
+                <a:pos x="csX11" y="csY11"/>
+              </a:cxn>
+              <a:cxn ang="0">
+                <a:pos x="csX12" y="csY12"/>
+              </a:cxn>
+              <a:cxn ang="0">
+                <a:pos x="csX13" y="csY13"/>
+              </a:cxn>
+              <a:cxn ang="0">
+                <a:pos x="csX14" y="csY14"/>
+              </a:cxn>
+              <a:cxn ang="0">
+                <a:pos x="csX15" y="csY15"/>
+              </a:cxn>
+              <a:cxn ang="0">
+                <a:pos x="csX16" y="csY16"/>
+              </a:cxn>
+              <a:cxn ang="0">
+                <a:pos x="csX17" y="csY17"/>
+              </a:cxn>
+              <a:cxn ang="0">
+                <a:pos x="csX18" y="csY18"/>
+              </a:cxn>
+              <a:cxn ang="0">
+                <a:pos x="csX19" y="csY19"/>
+              </a:cxn>
+              <a:cxn ang="0">
+                <a:pos x="csX20" y="csY20"/>
+              </a:cxn>
+              <a:cxn ang="0">
+                <a:pos x="csX21" y="csY21"/>
+              </a:cxn>
+              <a:cxn ang="0">
+                <a:pos x="csX22" y="csY22"/>
+              </a:cxn>
+              <a:cxn ang="0">
+                <a:pos x="csX23" y="csY23"/>
+              </a:cxn>
+              <a:cxn ang="0">
+                <a:pos x="csX24" y="csY24"/>
+              </a:cxn>
+              <a:cxn ang="0">
+                <a:pos x="csX25" y="csY25"/>
+              </a:cxn>
+              <a:cxn ang="0">
+                <a:pos x="csX26" y="csY26"/>
+              </a:cxn>
+              <a:cxn ang="0">
+                <a:pos x="csX27" y="csY27"/>
+              </a:cxn>
+              <a:cxn ang="0">
+                <a:pos x="csX28" y="csY28"/>
+              </a:cxn>
+              <a:cxn ang="0">
+                <a:pos x="csX29" y="csY29"/>
+              </a:cxn>
+              <a:cxn ang="0">
+                <a:pos x="csX30" y="csY30"/>
+              </a:cxn>
+              <a:cxn ang="0">
+                <a:pos x="csX31" y="csY31"/>
+              </a:cxn>
+              <a:cxn ang="0">
+                <a:pos x="csX32" y="csY32"/>
+              </a:cxn>
+              <a:cxn ang="0">
+                <a:pos x="csX33" y="csY33"/>
+              </a:cxn>
+              <a:cxn ang="0">
+                <a:pos x="csX34" y="csY34"/>
+              </a:cxn>
+              <a:cxn ang="0">
+                <a:pos x="csX35" y="csY35"/>
+              </a:cxn>
+            </a:cxnLst>
+            <a:rect l="l" t="t" r="r" b="b"/>
+            <a:pathLst>
+              <a:path w="10853928" h="18288" fill="none" extrusionOk="0">
+                <a:moveTo>
+                  <a:pt x="0" y="0"/>
+                </a:moveTo>
+                <a:cubicBezTo>
+                  <a:pt x="146993" y="-19076"/>
+                  <a:pt x="347684" y="-4790"/>
+                  <a:pt x="461292" y="0"/>
+                </a:cubicBezTo>
+                <a:cubicBezTo>
+                  <a:pt x="574900" y="4790"/>
+                  <a:pt x="808367" y="19821"/>
+                  <a:pt x="1139662" y="0"/>
+                </a:cubicBezTo>
+                <a:cubicBezTo>
+                  <a:pt x="1470957" y="-19821"/>
+                  <a:pt x="1627405" y="5721"/>
+                  <a:pt x="1926572" y="0"/>
+                </a:cubicBezTo>
+                <a:cubicBezTo>
+                  <a:pt x="2225739" y="-5721"/>
+                  <a:pt x="2137730" y="-3235"/>
+                  <a:pt x="2279325" y="0"/>
+                </a:cubicBezTo>
+                <a:cubicBezTo>
+                  <a:pt x="2420920" y="3235"/>
+                  <a:pt x="2456518" y="9685"/>
+                  <a:pt x="2632078" y="0"/>
+                </a:cubicBezTo>
+                <a:cubicBezTo>
+                  <a:pt x="2807638" y="-9685"/>
+                  <a:pt x="3211516" y="-43007"/>
+                  <a:pt x="3527527" y="0"/>
+                </a:cubicBezTo>
+                <a:cubicBezTo>
+                  <a:pt x="3843538" y="43007"/>
+                  <a:pt x="4058833" y="22042"/>
+                  <a:pt x="4205897" y="0"/>
+                </a:cubicBezTo>
+                <a:cubicBezTo>
+                  <a:pt x="4352961" y="-22042"/>
+                  <a:pt x="4474805" y="-11846"/>
+                  <a:pt x="4558650" y="0"/>
+                </a:cubicBezTo>
+                <a:cubicBezTo>
+                  <a:pt x="4642495" y="11846"/>
+                  <a:pt x="5041928" y="-6069"/>
+                  <a:pt x="5237020" y="0"/>
+                </a:cubicBezTo>
+                <a:cubicBezTo>
+                  <a:pt x="5432112" y="6069"/>
+                  <a:pt x="5943266" y="-17479"/>
+                  <a:pt x="6132469" y="0"/>
+                </a:cubicBezTo>
+                <a:cubicBezTo>
+                  <a:pt x="6321672" y="17479"/>
+                  <a:pt x="6483872" y="26234"/>
+                  <a:pt x="6702301" y="0"/>
+                </a:cubicBezTo>
+                <a:cubicBezTo>
+                  <a:pt x="6920730" y="-26234"/>
+                  <a:pt x="6991194" y="-15156"/>
+                  <a:pt x="7272132" y="0"/>
+                </a:cubicBezTo>
+                <a:cubicBezTo>
+                  <a:pt x="7553070" y="15156"/>
+                  <a:pt x="7684444" y="-32961"/>
+                  <a:pt x="7950502" y="0"/>
+                </a:cubicBezTo>
+                <a:cubicBezTo>
+                  <a:pt x="8216560" y="32961"/>
+                  <a:pt x="8493290" y="-10491"/>
+                  <a:pt x="8737412" y="0"/>
+                </a:cubicBezTo>
+                <a:cubicBezTo>
+                  <a:pt x="8981534" y="10491"/>
+                  <a:pt x="9191586" y="-13899"/>
+                  <a:pt x="9524322" y="0"/>
+                </a:cubicBezTo>
+                <a:cubicBezTo>
+                  <a:pt x="9857058" y="13899"/>
+                  <a:pt x="10297509" y="7485"/>
+                  <a:pt x="10853928" y="0"/>
+                </a:cubicBezTo>
+                <a:cubicBezTo>
+                  <a:pt x="10854574" y="4451"/>
+                  <a:pt x="10854418" y="9226"/>
+                  <a:pt x="10853928" y="18288"/>
+                </a:cubicBezTo>
+                <a:cubicBezTo>
+                  <a:pt x="10691638" y="28522"/>
+                  <a:pt x="10574319" y="29578"/>
+                  <a:pt x="10392636" y="18288"/>
+                </a:cubicBezTo>
+                <a:cubicBezTo>
+                  <a:pt x="10210953" y="6998"/>
+                  <a:pt x="9836277" y="-16742"/>
+                  <a:pt x="9497187" y="18288"/>
+                </a:cubicBezTo>
+                <a:cubicBezTo>
+                  <a:pt x="9158097" y="53318"/>
+                  <a:pt x="9119479" y="30714"/>
+                  <a:pt x="8818817" y="18288"/>
+                </a:cubicBezTo>
+                <a:cubicBezTo>
+                  <a:pt x="8518155" y="5863"/>
+                  <a:pt x="8640037" y="6483"/>
+                  <a:pt x="8466064" y="18288"/>
+                </a:cubicBezTo>
+                <a:cubicBezTo>
+                  <a:pt x="8292091" y="30093"/>
+                  <a:pt x="7997656" y="18914"/>
+                  <a:pt x="7787693" y="18288"/>
+                </a:cubicBezTo>
+                <a:cubicBezTo>
+                  <a:pt x="7577730" y="17662"/>
+                  <a:pt x="7412468" y="21416"/>
+                  <a:pt x="7217862" y="18288"/>
+                </a:cubicBezTo>
+                <a:cubicBezTo>
+                  <a:pt x="7023256" y="15160"/>
+                  <a:pt x="6898018" y="14824"/>
+                  <a:pt x="6648031" y="18288"/>
+                </a:cubicBezTo>
+                <a:cubicBezTo>
+                  <a:pt x="6398044" y="21752"/>
+                  <a:pt x="6254402" y="38625"/>
+                  <a:pt x="6078200" y="18288"/>
+                </a:cubicBezTo>
+                <a:cubicBezTo>
+                  <a:pt x="5901998" y="-2049"/>
+                  <a:pt x="5622886" y="3213"/>
+                  <a:pt x="5508368" y="18288"/>
+                </a:cubicBezTo>
+                <a:cubicBezTo>
+                  <a:pt x="5393850" y="33363"/>
+                  <a:pt x="5036260" y="26830"/>
+                  <a:pt x="4721459" y="18288"/>
+                </a:cubicBezTo>
+                <a:cubicBezTo>
+                  <a:pt x="4406658" y="9746"/>
+                  <a:pt x="4239221" y="41551"/>
+                  <a:pt x="4043088" y="18288"/>
+                </a:cubicBezTo>
+                <a:cubicBezTo>
+                  <a:pt x="3846955" y="-4975"/>
+                  <a:pt x="3818802" y="34658"/>
+                  <a:pt x="3690336" y="18288"/>
+                </a:cubicBezTo>
+                <a:cubicBezTo>
+                  <a:pt x="3561870" y="1918"/>
+                  <a:pt x="3265491" y="42194"/>
+                  <a:pt x="3120504" y="18288"/>
+                </a:cubicBezTo>
+                <a:cubicBezTo>
+                  <a:pt x="2975517" y="-5618"/>
+                  <a:pt x="2720254" y="36673"/>
+                  <a:pt x="2333595" y="18288"/>
+                </a:cubicBezTo>
+                <a:cubicBezTo>
+                  <a:pt x="1946936" y="-97"/>
+                  <a:pt x="2097241" y="5776"/>
+                  <a:pt x="1872303" y="18288"/>
+                </a:cubicBezTo>
+                <a:cubicBezTo>
+                  <a:pt x="1647365" y="30800"/>
+                  <a:pt x="1282708" y="45380"/>
+                  <a:pt x="976854" y="18288"/>
+                </a:cubicBezTo>
+                <a:cubicBezTo>
+                  <a:pt x="671000" y="-8804"/>
+                  <a:pt x="408401" y="-12775"/>
+                  <a:pt x="0" y="18288"/>
+                </a:cubicBezTo>
+                <a:cubicBezTo>
+                  <a:pt x="-213" y="9468"/>
+                  <a:pt x="187" y="4459"/>
+                  <a:pt x="0" y="0"/>
+                </a:cubicBezTo>
+                <a:close/>
+              </a:path>
+              <a:path w="10853928" h="18288" stroke="0" extrusionOk="0">
+                <a:moveTo>
+                  <a:pt x="0" y="0"/>
+                </a:moveTo>
+                <a:cubicBezTo>
+                  <a:pt x="267322" y="15284"/>
+                  <a:pt x="415388" y="-21048"/>
+                  <a:pt x="569831" y="0"/>
+                </a:cubicBezTo>
+                <a:cubicBezTo>
+                  <a:pt x="724274" y="21048"/>
+                  <a:pt x="769333" y="-2353"/>
+                  <a:pt x="922584" y="0"/>
+                </a:cubicBezTo>
+                <a:cubicBezTo>
+                  <a:pt x="1075835" y="2353"/>
+                  <a:pt x="1399490" y="-145"/>
+                  <a:pt x="1818033" y="0"/>
+                </a:cubicBezTo>
+                <a:cubicBezTo>
+                  <a:pt x="2236576" y="145"/>
+                  <a:pt x="2145330" y="5482"/>
+                  <a:pt x="2387864" y="0"/>
+                </a:cubicBezTo>
+                <a:cubicBezTo>
+                  <a:pt x="2630398" y="-5482"/>
+                  <a:pt x="2793207" y="18487"/>
+                  <a:pt x="2957695" y="0"/>
+                </a:cubicBezTo>
+                <a:cubicBezTo>
+                  <a:pt x="3122183" y="-18487"/>
+                  <a:pt x="3579141" y="19003"/>
+                  <a:pt x="3853144" y="0"/>
+                </a:cubicBezTo>
+                <a:cubicBezTo>
+                  <a:pt x="4127147" y="-19003"/>
+                  <a:pt x="4209857" y="12211"/>
+                  <a:pt x="4314436" y="0"/>
+                </a:cubicBezTo>
+                <a:cubicBezTo>
+                  <a:pt x="4419015" y="-12211"/>
+                  <a:pt x="4762459" y="-17220"/>
+                  <a:pt x="5209885" y="0"/>
+                </a:cubicBezTo>
+                <a:cubicBezTo>
+                  <a:pt x="5657311" y="17220"/>
+                  <a:pt x="5692663" y="-3290"/>
+                  <a:pt x="6105335" y="0"/>
+                </a:cubicBezTo>
+                <a:cubicBezTo>
+                  <a:pt x="6518007" y="3290"/>
+                  <a:pt x="6455516" y="-5124"/>
+                  <a:pt x="6783705" y="0"/>
+                </a:cubicBezTo>
+                <a:cubicBezTo>
+                  <a:pt x="7111894" y="5124"/>
+                  <a:pt x="7441941" y="-17829"/>
+                  <a:pt x="7679154" y="0"/>
+                </a:cubicBezTo>
+                <a:cubicBezTo>
+                  <a:pt x="7916367" y="17829"/>
+                  <a:pt x="8102967" y="-24363"/>
+                  <a:pt x="8248985" y="0"/>
+                </a:cubicBezTo>
+                <a:cubicBezTo>
+                  <a:pt x="8395003" y="24363"/>
+                  <a:pt x="8552393" y="25505"/>
+                  <a:pt x="8818817" y="0"/>
+                </a:cubicBezTo>
+                <a:cubicBezTo>
+                  <a:pt x="9085241" y="-25505"/>
+                  <a:pt x="9411308" y="38000"/>
+                  <a:pt x="9605726" y="0"/>
+                </a:cubicBezTo>
+                <a:cubicBezTo>
+                  <a:pt x="9800144" y="-38000"/>
+                  <a:pt x="10006468" y="-25741"/>
+                  <a:pt x="10175558" y="0"/>
+                </a:cubicBezTo>
+                <a:cubicBezTo>
+                  <a:pt x="10344648" y="25741"/>
+                  <a:pt x="10696282" y="695"/>
+                  <a:pt x="10853928" y="0"/>
+                </a:cubicBezTo>
+                <a:cubicBezTo>
+                  <a:pt x="10853521" y="8690"/>
+                  <a:pt x="10853774" y="14141"/>
+                  <a:pt x="10853928" y="18288"/>
+                </a:cubicBezTo>
+                <a:cubicBezTo>
+                  <a:pt x="10608124" y="24255"/>
+                  <a:pt x="10343415" y="22307"/>
+                  <a:pt x="10067018" y="18288"/>
+                </a:cubicBezTo>
+                <a:cubicBezTo>
+                  <a:pt x="9790621" y="14270"/>
+                  <a:pt x="9843266" y="3564"/>
+                  <a:pt x="9714266" y="18288"/>
+                </a:cubicBezTo>
+                <a:cubicBezTo>
+                  <a:pt x="9585266" y="33012"/>
+                  <a:pt x="9379484" y="1875"/>
+                  <a:pt x="9252974" y="18288"/>
+                </a:cubicBezTo>
+                <a:cubicBezTo>
+                  <a:pt x="9126464" y="34701"/>
+                  <a:pt x="8580678" y="-4904"/>
+                  <a:pt x="8357525" y="18288"/>
+                </a:cubicBezTo>
+                <a:cubicBezTo>
+                  <a:pt x="8134372" y="41480"/>
+                  <a:pt x="7903199" y="26458"/>
+                  <a:pt x="7679154" y="18288"/>
+                </a:cubicBezTo>
+                <a:cubicBezTo>
+                  <a:pt x="7455109" y="10118"/>
+                  <a:pt x="7435944" y="27109"/>
+                  <a:pt x="7217862" y="18288"/>
+                </a:cubicBezTo>
+                <a:cubicBezTo>
+                  <a:pt x="6999780" y="9467"/>
+                  <a:pt x="6680409" y="18985"/>
+                  <a:pt x="6539492" y="18288"/>
+                </a:cubicBezTo>
+                <a:cubicBezTo>
+                  <a:pt x="6398575" y="17592"/>
+                  <a:pt x="6312077" y="33018"/>
+                  <a:pt x="6186739" y="18288"/>
+                </a:cubicBezTo>
+                <a:cubicBezTo>
+                  <a:pt x="6061401" y="3558"/>
+                  <a:pt x="5947033" y="12075"/>
+                  <a:pt x="5833986" y="18288"/>
+                </a:cubicBezTo>
+                <a:cubicBezTo>
+                  <a:pt x="5720939" y="24501"/>
+                  <a:pt x="5482226" y="8586"/>
+                  <a:pt x="5155616" y="18288"/>
+                </a:cubicBezTo>
+                <a:cubicBezTo>
+                  <a:pt x="4829006" y="27991"/>
+                  <a:pt x="4841274" y="29316"/>
+                  <a:pt x="4694324" y="18288"/>
+                </a:cubicBezTo>
+                <a:cubicBezTo>
+                  <a:pt x="4547374" y="7260"/>
+                  <a:pt x="4077675" y="7013"/>
+                  <a:pt x="3907414" y="18288"/>
+                </a:cubicBezTo>
+                <a:cubicBezTo>
+                  <a:pt x="3737153" y="29564"/>
+                  <a:pt x="3538393" y="21630"/>
+                  <a:pt x="3446122" y="18288"/>
+                </a:cubicBezTo>
+                <a:cubicBezTo>
+                  <a:pt x="3353851" y="14946"/>
+                  <a:pt x="2990320" y="-8091"/>
+                  <a:pt x="2659212" y="18288"/>
+                </a:cubicBezTo>
+                <a:cubicBezTo>
+                  <a:pt x="2328104" y="44667"/>
+                  <a:pt x="2427653" y="9607"/>
+                  <a:pt x="2306460" y="18288"/>
+                </a:cubicBezTo>
+                <a:cubicBezTo>
+                  <a:pt x="2185267" y="26969"/>
+                  <a:pt x="1719763" y="3717"/>
+                  <a:pt x="1519550" y="18288"/>
+                </a:cubicBezTo>
+                <a:cubicBezTo>
+                  <a:pt x="1319337" y="32860"/>
+                  <a:pt x="1167371" y="17040"/>
+                  <a:pt x="1058258" y="18288"/>
+                </a:cubicBezTo>
+                <a:cubicBezTo>
+                  <a:pt x="949145" y="19536"/>
+                  <a:pt x="780234" y="31447"/>
+                  <a:pt x="705505" y="18288"/>
+                </a:cubicBezTo>
+                <a:cubicBezTo>
+                  <a:pt x="630776" y="5129"/>
+                  <a:pt x="215796" y="30056"/>
+                  <a:pt x="0" y="18288"/>
+                </a:cubicBezTo>
+                <a:cubicBezTo>
+                  <a:pt x="-53" y="11301"/>
+                  <a:pt x="-649" y="7756"/>
+                  <a:pt x="0" y="0"/>
+                </a:cubicBezTo>
+                <a:close/>
+              </a:path>
+            </a:pathLst>
+          </a:custGeom>
+          <a:solidFill>
+            <a:schemeClr val="accent2"/>
+          </a:solidFill>
+          <a:ln w="41275" cap="rnd">
+            <a:solidFill>
+              <a:schemeClr val="accent2"/>
+            </a:solidFill>
+            <a:round/>
+            <a:extLst>
+              <a:ext uri="{C807C97D-BFC1-408E-A445-0C87EB9F89A2}">
+                <ask:lineSketchStyleProps xmlns:ask="http://schemas.microsoft.com/office/drawing/2018/sketchyshapes" sd="1219033472">
+                  <a:prstGeom prst="rect">
+                    <a:avLst/>
+                  </a:prstGeom>
+                  <ask:type>
+                    <ask:lineSketchFreehand/>
+                  </ask:type>
+                </ask:lineSketchStyleProps>
+              </a:ext>
+            </a:extLst>
+          </a:ln>
+        </p:spPr>
+        <p:style>
+          <a:lnRef idx="2">
+            <a:schemeClr val="accent1">
+              <a:shade val="50000"/>
+            </a:schemeClr>
+          </a:lnRef>
+          <a:fillRef idx="1">
+            <a:schemeClr val="accent1"/>
+          </a:fillRef>
+          <a:effectRef idx="0">
+            <a:schemeClr val="accent1"/>
+          </a:effectRef>
+          <a:fontRef idx="minor">
+            <a:schemeClr val="lt1"/>
+          </a:fontRef>
+        </p:style>
+        <p:txBody>
+          <a:bodyPr rtlCol="0" anchor="ctr"/>
+          <a:lstStyle/>
+          <a:p>
+            <a:pPr algn="ctr"/>
+            <a:endParaRPr lang="en-US"/>
+          </a:p>
+        </p:txBody>
+      </p:sp>
+      <p:sp>
+        <p:nvSpPr>
+          <p:cNvPr id="3" name="Content Placeholder 2">
+            <a:extLst>
+              <a:ext uri="{FF2B5EF4-FFF2-40B4-BE49-F238E27FC236}">
+                <a16:creationId xmlns:a16="http://schemas.microsoft.com/office/drawing/2014/main" id="{4298C200-E2FF-5691-3432-80594D0216C8}"/>
+              </a:ext>
+            </a:extLst>
+          </p:cNvPr>
+          <p:cNvSpPr>
+            <a:spLocks noGrp="1"/>
+          </p:cNvSpPr>
+          <p:nvPr>
+            <p:ph idx="1"/>
+          </p:nvPr>
+        </p:nvSpPr>
+        <p:spPr>
+          <a:xfrm>
+            <a:off x="838200" y="1929384"/>
+            <a:ext cx="10515600" cy="4251960"/>
+          </a:xfrm>
+        </p:spPr>
+        <p:txBody>
+          <a:bodyPr>
+            <a:normAutofit/>
+          </a:bodyPr>
+          <a:lstStyle/>
+          <a:p>
+            <a:r>
+              <a:rPr lang="en-US" sz="2000" dirty="0"/>
+              <a:t>Initialize engine</a:t>
+            </a:r>
+          </a:p>
+          <a:p>
+            <a:r>
+              <a:rPr lang="en-US" sz="2000" dirty="0"/>
+              <a:t>Add formulas</a:t>
+            </a:r>
+          </a:p>
+          <a:p>
+            <a:r>
+              <a:rPr lang="en-US" sz="2000" dirty="0"/>
+              <a:t>Evaluate formulas</a:t>
+            </a:r>
+          </a:p>
+        </p:txBody>
+      </p:sp>
+    </p:spTree>
+    <p:extLst>
+      <p:ext uri="{BB962C8B-B14F-4D97-AF65-F5344CB8AC3E}">
+        <p14:creationId xmlns:p14="http://schemas.microsoft.com/office/powerpoint/2010/main" val="3174467460"/>
+      </p:ext>
+    </p:extLst>
+  </p:cSld>
+  <p:clrMapOvr>
+    <a:masterClrMapping/>
+  </p:clrMapOvr>
+</p:sld>
+</file>
+
+<file path=ppt/slides/slide15.xml><?xml version="1.0" encoding="utf-8"?>
+<p:sld xmlns:a="http://schemas.openxmlformats.org/drawingml/2006/main" xmlns:r="http://schemas.openxmlformats.org/officeDocument/2006/relationships" xmlns:p="http://schemas.openxmlformats.org/presentationml/2006/main">
+  <p:cSld>
+    <p:spTree>
+      <p:nvGrpSpPr>
+        <p:cNvPr id="1" name="">
+          <a:extLst>
+            <a:ext uri="{FF2B5EF4-FFF2-40B4-BE49-F238E27FC236}">
+              <a16:creationId xmlns:a16="http://schemas.microsoft.com/office/drawing/2014/main" id="{A59AF090-DF03-2D55-E4A9-15476A51D557}"/>
+            </a:ext>
+          </a:extLst>
+        </p:cNvPr>
+        <p:cNvGrpSpPr/>
+        <p:nvPr/>
+      </p:nvGrpSpPr>
+      <p:grpSpPr>
+        <a:xfrm>
+          <a:off x="0" y="0"/>
+          <a:ext cx="0" cy="0"/>
+          <a:chOff x="0" y="0"/>
+          <a:chExt cx="0" cy="0"/>
+        </a:xfrm>
+      </p:grpSpPr>
+      <p:sp>
+        <p:nvSpPr>
+          <p:cNvPr id="4" name="Title 3">
+            <a:extLst>
+              <a:ext uri="{FF2B5EF4-FFF2-40B4-BE49-F238E27FC236}">
+                <a16:creationId xmlns:a16="http://schemas.microsoft.com/office/drawing/2014/main" id="{D707CD88-25BF-D5A2-57D4-231B23F3EA15}"/>
+              </a:ext>
+            </a:extLst>
+          </p:cNvPr>
+          <p:cNvSpPr>
+            <a:spLocks noGrp="1"/>
+          </p:cNvSpPr>
+          <p:nvPr>
+            <p:ph type="ctrTitle"/>
+          </p:nvPr>
+        </p:nvSpPr>
+        <p:spPr/>
+        <p:txBody>
+          <a:bodyPr/>
+          <a:lstStyle/>
+          <a:p>
+            <a:r>
+              <a:rPr lang="en-US" dirty="0"/>
+              <a:t>Demo</a:t>
+            </a:r>
+          </a:p>
+        </p:txBody>
+      </p:sp>
+      <p:sp>
+        <p:nvSpPr>
+          <p:cNvPr id="5" name="Subtitle 4">
+            <a:extLst>
+              <a:ext uri="{FF2B5EF4-FFF2-40B4-BE49-F238E27FC236}">
+                <a16:creationId xmlns:a16="http://schemas.microsoft.com/office/drawing/2014/main" id="{81CA869E-6C47-8B2D-CD47-CB6FF06E7544}"/>
+              </a:ext>
+            </a:extLst>
+          </p:cNvPr>
+          <p:cNvSpPr>
+            <a:spLocks noGrp="1"/>
+          </p:cNvSpPr>
+          <p:nvPr>
+            <p:ph type="subTitle" idx="1"/>
+          </p:nvPr>
+        </p:nvSpPr>
+        <p:spPr/>
+        <p:txBody>
+          <a:bodyPr/>
+          <a:lstStyle/>
+          <a:p>
+            <a:endParaRPr lang="en-US"/>
+          </a:p>
+        </p:txBody>
+      </p:sp>
+    </p:spTree>
+    <p:extLst>
+      <p:ext uri="{BB962C8B-B14F-4D97-AF65-F5344CB8AC3E}">
+        <p14:creationId xmlns:p14="http://schemas.microsoft.com/office/powerpoint/2010/main" val="2851320651"/>
+      </p:ext>
+    </p:extLst>
+  </p:cSld>
+  <p:clrMapOvr>
+    <a:masterClrMapping/>
+  </p:clrMapOvr>
+</p:sld>
+</file>
+
+<file path=ppt/slides/slide16.xml><?xml version="1.0" encoding="utf-8"?>
+<p:sld xmlns:a="http://schemas.openxmlformats.org/drawingml/2006/main" xmlns:r="http://schemas.openxmlformats.org/officeDocument/2006/relationships" xmlns:p="http://schemas.openxmlformats.org/presentationml/2006/main">
+  <p:cSld>
+    <p:bg>
+      <p:bgPr>
+        <a:solidFill>
+          <a:schemeClr val="bg1"/>
+        </a:solidFill>
+        <a:effectLst/>
+      </p:bgPr>
+    </p:bg>
+    <p:spTree>
+      <p:nvGrpSpPr>
+        <p:cNvPr id="1" name=""/>
+        <p:cNvGrpSpPr/>
+        <p:nvPr/>
+      </p:nvGrpSpPr>
+      <p:grpSpPr>
+        <a:xfrm>
+          <a:off x="0" y="0"/>
+          <a:ext cx="0" cy="0"/>
+          <a:chOff x="0" y="0"/>
+          <a:chExt cx="0" cy="0"/>
+        </a:xfrm>
+      </p:grpSpPr>
+      <p:sp useBgFill="1">
+        <p:nvSpPr>
+          <p:cNvPr id="9" name="Rectangle 8">
+            <a:extLst>
+              <a:ext uri="{FF2B5EF4-FFF2-40B4-BE49-F238E27FC236}">
+                <a16:creationId xmlns:a16="http://schemas.microsoft.com/office/drawing/2014/main" id="{2E442304-DDBD-4F7B-8017-36BCC863FB40}"/>
+              </a:ext>
+              <a:ext uri="{C183D7F6-B498-43B3-948B-1728B52AA6E4}">
+                <adec:decorative xmlns:adec="http://schemas.microsoft.com/office/drawing/2017/decorative" val="1"/>
+              </a:ext>
+            </a:extLst>
+          </p:cNvPr>
+          <p:cNvSpPr>
+            <a:spLocks noGrp="1" noRot="1" noChangeAspect="1" noMove="1" noResize="1" noEditPoints="1" noAdjustHandles="1" noChangeArrowheads="1" noChangeShapeType="1" noTextEdit="1"/>
+          </p:cNvSpPr>
+          <p:nvPr>
+            <p:extLst>
+              <p:ext uri="{386F3935-93C4-4BCD-93E2-E3B085C9AB24}">
+                <p16:designElem xmlns:p16="http://schemas.microsoft.com/office/powerpoint/2015/main" val="1"/>
+              </p:ext>
+            </p:extLst>
+          </p:nvPr>
+        </p:nvSpPr>
+        <p:spPr>
+          <a:xfrm>
+            <a:off x="0" y="0"/>
+            <a:ext cx="12188952" cy="6858000"/>
+          </a:xfrm>
+          <a:prstGeom prst="rect">
+            <a:avLst/>
+          </a:prstGeom>
+          <a:ln>
+            <a:noFill/>
+          </a:ln>
+        </p:spPr>
+        <p:style>
+          <a:lnRef idx="2">
+            <a:schemeClr val="accent1">
+              <a:shade val="50000"/>
+            </a:schemeClr>
+          </a:lnRef>
+          <a:fillRef idx="1">
+            <a:schemeClr val="accent1"/>
+          </a:fillRef>
+          <a:effectRef idx="0">
+            <a:schemeClr val="accent1"/>
+          </a:effectRef>
+          <a:fontRef idx="minor">
+            <a:schemeClr val="lt1"/>
+          </a:fontRef>
+        </p:style>
+        <p:txBody>
+          <a:bodyPr rtlCol="0" anchor="ctr"/>
+          <a:lstStyle/>
+          <a:p>
+            <a:pPr algn="ctr"/>
+            <a:endParaRPr lang="en-US"/>
+          </a:p>
+        </p:txBody>
+      </p:sp>
+      <p:sp>
+        <p:nvSpPr>
+          <p:cNvPr id="2" name="Title 1">
+            <a:extLst>
+              <a:ext uri="{FF2B5EF4-FFF2-40B4-BE49-F238E27FC236}">
+                <a16:creationId xmlns:a16="http://schemas.microsoft.com/office/drawing/2014/main" id="{178DDB28-B859-7EE0-8147-A065102772CE}"/>
+              </a:ext>
+            </a:extLst>
+          </p:cNvPr>
+          <p:cNvSpPr>
+            <a:spLocks noGrp="1"/>
+          </p:cNvSpPr>
+          <p:nvPr>
+            <p:ph type="title"/>
+          </p:nvPr>
+        </p:nvSpPr>
+        <p:spPr>
+          <a:xfrm>
+            <a:off x="635000" y="640823"/>
+            <a:ext cx="3418659" cy="5583148"/>
+          </a:xfrm>
+        </p:spPr>
+        <p:txBody>
+          <a:bodyPr anchor="ctr">
+            <a:normAutofit/>
+          </a:bodyPr>
+          <a:lstStyle/>
+          <a:p>
+            <a:r>
+              <a:rPr lang="en-US" sz="5400"/>
+              <a:t>The power of PowerFX in your apps!</a:t>
+            </a:r>
+          </a:p>
+        </p:txBody>
+      </p:sp>
+      <p:sp>
+        <p:nvSpPr>
+          <p:cNvPr id="11" name="sketch line">
+            <a:extLst>
+              <a:ext uri="{FF2B5EF4-FFF2-40B4-BE49-F238E27FC236}">
+                <a16:creationId xmlns:a16="http://schemas.microsoft.com/office/drawing/2014/main" id="{5E107275-3853-46FD-A241-DE4355A42675}"/>
+              </a:ext>
+              <a:ext uri="{C183D7F6-B498-43B3-948B-1728B52AA6E4}">
+                <adec:decorative xmlns:adec="http://schemas.microsoft.com/office/drawing/2017/decorative" val="1"/>
+              </a:ext>
+            </a:extLst>
+          </p:cNvPr>
+          <p:cNvSpPr>
+            <a:spLocks noGrp="1" noRot="1" noChangeAspect="1" noMove="1" noResize="1" noEditPoints="1" noAdjustHandles="1" noChangeArrowheads="1" noChangeShapeType="1" noTextEdit="1"/>
+          </p:cNvSpPr>
+          <p:nvPr>
+            <p:extLst>
+              <p:ext uri="{386F3935-93C4-4BCD-93E2-E3B085C9AB24}">
+                <p16:designElem xmlns:p16="http://schemas.microsoft.com/office/powerpoint/2015/main" val="1"/>
+              </p:ext>
+            </p:extLst>
+          </p:nvPr>
+        </p:nvSpPr>
+        <p:spPr>
+          <a:xfrm rot="5400000">
+            <a:off x="1627450" y="3462719"/>
+            <a:ext cx="5410200" cy="18288"/>
+          </a:xfrm>
+          <a:custGeom>
+            <a:avLst/>
+            <a:gdLst>
+              <a:gd name="csX0" fmla="*/ 0 w 5410200"/>
+              <a:gd name="csY0" fmla="*/ 0 h 18288"/>
+              <a:gd name="csX1" fmla="*/ 568071 w 5410200"/>
+              <a:gd name="csY1" fmla="*/ 0 h 18288"/>
+              <a:gd name="csX2" fmla="*/ 1298448 w 5410200"/>
+              <a:gd name="csY2" fmla="*/ 0 h 18288"/>
+              <a:gd name="csX3" fmla="*/ 1920621 w 5410200"/>
+              <a:gd name="csY3" fmla="*/ 0 h 18288"/>
+              <a:gd name="csX4" fmla="*/ 2488692 w 5410200"/>
+              <a:gd name="csY4" fmla="*/ 0 h 18288"/>
+              <a:gd name="csX5" fmla="*/ 3219069 w 5410200"/>
+              <a:gd name="csY5" fmla="*/ 0 h 18288"/>
+              <a:gd name="csX6" fmla="*/ 3895344 w 5410200"/>
+              <a:gd name="csY6" fmla="*/ 0 h 18288"/>
+              <a:gd name="csX7" fmla="*/ 4571619 w 5410200"/>
+              <a:gd name="csY7" fmla="*/ 0 h 18288"/>
+              <a:gd name="csX8" fmla="*/ 5410200 w 5410200"/>
+              <a:gd name="csY8" fmla="*/ 0 h 18288"/>
+              <a:gd name="csX9" fmla="*/ 5410200 w 5410200"/>
+              <a:gd name="csY9" fmla="*/ 18288 h 18288"/>
+              <a:gd name="csX10" fmla="*/ 4842129 w 5410200"/>
+              <a:gd name="csY10" fmla="*/ 18288 h 18288"/>
+              <a:gd name="csX11" fmla="*/ 4328160 w 5410200"/>
+              <a:gd name="csY11" fmla="*/ 18288 h 18288"/>
+              <a:gd name="csX12" fmla="*/ 3597783 w 5410200"/>
+              <a:gd name="csY12" fmla="*/ 18288 h 18288"/>
+              <a:gd name="csX13" fmla="*/ 3029712 w 5410200"/>
+              <a:gd name="csY13" fmla="*/ 18288 h 18288"/>
+              <a:gd name="csX14" fmla="*/ 2299335 w 5410200"/>
+              <a:gd name="csY14" fmla="*/ 18288 h 18288"/>
+              <a:gd name="csX15" fmla="*/ 1514856 w 5410200"/>
+              <a:gd name="csY15" fmla="*/ 18288 h 18288"/>
+              <a:gd name="csX16" fmla="*/ 892683 w 5410200"/>
+              <a:gd name="csY16" fmla="*/ 18288 h 18288"/>
+              <a:gd name="csX17" fmla="*/ 0 w 5410200"/>
+              <a:gd name="csY17" fmla="*/ 18288 h 18288"/>
+              <a:gd name="csX18" fmla="*/ 0 w 5410200"/>
+              <a:gd name="csY18" fmla="*/ 0 h 18288"/>
+            </a:gdLst>
+            <a:ahLst/>
+            <a:cxnLst>
+              <a:cxn ang="0">
+                <a:pos x="csX0" y="csY0"/>
+              </a:cxn>
+              <a:cxn ang="0">
+                <a:pos x="csX1" y="csY1"/>
+              </a:cxn>
+              <a:cxn ang="0">
+                <a:pos x="csX2" y="csY2"/>
+              </a:cxn>
+              <a:cxn ang="0">
+                <a:pos x="csX3" y="csY3"/>
+              </a:cxn>
+              <a:cxn ang="0">
+                <a:pos x="csX4" y="csY4"/>
+              </a:cxn>
+              <a:cxn ang="0">
+                <a:pos x="csX5" y="csY5"/>
+              </a:cxn>
+              <a:cxn ang="0">
+                <a:pos x="csX6" y="csY6"/>
+              </a:cxn>
+              <a:cxn ang="0">
+                <a:pos x="csX7" y="csY7"/>
+              </a:cxn>
+              <a:cxn ang="0">
+                <a:pos x="csX8" y="csY8"/>
+              </a:cxn>
+              <a:cxn ang="0">
+                <a:pos x="csX9" y="csY9"/>
+              </a:cxn>
+              <a:cxn ang="0">
+                <a:pos x="csX10" y="csY10"/>
+              </a:cxn>
+              <a:cxn ang="0">
+                <a:pos x="csX11" y="csY11"/>
+              </a:cxn>
+              <a:cxn ang="0">
+                <a:pos x="csX12" y="csY12"/>
+              </a:cxn>
+              <a:cxn ang="0">
+                <a:pos x="csX13" y="csY13"/>
+              </a:cxn>
+              <a:cxn ang="0">
+                <a:pos x="csX14" y="csY14"/>
+              </a:cxn>
+              <a:cxn ang="0">
+                <a:pos x="csX15" y="csY15"/>
+              </a:cxn>
+              <a:cxn ang="0">
+                <a:pos x="csX16" y="csY16"/>
+              </a:cxn>
+              <a:cxn ang="0">
+                <a:pos x="csX17" y="csY17"/>
+              </a:cxn>
+              <a:cxn ang="0">
+                <a:pos x="csX18" y="csY18"/>
+              </a:cxn>
+            </a:cxnLst>
+            <a:rect l="l" t="t" r="r" b="b"/>
+            <a:pathLst>
+              <a:path w="5410200" h="18288" fill="none" extrusionOk="0">
+                <a:moveTo>
+                  <a:pt x="0" y="0"/>
+                </a:moveTo>
+                <a:cubicBezTo>
+                  <a:pt x="163050" y="-18707"/>
+                  <a:pt x="319321" y="-16364"/>
+                  <a:pt x="568071" y="0"/>
+                </a:cubicBezTo>
+                <a:cubicBezTo>
+                  <a:pt x="816821" y="16364"/>
+                  <a:pt x="1013224" y="-7268"/>
+                  <a:pt x="1298448" y="0"/>
+                </a:cubicBezTo>
+                <a:cubicBezTo>
+                  <a:pt x="1583672" y="7268"/>
+                  <a:pt x="1631711" y="-3367"/>
+                  <a:pt x="1920621" y="0"/>
+                </a:cubicBezTo>
+                <a:cubicBezTo>
+                  <a:pt x="2209531" y="3367"/>
+                  <a:pt x="2364420" y="-19184"/>
+                  <a:pt x="2488692" y="0"/>
+                </a:cubicBezTo>
+                <a:cubicBezTo>
+                  <a:pt x="2612964" y="19184"/>
+                  <a:pt x="3023298" y="-34627"/>
+                  <a:pt x="3219069" y="0"/>
+                </a:cubicBezTo>
+                <a:cubicBezTo>
+                  <a:pt x="3414840" y="34627"/>
+                  <a:pt x="3656810" y="24043"/>
+                  <a:pt x="3895344" y="0"/>
+                </a:cubicBezTo>
+                <a:cubicBezTo>
+                  <a:pt x="4133879" y="-24043"/>
+                  <a:pt x="4393984" y="-19577"/>
+                  <a:pt x="4571619" y="0"/>
+                </a:cubicBezTo>
+                <a:cubicBezTo>
+                  <a:pt x="4749255" y="19577"/>
+                  <a:pt x="5179928" y="-6281"/>
+                  <a:pt x="5410200" y="0"/>
+                </a:cubicBezTo>
+                <a:cubicBezTo>
+                  <a:pt x="5410730" y="6954"/>
+                  <a:pt x="5410934" y="12839"/>
+                  <a:pt x="5410200" y="18288"/>
+                </a:cubicBezTo>
+                <a:cubicBezTo>
+                  <a:pt x="5139060" y="6751"/>
+                  <a:pt x="5121593" y="31035"/>
+                  <a:pt x="4842129" y="18288"/>
+                </a:cubicBezTo>
+                <a:cubicBezTo>
+                  <a:pt x="4562665" y="5541"/>
+                  <a:pt x="4448273" y="9487"/>
+                  <a:pt x="4328160" y="18288"/>
+                </a:cubicBezTo>
+                <a:cubicBezTo>
+                  <a:pt x="4208047" y="27089"/>
+                  <a:pt x="3760936" y="22567"/>
+                  <a:pt x="3597783" y="18288"/>
+                </a:cubicBezTo>
+                <a:cubicBezTo>
+                  <a:pt x="3434630" y="14009"/>
+                  <a:pt x="3299718" y="33213"/>
+                  <a:pt x="3029712" y="18288"/>
+                </a:cubicBezTo>
+                <a:cubicBezTo>
+                  <a:pt x="2759706" y="3363"/>
+                  <a:pt x="2640159" y="27394"/>
+                  <a:pt x="2299335" y="18288"/>
+                </a:cubicBezTo>
+                <a:cubicBezTo>
+                  <a:pt x="1958511" y="9182"/>
+                  <a:pt x="1801186" y="28985"/>
+                  <a:pt x="1514856" y="18288"/>
+                </a:cubicBezTo>
+                <a:cubicBezTo>
+                  <a:pt x="1228526" y="7591"/>
+                  <a:pt x="1063509" y="-5305"/>
+                  <a:pt x="892683" y="18288"/>
+                </a:cubicBezTo>
+                <a:cubicBezTo>
+                  <a:pt x="721857" y="41881"/>
+                  <a:pt x="186945" y="-20897"/>
+                  <a:pt x="0" y="18288"/>
+                </a:cubicBezTo>
+                <a:cubicBezTo>
+                  <a:pt x="-570" y="9279"/>
+                  <a:pt x="132" y="5100"/>
+                  <a:pt x="0" y="0"/>
+                </a:cubicBezTo>
+                <a:close/>
+              </a:path>
+              <a:path w="5410200" h="18288" stroke="0" extrusionOk="0">
+                <a:moveTo>
+                  <a:pt x="0" y="0"/>
+                </a:moveTo>
+                <a:cubicBezTo>
+                  <a:pt x="285096" y="-4925"/>
+                  <a:pt x="376456" y="22268"/>
+                  <a:pt x="622173" y="0"/>
+                </a:cubicBezTo>
+                <a:cubicBezTo>
+                  <a:pt x="867890" y="-22268"/>
+                  <a:pt x="1031392" y="7228"/>
+                  <a:pt x="1136142" y="0"/>
+                </a:cubicBezTo>
+                <a:cubicBezTo>
+                  <a:pt x="1240892" y="-7228"/>
+                  <a:pt x="1561853" y="9877"/>
+                  <a:pt x="1920621" y="0"/>
+                </a:cubicBezTo>
+                <a:cubicBezTo>
+                  <a:pt x="2279389" y="-9877"/>
+                  <a:pt x="2367255" y="19546"/>
+                  <a:pt x="2542794" y="0"/>
+                </a:cubicBezTo>
+                <a:cubicBezTo>
+                  <a:pt x="2718333" y="-19546"/>
+                  <a:pt x="2866732" y="-22226"/>
+                  <a:pt x="3164967" y="0"/>
+                </a:cubicBezTo>
+                <a:cubicBezTo>
+                  <a:pt x="3463202" y="22226"/>
+                  <a:pt x="3568055" y="-2765"/>
+                  <a:pt x="3949446" y="0"/>
+                </a:cubicBezTo>
+                <a:cubicBezTo>
+                  <a:pt x="4330837" y="2765"/>
+                  <a:pt x="4287895" y="10557"/>
+                  <a:pt x="4517517" y="0"/>
+                </a:cubicBezTo>
+                <a:cubicBezTo>
+                  <a:pt x="4747139" y="-10557"/>
+                  <a:pt x="5149588" y="8716"/>
+                  <a:pt x="5410200" y="0"/>
+                </a:cubicBezTo>
+                <a:cubicBezTo>
+                  <a:pt x="5409517" y="5414"/>
+                  <a:pt x="5409480" y="12510"/>
+                  <a:pt x="5410200" y="18288"/>
+                </a:cubicBezTo>
+                <a:cubicBezTo>
+                  <a:pt x="5163327" y="41494"/>
+                  <a:pt x="5008749" y="10693"/>
+                  <a:pt x="4842129" y="18288"/>
+                </a:cubicBezTo>
+                <a:cubicBezTo>
+                  <a:pt x="4675509" y="25883"/>
+                  <a:pt x="4433401" y="-615"/>
+                  <a:pt x="4165854" y="18288"/>
+                </a:cubicBezTo>
+                <a:cubicBezTo>
+                  <a:pt x="3898308" y="37191"/>
+                  <a:pt x="3809032" y="-8710"/>
+                  <a:pt x="3543681" y="18288"/>
+                </a:cubicBezTo>
+                <a:cubicBezTo>
+                  <a:pt x="3278330" y="45286"/>
+                  <a:pt x="3073876" y="-15917"/>
+                  <a:pt x="2759202" y="18288"/>
+                </a:cubicBezTo>
+                <a:cubicBezTo>
+                  <a:pt x="2444528" y="52493"/>
+                  <a:pt x="2204144" y="3372"/>
+                  <a:pt x="1974723" y="18288"/>
+                </a:cubicBezTo>
+                <a:cubicBezTo>
+                  <a:pt x="1745302" y="33204"/>
+                  <a:pt x="1602335" y="31490"/>
+                  <a:pt x="1406652" y="18288"/>
+                </a:cubicBezTo>
+                <a:cubicBezTo>
+                  <a:pt x="1210969" y="5086"/>
+                  <a:pt x="923948" y="3161"/>
+                  <a:pt x="730377" y="18288"/>
+                </a:cubicBezTo>
+                <a:cubicBezTo>
+                  <a:pt x="536806" y="33415"/>
+                  <a:pt x="336496" y="-141"/>
+                  <a:pt x="0" y="18288"/>
+                </a:cubicBezTo>
+                <a:cubicBezTo>
+                  <a:pt x="-306" y="11061"/>
+                  <a:pt x="-655" y="7751"/>
+                  <a:pt x="0" y="0"/>
+                </a:cubicBezTo>
+                <a:close/>
+              </a:path>
+            </a:pathLst>
+          </a:custGeom>
+          <a:solidFill>
+            <a:schemeClr val="accent2"/>
+          </a:solidFill>
+          <a:ln w="41275" cap="rnd">
+            <a:solidFill>
+              <a:schemeClr val="accent2"/>
+            </a:solidFill>
+            <a:round/>
+            <a:extLst>
+              <a:ext uri="{C807C97D-BFC1-408E-A445-0C87EB9F89A2}">
+                <ask:lineSketchStyleProps xmlns:ask="http://schemas.microsoft.com/office/drawing/2018/sketchyshapes" sd="1219033472">
+                  <a:prstGeom prst="rect">
+                    <a:avLst/>
+                  </a:prstGeom>
+                  <ask:type>
+                    <ask:lineSketchFreehand/>
+                  </ask:type>
+                </ask:lineSketchStyleProps>
+              </a:ext>
+            </a:extLst>
+          </a:ln>
+        </p:spPr>
+        <p:style>
+          <a:lnRef idx="2">
+            <a:schemeClr val="accent1">
+              <a:shade val="50000"/>
+            </a:schemeClr>
+          </a:lnRef>
+          <a:fillRef idx="1">
+            <a:schemeClr val="accent1"/>
+          </a:fillRef>
+          <a:effectRef idx="0">
+            <a:schemeClr val="accent1"/>
+          </a:effectRef>
+          <a:fontRef idx="minor">
+            <a:schemeClr val="lt1"/>
+          </a:fontRef>
+        </p:style>
+        <p:txBody>
+          <a:bodyPr rtlCol="0" anchor="ctr"/>
+          <a:lstStyle/>
+          <a:p>
+            <a:pPr algn="ctr"/>
+            <a:endParaRPr lang="en-US"/>
+          </a:p>
+        </p:txBody>
+      </p:sp>
+      <p:graphicFrame>
+        <p:nvGraphicFramePr>
+          <p:cNvPr id="5" name="Content Placeholder 2">
+            <a:extLst>
+              <a:ext uri="{FF2B5EF4-FFF2-40B4-BE49-F238E27FC236}">
+                <a16:creationId xmlns:a16="http://schemas.microsoft.com/office/drawing/2014/main" id="{895758D9-3E9B-F7B8-8790-932AC7060478}"/>
+              </a:ext>
+            </a:extLst>
+          </p:cNvPr>
+          <p:cNvGraphicFramePr>
+            <a:graphicFrameLocks noGrp="1"/>
+          </p:cNvGraphicFramePr>
+          <p:nvPr>
+            <p:ph idx="1"/>
+            <p:extLst>
+              <p:ext uri="{D42A27DB-BD31-4B8C-83A1-F6EECF244321}">
+                <p14:modId xmlns:p14="http://schemas.microsoft.com/office/powerpoint/2010/main" val="3183306137"/>
+              </p:ext>
+            </p:extLst>
+          </p:nvPr>
+        </p:nvGraphicFramePr>
+        <p:xfrm>
+          <a:off x="4648018" y="640822"/>
+          <a:ext cx="6900512" cy="5536141"/>
+        </p:xfrm>
+        <a:graphic>
+          <a:graphicData uri="http://schemas.openxmlformats.org/drawingml/2006/diagram">
+            <dgm:relIds xmlns:dgm="http://schemas.openxmlformats.org/drawingml/2006/diagram" xmlns:r="http://schemas.openxmlformats.org/officeDocument/2006/relationships" r:dm="rId2" r:lo="rId3" r:qs="rId4" r:cs="rId5"/>
+          </a:graphicData>
+        </a:graphic>
+      </p:graphicFrame>
+    </p:spTree>
+    <p:extLst>
+      <p:ext uri="{BB962C8B-B14F-4D97-AF65-F5344CB8AC3E}">
+        <p14:creationId xmlns:p14="http://schemas.microsoft.com/office/powerpoint/2010/main" val="3977157553"/>
+      </p:ext>
+    </p:extLst>
+  </p:cSld>
+  <p:clrMapOvr>
+    <a:masterClrMapping/>
+  </p:clrMapOvr>
+</p:sld>
+</file>
+
+<file path=ppt/slides/slide2.xml><?xml version="1.0" encoding="utf-8"?>
+<p:sld xmlns:a="http://schemas.openxmlformats.org/drawingml/2006/main" xmlns:r="http://schemas.openxmlformats.org/officeDocument/2006/relationships" xmlns:p="http://schemas.openxmlformats.org/presentationml/2006/main">
+  <p:cSld>
+    <p:spTree>
+      <p:nvGrpSpPr>
+        <p:cNvPr id="1" name=""/>
+        <p:cNvGrpSpPr/>
+        <p:nvPr/>
+      </p:nvGrpSpPr>
+      <p:grpSpPr>
+        <a:xfrm>
+          <a:off x="0" y="0"/>
+          <a:ext cx="0" cy="0"/>
+          <a:chOff x="0" y="0"/>
+          <a:chExt cx="0" cy="0"/>
+        </a:xfrm>
+      </p:grpSpPr>
+      <p:sp>
+        <p:nvSpPr>
+          <p:cNvPr id="2" name="Title 1">
+            <a:extLst>
+              <a:ext uri="{FF2B5EF4-FFF2-40B4-BE49-F238E27FC236}">
+                <a16:creationId xmlns:a16="http://schemas.microsoft.com/office/drawing/2014/main" id="{B340EC05-4BE2-0827-7AA6-45C23C981DF4}"/>
+              </a:ext>
+            </a:extLst>
+          </p:cNvPr>
+          <p:cNvSpPr>
+            <a:spLocks noGrp="1"/>
+          </p:cNvSpPr>
+          <p:nvPr>
+            <p:ph type="title"/>
+          </p:nvPr>
+        </p:nvSpPr>
+        <p:spPr>
+          <a:xfrm>
+            <a:off x="640080" y="329184"/>
+            <a:ext cx="6894576" cy="1783080"/>
+          </a:xfrm>
+        </p:spPr>
+        <p:txBody>
+          <a:bodyPr anchor="b">
+            <a:normAutofit/>
+          </a:bodyPr>
+          <a:lstStyle/>
+          <a:p>
+            <a:r>
+              <a:rPr lang="en-US" sz="6600" dirty="0"/>
+              <a:t>Intro</a:t>
+            </a:r>
+          </a:p>
+        </p:txBody>
+      </p:sp>
+      <p:sp>
+        <p:nvSpPr>
+          <p:cNvPr id="3" name="Content Placeholder 2">
+            <a:extLst>
+              <a:ext uri="{FF2B5EF4-FFF2-40B4-BE49-F238E27FC236}">
+                <a16:creationId xmlns:a16="http://schemas.microsoft.com/office/drawing/2014/main" id="{9482E84A-BDAD-C72C-F004-13D054A6BB29}"/>
+              </a:ext>
+            </a:extLst>
+          </p:cNvPr>
+          <p:cNvSpPr>
+            <a:spLocks noGrp="1"/>
+          </p:cNvSpPr>
+          <p:nvPr>
+            <p:ph idx="1"/>
+          </p:nvPr>
+        </p:nvSpPr>
+        <p:spPr>
+          <a:xfrm>
+            <a:off x="640080" y="2706624"/>
+            <a:ext cx="6894576" cy="3483864"/>
+          </a:xfrm>
+        </p:spPr>
+        <p:txBody>
+          <a:bodyPr>
+            <a:normAutofit/>
+          </a:bodyPr>
+          <a:lstStyle/>
+          <a:p>
+            <a:r>
+              <a:rPr lang="en-US" sz="2200" dirty="0"/>
+              <a:t>Juan Pablo Tarquino </a:t>
+            </a:r>
+          </a:p>
+          <a:p>
+            <a:r>
+              <a:rPr lang="en-US" sz="2200" dirty="0"/>
+              <a:t>Software Developer with about 20 years of experience</a:t>
+            </a:r>
+          </a:p>
+          <a:p>
+            <a:pPr lvl="1"/>
+            <a:r>
+              <a:rPr lang="en-US" sz="2200" dirty="0"/>
+              <a:t>LinkedIn</a:t>
+            </a:r>
+          </a:p>
+          <a:p>
+            <a:pPr lvl="2"/>
+            <a:r>
+              <a:rPr lang="en-US" sz="2200" dirty="0">
+                <a:hlinkClick r:id="rId3"/>
+              </a:rPr>
+              <a:t>https://www.linkedin.com/in/juantarquino</a:t>
+            </a:r>
+            <a:r>
+              <a:rPr lang="en-US" sz="2200" dirty="0"/>
+              <a:t> </a:t>
+            </a:r>
+          </a:p>
+          <a:p>
+            <a:pPr lvl="1"/>
+            <a:r>
+              <a:rPr lang="en-US" sz="2200" dirty="0"/>
+              <a:t>Blog (not updated often </a:t>
+            </a:r>
+            <a:r>
+              <a:rPr lang="en-US" sz="2200" dirty="0">
+                <a:sym typeface="Wingdings" panose="05000000000000000000" pitchFamily="2" charset="2"/>
+              </a:rPr>
+              <a:t> </a:t>
+            </a:r>
+            <a:r>
+              <a:rPr lang="en-US" sz="2200" dirty="0"/>
+              <a:t>)</a:t>
+            </a:r>
+          </a:p>
+          <a:p>
+            <a:pPr lvl="2"/>
+            <a:r>
+              <a:rPr lang="en-US" sz="2200" dirty="0">
+                <a:hlinkClick r:id="rId4"/>
+              </a:rPr>
+              <a:t>https://jptarqu.blogspot.com</a:t>
+            </a:r>
+            <a:r>
+              <a:rPr lang="en-US" sz="2200" dirty="0"/>
+              <a:t>  </a:t>
+            </a:r>
+          </a:p>
+          <a:p>
+            <a:r>
+              <a:rPr lang="en-US" sz="2200" dirty="0"/>
+              <a:t>Sample repo for this session: </a:t>
+            </a:r>
+          </a:p>
+          <a:p>
+            <a:pPr lvl="1"/>
+            <a:r>
+              <a:rPr lang="en-US" sz="2200" dirty="0"/>
+              <a:t>https://tinyurl.com/EmbedPowerFx </a:t>
+            </a:r>
+          </a:p>
+          <a:p>
+            <a:endParaRPr lang="en-US" sz="2200" dirty="0"/>
+          </a:p>
+        </p:txBody>
+      </p:sp>
+      <p:pic>
+        <p:nvPicPr>
+          <p:cNvPr id="7" name="Picture 6">
+            <a:extLst>
+              <a:ext uri="{FF2B5EF4-FFF2-40B4-BE49-F238E27FC236}">
+                <a16:creationId xmlns:a16="http://schemas.microsoft.com/office/drawing/2014/main" id="{685DA20C-00C6-81E7-993F-496E86E2B133}"/>
+              </a:ext>
+            </a:extLst>
+          </p:cNvPr>
+          <p:cNvPicPr>
+            <a:picLocks noChangeAspect="1"/>
+          </p:cNvPicPr>
+          <p:nvPr/>
+        </p:nvPicPr>
+        <p:blipFill>
+          <a:blip r:embed="rId5"/>
+          <a:srcRect t="24668" r="-4" b="15002"/>
+          <a:stretch/>
+        </p:blipFill>
+        <p:spPr>
+          <a:xfrm>
+            <a:off x="8144356" y="4267201"/>
+            <a:ext cx="4047645" cy="2590808"/>
+          </a:xfrm>
+          <a:custGeom>
+            <a:avLst/>
+            <a:gdLst/>
+            <a:ahLst/>
+            <a:cxnLst/>
+            <a:rect l="l" t="t" r="r" b="b"/>
+            <a:pathLst>
+              <a:path w="4047645" h="2495811">
+                <a:moveTo>
+                  <a:pt x="2441891" y="4"/>
+                </a:moveTo>
+                <a:cubicBezTo>
+                  <a:pt x="2489381" y="-78"/>
+                  <a:pt x="2536882" y="1163"/>
+                  <a:pt x="2584383" y="4428"/>
+                </a:cubicBezTo>
+                <a:cubicBezTo>
+                  <a:pt x="2744314" y="17813"/>
+                  <a:pt x="2904989" y="21079"/>
+                  <a:pt x="3065367" y="14222"/>
+                </a:cubicBezTo>
+                <a:cubicBezTo>
+                  <a:pt x="3194244" y="5694"/>
+                  <a:pt x="3323514" y="4206"/>
+                  <a:pt x="3452568" y="9782"/>
+                </a:cubicBezTo>
+                <a:cubicBezTo>
+                  <a:pt x="3572813" y="16442"/>
+                  <a:pt x="3693059" y="23233"/>
+                  <a:pt x="3813712" y="19315"/>
+                </a:cubicBezTo>
+                <a:cubicBezTo>
+                  <a:pt x="3861755" y="17748"/>
+                  <a:pt x="3909121" y="15789"/>
+                  <a:pt x="3956758" y="13177"/>
+                </a:cubicBezTo>
+                <a:lnTo>
+                  <a:pt x="4047645" y="9696"/>
+                </a:lnTo>
+                <a:lnTo>
+                  <a:pt x="4047645" y="2495811"/>
+                </a:lnTo>
+                <a:lnTo>
+                  <a:pt x="28177" y="2495811"/>
+                </a:lnTo>
+                <a:lnTo>
+                  <a:pt x="28782" y="2485852"/>
+                </a:lnTo>
+                <a:cubicBezTo>
+                  <a:pt x="31911" y="2365446"/>
+                  <a:pt x="35027" y="2245002"/>
+                  <a:pt x="38157" y="2124521"/>
+                </a:cubicBezTo>
+                <a:cubicBezTo>
+                  <a:pt x="38284" y="2119444"/>
+                  <a:pt x="39171" y="2114494"/>
+                  <a:pt x="39171" y="2109417"/>
+                </a:cubicBezTo>
+                <a:cubicBezTo>
+                  <a:pt x="48166" y="1995573"/>
+                  <a:pt x="53107" y="1881729"/>
+                  <a:pt x="18899" y="1770550"/>
+                </a:cubicBezTo>
+                <a:cubicBezTo>
+                  <a:pt x="15871" y="1760104"/>
+                  <a:pt x="14262" y="1749304"/>
+                  <a:pt x="14084" y="1738440"/>
+                </a:cubicBezTo>
+                <a:cubicBezTo>
+                  <a:pt x="12413" y="1641514"/>
+                  <a:pt x="16644" y="1544587"/>
+                  <a:pt x="26754" y="1448181"/>
+                </a:cubicBezTo>
+                <a:cubicBezTo>
+                  <a:pt x="31949" y="1389038"/>
+                  <a:pt x="26754" y="1329006"/>
+                  <a:pt x="43478" y="1270498"/>
+                </a:cubicBezTo>
+                <a:cubicBezTo>
+                  <a:pt x="50864" y="1241421"/>
+                  <a:pt x="55109" y="1211634"/>
+                  <a:pt x="56147" y="1181656"/>
+                </a:cubicBezTo>
+                <a:cubicBezTo>
+                  <a:pt x="59948" y="1109060"/>
+                  <a:pt x="38537" y="1040779"/>
+                  <a:pt x="18139" y="972244"/>
+                </a:cubicBezTo>
+                <a:cubicBezTo>
+                  <a:pt x="7370" y="935945"/>
+                  <a:pt x="-5426" y="898886"/>
+                  <a:pt x="2429" y="860811"/>
+                </a:cubicBezTo>
+                <a:cubicBezTo>
+                  <a:pt x="16707" y="802251"/>
+                  <a:pt x="24854" y="742359"/>
+                  <a:pt x="26754" y="682112"/>
+                </a:cubicBezTo>
+                <a:cubicBezTo>
+                  <a:pt x="26754" y="639468"/>
+                  <a:pt x="16365" y="597712"/>
+                  <a:pt x="20039" y="555195"/>
+                </a:cubicBezTo>
+                <a:cubicBezTo>
+                  <a:pt x="28211" y="472712"/>
+                  <a:pt x="30238" y="389734"/>
+                  <a:pt x="26121" y="306946"/>
+                </a:cubicBezTo>
+                <a:cubicBezTo>
+                  <a:pt x="26095" y="273846"/>
+                  <a:pt x="29846" y="240848"/>
+                  <a:pt x="37270" y="208585"/>
+                </a:cubicBezTo>
+                <a:cubicBezTo>
+                  <a:pt x="46506" y="151651"/>
+                  <a:pt x="48419" y="93777"/>
+                  <a:pt x="42971" y="36360"/>
+                </a:cubicBezTo>
+                <a:lnTo>
+                  <a:pt x="38853" y="8429"/>
+                </a:lnTo>
+                <a:lnTo>
+                  <a:pt x="56649" y="7824"/>
+                </a:lnTo>
+                <a:cubicBezTo>
+                  <a:pt x="210497" y="-156"/>
+                  <a:pt x="364754" y="3162"/>
+                  <a:pt x="518087" y="17748"/>
+                </a:cubicBezTo>
+                <a:cubicBezTo>
+                  <a:pt x="626567" y="25440"/>
+                  <a:pt x="735534" y="24213"/>
+                  <a:pt x="843809" y="14092"/>
+                </a:cubicBezTo>
+                <a:cubicBezTo>
+                  <a:pt x="1042499" y="-1711"/>
+                  <a:pt x="1240782" y="10958"/>
+                  <a:pt x="1439065" y="21666"/>
+                </a:cubicBezTo>
+                <a:cubicBezTo>
+                  <a:pt x="1631105" y="32113"/>
+                  <a:pt x="1823010" y="24408"/>
+                  <a:pt x="2015050" y="17487"/>
+                </a:cubicBezTo>
+                <a:cubicBezTo>
+                  <a:pt x="2157045" y="12394"/>
+                  <a:pt x="2299420" y="249"/>
+                  <a:pt x="2441891" y="4"/>
+                </a:cubicBezTo>
+                <a:close/>
+              </a:path>
+            </a:pathLst>
+          </a:custGeom>
+        </p:spPr>
+      </p:pic>
+    </p:spTree>
+    <p:extLst>
+      <p:ext uri="{BB962C8B-B14F-4D97-AF65-F5344CB8AC3E}">
+        <p14:creationId xmlns:p14="http://schemas.microsoft.com/office/powerpoint/2010/main" val="1528468167"/>
       </p:ext>
     </p:extLst>
   </p:cSld>
@@ -7740,7 +12493,7 @@
           <p:cNvPr id="2" name="Title 1">
             <a:extLst>
               <a:ext uri="{FF2B5EF4-FFF2-40B4-BE49-F238E27FC236}">
-                <a16:creationId xmlns:a16="http://schemas.microsoft.com/office/drawing/2014/main" id="{BE3AEE24-F59E-E1BF-065D-732CB17481AB}"/>
+                <a16:creationId xmlns:a16="http://schemas.microsoft.com/office/drawing/2014/main" id="{3630D041-AC4E-A657-E3F2-972A41C6004F}"/>
               </a:ext>
             </a:extLst>
           </p:cNvPr>
@@ -7764,8 +12517,8 @@
           <a:lstStyle/>
           <a:p>
             <a:r>
-              <a:rPr lang="en-US" sz="5400"/>
-              <a:t>Intro to PowerFX</a:t>
+              <a:rPr lang="en-US" sz="5400" dirty="0"/>
+              <a:t>Today’s Talk</a:t>
             </a:r>
           </a:p>
         </p:txBody>
@@ -7801,188 +12554,188 @@
           <a:custGeom>
             <a:avLst/>
             <a:gdLst>
-              <a:gd name="connsiteX0" fmla="*/ 0 w 10853928"/>
-              <a:gd name="connsiteY0" fmla="*/ 0 h 18288"/>
-              <a:gd name="connsiteX1" fmla="*/ 461292 w 10853928"/>
-              <a:gd name="connsiteY1" fmla="*/ 0 h 18288"/>
-              <a:gd name="connsiteX2" fmla="*/ 1139662 w 10853928"/>
-              <a:gd name="connsiteY2" fmla="*/ 0 h 18288"/>
-              <a:gd name="connsiteX3" fmla="*/ 1926572 w 10853928"/>
-              <a:gd name="connsiteY3" fmla="*/ 0 h 18288"/>
-              <a:gd name="connsiteX4" fmla="*/ 2279325 w 10853928"/>
-              <a:gd name="connsiteY4" fmla="*/ 0 h 18288"/>
-              <a:gd name="connsiteX5" fmla="*/ 2632078 w 10853928"/>
-              <a:gd name="connsiteY5" fmla="*/ 0 h 18288"/>
-              <a:gd name="connsiteX6" fmla="*/ 3527527 w 10853928"/>
-              <a:gd name="connsiteY6" fmla="*/ 0 h 18288"/>
-              <a:gd name="connsiteX7" fmla="*/ 4205897 w 10853928"/>
-              <a:gd name="connsiteY7" fmla="*/ 0 h 18288"/>
-              <a:gd name="connsiteX8" fmla="*/ 4558650 w 10853928"/>
-              <a:gd name="connsiteY8" fmla="*/ 0 h 18288"/>
-              <a:gd name="connsiteX9" fmla="*/ 5237020 w 10853928"/>
-              <a:gd name="connsiteY9" fmla="*/ 0 h 18288"/>
-              <a:gd name="connsiteX10" fmla="*/ 6132469 w 10853928"/>
-              <a:gd name="connsiteY10" fmla="*/ 0 h 18288"/>
-              <a:gd name="connsiteX11" fmla="*/ 6702301 w 10853928"/>
-              <a:gd name="connsiteY11" fmla="*/ 0 h 18288"/>
-              <a:gd name="connsiteX12" fmla="*/ 7272132 w 10853928"/>
-              <a:gd name="connsiteY12" fmla="*/ 0 h 18288"/>
-              <a:gd name="connsiteX13" fmla="*/ 7950502 w 10853928"/>
-              <a:gd name="connsiteY13" fmla="*/ 0 h 18288"/>
-              <a:gd name="connsiteX14" fmla="*/ 8737412 w 10853928"/>
-              <a:gd name="connsiteY14" fmla="*/ 0 h 18288"/>
-              <a:gd name="connsiteX15" fmla="*/ 9524322 w 10853928"/>
-              <a:gd name="connsiteY15" fmla="*/ 0 h 18288"/>
-              <a:gd name="connsiteX16" fmla="*/ 10853928 w 10853928"/>
-              <a:gd name="connsiteY16" fmla="*/ 0 h 18288"/>
-              <a:gd name="connsiteX17" fmla="*/ 10853928 w 10853928"/>
-              <a:gd name="connsiteY17" fmla="*/ 18288 h 18288"/>
-              <a:gd name="connsiteX18" fmla="*/ 10392636 w 10853928"/>
-              <a:gd name="connsiteY18" fmla="*/ 18288 h 18288"/>
-              <a:gd name="connsiteX19" fmla="*/ 9497187 w 10853928"/>
-              <a:gd name="connsiteY19" fmla="*/ 18288 h 18288"/>
-              <a:gd name="connsiteX20" fmla="*/ 8818817 w 10853928"/>
-              <a:gd name="connsiteY20" fmla="*/ 18288 h 18288"/>
-              <a:gd name="connsiteX21" fmla="*/ 8466064 w 10853928"/>
-              <a:gd name="connsiteY21" fmla="*/ 18288 h 18288"/>
-              <a:gd name="connsiteX22" fmla="*/ 7787693 w 10853928"/>
-              <a:gd name="connsiteY22" fmla="*/ 18288 h 18288"/>
-              <a:gd name="connsiteX23" fmla="*/ 7217862 w 10853928"/>
-              <a:gd name="connsiteY23" fmla="*/ 18288 h 18288"/>
-              <a:gd name="connsiteX24" fmla="*/ 6648031 w 10853928"/>
-              <a:gd name="connsiteY24" fmla="*/ 18288 h 18288"/>
-              <a:gd name="connsiteX25" fmla="*/ 6078200 w 10853928"/>
-              <a:gd name="connsiteY25" fmla="*/ 18288 h 18288"/>
-              <a:gd name="connsiteX26" fmla="*/ 5508368 w 10853928"/>
-              <a:gd name="connsiteY26" fmla="*/ 18288 h 18288"/>
-              <a:gd name="connsiteX27" fmla="*/ 4721459 w 10853928"/>
-              <a:gd name="connsiteY27" fmla="*/ 18288 h 18288"/>
-              <a:gd name="connsiteX28" fmla="*/ 4043088 w 10853928"/>
-              <a:gd name="connsiteY28" fmla="*/ 18288 h 18288"/>
-              <a:gd name="connsiteX29" fmla="*/ 3690336 w 10853928"/>
-              <a:gd name="connsiteY29" fmla="*/ 18288 h 18288"/>
-              <a:gd name="connsiteX30" fmla="*/ 3120504 w 10853928"/>
-              <a:gd name="connsiteY30" fmla="*/ 18288 h 18288"/>
-              <a:gd name="connsiteX31" fmla="*/ 2333595 w 10853928"/>
-              <a:gd name="connsiteY31" fmla="*/ 18288 h 18288"/>
-              <a:gd name="connsiteX32" fmla="*/ 1872303 w 10853928"/>
-              <a:gd name="connsiteY32" fmla="*/ 18288 h 18288"/>
-              <a:gd name="connsiteX33" fmla="*/ 976854 w 10853928"/>
-              <a:gd name="connsiteY33" fmla="*/ 18288 h 18288"/>
-              <a:gd name="connsiteX34" fmla="*/ 0 w 10853928"/>
-              <a:gd name="connsiteY34" fmla="*/ 18288 h 18288"/>
-              <a:gd name="connsiteX35" fmla="*/ 0 w 10853928"/>
-              <a:gd name="connsiteY35" fmla="*/ 0 h 18288"/>
+              <a:gd name="csX0" fmla="*/ 0 w 10853928"/>
+              <a:gd name="csY0" fmla="*/ 0 h 18288"/>
+              <a:gd name="csX1" fmla="*/ 461292 w 10853928"/>
+              <a:gd name="csY1" fmla="*/ 0 h 18288"/>
+              <a:gd name="csX2" fmla="*/ 1139662 w 10853928"/>
+              <a:gd name="csY2" fmla="*/ 0 h 18288"/>
+              <a:gd name="csX3" fmla="*/ 1926572 w 10853928"/>
+              <a:gd name="csY3" fmla="*/ 0 h 18288"/>
+              <a:gd name="csX4" fmla="*/ 2279325 w 10853928"/>
+              <a:gd name="csY4" fmla="*/ 0 h 18288"/>
+              <a:gd name="csX5" fmla="*/ 2632078 w 10853928"/>
+              <a:gd name="csY5" fmla="*/ 0 h 18288"/>
+              <a:gd name="csX6" fmla="*/ 3527527 w 10853928"/>
+              <a:gd name="csY6" fmla="*/ 0 h 18288"/>
+              <a:gd name="csX7" fmla="*/ 4205897 w 10853928"/>
+              <a:gd name="csY7" fmla="*/ 0 h 18288"/>
+              <a:gd name="csX8" fmla="*/ 4558650 w 10853928"/>
+              <a:gd name="csY8" fmla="*/ 0 h 18288"/>
+              <a:gd name="csX9" fmla="*/ 5237020 w 10853928"/>
+              <a:gd name="csY9" fmla="*/ 0 h 18288"/>
+              <a:gd name="csX10" fmla="*/ 6132469 w 10853928"/>
+              <a:gd name="csY10" fmla="*/ 0 h 18288"/>
+              <a:gd name="csX11" fmla="*/ 6702301 w 10853928"/>
+              <a:gd name="csY11" fmla="*/ 0 h 18288"/>
+              <a:gd name="csX12" fmla="*/ 7272132 w 10853928"/>
+              <a:gd name="csY12" fmla="*/ 0 h 18288"/>
+              <a:gd name="csX13" fmla="*/ 7950502 w 10853928"/>
+              <a:gd name="csY13" fmla="*/ 0 h 18288"/>
+              <a:gd name="csX14" fmla="*/ 8737412 w 10853928"/>
+              <a:gd name="csY14" fmla="*/ 0 h 18288"/>
+              <a:gd name="csX15" fmla="*/ 9524322 w 10853928"/>
+              <a:gd name="csY15" fmla="*/ 0 h 18288"/>
+              <a:gd name="csX16" fmla="*/ 10853928 w 10853928"/>
+              <a:gd name="csY16" fmla="*/ 0 h 18288"/>
+              <a:gd name="csX17" fmla="*/ 10853928 w 10853928"/>
+              <a:gd name="csY17" fmla="*/ 18288 h 18288"/>
+              <a:gd name="csX18" fmla="*/ 10392636 w 10853928"/>
+              <a:gd name="csY18" fmla="*/ 18288 h 18288"/>
+              <a:gd name="csX19" fmla="*/ 9497187 w 10853928"/>
+              <a:gd name="csY19" fmla="*/ 18288 h 18288"/>
+              <a:gd name="csX20" fmla="*/ 8818817 w 10853928"/>
+              <a:gd name="csY20" fmla="*/ 18288 h 18288"/>
+              <a:gd name="csX21" fmla="*/ 8466064 w 10853928"/>
+              <a:gd name="csY21" fmla="*/ 18288 h 18288"/>
+              <a:gd name="csX22" fmla="*/ 7787693 w 10853928"/>
+              <a:gd name="csY22" fmla="*/ 18288 h 18288"/>
+              <a:gd name="csX23" fmla="*/ 7217862 w 10853928"/>
+              <a:gd name="csY23" fmla="*/ 18288 h 18288"/>
+              <a:gd name="csX24" fmla="*/ 6648031 w 10853928"/>
+              <a:gd name="csY24" fmla="*/ 18288 h 18288"/>
+              <a:gd name="csX25" fmla="*/ 6078200 w 10853928"/>
+              <a:gd name="csY25" fmla="*/ 18288 h 18288"/>
+              <a:gd name="csX26" fmla="*/ 5508368 w 10853928"/>
+              <a:gd name="csY26" fmla="*/ 18288 h 18288"/>
+              <a:gd name="csX27" fmla="*/ 4721459 w 10853928"/>
+              <a:gd name="csY27" fmla="*/ 18288 h 18288"/>
+              <a:gd name="csX28" fmla="*/ 4043088 w 10853928"/>
+              <a:gd name="csY28" fmla="*/ 18288 h 18288"/>
+              <a:gd name="csX29" fmla="*/ 3690336 w 10853928"/>
+              <a:gd name="csY29" fmla="*/ 18288 h 18288"/>
+              <a:gd name="csX30" fmla="*/ 3120504 w 10853928"/>
+              <a:gd name="csY30" fmla="*/ 18288 h 18288"/>
+              <a:gd name="csX31" fmla="*/ 2333595 w 10853928"/>
+              <a:gd name="csY31" fmla="*/ 18288 h 18288"/>
+              <a:gd name="csX32" fmla="*/ 1872303 w 10853928"/>
+              <a:gd name="csY32" fmla="*/ 18288 h 18288"/>
+              <a:gd name="csX33" fmla="*/ 976854 w 10853928"/>
+              <a:gd name="csY33" fmla="*/ 18288 h 18288"/>
+              <a:gd name="csX34" fmla="*/ 0 w 10853928"/>
+              <a:gd name="csY34" fmla="*/ 18288 h 18288"/>
+              <a:gd name="csX35" fmla="*/ 0 w 10853928"/>
+              <a:gd name="csY35" fmla="*/ 0 h 18288"/>
             </a:gdLst>
             <a:ahLst/>
             <a:cxnLst>
               <a:cxn ang="0">
-                <a:pos x="connsiteX0" y="connsiteY0"/>
-              </a:cxn>
-              <a:cxn ang="0">
-                <a:pos x="connsiteX1" y="connsiteY1"/>
-              </a:cxn>
-              <a:cxn ang="0">
-                <a:pos x="connsiteX2" y="connsiteY2"/>
-              </a:cxn>
-              <a:cxn ang="0">
-                <a:pos x="connsiteX3" y="connsiteY3"/>
-              </a:cxn>
-              <a:cxn ang="0">
-                <a:pos x="connsiteX4" y="connsiteY4"/>
-              </a:cxn>
-              <a:cxn ang="0">
-                <a:pos x="connsiteX5" y="connsiteY5"/>
-              </a:cxn>
-              <a:cxn ang="0">
-                <a:pos x="connsiteX6" y="connsiteY6"/>
-              </a:cxn>
-              <a:cxn ang="0">
-                <a:pos x="connsiteX7" y="connsiteY7"/>
-              </a:cxn>
-              <a:cxn ang="0">
-                <a:pos x="connsiteX8" y="connsiteY8"/>
-              </a:cxn>
-              <a:cxn ang="0">
-                <a:pos x="connsiteX9" y="connsiteY9"/>
-              </a:cxn>
-              <a:cxn ang="0">
-                <a:pos x="connsiteX10" y="connsiteY10"/>
-              </a:cxn>
-              <a:cxn ang="0">
-                <a:pos x="connsiteX11" y="connsiteY11"/>
-              </a:cxn>
-              <a:cxn ang="0">
-                <a:pos x="connsiteX12" y="connsiteY12"/>
-              </a:cxn>
-              <a:cxn ang="0">
-                <a:pos x="connsiteX13" y="connsiteY13"/>
-              </a:cxn>
-              <a:cxn ang="0">
-                <a:pos x="connsiteX14" y="connsiteY14"/>
-              </a:cxn>
-              <a:cxn ang="0">
-                <a:pos x="connsiteX15" y="connsiteY15"/>
-              </a:cxn>
-              <a:cxn ang="0">
-                <a:pos x="connsiteX16" y="connsiteY16"/>
-              </a:cxn>
-              <a:cxn ang="0">
-                <a:pos x="connsiteX17" y="connsiteY17"/>
-              </a:cxn>
-              <a:cxn ang="0">
-                <a:pos x="connsiteX18" y="connsiteY18"/>
-              </a:cxn>
-              <a:cxn ang="0">
-                <a:pos x="connsiteX19" y="connsiteY19"/>
-              </a:cxn>
-              <a:cxn ang="0">
-                <a:pos x="connsiteX20" y="connsiteY20"/>
-              </a:cxn>
-              <a:cxn ang="0">
-                <a:pos x="connsiteX21" y="connsiteY21"/>
-              </a:cxn>
-              <a:cxn ang="0">
-                <a:pos x="connsiteX22" y="connsiteY22"/>
-              </a:cxn>
-              <a:cxn ang="0">
-                <a:pos x="connsiteX23" y="connsiteY23"/>
-              </a:cxn>
-              <a:cxn ang="0">
-                <a:pos x="connsiteX24" y="connsiteY24"/>
-              </a:cxn>
-              <a:cxn ang="0">
-                <a:pos x="connsiteX25" y="connsiteY25"/>
-              </a:cxn>
-              <a:cxn ang="0">
-                <a:pos x="connsiteX26" y="connsiteY26"/>
-              </a:cxn>
-              <a:cxn ang="0">
-                <a:pos x="connsiteX27" y="connsiteY27"/>
-              </a:cxn>
-              <a:cxn ang="0">
-                <a:pos x="connsiteX28" y="connsiteY28"/>
-              </a:cxn>
-              <a:cxn ang="0">
-                <a:pos x="connsiteX29" y="connsiteY29"/>
-              </a:cxn>
-              <a:cxn ang="0">
-                <a:pos x="connsiteX30" y="connsiteY30"/>
-              </a:cxn>
-              <a:cxn ang="0">
-                <a:pos x="connsiteX31" y="connsiteY31"/>
-              </a:cxn>
-              <a:cxn ang="0">
-                <a:pos x="connsiteX32" y="connsiteY32"/>
-              </a:cxn>
-              <a:cxn ang="0">
-                <a:pos x="connsiteX33" y="connsiteY33"/>
-              </a:cxn>
-              <a:cxn ang="0">
-                <a:pos x="connsiteX34" y="connsiteY34"/>
-              </a:cxn>
-              <a:cxn ang="0">
-                <a:pos x="connsiteX35" y="connsiteY35"/>
+                <a:pos x="csX0" y="csY0"/>
+              </a:cxn>
+              <a:cxn ang="0">
+                <a:pos x="csX1" y="csY1"/>
+              </a:cxn>
+              <a:cxn ang="0">
+                <a:pos x="csX2" y="csY2"/>
+              </a:cxn>
+              <a:cxn ang="0">
+                <a:pos x="csX3" y="csY3"/>
+              </a:cxn>
+              <a:cxn ang="0">
+                <a:pos x="csX4" y="csY4"/>
+              </a:cxn>
+              <a:cxn ang="0">
+                <a:pos x="csX5" y="csY5"/>
+              </a:cxn>
+              <a:cxn ang="0">
+                <a:pos x="csX6" y="csY6"/>
+              </a:cxn>
+              <a:cxn ang="0">
+                <a:pos x="csX7" y="csY7"/>
+              </a:cxn>
+              <a:cxn ang="0">
+                <a:pos x="csX8" y="csY8"/>
+              </a:cxn>
+              <a:cxn ang="0">
+                <a:pos x="csX9" y="csY9"/>
+              </a:cxn>
+              <a:cxn ang="0">
+                <a:pos x="csX10" y="csY10"/>
+              </a:cxn>
+              <a:cxn ang="0">
+                <a:pos x="csX11" y="csY11"/>
+              </a:cxn>
+              <a:cxn ang="0">
+                <a:pos x="csX12" y="csY12"/>
+              </a:cxn>
+              <a:cxn ang="0">
+                <a:pos x="csX13" y="csY13"/>
+              </a:cxn>
+              <a:cxn ang="0">
+                <a:pos x="csX14" y="csY14"/>
+              </a:cxn>
+              <a:cxn ang="0">
+                <a:pos x="csX15" y="csY15"/>
+              </a:cxn>
+              <a:cxn ang="0">
+                <a:pos x="csX16" y="csY16"/>
+              </a:cxn>
+              <a:cxn ang="0">
+                <a:pos x="csX17" y="csY17"/>
+              </a:cxn>
+              <a:cxn ang="0">
+                <a:pos x="csX18" y="csY18"/>
+              </a:cxn>
+              <a:cxn ang="0">
+                <a:pos x="csX19" y="csY19"/>
+              </a:cxn>
+              <a:cxn ang="0">
+                <a:pos x="csX20" y="csY20"/>
+              </a:cxn>
+              <a:cxn ang="0">
+                <a:pos x="csX21" y="csY21"/>
+              </a:cxn>
+              <a:cxn ang="0">
+                <a:pos x="csX22" y="csY22"/>
+              </a:cxn>
+              <a:cxn ang="0">
+                <a:pos x="csX23" y="csY23"/>
+              </a:cxn>
+              <a:cxn ang="0">
+                <a:pos x="csX24" y="csY24"/>
+              </a:cxn>
+              <a:cxn ang="0">
+                <a:pos x="csX25" y="csY25"/>
+              </a:cxn>
+              <a:cxn ang="0">
+                <a:pos x="csX26" y="csY26"/>
+              </a:cxn>
+              <a:cxn ang="0">
+                <a:pos x="csX27" y="csY27"/>
+              </a:cxn>
+              <a:cxn ang="0">
+                <a:pos x="csX28" y="csY28"/>
+              </a:cxn>
+              <a:cxn ang="0">
+                <a:pos x="csX29" y="csY29"/>
+              </a:cxn>
+              <a:cxn ang="0">
+                <a:pos x="csX30" y="csY30"/>
+              </a:cxn>
+              <a:cxn ang="0">
+                <a:pos x="csX31" y="csY31"/>
+              </a:cxn>
+              <a:cxn ang="0">
+                <a:pos x="csX32" y="csY32"/>
+              </a:cxn>
+              <a:cxn ang="0">
+                <a:pos x="csX33" y="csY33"/>
+              </a:cxn>
+              <a:cxn ang="0">
+                <a:pos x="csX34" y="csY34"/>
+              </a:cxn>
+              <a:cxn ang="0">
+                <a:pos x="csX35" y="csY35"/>
               </a:cxn>
             </a:cxnLst>
             <a:rect l="l" t="t" r="r" b="b"/>
@@ -8413,7 +13166,7 @@
           <p:cNvPr id="3" name="Content Placeholder 2">
             <a:extLst>
               <a:ext uri="{FF2B5EF4-FFF2-40B4-BE49-F238E27FC236}">
-                <a16:creationId xmlns:a16="http://schemas.microsoft.com/office/drawing/2014/main" id="{D8DAAEB9-574D-C5FA-A69B-705C75250794}"/>
+                <a16:creationId xmlns:a16="http://schemas.microsoft.com/office/drawing/2014/main" id="{598D7916-63CE-FB74-076E-E44A9B1B59C9}"/>
               </a:ext>
             </a:extLst>
           </p:cNvPr>
@@ -8437,33 +13190,69 @@
           <a:lstStyle/>
           <a:p>
             <a:r>
-              <a:rPr lang="en-US" sz="2200"/>
-              <a:t>Business user friendly</a:t>
-            </a:r>
-          </a:p>
-          <a:p>
-            <a:r>
-              <a:rPr lang="en-US" sz="2200"/>
-              <a:t>Open sourced by Microsoft</a:t>
-            </a:r>
-          </a:p>
-          <a:p>
-            <a:r>
-              <a:rPr lang="en-US" sz="2200"/>
-              <a:t>Similar to Excel formulas</a:t>
-            </a:r>
-          </a:p>
-          <a:p>
-            <a:r>
-              <a:rPr lang="en-US" sz="2200"/>
-              <a:t>Use in many parts of the Power Platform</a:t>
-            </a:r>
-          </a:p>
-          <a:p>
-            <a:pPr lvl="1"/>
-            <a:r>
-              <a:rPr lang="en-US" sz="2200"/>
-              <a:t>Many Experts, Tutorials, Articles, etc</a:t>
+              <a:rPr lang="en-US" sz="2200" dirty="0"/>
+              <a:t>Problem scenario</a:t>
+            </a:r>
+          </a:p>
+          <a:p>
+            <a:r>
+              <a:rPr lang="en-US" sz="2200" dirty="0"/>
+              <a:t>Intro to </a:t>
+            </a:r>
+            <a:r>
+              <a:rPr lang="en-US" sz="2200" dirty="0" err="1"/>
+              <a:t>PowerFX</a:t>
+            </a:r>
+            <a:endParaRPr lang="en-US" sz="2200" dirty="0"/>
+          </a:p>
+          <a:p>
+            <a:r>
+              <a:rPr lang="en-US" sz="2200" dirty="0"/>
+              <a:t>Why </a:t>
+            </a:r>
+            <a:r>
+              <a:rPr lang="en-US" sz="2200" dirty="0" err="1"/>
+              <a:t>why</a:t>
+            </a:r>
+            <a:r>
+              <a:rPr lang="en-US" sz="2200" dirty="0"/>
+              <a:t> embedding </a:t>
+            </a:r>
+            <a:r>
+              <a:rPr lang="en-US" sz="2200" dirty="0" err="1"/>
+              <a:t>PowerFX</a:t>
+            </a:r>
+            <a:r>
+              <a:rPr lang="en-US" sz="2200" dirty="0"/>
+              <a:t> is a solution to the problem</a:t>
+            </a:r>
+          </a:p>
+          <a:p>
+            <a:r>
+              <a:rPr lang="en-US" sz="2200" dirty="0"/>
+              <a:t>How to run the </a:t>
+            </a:r>
+            <a:r>
+              <a:rPr lang="en-US" sz="2200" dirty="0" err="1"/>
+              <a:t>PowerFX</a:t>
+            </a:r>
+            <a:r>
+              <a:rPr lang="en-US" sz="2200" dirty="0"/>
+              <a:t> interpreter from .NET</a:t>
+            </a:r>
+          </a:p>
+          <a:p>
+            <a:r>
+              <a:rPr lang="en-US" sz="2200" dirty="0"/>
+              <a:t>How to extend the </a:t>
+            </a:r>
+            <a:r>
+              <a:rPr lang="en-US" sz="2200" dirty="0" err="1"/>
+              <a:t>PowerFX</a:t>
+            </a:r>
+            <a:r>
+              <a:rPr lang="en-US" sz="2200" dirty="0"/>
+              <a:t> interpreter</a:t>
             </a:r>
           </a:p>
         </p:txBody>
@@ -8471,7 +13260,7 @@
     </p:spTree>
     <p:extLst>
       <p:ext uri="{BB962C8B-B14F-4D97-AF65-F5344CB8AC3E}">
-        <p14:creationId xmlns:p14="http://schemas.microsoft.com/office/powerpoint/2010/main" val="96671113"/>
+        <p14:creationId xmlns:p14="http://schemas.microsoft.com/office/powerpoint/2010/main" val="3085556934"/>
       </p:ext>
     </p:extLst>
   </p:cSld>
@@ -8484,6 +13273,14 @@
 <file path=ppt/slides/slide4.xml><?xml version="1.0" encoding="utf-8"?>
 <p:sld xmlns:a="http://schemas.openxmlformats.org/drawingml/2006/main" xmlns:r="http://schemas.openxmlformats.org/officeDocument/2006/relationships" xmlns:p="http://schemas.openxmlformats.org/presentationml/2006/main">
   <p:cSld>
+    <p:bg>
+      <p:bgPr>
+        <a:solidFill>
+          <a:schemeClr val="bg1"/>
+        </a:solidFill>
+        <a:effectLst/>
+      </p:bgPr>
+    </p:bg>
     <p:spTree>
       <p:nvGrpSpPr>
         <p:cNvPr id="1" name=""/>
@@ -8498,12 +13295,206 @@
           <a:chExt cx="0" cy="0"/>
         </a:xfrm>
       </p:grpSpPr>
+      <p:sp useBgFill="1">
+        <p:nvSpPr>
+          <p:cNvPr id="8" name="Rectangle 7">
+            <a:extLst>
+              <a:ext uri="{FF2B5EF4-FFF2-40B4-BE49-F238E27FC236}">
+                <a16:creationId xmlns:a16="http://schemas.microsoft.com/office/drawing/2014/main" id="{907EF6B7-1338-4443-8C46-6A318D952DFD}"/>
+              </a:ext>
+              <a:ext uri="{C183D7F6-B498-43B3-948B-1728B52AA6E4}">
+                <adec:decorative xmlns:adec="http://schemas.microsoft.com/office/drawing/2017/decorative" val="1"/>
+              </a:ext>
+            </a:extLst>
+          </p:cNvPr>
+          <p:cNvSpPr>
+            <a:spLocks noGrp="1" noRot="1" noChangeAspect="1" noMove="1" noResize="1" noEditPoints="1" noAdjustHandles="1" noChangeArrowheads="1" noChangeShapeType="1" noTextEdit="1"/>
+          </p:cNvSpPr>
+          <p:nvPr>
+            <p:extLst>
+              <p:ext uri="{386F3935-93C4-4BCD-93E2-E3B085C9AB24}">
+                <p16:designElem xmlns:p16="http://schemas.microsoft.com/office/powerpoint/2015/main" val="1"/>
+              </p:ext>
+            </p:extLst>
+          </p:nvPr>
+        </p:nvSpPr>
+        <p:spPr>
+          <a:xfrm>
+            <a:off x="3048" y="0"/>
+            <a:ext cx="12188952" cy="6858000"/>
+          </a:xfrm>
+          <a:prstGeom prst="rect">
+            <a:avLst/>
+          </a:prstGeom>
+          <a:ln>
+            <a:noFill/>
+          </a:ln>
+        </p:spPr>
+        <p:style>
+          <a:lnRef idx="2">
+            <a:schemeClr val="accent1">
+              <a:shade val="50000"/>
+            </a:schemeClr>
+          </a:lnRef>
+          <a:fillRef idx="1">
+            <a:schemeClr val="accent1"/>
+          </a:fillRef>
+          <a:effectRef idx="0">
+            <a:schemeClr val="accent1"/>
+          </a:effectRef>
+          <a:fontRef idx="minor">
+            <a:schemeClr val="lt1"/>
+          </a:fontRef>
+        </p:style>
+        <p:txBody>
+          <a:bodyPr rtlCol="0" anchor="ctr"/>
+          <a:lstStyle/>
+          <a:p>
+            <a:pPr algn="ctr"/>
+            <a:endParaRPr lang="en-US"/>
+          </a:p>
+        </p:txBody>
+      </p:sp>
       <p:sp>
         <p:nvSpPr>
-          <p:cNvPr id="4" name="Title 3">
+          <p:cNvPr id="10" name="Freeform: Shape 9">
             <a:extLst>
               <a:ext uri="{FF2B5EF4-FFF2-40B4-BE49-F238E27FC236}">
-                <a16:creationId xmlns:a16="http://schemas.microsoft.com/office/drawing/2014/main" id="{47C3B51B-CD1E-84E5-E7B2-ED12B12BB2EC}"/>
+                <a16:creationId xmlns:a16="http://schemas.microsoft.com/office/drawing/2014/main" id="{DAAE4CDD-124C-4DCF-9584-B6033B545DD5}"/>
+              </a:ext>
+              <a:ext uri="{C183D7F6-B498-43B3-948B-1728B52AA6E4}">
+                <adec:decorative xmlns:adec="http://schemas.microsoft.com/office/drawing/2017/decorative" val="1"/>
+              </a:ext>
+            </a:extLst>
+          </p:cNvPr>
+          <p:cNvSpPr>
+            <a:spLocks noGrp="1" noRot="1" noChangeAspect="1" noMove="1" noResize="1" noEditPoints="1" noAdjustHandles="1" noChangeArrowheads="1" noChangeShapeType="1" noTextEdit="1"/>
+          </p:cNvSpPr>
+          <p:nvPr>
+            <p:extLst>
+              <p:ext uri="{386F3935-93C4-4BCD-93E2-E3B085C9AB24}">
+                <p16:designElem xmlns:p16="http://schemas.microsoft.com/office/powerpoint/2015/main" val="1"/>
+              </p:ext>
+            </p:extLst>
+          </p:nvPr>
+        </p:nvSpPr>
+        <p:spPr>
+          <a:xfrm>
+            <a:off x="1" y="0"/>
+            <a:ext cx="4167271" cy="6858000"/>
+          </a:xfrm>
+          <a:custGeom>
+            <a:avLst/>
+            <a:gdLst>
+              <a:gd name="connsiteX0" fmla="*/ 0 w 4167271"/>
+              <a:gd name="connsiteY0" fmla="*/ 0 h 6858000"/>
+              <a:gd name="connsiteX1" fmla="*/ 2259550 w 4167271"/>
+              <a:gd name="connsiteY1" fmla="*/ 0 h 6858000"/>
+              <a:gd name="connsiteX2" fmla="*/ 2387803 w 4167271"/>
+              <a:gd name="connsiteY2" fmla="*/ 82222 h 6858000"/>
+              <a:gd name="connsiteX3" fmla="*/ 4167271 w 4167271"/>
+              <a:gd name="connsiteY3" fmla="*/ 3429000 h 6858000"/>
+              <a:gd name="connsiteX4" fmla="*/ 2387803 w 4167271"/>
+              <a:gd name="connsiteY4" fmla="*/ 6775779 h 6858000"/>
+              <a:gd name="connsiteX5" fmla="*/ 2259550 w 4167271"/>
+              <a:gd name="connsiteY5" fmla="*/ 6858000 h 6858000"/>
+              <a:gd name="connsiteX6" fmla="*/ 0 w 4167271"/>
+              <a:gd name="connsiteY6" fmla="*/ 6858000 h 6858000"/>
+            </a:gdLst>
+            <a:ahLst/>
+            <a:cxnLst>
+              <a:cxn ang="0">
+                <a:pos x="connsiteX0" y="connsiteY0"/>
+              </a:cxn>
+              <a:cxn ang="0">
+                <a:pos x="connsiteX1" y="connsiteY1"/>
+              </a:cxn>
+              <a:cxn ang="0">
+                <a:pos x="connsiteX2" y="connsiteY2"/>
+              </a:cxn>
+              <a:cxn ang="0">
+                <a:pos x="connsiteX3" y="connsiteY3"/>
+              </a:cxn>
+              <a:cxn ang="0">
+                <a:pos x="connsiteX4" y="connsiteY4"/>
+              </a:cxn>
+              <a:cxn ang="0">
+                <a:pos x="connsiteX5" y="connsiteY5"/>
+              </a:cxn>
+              <a:cxn ang="0">
+                <a:pos x="connsiteX6" y="connsiteY6"/>
+              </a:cxn>
+            </a:cxnLst>
+            <a:rect l="l" t="t" r="r" b="b"/>
+            <a:pathLst>
+              <a:path w="4167271" h="6858000">
+                <a:moveTo>
+                  <a:pt x="0" y="0"/>
+                </a:moveTo>
+                <a:lnTo>
+                  <a:pt x="2259550" y="0"/>
+                </a:lnTo>
+                <a:lnTo>
+                  <a:pt x="2387803" y="82222"/>
+                </a:lnTo>
+                <a:cubicBezTo>
+                  <a:pt x="3461407" y="807534"/>
+                  <a:pt x="4167271" y="2035835"/>
+                  <a:pt x="4167271" y="3429000"/>
+                </a:cubicBezTo>
+                <a:cubicBezTo>
+                  <a:pt x="4167271" y="4822165"/>
+                  <a:pt x="3461407" y="6050467"/>
+                  <a:pt x="2387803" y="6775779"/>
+                </a:cubicBezTo>
+                <a:lnTo>
+                  <a:pt x="2259550" y="6858000"/>
+                </a:lnTo>
+                <a:lnTo>
+                  <a:pt x="0" y="6858000"/>
+                </a:lnTo>
+                <a:close/>
+              </a:path>
+            </a:pathLst>
+          </a:custGeom>
+          <a:solidFill>
+            <a:schemeClr val="accent2"/>
+          </a:solidFill>
+          <a:ln>
+            <a:noFill/>
+          </a:ln>
+        </p:spPr>
+        <p:style>
+          <a:lnRef idx="2">
+            <a:schemeClr val="accent1">
+              <a:shade val="50000"/>
+            </a:schemeClr>
+          </a:lnRef>
+          <a:fillRef idx="1">
+            <a:schemeClr val="accent1"/>
+          </a:fillRef>
+          <a:effectRef idx="0">
+            <a:schemeClr val="accent1"/>
+          </a:effectRef>
+          <a:fontRef idx="minor">
+            <a:schemeClr val="lt1"/>
+          </a:fontRef>
+        </p:style>
+        <p:txBody>
+          <a:bodyPr rtlCol="0" anchor="ctr"/>
+          <a:lstStyle/>
+          <a:p>
+            <a:pPr algn="ctr"/>
+            <a:endParaRPr lang="en-US"/>
+          </a:p>
+        </p:txBody>
+      </p:sp>
+      <p:sp>
+        <p:nvSpPr>
+          <p:cNvPr id="2" name="Title 1">
+            <a:extLst>
+              <a:ext uri="{FF2B5EF4-FFF2-40B4-BE49-F238E27FC236}">
+                <a16:creationId xmlns:a16="http://schemas.microsoft.com/office/drawing/2014/main" id="{FFD8F957-F573-EC9A-C2C0-1FCECDB23951}"/>
               </a:ext>
             </a:extLst>
           </p:cNvPr>
@@ -8511,27 +13502,99 @@
             <a:spLocks noGrp="1"/>
           </p:cNvSpPr>
           <p:nvPr>
-            <p:ph type="ctrTitle"/>
+            <p:ph type="title"/>
           </p:nvPr>
         </p:nvSpPr>
-        <p:spPr/>
+        <p:spPr>
+          <a:xfrm>
+            <a:off x="686834" y="1153572"/>
+            <a:ext cx="3200400" cy="4461163"/>
+          </a:xfrm>
+        </p:spPr>
         <p:txBody>
-          <a:bodyPr/>
+          <a:bodyPr>
+            <a:normAutofit/>
+          </a:bodyPr>
           <a:lstStyle/>
           <a:p>
             <a:r>
-              <a:rPr lang="en-US" dirty="0"/>
-              <a:t>Demo</a:t>
+              <a:rPr lang="en-US" sz="3700">
+                <a:solidFill>
+                  <a:srgbClr val="FFFFFF"/>
+                </a:solidFill>
+              </a:rPr>
+              <a:t>Once upon a time in Pizzas’R’Us™…</a:t>
             </a:r>
           </a:p>
         </p:txBody>
       </p:sp>
       <p:sp>
         <p:nvSpPr>
-          <p:cNvPr id="5" name="Subtitle 4">
+          <p:cNvPr id="12" name="Arc 11">
             <a:extLst>
               <a:ext uri="{FF2B5EF4-FFF2-40B4-BE49-F238E27FC236}">
-                <a16:creationId xmlns:a16="http://schemas.microsoft.com/office/drawing/2014/main" id="{C3E3E2C1-3777-0AA9-FFD7-C0605B1B0494}"/>
+                <a16:creationId xmlns:a16="http://schemas.microsoft.com/office/drawing/2014/main" id="{081E4A58-353D-44AE-B2FC-2A74E2E400F7}"/>
+              </a:ext>
+              <a:ext uri="{C183D7F6-B498-43B3-948B-1728B52AA6E4}">
+                <adec:decorative xmlns:adec="http://schemas.microsoft.com/office/drawing/2017/decorative" val="1"/>
+              </a:ext>
+            </a:extLst>
+          </p:cNvPr>
+          <p:cNvSpPr>
+            <a:spLocks noGrp="1" noRot="1" noChangeAspect="1" noMove="1" noResize="1" noEditPoints="1" noAdjustHandles="1" noChangeArrowheads="1" noChangeShapeType="1" noTextEdit="1"/>
+          </p:cNvSpPr>
+          <p:nvPr>
+            <p:extLst>
+              <p:ext uri="{386F3935-93C4-4BCD-93E2-E3B085C9AB24}">
+                <p16:designElem xmlns:p16="http://schemas.microsoft.com/office/powerpoint/2015/main" val="1"/>
+              </p:ext>
+            </p:extLst>
+          </p:nvPr>
+        </p:nvSpPr>
+        <p:spPr>
+          <a:xfrm flipV="1">
+            <a:off x="7550402" y="2455479"/>
+            <a:ext cx="4083433" cy="4083433"/>
+          </a:xfrm>
+          <a:prstGeom prst="arc">
+            <a:avLst/>
+          </a:prstGeom>
+          <a:ln w="127000" cap="rnd">
+            <a:solidFill>
+              <a:schemeClr val="accent4"/>
+            </a:solidFill>
+            <a:prstDash val="dash"/>
+          </a:ln>
+        </p:spPr>
+        <p:style>
+          <a:lnRef idx="1">
+            <a:schemeClr val="accent1"/>
+          </a:lnRef>
+          <a:fillRef idx="0">
+            <a:schemeClr val="accent1"/>
+          </a:fillRef>
+          <a:effectRef idx="0">
+            <a:schemeClr val="accent1"/>
+          </a:effectRef>
+          <a:fontRef idx="minor">
+            <a:schemeClr val="tx1"/>
+          </a:fontRef>
+        </p:style>
+        <p:txBody>
+          <a:bodyPr rtlCol="0" anchor="ctr"/>
+          <a:lstStyle/>
+          <a:p>
+            <a:pPr algn="ctr"/>
+            <a:endParaRPr lang="en-US" dirty="0"/>
+          </a:p>
+        </p:txBody>
+      </p:sp>
+      <p:sp>
+        <p:nvSpPr>
+          <p:cNvPr id="3" name="Content Placeholder 2">
+            <a:extLst>
+              <a:ext uri="{FF2B5EF4-FFF2-40B4-BE49-F238E27FC236}">
+                <a16:creationId xmlns:a16="http://schemas.microsoft.com/office/drawing/2014/main" id="{5D3158F9-EE5C-E168-CA1E-AE34B3D45B60}"/>
               </a:ext>
             </a:extLst>
           </p:cNvPr>
@@ -8539,22 +13602,32 @@
             <a:spLocks noGrp="1"/>
           </p:cNvSpPr>
           <p:nvPr>
-            <p:ph type="subTitle" idx="1"/>
+            <p:ph idx="1"/>
           </p:nvPr>
         </p:nvSpPr>
-        <p:spPr/>
+        <p:spPr>
+          <a:xfrm>
+            <a:off x="4447308" y="591344"/>
+            <a:ext cx="6906491" cy="5585619"/>
+          </a:xfrm>
+        </p:spPr>
         <p:txBody>
-          <a:bodyPr/>
+          <a:bodyPr anchor="ctr">
+            <a:normAutofit/>
+          </a:bodyPr>
           <a:lstStyle/>
           <a:p>
-            <a:endParaRPr lang="en-US"/>
+            <a:r>
+              <a:rPr lang="en-US"/>
+              <a:t>Pizzas’R’Us™ is a small but profitable company, trying to be as nimble as possible, providing pizza services to restaurants and super-markets.</a:t>
+            </a:r>
           </a:p>
         </p:txBody>
       </p:sp>
     </p:spTree>
     <p:extLst>
       <p:ext uri="{BB962C8B-B14F-4D97-AF65-F5344CB8AC3E}">
-        <p14:creationId xmlns:p14="http://schemas.microsoft.com/office/powerpoint/2010/main" val="2253528452"/>
+        <p14:creationId xmlns:p14="http://schemas.microsoft.com/office/powerpoint/2010/main" val="325051723"/>
       </p:ext>
     </p:extLst>
   </p:cSld>
@@ -8591,7 +13664,7 @@
       </p:grpSpPr>
       <p:sp useBgFill="1">
         <p:nvSpPr>
-          <p:cNvPr id="19" name="Rectangle 18">
+          <p:cNvPr id="8" name="Rectangle 7">
             <a:extLst>
               <a:ext uri="{FF2B5EF4-FFF2-40B4-BE49-F238E27FC236}">
                 <a16:creationId xmlns:a16="http://schemas.microsoft.com/office/drawing/2014/main" id="{100EDD19-6802-4EC3-95CE-CFFAB042CFD6}"/>
@@ -8654,7 +13727,7 @@
           <p:cNvPr id="2" name="Title 1">
             <a:extLst>
               <a:ext uri="{FF2B5EF4-FFF2-40B4-BE49-F238E27FC236}">
-                <a16:creationId xmlns:a16="http://schemas.microsoft.com/office/drawing/2014/main" id="{ED378837-F088-4F73-261A-E994B5D75E04}"/>
+                <a16:creationId xmlns:a16="http://schemas.microsoft.com/office/drawing/2014/main" id="{BE3AEE24-F59E-E1BF-065D-732CB17481AB}"/>
               </a:ext>
             </a:extLst>
           </p:cNvPr>
@@ -8678,15 +13751,15 @@
           <a:lstStyle/>
           <a:p>
             <a:r>
-              <a:rPr lang="en-US" sz="4200"/>
-              <a:t>Why we should consider using PowerFX from our .NET apps</a:t>
+              <a:rPr lang="en-US" sz="5400" dirty="0"/>
+              <a:t>Problem scenario</a:t>
             </a:r>
           </a:p>
         </p:txBody>
       </p:sp>
       <p:sp>
         <p:nvSpPr>
-          <p:cNvPr id="21" name="sketch line">
+          <p:cNvPr id="10" name="sketch line">
             <a:extLst>
               <a:ext uri="{FF2B5EF4-FFF2-40B4-BE49-F238E27FC236}">
                 <a16:creationId xmlns:a16="http://schemas.microsoft.com/office/drawing/2014/main" id="{DB17E863-922E-4C26-BD64-E8FD41D28661}"/>
@@ -8715,188 +13788,188 @@
           <a:custGeom>
             <a:avLst/>
             <a:gdLst>
-              <a:gd name="connsiteX0" fmla="*/ 0 w 10853928"/>
-              <a:gd name="connsiteY0" fmla="*/ 0 h 18288"/>
-              <a:gd name="connsiteX1" fmla="*/ 461292 w 10853928"/>
-              <a:gd name="connsiteY1" fmla="*/ 0 h 18288"/>
-              <a:gd name="connsiteX2" fmla="*/ 1139662 w 10853928"/>
-              <a:gd name="connsiteY2" fmla="*/ 0 h 18288"/>
-              <a:gd name="connsiteX3" fmla="*/ 1926572 w 10853928"/>
-              <a:gd name="connsiteY3" fmla="*/ 0 h 18288"/>
-              <a:gd name="connsiteX4" fmla="*/ 2279325 w 10853928"/>
-              <a:gd name="connsiteY4" fmla="*/ 0 h 18288"/>
-              <a:gd name="connsiteX5" fmla="*/ 2632078 w 10853928"/>
-              <a:gd name="connsiteY5" fmla="*/ 0 h 18288"/>
-              <a:gd name="connsiteX6" fmla="*/ 3527527 w 10853928"/>
-              <a:gd name="connsiteY6" fmla="*/ 0 h 18288"/>
-              <a:gd name="connsiteX7" fmla="*/ 4205897 w 10853928"/>
-              <a:gd name="connsiteY7" fmla="*/ 0 h 18288"/>
-              <a:gd name="connsiteX8" fmla="*/ 4558650 w 10853928"/>
-              <a:gd name="connsiteY8" fmla="*/ 0 h 18288"/>
-              <a:gd name="connsiteX9" fmla="*/ 5237020 w 10853928"/>
-              <a:gd name="connsiteY9" fmla="*/ 0 h 18288"/>
-              <a:gd name="connsiteX10" fmla="*/ 6132469 w 10853928"/>
-              <a:gd name="connsiteY10" fmla="*/ 0 h 18288"/>
-              <a:gd name="connsiteX11" fmla="*/ 6702301 w 10853928"/>
-              <a:gd name="connsiteY11" fmla="*/ 0 h 18288"/>
-              <a:gd name="connsiteX12" fmla="*/ 7272132 w 10853928"/>
-              <a:gd name="connsiteY12" fmla="*/ 0 h 18288"/>
-              <a:gd name="connsiteX13" fmla="*/ 7950502 w 10853928"/>
-              <a:gd name="connsiteY13" fmla="*/ 0 h 18288"/>
-              <a:gd name="connsiteX14" fmla="*/ 8737412 w 10853928"/>
-              <a:gd name="connsiteY14" fmla="*/ 0 h 18288"/>
-              <a:gd name="connsiteX15" fmla="*/ 9524322 w 10853928"/>
-              <a:gd name="connsiteY15" fmla="*/ 0 h 18288"/>
-              <a:gd name="connsiteX16" fmla="*/ 10853928 w 10853928"/>
-              <a:gd name="connsiteY16" fmla="*/ 0 h 18288"/>
-              <a:gd name="connsiteX17" fmla="*/ 10853928 w 10853928"/>
-              <a:gd name="connsiteY17" fmla="*/ 18288 h 18288"/>
-              <a:gd name="connsiteX18" fmla="*/ 10392636 w 10853928"/>
-              <a:gd name="connsiteY18" fmla="*/ 18288 h 18288"/>
-              <a:gd name="connsiteX19" fmla="*/ 9497187 w 10853928"/>
-              <a:gd name="connsiteY19" fmla="*/ 18288 h 18288"/>
-              <a:gd name="connsiteX20" fmla="*/ 8818817 w 10853928"/>
-              <a:gd name="connsiteY20" fmla="*/ 18288 h 18288"/>
-              <a:gd name="connsiteX21" fmla="*/ 8466064 w 10853928"/>
-              <a:gd name="connsiteY21" fmla="*/ 18288 h 18288"/>
-              <a:gd name="connsiteX22" fmla="*/ 7787693 w 10853928"/>
-              <a:gd name="connsiteY22" fmla="*/ 18288 h 18288"/>
-              <a:gd name="connsiteX23" fmla="*/ 7217862 w 10853928"/>
-              <a:gd name="connsiteY23" fmla="*/ 18288 h 18288"/>
-              <a:gd name="connsiteX24" fmla="*/ 6648031 w 10853928"/>
-              <a:gd name="connsiteY24" fmla="*/ 18288 h 18288"/>
-              <a:gd name="connsiteX25" fmla="*/ 6078200 w 10853928"/>
-              <a:gd name="connsiteY25" fmla="*/ 18288 h 18288"/>
-              <a:gd name="connsiteX26" fmla="*/ 5508368 w 10853928"/>
-              <a:gd name="connsiteY26" fmla="*/ 18288 h 18288"/>
-              <a:gd name="connsiteX27" fmla="*/ 4721459 w 10853928"/>
-              <a:gd name="connsiteY27" fmla="*/ 18288 h 18288"/>
-              <a:gd name="connsiteX28" fmla="*/ 4043088 w 10853928"/>
-              <a:gd name="connsiteY28" fmla="*/ 18288 h 18288"/>
-              <a:gd name="connsiteX29" fmla="*/ 3690336 w 10853928"/>
-              <a:gd name="connsiteY29" fmla="*/ 18288 h 18288"/>
-              <a:gd name="connsiteX30" fmla="*/ 3120504 w 10853928"/>
-              <a:gd name="connsiteY30" fmla="*/ 18288 h 18288"/>
-              <a:gd name="connsiteX31" fmla="*/ 2333595 w 10853928"/>
-              <a:gd name="connsiteY31" fmla="*/ 18288 h 18288"/>
-              <a:gd name="connsiteX32" fmla="*/ 1872303 w 10853928"/>
-              <a:gd name="connsiteY32" fmla="*/ 18288 h 18288"/>
-              <a:gd name="connsiteX33" fmla="*/ 976854 w 10853928"/>
-              <a:gd name="connsiteY33" fmla="*/ 18288 h 18288"/>
-              <a:gd name="connsiteX34" fmla="*/ 0 w 10853928"/>
-              <a:gd name="connsiteY34" fmla="*/ 18288 h 18288"/>
-              <a:gd name="connsiteX35" fmla="*/ 0 w 10853928"/>
-              <a:gd name="connsiteY35" fmla="*/ 0 h 18288"/>
+              <a:gd name="csX0" fmla="*/ 0 w 10853928"/>
+              <a:gd name="csY0" fmla="*/ 0 h 18288"/>
+              <a:gd name="csX1" fmla="*/ 461292 w 10853928"/>
+              <a:gd name="csY1" fmla="*/ 0 h 18288"/>
+              <a:gd name="csX2" fmla="*/ 1139662 w 10853928"/>
+              <a:gd name="csY2" fmla="*/ 0 h 18288"/>
+              <a:gd name="csX3" fmla="*/ 1926572 w 10853928"/>
+              <a:gd name="csY3" fmla="*/ 0 h 18288"/>
+              <a:gd name="csX4" fmla="*/ 2279325 w 10853928"/>
+              <a:gd name="csY4" fmla="*/ 0 h 18288"/>
+              <a:gd name="csX5" fmla="*/ 2632078 w 10853928"/>
+              <a:gd name="csY5" fmla="*/ 0 h 18288"/>
+              <a:gd name="csX6" fmla="*/ 3527527 w 10853928"/>
+              <a:gd name="csY6" fmla="*/ 0 h 18288"/>
+              <a:gd name="csX7" fmla="*/ 4205897 w 10853928"/>
+              <a:gd name="csY7" fmla="*/ 0 h 18288"/>
+              <a:gd name="csX8" fmla="*/ 4558650 w 10853928"/>
+              <a:gd name="csY8" fmla="*/ 0 h 18288"/>
+              <a:gd name="csX9" fmla="*/ 5237020 w 10853928"/>
+              <a:gd name="csY9" fmla="*/ 0 h 18288"/>
+              <a:gd name="csX10" fmla="*/ 6132469 w 10853928"/>
+              <a:gd name="csY10" fmla="*/ 0 h 18288"/>
+              <a:gd name="csX11" fmla="*/ 6702301 w 10853928"/>
+              <a:gd name="csY11" fmla="*/ 0 h 18288"/>
+              <a:gd name="csX12" fmla="*/ 7272132 w 10853928"/>
+              <a:gd name="csY12" fmla="*/ 0 h 18288"/>
+              <a:gd name="csX13" fmla="*/ 7950502 w 10853928"/>
+              <a:gd name="csY13" fmla="*/ 0 h 18288"/>
+              <a:gd name="csX14" fmla="*/ 8737412 w 10853928"/>
+              <a:gd name="csY14" fmla="*/ 0 h 18288"/>
+              <a:gd name="csX15" fmla="*/ 9524322 w 10853928"/>
+              <a:gd name="csY15" fmla="*/ 0 h 18288"/>
+              <a:gd name="csX16" fmla="*/ 10853928 w 10853928"/>
+              <a:gd name="csY16" fmla="*/ 0 h 18288"/>
+              <a:gd name="csX17" fmla="*/ 10853928 w 10853928"/>
+              <a:gd name="csY17" fmla="*/ 18288 h 18288"/>
+              <a:gd name="csX18" fmla="*/ 10392636 w 10853928"/>
+              <a:gd name="csY18" fmla="*/ 18288 h 18288"/>
+              <a:gd name="csX19" fmla="*/ 9497187 w 10853928"/>
+              <a:gd name="csY19" fmla="*/ 18288 h 18288"/>
+              <a:gd name="csX20" fmla="*/ 8818817 w 10853928"/>
+              <a:gd name="csY20" fmla="*/ 18288 h 18288"/>
+              <a:gd name="csX21" fmla="*/ 8466064 w 10853928"/>
+              <a:gd name="csY21" fmla="*/ 18288 h 18288"/>
+              <a:gd name="csX22" fmla="*/ 7787693 w 10853928"/>
+              <a:gd name="csY22" fmla="*/ 18288 h 18288"/>
+              <a:gd name="csX23" fmla="*/ 7217862 w 10853928"/>
+              <a:gd name="csY23" fmla="*/ 18288 h 18288"/>
+              <a:gd name="csX24" fmla="*/ 6648031 w 10853928"/>
+              <a:gd name="csY24" fmla="*/ 18288 h 18288"/>
+              <a:gd name="csX25" fmla="*/ 6078200 w 10853928"/>
+              <a:gd name="csY25" fmla="*/ 18288 h 18288"/>
+              <a:gd name="csX26" fmla="*/ 5508368 w 10853928"/>
+              <a:gd name="csY26" fmla="*/ 18288 h 18288"/>
+              <a:gd name="csX27" fmla="*/ 4721459 w 10853928"/>
+              <a:gd name="csY27" fmla="*/ 18288 h 18288"/>
+              <a:gd name="csX28" fmla="*/ 4043088 w 10853928"/>
+              <a:gd name="csY28" fmla="*/ 18288 h 18288"/>
+              <a:gd name="csX29" fmla="*/ 3690336 w 10853928"/>
+              <a:gd name="csY29" fmla="*/ 18288 h 18288"/>
+              <a:gd name="csX30" fmla="*/ 3120504 w 10853928"/>
+              <a:gd name="csY30" fmla="*/ 18288 h 18288"/>
+              <a:gd name="csX31" fmla="*/ 2333595 w 10853928"/>
+              <a:gd name="csY31" fmla="*/ 18288 h 18288"/>
+              <a:gd name="csX32" fmla="*/ 1872303 w 10853928"/>
+              <a:gd name="csY32" fmla="*/ 18288 h 18288"/>
+              <a:gd name="csX33" fmla="*/ 976854 w 10853928"/>
+              <a:gd name="csY33" fmla="*/ 18288 h 18288"/>
+              <a:gd name="csX34" fmla="*/ 0 w 10853928"/>
+              <a:gd name="csY34" fmla="*/ 18288 h 18288"/>
+              <a:gd name="csX35" fmla="*/ 0 w 10853928"/>
+              <a:gd name="csY35" fmla="*/ 0 h 18288"/>
             </a:gdLst>
             <a:ahLst/>
             <a:cxnLst>
               <a:cxn ang="0">
-                <a:pos x="connsiteX0" y="connsiteY0"/>
-              </a:cxn>
-              <a:cxn ang="0">
-                <a:pos x="connsiteX1" y="connsiteY1"/>
-              </a:cxn>
-              <a:cxn ang="0">
-                <a:pos x="connsiteX2" y="connsiteY2"/>
-              </a:cxn>
-              <a:cxn ang="0">
-                <a:pos x="connsiteX3" y="connsiteY3"/>
-              </a:cxn>
-              <a:cxn ang="0">
-                <a:pos x="connsiteX4" y="connsiteY4"/>
-              </a:cxn>
-              <a:cxn ang="0">
-                <a:pos x="connsiteX5" y="connsiteY5"/>
-              </a:cxn>
-              <a:cxn ang="0">
-                <a:pos x="connsiteX6" y="connsiteY6"/>
-              </a:cxn>
-              <a:cxn ang="0">
-                <a:pos x="connsiteX7" y="connsiteY7"/>
-              </a:cxn>
-              <a:cxn ang="0">
-                <a:pos x="connsiteX8" y="connsiteY8"/>
-              </a:cxn>
-              <a:cxn ang="0">
-                <a:pos x="connsiteX9" y="connsiteY9"/>
-              </a:cxn>
-              <a:cxn ang="0">
-                <a:pos x="connsiteX10" y="connsiteY10"/>
-              </a:cxn>
-              <a:cxn ang="0">
-                <a:pos x="connsiteX11" y="connsiteY11"/>
-              </a:cxn>
-              <a:cxn ang="0">
-                <a:pos x="connsiteX12" y="connsiteY12"/>
-              </a:cxn>
-              <a:cxn ang="0">
-                <a:pos x="connsiteX13" y="connsiteY13"/>
-              </a:cxn>
-              <a:cxn ang="0">
-                <a:pos x="connsiteX14" y="connsiteY14"/>
-              </a:cxn>
-              <a:cxn ang="0">
-                <a:pos x="connsiteX15" y="connsiteY15"/>
-              </a:cxn>
-              <a:cxn ang="0">
-                <a:pos x="connsiteX16" y="connsiteY16"/>
-              </a:cxn>
-              <a:cxn ang="0">
-                <a:pos x="connsiteX17" y="connsiteY17"/>
-              </a:cxn>
-              <a:cxn ang="0">
-                <a:pos x="connsiteX18" y="connsiteY18"/>
-              </a:cxn>
-              <a:cxn ang="0">
-                <a:pos x="connsiteX19" y="connsiteY19"/>
-              </a:cxn>
-              <a:cxn ang="0">
-                <a:pos x="connsiteX20" y="connsiteY20"/>
-              </a:cxn>
-              <a:cxn ang="0">
-                <a:pos x="connsiteX21" y="connsiteY21"/>
-              </a:cxn>
-              <a:cxn ang="0">
-                <a:pos x="connsiteX22" y="connsiteY22"/>
-              </a:cxn>
-              <a:cxn ang="0">
-                <a:pos x="connsiteX23" y="connsiteY23"/>
-              </a:cxn>
-              <a:cxn ang="0">
-                <a:pos x="connsiteX24" y="connsiteY24"/>
-              </a:cxn>
-              <a:cxn ang="0">
-                <a:pos x="connsiteX25" y="connsiteY25"/>
-              </a:cxn>
-              <a:cxn ang="0">
-                <a:pos x="connsiteX26" y="connsiteY26"/>
-              </a:cxn>
-              <a:cxn ang="0">
-                <a:pos x="connsiteX27" y="connsiteY27"/>
-              </a:cxn>
-              <a:cxn ang="0">
-                <a:pos x="connsiteX28" y="connsiteY28"/>
-              </a:cxn>
-              <a:cxn ang="0">
-                <a:pos x="connsiteX29" y="connsiteY29"/>
-              </a:cxn>
-              <a:cxn ang="0">
-                <a:pos x="connsiteX30" y="connsiteY30"/>
-              </a:cxn>
-              <a:cxn ang="0">
-                <a:pos x="connsiteX31" y="connsiteY31"/>
-              </a:cxn>
-              <a:cxn ang="0">
-                <a:pos x="connsiteX32" y="connsiteY32"/>
-              </a:cxn>
-              <a:cxn ang="0">
-                <a:pos x="connsiteX33" y="connsiteY33"/>
-              </a:cxn>
-              <a:cxn ang="0">
-                <a:pos x="connsiteX34" y="connsiteY34"/>
-              </a:cxn>
-              <a:cxn ang="0">
-                <a:pos x="connsiteX35" y="connsiteY35"/>
+                <a:pos x="csX0" y="csY0"/>
+              </a:cxn>
+              <a:cxn ang="0">
+                <a:pos x="csX1" y="csY1"/>
+              </a:cxn>
+              <a:cxn ang="0">
+                <a:pos x="csX2" y="csY2"/>
+              </a:cxn>
+              <a:cxn ang="0">
+                <a:pos x="csX3" y="csY3"/>
+              </a:cxn>
+              <a:cxn ang="0">
+                <a:pos x="csX4" y="csY4"/>
+              </a:cxn>
+              <a:cxn ang="0">
+                <a:pos x="csX5" y="csY5"/>
+              </a:cxn>
+              <a:cxn ang="0">
+                <a:pos x="csX6" y="csY6"/>
+              </a:cxn>
+              <a:cxn ang="0">
+                <a:pos x="csX7" y="csY7"/>
+              </a:cxn>
+              <a:cxn ang="0">
+                <a:pos x="csX8" y="csY8"/>
+              </a:cxn>
+              <a:cxn ang="0">
+                <a:pos x="csX9" y="csY9"/>
+              </a:cxn>
+              <a:cxn ang="0">
+                <a:pos x="csX10" y="csY10"/>
+              </a:cxn>
+              <a:cxn ang="0">
+                <a:pos x="csX11" y="csY11"/>
+              </a:cxn>
+              <a:cxn ang="0">
+                <a:pos x="csX12" y="csY12"/>
+              </a:cxn>
+              <a:cxn ang="0">
+                <a:pos x="csX13" y="csY13"/>
+              </a:cxn>
+              <a:cxn ang="0">
+                <a:pos x="csX14" y="csY14"/>
+              </a:cxn>
+              <a:cxn ang="0">
+                <a:pos x="csX15" y="csY15"/>
+              </a:cxn>
+              <a:cxn ang="0">
+                <a:pos x="csX16" y="csY16"/>
+              </a:cxn>
+              <a:cxn ang="0">
+                <a:pos x="csX17" y="csY17"/>
+              </a:cxn>
+              <a:cxn ang="0">
+                <a:pos x="csX18" y="csY18"/>
+              </a:cxn>
+              <a:cxn ang="0">
+                <a:pos x="csX19" y="csY19"/>
+              </a:cxn>
+              <a:cxn ang="0">
+                <a:pos x="csX20" y="csY20"/>
+              </a:cxn>
+              <a:cxn ang="0">
+                <a:pos x="csX21" y="csY21"/>
+              </a:cxn>
+              <a:cxn ang="0">
+                <a:pos x="csX22" y="csY22"/>
+              </a:cxn>
+              <a:cxn ang="0">
+                <a:pos x="csX23" y="csY23"/>
+              </a:cxn>
+              <a:cxn ang="0">
+                <a:pos x="csX24" y="csY24"/>
+              </a:cxn>
+              <a:cxn ang="0">
+                <a:pos x="csX25" y="csY25"/>
+              </a:cxn>
+              <a:cxn ang="0">
+                <a:pos x="csX26" y="csY26"/>
+              </a:cxn>
+              <a:cxn ang="0">
+                <a:pos x="csX27" y="csY27"/>
+              </a:cxn>
+              <a:cxn ang="0">
+                <a:pos x="csX28" y="csY28"/>
+              </a:cxn>
+              <a:cxn ang="0">
+                <a:pos x="csX29" y="csY29"/>
+              </a:cxn>
+              <a:cxn ang="0">
+                <a:pos x="csX30" y="csY30"/>
+              </a:cxn>
+              <a:cxn ang="0">
+                <a:pos x="csX31" y="csY31"/>
+              </a:cxn>
+              <a:cxn ang="0">
+                <a:pos x="csX32" y="csY32"/>
+              </a:cxn>
+              <a:cxn ang="0">
+                <a:pos x="csX33" y="csY33"/>
+              </a:cxn>
+              <a:cxn ang="0">
+                <a:pos x="csX34" y="csY34"/>
+              </a:cxn>
+              <a:cxn ang="0">
+                <a:pos x="csX35" y="csY35"/>
               </a:cxn>
             </a:cxnLst>
             <a:rect l="l" t="t" r="r" b="b"/>
@@ -9327,7 +14400,7 @@
           <p:cNvPr id="3" name="Content Placeholder 2">
             <a:extLst>
               <a:ext uri="{FF2B5EF4-FFF2-40B4-BE49-F238E27FC236}">
-                <a16:creationId xmlns:a16="http://schemas.microsoft.com/office/drawing/2014/main" id="{7137A397-DC3B-644A-C99A-F144996F9654}"/>
+                <a16:creationId xmlns:a16="http://schemas.microsoft.com/office/drawing/2014/main" id="{D8DAAEB9-574D-C5FA-A69B-705C75250794}"/>
               </a:ext>
             </a:extLst>
           </p:cNvPr>
@@ -9351,49 +14424,95 @@
           <a:lstStyle/>
           <a:p>
             <a:r>
-              <a:rPr lang="en-US" sz="2200"/>
-              <a:t>Tap into the power of PowerFX</a:t>
-            </a:r>
+              <a:rPr lang="en-US" sz="2200" dirty="0" err="1"/>
+              <a:t>Pizzas’r’us</a:t>
+            </a:r>
+            <a:endParaRPr lang="en-US" sz="2200" dirty="0"/>
           </a:p>
           <a:p>
             <a:pPr lvl="1"/>
             <a:r>
-              <a:rPr lang="en-US" sz="2200"/>
-              <a:t>Business users already familiar</a:t>
+              <a:rPr lang="en-US" sz="1800" dirty="0"/>
+              <a:t>Small, fast evolving company</a:t>
             </a:r>
           </a:p>
           <a:p>
             <a:pPr lvl="1"/>
             <a:r>
-              <a:rPr lang="en-US" sz="2200"/>
-              <a:t>Answers on how-to already on Internet</a:t>
+              <a:rPr lang="en-US" sz="1800" dirty="0"/>
+              <a:t>Small development team</a:t>
+            </a:r>
+          </a:p>
+          <a:p>
+            <a:r>
+              <a:rPr lang="en-US" sz="2200" dirty="0"/>
+              <a:t>Alexandria – Lead Dev</a:t>
             </a:r>
           </a:p>
           <a:p>
             <a:pPr lvl="1"/>
             <a:r>
-              <a:rPr lang="en-US" sz="2200"/>
-              <a:t>Co-pilot support</a:t>
-            </a:r>
-          </a:p>
-          <a:p>
-            <a:r>
-              <a:rPr lang="en-US" sz="2200"/>
-              <a:t>Execution at runtime add dynamism to your app</a:t>
-            </a:r>
-          </a:p>
-          <a:p>
-            <a:r>
-              <a:rPr lang="en-US" sz="2200"/>
-              <a:t>Business/Mapping rules</a:t>
+              <a:rPr lang="en-US" sz="1800" dirty="0"/>
+              <a:t>Many changes requested from Business Units</a:t>
+            </a:r>
+          </a:p>
+          <a:p>
+            <a:pPr lvl="1"/>
+            <a:r>
+              <a:rPr lang="en-US" sz="1800" dirty="0"/>
+              <a:t>Business Units trying to adapt to evolving business environment</a:t>
+            </a:r>
+          </a:p>
+          <a:p>
+            <a:pPr lvl="1"/>
+            <a:r>
+              <a:rPr lang="en-US" sz="1800" dirty="0"/>
+              <a:t>The biggest part of the changes are business rule changes</a:t>
+            </a:r>
+          </a:p>
+          <a:p>
+            <a:pPr lvl="1"/>
+            <a:r>
+              <a:rPr lang="en-US" sz="1800" dirty="0"/>
+              <a:t>Alexandria feels like the bottleneck</a:t>
             </a:r>
           </a:p>
         </p:txBody>
       </p:sp>
+      <p:pic>
+        <p:nvPicPr>
+          <p:cNvPr id="4" name="Picture 3">
+            <a:extLst>
+              <a:ext uri="{FF2B5EF4-FFF2-40B4-BE49-F238E27FC236}">
+                <a16:creationId xmlns:a16="http://schemas.microsoft.com/office/drawing/2014/main" id="{55518957-3B2E-C7D2-8B03-A119BCEDEF40}"/>
+              </a:ext>
+            </a:extLst>
+          </p:cNvPr>
+          <p:cNvPicPr>
+            <a:picLocks noChangeAspect="1"/>
+          </p:cNvPicPr>
+          <p:nvPr/>
+        </p:nvPicPr>
+        <p:blipFill>
+          <a:blip r:embed="rId3"/>
+          <a:stretch>
+            <a:fillRect/>
+          </a:stretch>
+        </p:blipFill>
+        <p:spPr>
+          <a:xfrm>
+            <a:off x="8447999" y="3002936"/>
+            <a:ext cx="2142761" cy="2884488"/>
+          </a:xfrm>
+          <a:prstGeom prst="rect">
+            <a:avLst/>
+          </a:prstGeom>
+        </p:spPr>
+      </p:pic>
     </p:spTree>
     <p:extLst>
       <p:ext uri="{BB962C8B-B14F-4D97-AF65-F5344CB8AC3E}">
-        <p14:creationId xmlns:p14="http://schemas.microsoft.com/office/powerpoint/2010/main" val="1449738937"/>
+        <p14:creationId xmlns:p14="http://schemas.microsoft.com/office/powerpoint/2010/main" val="96671113"/>
       </p:ext>
     </p:extLst>
   </p:cSld>
@@ -9406,12 +14525,20 @@
 <file path=ppt/slides/slide6.xml><?xml version="1.0" encoding="utf-8"?>
 <p:sld xmlns:a="http://schemas.openxmlformats.org/drawingml/2006/main" xmlns:r="http://schemas.openxmlformats.org/officeDocument/2006/relationships" xmlns:p="http://schemas.openxmlformats.org/presentationml/2006/main">
   <p:cSld>
+    <p:bg>
+      <p:bgPr>
+        <a:solidFill>
+          <a:schemeClr val="bg1"/>
+        </a:solidFill>
+        <a:effectLst/>
+      </p:bgPr>
+    </p:bg>
     <p:spTree>
       <p:nvGrpSpPr>
         <p:cNvPr id="1" name="">
           <a:extLst>
             <a:ext uri="{FF2B5EF4-FFF2-40B4-BE49-F238E27FC236}">
-              <a16:creationId xmlns:a16="http://schemas.microsoft.com/office/drawing/2014/main" id="{72ADEA4B-5943-9C48-48F5-5F88DA6978BD}"/>
+              <a16:creationId xmlns:a16="http://schemas.microsoft.com/office/drawing/2014/main" id="{F06B4CC0-BDED-B9D3-A847-01342D2310A1}"/>
             </a:ext>
           </a:extLst>
         </p:cNvPr>
@@ -9426,103 +14553,12 @@
           <a:chExt cx="0" cy="0"/>
         </a:xfrm>
       </p:grpSpPr>
-      <p:sp>
+      <p:sp useBgFill="1">
         <p:nvSpPr>
-          <p:cNvPr id="4" name="Title 3">
+          <p:cNvPr id="8" name="Rectangle 7">
             <a:extLst>
               <a:ext uri="{FF2B5EF4-FFF2-40B4-BE49-F238E27FC236}">
-                <a16:creationId xmlns:a16="http://schemas.microsoft.com/office/drawing/2014/main" id="{A22E6497-D99D-3CE6-FF95-F68AABCA940B}"/>
-              </a:ext>
-            </a:extLst>
-          </p:cNvPr>
-          <p:cNvSpPr>
-            <a:spLocks noGrp="1"/>
-          </p:cNvSpPr>
-          <p:nvPr>
-            <p:ph type="ctrTitle"/>
-          </p:nvPr>
-        </p:nvSpPr>
-        <p:spPr/>
-        <p:txBody>
-          <a:bodyPr/>
-          <a:lstStyle/>
-          <a:p>
-            <a:r>
-              <a:rPr lang="en-US" dirty="0"/>
-              <a:t>Demo</a:t>
-            </a:r>
-          </a:p>
-        </p:txBody>
-      </p:sp>
-      <p:sp>
-        <p:nvSpPr>
-          <p:cNvPr id="5" name="Subtitle 4">
-            <a:extLst>
-              <a:ext uri="{FF2B5EF4-FFF2-40B4-BE49-F238E27FC236}">
-                <a16:creationId xmlns:a16="http://schemas.microsoft.com/office/drawing/2014/main" id="{06A25E4E-1025-7E29-9C12-1A362EE35AC1}"/>
-              </a:ext>
-            </a:extLst>
-          </p:cNvPr>
-          <p:cNvSpPr>
-            <a:spLocks noGrp="1"/>
-          </p:cNvSpPr>
-          <p:nvPr>
-            <p:ph type="subTitle" idx="1"/>
-          </p:nvPr>
-        </p:nvSpPr>
-        <p:spPr/>
-        <p:txBody>
-          <a:bodyPr/>
-          <a:lstStyle/>
-          <a:p>
-            <a:endParaRPr lang="en-US"/>
-          </a:p>
-        </p:txBody>
-      </p:sp>
-    </p:spTree>
-    <p:extLst>
-      <p:ext uri="{BB962C8B-B14F-4D97-AF65-F5344CB8AC3E}">
-        <p14:creationId xmlns:p14="http://schemas.microsoft.com/office/powerpoint/2010/main" val="3591279662"/>
-      </p:ext>
-    </p:extLst>
-  </p:cSld>
-  <p:clrMapOvr>
-    <a:masterClrMapping/>
-  </p:clrMapOvr>
-</p:sld>
-</file>
-
-<file path=ppt/slides/slide7.xml><?xml version="1.0" encoding="utf-8"?>
-<p:sld xmlns:a="http://schemas.openxmlformats.org/drawingml/2006/main" xmlns:r="http://schemas.openxmlformats.org/officeDocument/2006/relationships" xmlns:p="http://schemas.openxmlformats.org/presentationml/2006/main">
-  <p:cSld>
-    <p:bg>
-      <p:bgPr>
-        <a:solidFill>
-          <a:schemeClr val="bg1"/>
-        </a:solidFill>
-        <a:effectLst/>
-      </p:bgPr>
-    </p:bg>
-    <p:spTree>
-      <p:nvGrpSpPr>
-        <p:cNvPr id="1" name=""/>
-        <p:cNvGrpSpPr/>
-        <p:nvPr/>
-      </p:nvGrpSpPr>
-      <p:grpSpPr>
-        <a:xfrm>
-          <a:off x="0" y="0"/>
-          <a:ext cx="0" cy="0"/>
-          <a:chOff x="0" y="0"/>
-          <a:chExt cx="0" cy="0"/>
-        </a:xfrm>
-      </p:grpSpPr>
-      <p:sp useBgFill="1">
-        <p:nvSpPr>
-          <p:cNvPr id="19" name="Rectangle 18">
-            <a:extLst>
-              <a:ext uri="{FF2B5EF4-FFF2-40B4-BE49-F238E27FC236}">
-                <a16:creationId xmlns:a16="http://schemas.microsoft.com/office/drawing/2014/main" id="{100EDD19-6802-4EC3-95CE-CFFAB042CFD6}"/>
+                <a16:creationId xmlns:a16="http://schemas.microsoft.com/office/drawing/2014/main" id="{614BB239-187E-F729-8AD4-1DA69273A2F7}"/>
               </a:ext>
               <a:ext uri="{C183D7F6-B498-43B3-948B-1728B52AA6E4}">
                 <adec:decorative xmlns:adec="http://schemas.microsoft.com/office/drawing/2017/decorative" val="1"/>
@@ -9582,7 +14618,7 @@
           <p:cNvPr id="2" name="Title 1">
             <a:extLst>
               <a:ext uri="{FF2B5EF4-FFF2-40B4-BE49-F238E27FC236}">
-                <a16:creationId xmlns:a16="http://schemas.microsoft.com/office/drawing/2014/main" id="{1C9BAADF-FBD1-96C2-B5CB-49D1AE99E6CC}"/>
+                <a16:creationId xmlns:a16="http://schemas.microsoft.com/office/drawing/2014/main" id="{F35B184F-30FB-AA25-952A-B459FE43D2B5}"/>
               </a:ext>
             </a:extLst>
           </p:cNvPr>
@@ -9606,18 +14642,18 @@
           <a:lstStyle/>
           <a:p>
             <a:r>
-              <a:rPr lang="en-US" sz="4200"/>
-              <a:t>How to run the PowerFX interpreter from .NET</a:t>
+              <a:rPr lang="en-US" sz="5400" dirty="0"/>
+              <a:t>Solution Research</a:t>
             </a:r>
           </a:p>
         </p:txBody>
       </p:sp>
       <p:sp>
         <p:nvSpPr>
-          <p:cNvPr id="21" name="sketch line">
+          <p:cNvPr id="10" name="sketch line">
             <a:extLst>
               <a:ext uri="{FF2B5EF4-FFF2-40B4-BE49-F238E27FC236}">
-                <a16:creationId xmlns:a16="http://schemas.microsoft.com/office/drawing/2014/main" id="{DB17E863-922E-4C26-BD64-E8FD41D28661}"/>
+                <a16:creationId xmlns:a16="http://schemas.microsoft.com/office/drawing/2014/main" id="{99F32EAE-1B3D-C6E2-71B2-2839B1058FAB}"/>
               </a:ext>
               <a:ext uri="{C183D7F6-B498-43B3-948B-1728B52AA6E4}">
                 <adec:decorative xmlns:adec="http://schemas.microsoft.com/office/drawing/2017/decorative" val="1"/>
@@ -9643,188 +14679,188 @@
           <a:custGeom>
             <a:avLst/>
             <a:gdLst>
-              <a:gd name="connsiteX0" fmla="*/ 0 w 10853928"/>
-              <a:gd name="connsiteY0" fmla="*/ 0 h 18288"/>
-              <a:gd name="connsiteX1" fmla="*/ 461292 w 10853928"/>
-              <a:gd name="connsiteY1" fmla="*/ 0 h 18288"/>
-              <a:gd name="connsiteX2" fmla="*/ 1139662 w 10853928"/>
-              <a:gd name="connsiteY2" fmla="*/ 0 h 18288"/>
-              <a:gd name="connsiteX3" fmla="*/ 1926572 w 10853928"/>
-              <a:gd name="connsiteY3" fmla="*/ 0 h 18288"/>
-              <a:gd name="connsiteX4" fmla="*/ 2279325 w 10853928"/>
-              <a:gd name="connsiteY4" fmla="*/ 0 h 18288"/>
-              <a:gd name="connsiteX5" fmla="*/ 2632078 w 10853928"/>
-              <a:gd name="connsiteY5" fmla="*/ 0 h 18288"/>
-              <a:gd name="connsiteX6" fmla="*/ 3527527 w 10853928"/>
-              <a:gd name="connsiteY6" fmla="*/ 0 h 18288"/>
-              <a:gd name="connsiteX7" fmla="*/ 4205897 w 10853928"/>
-              <a:gd name="connsiteY7" fmla="*/ 0 h 18288"/>
-              <a:gd name="connsiteX8" fmla="*/ 4558650 w 10853928"/>
-              <a:gd name="connsiteY8" fmla="*/ 0 h 18288"/>
-              <a:gd name="connsiteX9" fmla="*/ 5237020 w 10853928"/>
-              <a:gd name="connsiteY9" fmla="*/ 0 h 18288"/>
-              <a:gd name="connsiteX10" fmla="*/ 6132469 w 10853928"/>
-              <a:gd name="connsiteY10" fmla="*/ 0 h 18288"/>
-              <a:gd name="connsiteX11" fmla="*/ 6702301 w 10853928"/>
-              <a:gd name="connsiteY11" fmla="*/ 0 h 18288"/>
-              <a:gd name="connsiteX12" fmla="*/ 7272132 w 10853928"/>
-              <a:gd name="connsiteY12" fmla="*/ 0 h 18288"/>
-              <a:gd name="connsiteX13" fmla="*/ 7950502 w 10853928"/>
-              <a:gd name="connsiteY13" fmla="*/ 0 h 18288"/>
-              <a:gd name="connsiteX14" fmla="*/ 8737412 w 10853928"/>
-              <a:gd name="connsiteY14" fmla="*/ 0 h 18288"/>
-              <a:gd name="connsiteX15" fmla="*/ 9524322 w 10853928"/>
-              <a:gd name="connsiteY15" fmla="*/ 0 h 18288"/>
-              <a:gd name="connsiteX16" fmla="*/ 10853928 w 10853928"/>
-              <a:gd name="connsiteY16" fmla="*/ 0 h 18288"/>
-              <a:gd name="connsiteX17" fmla="*/ 10853928 w 10853928"/>
-              <a:gd name="connsiteY17" fmla="*/ 18288 h 18288"/>
-              <a:gd name="connsiteX18" fmla="*/ 10392636 w 10853928"/>
-              <a:gd name="connsiteY18" fmla="*/ 18288 h 18288"/>
-              <a:gd name="connsiteX19" fmla="*/ 9497187 w 10853928"/>
-              <a:gd name="connsiteY19" fmla="*/ 18288 h 18288"/>
-              <a:gd name="connsiteX20" fmla="*/ 8818817 w 10853928"/>
-              <a:gd name="connsiteY20" fmla="*/ 18288 h 18288"/>
-              <a:gd name="connsiteX21" fmla="*/ 8466064 w 10853928"/>
-              <a:gd name="connsiteY21" fmla="*/ 18288 h 18288"/>
-              <a:gd name="connsiteX22" fmla="*/ 7787693 w 10853928"/>
-              <a:gd name="connsiteY22" fmla="*/ 18288 h 18288"/>
-              <a:gd name="connsiteX23" fmla="*/ 7217862 w 10853928"/>
-              <a:gd name="connsiteY23" fmla="*/ 18288 h 18288"/>
-              <a:gd name="connsiteX24" fmla="*/ 6648031 w 10853928"/>
-              <a:gd name="connsiteY24" fmla="*/ 18288 h 18288"/>
-              <a:gd name="connsiteX25" fmla="*/ 6078200 w 10853928"/>
-              <a:gd name="connsiteY25" fmla="*/ 18288 h 18288"/>
-              <a:gd name="connsiteX26" fmla="*/ 5508368 w 10853928"/>
-              <a:gd name="connsiteY26" fmla="*/ 18288 h 18288"/>
-              <a:gd name="connsiteX27" fmla="*/ 4721459 w 10853928"/>
-              <a:gd name="connsiteY27" fmla="*/ 18288 h 18288"/>
-              <a:gd name="connsiteX28" fmla="*/ 4043088 w 10853928"/>
-              <a:gd name="connsiteY28" fmla="*/ 18288 h 18288"/>
-              <a:gd name="connsiteX29" fmla="*/ 3690336 w 10853928"/>
-              <a:gd name="connsiteY29" fmla="*/ 18288 h 18288"/>
-              <a:gd name="connsiteX30" fmla="*/ 3120504 w 10853928"/>
-              <a:gd name="connsiteY30" fmla="*/ 18288 h 18288"/>
-              <a:gd name="connsiteX31" fmla="*/ 2333595 w 10853928"/>
-              <a:gd name="connsiteY31" fmla="*/ 18288 h 18288"/>
-              <a:gd name="connsiteX32" fmla="*/ 1872303 w 10853928"/>
-              <a:gd name="connsiteY32" fmla="*/ 18288 h 18288"/>
-              <a:gd name="connsiteX33" fmla="*/ 976854 w 10853928"/>
-              <a:gd name="connsiteY33" fmla="*/ 18288 h 18288"/>
-              <a:gd name="connsiteX34" fmla="*/ 0 w 10853928"/>
-              <a:gd name="connsiteY34" fmla="*/ 18288 h 18288"/>
-              <a:gd name="connsiteX35" fmla="*/ 0 w 10853928"/>
-              <a:gd name="connsiteY35" fmla="*/ 0 h 18288"/>
+              <a:gd name="csX0" fmla="*/ 0 w 10853928"/>
+              <a:gd name="csY0" fmla="*/ 0 h 18288"/>
+              <a:gd name="csX1" fmla="*/ 461292 w 10853928"/>
+              <a:gd name="csY1" fmla="*/ 0 h 18288"/>
+              <a:gd name="csX2" fmla="*/ 1139662 w 10853928"/>
+              <a:gd name="csY2" fmla="*/ 0 h 18288"/>
+              <a:gd name="csX3" fmla="*/ 1926572 w 10853928"/>
+              <a:gd name="csY3" fmla="*/ 0 h 18288"/>
+              <a:gd name="csX4" fmla="*/ 2279325 w 10853928"/>
+              <a:gd name="csY4" fmla="*/ 0 h 18288"/>
+              <a:gd name="csX5" fmla="*/ 2632078 w 10853928"/>
+              <a:gd name="csY5" fmla="*/ 0 h 18288"/>
+              <a:gd name="csX6" fmla="*/ 3527527 w 10853928"/>
+              <a:gd name="csY6" fmla="*/ 0 h 18288"/>
+              <a:gd name="csX7" fmla="*/ 4205897 w 10853928"/>
+              <a:gd name="csY7" fmla="*/ 0 h 18288"/>
+              <a:gd name="csX8" fmla="*/ 4558650 w 10853928"/>
+              <a:gd name="csY8" fmla="*/ 0 h 18288"/>
+              <a:gd name="csX9" fmla="*/ 5237020 w 10853928"/>
+              <a:gd name="csY9" fmla="*/ 0 h 18288"/>
+              <a:gd name="csX10" fmla="*/ 6132469 w 10853928"/>
+              <a:gd name="csY10" fmla="*/ 0 h 18288"/>
+              <a:gd name="csX11" fmla="*/ 6702301 w 10853928"/>
+              <a:gd name="csY11" fmla="*/ 0 h 18288"/>
+              <a:gd name="csX12" fmla="*/ 7272132 w 10853928"/>
+              <a:gd name="csY12" fmla="*/ 0 h 18288"/>
+              <a:gd name="csX13" fmla="*/ 7950502 w 10853928"/>
+              <a:gd name="csY13" fmla="*/ 0 h 18288"/>
+              <a:gd name="csX14" fmla="*/ 8737412 w 10853928"/>
+              <a:gd name="csY14" fmla="*/ 0 h 18288"/>
+              <a:gd name="csX15" fmla="*/ 9524322 w 10853928"/>
+              <a:gd name="csY15" fmla="*/ 0 h 18288"/>
+              <a:gd name="csX16" fmla="*/ 10853928 w 10853928"/>
+              <a:gd name="csY16" fmla="*/ 0 h 18288"/>
+              <a:gd name="csX17" fmla="*/ 10853928 w 10853928"/>
+              <a:gd name="csY17" fmla="*/ 18288 h 18288"/>
+              <a:gd name="csX18" fmla="*/ 10392636 w 10853928"/>
+              <a:gd name="csY18" fmla="*/ 18288 h 18288"/>
+              <a:gd name="csX19" fmla="*/ 9497187 w 10853928"/>
+              <a:gd name="csY19" fmla="*/ 18288 h 18288"/>
+              <a:gd name="csX20" fmla="*/ 8818817 w 10853928"/>
+              <a:gd name="csY20" fmla="*/ 18288 h 18288"/>
+              <a:gd name="csX21" fmla="*/ 8466064 w 10853928"/>
+              <a:gd name="csY21" fmla="*/ 18288 h 18288"/>
+              <a:gd name="csX22" fmla="*/ 7787693 w 10853928"/>
+              <a:gd name="csY22" fmla="*/ 18288 h 18288"/>
+              <a:gd name="csX23" fmla="*/ 7217862 w 10853928"/>
+              <a:gd name="csY23" fmla="*/ 18288 h 18288"/>
+              <a:gd name="csX24" fmla="*/ 6648031 w 10853928"/>
+              <a:gd name="csY24" fmla="*/ 18288 h 18288"/>
+              <a:gd name="csX25" fmla="*/ 6078200 w 10853928"/>
+              <a:gd name="csY25" fmla="*/ 18288 h 18288"/>
+              <a:gd name="csX26" fmla="*/ 5508368 w 10853928"/>
+              <a:gd name="csY26" fmla="*/ 18288 h 18288"/>
+              <a:gd name="csX27" fmla="*/ 4721459 w 10853928"/>
+              <a:gd name="csY27" fmla="*/ 18288 h 18288"/>
+              <a:gd name="csX28" fmla="*/ 4043088 w 10853928"/>
+              <a:gd name="csY28" fmla="*/ 18288 h 18288"/>
+              <a:gd name="csX29" fmla="*/ 3690336 w 10853928"/>
+              <a:gd name="csY29" fmla="*/ 18288 h 18288"/>
+              <a:gd name="csX30" fmla="*/ 3120504 w 10853928"/>
+              <a:gd name="csY30" fmla="*/ 18288 h 18288"/>
+              <a:gd name="csX31" fmla="*/ 2333595 w 10853928"/>
+              <a:gd name="csY31" fmla="*/ 18288 h 18288"/>
+              <a:gd name="csX32" fmla="*/ 1872303 w 10853928"/>
+              <a:gd name="csY32" fmla="*/ 18288 h 18288"/>
+              <a:gd name="csX33" fmla="*/ 976854 w 10853928"/>
+              <a:gd name="csY33" fmla="*/ 18288 h 18288"/>
+              <a:gd name="csX34" fmla="*/ 0 w 10853928"/>
+              <a:gd name="csY34" fmla="*/ 18288 h 18288"/>
+              <a:gd name="csX35" fmla="*/ 0 w 10853928"/>
+              <a:gd name="csY35" fmla="*/ 0 h 18288"/>
             </a:gdLst>
             <a:ahLst/>
             <a:cxnLst>
               <a:cxn ang="0">
-                <a:pos x="connsiteX0" y="connsiteY0"/>
-              </a:cxn>
-              <a:cxn ang="0">
-                <a:pos x="connsiteX1" y="connsiteY1"/>
-              </a:cxn>
-              <a:cxn ang="0">
-                <a:pos x="connsiteX2" y="connsiteY2"/>
-              </a:cxn>
-              <a:cxn ang="0">
-                <a:pos x="connsiteX3" y="connsiteY3"/>
-              </a:cxn>
-              <a:cxn ang="0">
-                <a:pos x="connsiteX4" y="connsiteY4"/>
-              </a:cxn>
-              <a:cxn ang="0">
-                <a:pos x="connsiteX5" y="connsiteY5"/>
-              </a:cxn>
-              <a:cxn ang="0">
-                <a:pos x="connsiteX6" y="connsiteY6"/>
-              </a:cxn>
-              <a:cxn ang="0">
-                <a:pos x="connsiteX7" y="connsiteY7"/>
-              </a:cxn>
-              <a:cxn ang="0">
-                <a:pos x="connsiteX8" y="connsiteY8"/>
-              </a:cxn>
-              <a:cxn ang="0">
-                <a:pos x="connsiteX9" y="connsiteY9"/>
-              </a:cxn>
-              <a:cxn ang="0">
-                <a:pos x="connsiteX10" y="connsiteY10"/>
-              </a:cxn>
-              <a:cxn ang="0">
-                <a:pos x="connsiteX11" y="connsiteY11"/>
-              </a:cxn>
-              <a:cxn ang="0">
-                <a:pos x="connsiteX12" y="connsiteY12"/>
-              </a:cxn>
-              <a:cxn ang="0">
-                <a:pos x="connsiteX13" y="connsiteY13"/>
-              </a:cxn>
-              <a:cxn ang="0">
-                <a:pos x="connsiteX14" y="connsiteY14"/>
-              </a:cxn>
-              <a:cxn ang="0">
-                <a:pos x="connsiteX15" y="connsiteY15"/>
-              </a:cxn>
-              <a:cxn ang="0">
-                <a:pos x="connsiteX16" y="connsiteY16"/>
-              </a:cxn>
-              <a:cxn ang="0">
-                <a:pos x="connsiteX17" y="connsiteY17"/>
-              </a:cxn>
-              <a:cxn ang="0">
-                <a:pos x="connsiteX18" y="connsiteY18"/>
-              </a:cxn>
-              <a:cxn ang="0">
-                <a:pos x="connsiteX19" y="connsiteY19"/>
-              </a:cxn>
-              <a:cxn ang="0">
-                <a:pos x="connsiteX20" y="connsiteY20"/>
-              </a:cxn>
-              <a:cxn ang="0">
-                <a:pos x="connsiteX21" y="connsiteY21"/>
-              </a:cxn>
-              <a:cxn ang="0">
-                <a:pos x="connsiteX22" y="connsiteY22"/>
-              </a:cxn>
-              <a:cxn ang="0">
-                <a:pos x="connsiteX23" y="connsiteY23"/>
-              </a:cxn>
-              <a:cxn ang="0">
-                <a:pos x="connsiteX24" y="connsiteY24"/>
-              </a:cxn>
-              <a:cxn ang="0">
-                <a:pos x="connsiteX25" y="connsiteY25"/>
-              </a:cxn>
-              <a:cxn ang="0">
-                <a:pos x="connsiteX26" y="connsiteY26"/>
-              </a:cxn>
-              <a:cxn ang="0">
-                <a:pos x="connsiteX27" y="connsiteY27"/>
-              </a:cxn>
-              <a:cxn ang="0">
-                <a:pos x="connsiteX28" y="connsiteY28"/>
-              </a:cxn>
-              <a:cxn ang="0">
-                <a:pos x="connsiteX29" y="connsiteY29"/>
-              </a:cxn>
-              <a:cxn ang="0">
-                <a:pos x="connsiteX30" y="connsiteY30"/>
-              </a:cxn>
-              <a:cxn ang="0">
-                <a:pos x="connsiteX31" y="connsiteY31"/>
-              </a:cxn>
-              <a:cxn ang="0">
-                <a:pos x="connsiteX32" y="connsiteY32"/>
-              </a:cxn>
-              <a:cxn ang="0">
-                <a:pos x="connsiteX33" y="connsiteY33"/>
-              </a:cxn>
-              <a:cxn ang="0">
-                <a:pos x="connsiteX34" y="connsiteY34"/>
-              </a:cxn>
-              <a:cxn ang="0">
-                <a:pos x="connsiteX35" y="connsiteY35"/>
+                <a:pos x="csX0" y="csY0"/>
+              </a:cxn>
+              <a:cxn ang="0">
+                <a:pos x="csX1" y="csY1"/>
+              </a:cxn>
+              <a:cxn ang="0">
+                <a:pos x="csX2" y="csY2"/>
+              </a:cxn>
+              <a:cxn ang="0">
+                <a:pos x="csX3" y="csY3"/>
+              </a:cxn>
+              <a:cxn ang="0">
+                <a:pos x="csX4" y="csY4"/>
+              </a:cxn>
+              <a:cxn ang="0">
+                <a:pos x="csX5" y="csY5"/>
+              </a:cxn>
+              <a:cxn ang="0">
+                <a:pos x="csX6" y="csY6"/>
+              </a:cxn>
+              <a:cxn ang="0">
+                <a:pos x="csX7" y="csY7"/>
+              </a:cxn>
+              <a:cxn ang="0">
+                <a:pos x="csX8" y="csY8"/>
+              </a:cxn>
+              <a:cxn ang="0">
+                <a:pos x="csX9" y="csY9"/>
+              </a:cxn>
+              <a:cxn ang="0">
+                <a:pos x="csX10" y="csY10"/>
+              </a:cxn>
+              <a:cxn ang="0">
+                <a:pos x="csX11" y="csY11"/>
+              </a:cxn>
+              <a:cxn ang="0">
+                <a:pos x="csX12" y="csY12"/>
+              </a:cxn>
+              <a:cxn ang="0">
+                <a:pos x="csX13" y="csY13"/>
+              </a:cxn>
+              <a:cxn ang="0">
+                <a:pos x="csX14" y="csY14"/>
+              </a:cxn>
+              <a:cxn ang="0">
+                <a:pos x="csX15" y="csY15"/>
+              </a:cxn>
+              <a:cxn ang="0">
+                <a:pos x="csX16" y="csY16"/>
+              </a:cxn>
+              <a:cxn ang="0">
+                <a:pos x="csX17" y="csY17"/>
+              </a:cxn>
+              <a:cxn ang="0">
+                <a:pos x="csX18" y="csY18"/>
+              </a:cxn>
+              <a:cxn ang="0">
+                <a:pos x="csX19" y="csY19"/>
+              </a:cxn>
+              <a:cxn ang="0">
+                <a:pos x="csX20" y="csY20"/>
+              </a:cxn>
+              <a:cxn ang="0">
+                <a:pos x="csX21" y="csY21"/>
+              </a:cxn>
+              <a:cxn ang="0">
+                <a:pos x="csX22" y="csY22"/>
+              </a:cxn>
+              <a:cxn ang="0">
+                <a:pos x="csX23" y="csY23"/>
+              </a:cxn>
+              <a:cxn ang="0">
+                <a:pos x="csX24" y="csY24"/>
+              </a:cxn>
+              <a:cxn ang="0">
+                <a:pos x="csX25" y="csY25"/>
+              </a:cxn>
+              <a:cxn ang="0">
+                <a:pos x="csX26" y="csY26"/>
+              </a:cxn>
+              <a:cxn ang="0">
+                <a:pos x="csX27" y="csY27"/>
+              </a:cxn>
+              <a:cxn ang="0">
+                <a:pos x="csX28" y="csY28"/>
+              </a:cxn>
+              <a:cxn ang="0">
+                <a:pos x="csX29" y="csY29"/>
+              </a:cxn>
+              <a:cxn ang="0">
+                <a:pos x="csX30" y="csY30"/>
+              </a:cxn>
+              <a:cxn ang="0">
+                <a:pos x="csX31" y="csY31"/>
+              </a:cxn>
+              <a:cxn ang="0">
+                <a:pos x="csX32" y="csY32"/>
+              </a:cxn>
+              <a:cxn ang="0">
+                <a:pos x="csX33" y="csY33"/>
+              </a:cxn>
+              <a:cxn ang="0">
+                <a:pos x="csX34" y="csY34"/>
+              </a:cxn>
+              <a:cxn ang="0">
+                <a:pos x="csX35" y="csY35"/>
               </a:cxn>
             </a:cxnLst>
             <a:rect l="l" t="t" r="r" b="b"/>
@@ -10255,7 +15291,7 @@
           <p:cNvPr id="3" name="Content Placeholder 2">
             <a:extLst>
               <a:ext uri="{FF2B5EF4-FFF2-40B4-BE49-F238E27FC236}">
-                <a16:creationId xmlns:a16="http://schemas.microsoft.com/office/drawing/2014/main" id="{19714051-6D8A-B5CC-084A-649ADEC99D71}"/>
+                <a16:creationId xmlns:a16="http://schemas.microsoft.com/office/drawing/2014/main" id="{AAE76935-EB5F-674B-F17B-F1D882ED1694}"/>
               </a:ext>
             </a:extLst>
           </p:cNvPr>
@@ -10279,60 +15315,63 @@
           <a:lstStyle/>
           <a:p>
             <a:r>
-              <a:rPr lang="en-US" sz="2200"/>
-              <a:t>Interpreter from Microsoft</a:t>
-            </a:r>
+              <a:rPr lang="en-US" sz="2400" dirty="0"/>
+              <a:t>Research on what tools the Business uses day to day</a:t>
+            </a:r>
+          </a:p>
+          <a:p>
+            <a:r>
+              <a:rPr lang="en-US" sz="2200" dirty="0"/>
+              <a:t>Business users familiar with Excel</a:t>
+            </a:r>
+          </a:p>
+          <a:p>
+            <a:r>
+              <a:rPr lang="en-US" sz="2200" dirty="0"/>
+              <a:t>A larger IT team that are not Pro </a:t>
+            </a:r>
+            <a:r>
+              <a:rPr lang="en-US" sz="2200" dirty="0" err="1"/>
+              <a:t>devs</a:t>
+            </a:r>
+            <a:r>
+              <a:rPr lang="en-US" sz="2200" dirty="0"/>
+              <a:t>, but work in </a:t>
+            </a:r>
+            <a:r>
+              <a:rPr lang="en-US" sz="2200" dirty="0" err="1"/>
+              <a:t>PowerPlatform</a:t>
+            </a:r>
+            <a:endParaRPr lang="en-US" sz="2200" dirty="0"/>
           </a:p>
           <a:p>
             <a:pPr lvl="1"/>
             <a:r>
-              <a:rPr lang="en-US" sz="2200">
-                <a:hlinkClick r:id="rId2"/>
-              </a:rPr>
-              <a:t>https://github.com/microsoft/Power-Fx</a:t>
-            </a:r>
-            <a:endParaRPr lang="en-US" sz="2200"/>
-          </a:p>
-          <a:p>
-            <a:r>
-              <a:rPr lang="en-US" sz="2200"/>
-              <a:t>Samples:</a:t>
+              <a:rPr lang="en-US" sz="1800" dirty="0"/>
+              <a:t>PowerApps</a:t>
             </a:r>
           </a:p>
           <a:p>
             <a:pPr lvl="1"/>
             <a:r>
-              <a:rPr lang="en-US" sz="2200">
-                <a:hlinkClick r:id="rId3"/>
-              </a:rPr>
-              <a:t>https://github.com/microsoft/power-fx-host-samples/tree/main/Samples/ConsoleREPL</a:t>
-            </a:r>
-            <a:endParaRPr lang="en-US" sz="2200"/>
-          </a:p>
-          <a:p>
-            <a:r>
-              <a:rPr lang="en-US" sz="2200"/>
-              <a:t>Setup engine</a:t>
-            </a:r>
-          </a:p>
-          <a:p>
-            <a:r>
-              <a:rPr lang="en-US" sz="2200"/>
-              <a:t>Add formulas</a:t>
-            </a:r>
-          </a:p>
-          <a:p>
-            <a:r>
-              <a:rPr lang="en-US" sz="2200"/>
-              <a:t>Evaluate formulas</a:t>
-            </a:r>
+              <a:rPr lang="en-US" sz="1800" dirty="0" err="1"/>
+              <a:t>PowerAutomate</a:t>
+            </a:r>
+            <a:endParaRPr lang="en-US" sz="1800" dirty="0"/>
+          </a:p>
+          <a:p>
+            <a:endParaRPr lang="en-US" sz="2200" dirty="0"/>
+          </a:p>
+          <a:p>
+            <a:pPr lvl="1"/>
+            <a:endParaRPr lang="en-US" sz="1800" dirty="0"/>
           </a:p>
         </p:txBody>
       </p:sp>
     </p:spTree>
     <p:extLst>
       <p:ext uri="{BB962C8B-B14F-4D97-AF65-F5344CB8AC3E}">
-        <p14:creationId xmlns:p14="http://schemas.microsoft.com/office/powerpoint/2010/main" val="828761936"/>
+        <p14:creationId xmlns:p14="http://schemas.microsoft.com/office/powerpoint/2010/main" val="2381318140"/>
       </p:ext>
     </p:extLst>
   </p:cSld>
@@ -10342,15 +15381,23 @@
 </p:sld>
 </file>
 
-<file path=ppt/slides/slide8.xml><?xml version="1.0" encoding="utf-8"?>
+<file path=ppt/slides/slide7.xml><?xml version="1.0" encoding="utf-8"?>
 <p:sld xmlns:a="http://schemas.openxmlformats.org/drawingml/2006/main" xmlns:r="http://schemas.openxmlformats.org/officeDocument/2006/relationships" xmlns:p="http://schemas.openxmlformats.org/presentationml/2006/main">
   <p:cSld>
+    <p:bg>
+      <p:bgPr>
+        <a:solidFill>
+          <a:schemeClr val="bg1"/>
+        </a:solidFill>
+        <a:effectLst/>
+      </p:bgPr>
+    </p:bg>
     <p:spTree>
       <p:nvGrpSpPr>
         <p:cNvPr id="1" name="">
           <a:extLst>
             <a:ext uri="{FF2B5EF4-FFF2-40B4-BE49-F238E27FC236}">
-              <a16:creationId xmlns:a16="http://schemas.microsoft.com/office/drawing/2014/main" id="{A59AF090-DF03-2D55-E4A9-15476A51D557}"/>
+              <a16:creationId xmlns:a16="http://schemas.microsoft.com/office/drawing/2014/main" id="{FDA839D3-D7AD-6D84-F91D-B0A19AD55E3A}"/>
             </a:ext>
           </a:extLst>
         </p:cNvPr>
@@ -10365,103 +15412,12 @@
           <a:chExt cx="0" cy="0"/>
         </a:xfrm>
       </p:grpSpPr>
-      <p:sp>
+      <p:sp useBgFill="1">
         <p:nvSpPr>
-          <p:cNvPr id="4" name="Title 3">
+          <p:cNvPr id="8" name="Rectangle 7">
             <a:extLst>
               <a:ext uri="{FF2B5EF4-FFF2-40B4-BE49-F238E27FC236}">
-                <a16:creationId xmlns:a16="http://schemas.microsoft.com/office/drawing/2014/main" id="{D707CD88-25BF-D5A2-57D4-231B23F3EA15}"/>
-              </a:ext>
-            </a:extLst>
-          </p:cNvPr>
-          <p:cNvSpPr>
-            <a:spLocks noGrp="1"/>
-          </p:cNvSpPr>
-          <p:nvPr>
-            <p:ph type="ctrTitle"/>
-          </p:nvPr>
-        </p:nvSpPr>
-        <p:spPr/>
-        <p:txBody>
-          <a:bodyPr/>
-          <a:lstStyle/>
-          <a:p>
-            <a:r>
-              <a:rPr lang="en-US" dirty="0"/>
-              <a:t>Demo</a:t>
-            </a:r>
-          </a:p>
-        </p:txBody>
-      </p:sp>
-      <p:sp>
-        <p:nvSpPr>
-          <p:cNvPr id="5" name="Subtitle 4">
-            <a:extLst>
-              <a:ext uri="{FF2B5EF4-FFF2-40B4-BE49-F238E27FC236}">
-                <a16:creationId xmlns:a16="http://schemas.microsoft.com/office/drawing/2014/main" id="{81CA869E-6C47-8B2D-CD47-CB6FF06E7544}"/>
-              </a:ext>
-            </a:extLst>
-          </p:cNvPr>
-          <p:cNvSpPr>
-            <a:spLocks noGrp="1"/>
-          </p:cNvSpPr>
-          <p:nvPr>
-            <p:ph type="subTitle" idx="1"/>
-          </p:nvPr>
-        </p:nvSpPr>
-        <p:spPr/>
-        <p:txBody>
-          <a:bodyPr/>
-          <a:lstStyle/>
-          <a:p>
-            <a:endParaRPr lang="en-US"/>
-          </a:p>
-        </p:txBody>
-      </p:sp>
-    </p:spTree>
-    <p:extLst>
-      <p:ext uri="{BB962C8B-B14F-4D97-AF65-F5344CB8AC3E}">
-        <p14:creationId xmlns:p14="http://schemas.microsoft.com/office/powerpoint/2010/main" val="2851320651"/>
-      </p:ext>
-    </p:extLst>
-  </p:cSld>
-  <p:clrMapOvr>
-    <a:masterClrMapping/>
-  </p:clrMapOvr>
-</p:sld>
-</file>
-
-<file path=ppt/slides/slide9.xml><?xml version="1.0" encoding="utf-8"?>
-<p:sld xmlns:a="http://schemas.openxmlformats.org/drawingml/2006/main" xmlns:r="http://schemas.openxmlformats.org/officeDocument/2006/relationships" xmlns:p="http://schemas.openxmlformats.org/presentationml/2006/main">
-  <p:cSld>
-    <p:bg>
-      <p:bgPr>
-        <a:solidFill>
-          <a:schemeClr val="bg1"/>
-        </a:solidFill>
-        <a:effectLst/>
-      </p:bgPr>
-    </p:bg>
-    <p:spTree>
-      <p:nvGrpSpPr>
-        <p:cNvPr id="1" name=""/>
-        <p:cNvGrpSpPr/>
-        <p:nvPr/>
-      </p:nvGrpSpPr>
-      <p:grpSpPr>
-        <a:xfrm>
-          <a:off x="0" y="0"/>
-          <a:ext cx="0" cy="0"/>
-          <a:chOff x="0" y="0"/>
-          <a:chExt cx="0" cy="0"/>
-        </a:xfrm>
-      </p:grpSpPr>
-      <p:sp useBgFill="1">
-        <p:nvSpPr>
-          <p:cNvPr id="9" name="Rectangle 8">
-            <a:extLst>
-              <a:ext uri="{FF2B5EF4-FFF2-40B4-BE49-F238E27FC236}">
-                <a16:creationId xmlns:a16="http://schemas.microsoft.com/office/drawing/2014/main" id="{2E442304-DDBD-4F7B-8017-36BCC863FB40}"/>
+                <a16:creationId xmlns:a16="http://schemas.microsoft.com/office/drawing/2014/main" id="{43EED5B1-25F4-982F-C9B6-62DDF6DAE467}"/>
               </a:ext>
               <a:ext uri="{C183D7F6-B498-43B3-948B-1728B52AA6E4}">
                 <adec:decorative xmlns:adec="http://schemas.microsoft.com/office/drawing/2017/decorative" val="1"/>
@@ -10521,7 +15477,7 @@
           <p:cNvPr id="2" name="Title 1">
             <a:extLst>
               <a:ext uri="{FF2B5EF4-FFF2-40B4-BE49-F238E27FC236}">
-                <a16:creationId xmlns:a16="http://schemas.microsoft.com/office/drawing/2014/main" id="{178DDB28-B859-7EE0-8147-A065102772CE}"/>
+                <a16:creationId xmlns:a16="http://schemas.microsoft.com/office/drawing/2014/main" id="{DD542A7B-24C6-4CB5-EA31-789D351C2F94}"/>
               </a:ext>
             </a:extLst>
           </p:cNvPr>
@@ -10534,29 +15490,29 @@
         </p:nvSpPr>
         <p:spPr>
           <a:xfrm>
-            <a:off x="635000" y="640823"/>
-            <a:ext cx="3418659" cy="5583148"/>
+            <a:off x="838200" y="365125"/>
+            <a:ext cx="10515600" cy="1325563"/>
           </a:xfrm>
         </p:spPr>
         <p:txBody>
-          <a:bodyPr anchor="ctr">
+          <a:bodyPr>
             <a:normAutofit/>
           </a:bodyPr>
           <a:lstStyle/>
           <a:p>
             <a:r>
-              <a:rPr lang="en-US" sz="5400"/>
-              <a:t>The power of PowerFX in your apps!</a:t>
+              <a:rPr lang="en-US" sz="5400" dirty="0"/>
+              <a:t>Solution Space</a:t>
             </a:r>
           </a:p>
         </p:txBody>
       </p:sp>
       <p:sp>
         <p:nvSpPr>
-          <p:cNvPr id="11" name="sketch line">
+          <p:cNvPr id="10" name="sketch line">
             <a:extLst>
               <a:ext uri="{FF2B5EF4-FFF2-40B4-BE49-F238E27FC236}">
-                <a16:creationId xmlns:a16="http://schemas.microsoft.com/office/drawing/2014/main" id="{5E107275-3853-46FD-A241-DE4355A42675}"/>
+                <a16:creationId xmlns:a16="http://schemas.microsoft.com/office/drawing/2014/main" id="{3B4940A2-BF2A-4891-5652-9C775294A4E6}"/>
               </a:ext>
               <a:ext uri="{C183D7F6-B498-43B3-948B-1728B52AA6E4}">
                 <adec:decorative xmlns:adec="http://schemas.microsoft.com/office/drawing/2017/decorative" val="1"/>
@@ -10575,302 +15531,567 @@
           </p:nvPr>
         </p:nvSpPr>
         <p:spPr>
-          <a:xfrm rot="5400000">
-            <a:off x="1627450" y="3462719"/>
-            <a:ext cx="5410200" cy="18288"/>
+          <a:xfrm>
+            <a:off x="669036" y="1677373"/>
+            <a:ext cx="10853928" cy="18288"/>
           </a:xfrm>
           <a:custGeom>
             <a:avLst/>
             <a:gdLst>
-              <a:gd name="connsiteX0" fmla="*/ 0 w 5410200"/>
-              <a:gd name="connsiteY0" fmla="*/ 0 h 18288"/>
-              <a:gd name="connsiteX1" fmla="*/ 568071 w 5410200"/>
-              <a:gd name="connsiteY1" fmla="*/ 0 h 18288"/>
-              <a:gd name="connsiteX2" fmla="*/ 1298448 w 5410200"/>
-              <a:gd name="connsiteY2" fmla="*/ 0 h 18288"/>
-              <a:gd name="connsiteX3" fmla="*/ 1920621 w 5410200"/>
-              <a:gd name="connsiteY3" fmla="*/ 0 h 18288"/>
-              <a:gd name="connsiteX4" fmla="*/ 2488692 w 5410200"/>
-              <a:gd name="connsiteY4" fmla="*/ 0 h 18288"/>
-              <a:gd name="connsiteX5" fmla="*/ 3219069 w 5410200"/>
-              <a:gd name="connsiteY5" fmla="*/ 0 h 18288"/>
-              <a:gd name="connsiteX6" fmla="*/ 3895344 w 5410200"/>
-              <a:gd name="connsiteY6" fmla="*/ 0 h 18288"/>
-              <a:gd name="connsiteX7" fmla="*/ 4571619 w 5410200"/>
-              <a:gd name="connsiteY7" fmla="*/ 0 h 18288"/>
-              <a:gd name="connsiteX8" fmla="*/ 5410200 w 5410200"/>
-              <a:gd name="connsiteY8" fmla="*/ 0 h 18288"/>
-              <a:gd name="connsiteX9" fmla="*/ 5410200 w 5410200"/>
-              <a:gd name="connsiteY9" fmla="*/ 18288 h 18288"/>
-              <a:gd name="connsiteX10" fmla="*/ 4842129 w 5410200"/>
-              <a:gd name="connsiteY10" fmla="*/ 18288 h 18288"/>
-              <a:gd name="connsiteX11" fmla="*/ 4328160 w 5410200"/>
-              <a:gd name="connsiteY11" fmla="*/ 18288 h 18288"/>
-              <a:gd name="connsiteX12" fmla="*/ 3597783 w 5410200"/>
-              <a:gd name="connsiteY12" fmla="*/ 18288 h 18288"/>
-              <a:gd name="connsiteX13" fmla="*/ 3029712 w 5410200"/>
-              <a:gd name="connsiteY13" fmla="*/ 18288 h 18288"/>
-              <a:gd name="connsiteX14" fmla="*/ 2299335 w 5410200"/>
-              <a:gd name="connsiteY14" fmla="*/ 18288 h 18288"/>
-              <a:gd name="connsiteX15" fmla="*/ 1514856 w 5410200"/>
-              <a:gd name="connsiteY15" fmla="*/ 18288 h 18288"/>
-              <a:gd name="connsiteX16" fmla="*/ 892683 w 5410200"/>
-              <a:gd name="connsiteY16" fmla="*/ 18288 h 18288"/>
-              <a:gd name="connsiteX17" fmla="*/ 0 w 5410200"/>
-              <a:gd name="connsiteY17" fmla="*/ 18288 h 18288"/>
-              <a:gd name="connsiteX18" fmla="*/ 0 w 5410200"/>
-              <a:gd name="connsiteY18" fmla="*/ 0 h 18288"/>
+              <a:gd name="csX0" fmla="*/ 0 w 10853928"/>
+              <a:gd name="csY0" fmla="*/ 0 h 18288"/>
+              <a:gd name="csX1" fmla="*/ 461292 w 10853928"/>
+              <a:gd name="csY1" fmla="*/ 0 h 18288"/>
+              <a:gd name="csX2" fmla="*/ 1139662 w 10853928"/>
+              <a:gd name="csY2" fmla="*/ 0 h 18288"/>
+              <a:gd name="csX3" fmla="*/ 1926572 w 10853928"/>
+              <a:gd name="csY3" fmla="*/ 0 h 18288"/>
+              <a:gd name="csX4" fmla="*/ 2279325 w 10853928"/>
+              <a:gd name="csY4" fmla="*/ 0 h 18288"/>
+              <a:gd name="csX5" fmla="*/ 2632078 w 10853928"/>
+              <a:gd name="csY5" fmla="*/ 0 h 18288"/>
+              <a:gd name="csX6" fmla="*/ 3527527 w 10853928"/>
+              <a:gd name="csY6" fmla="*/ 0 h 18288"/>
+              <a:gd name="csX7" fmla="*/ 4205897 w 10853928"/>
+              <a:gd name="csY7" fmla="*/ 0 h 18288"/>
+              <a:gd name="csX8" fmla="*/ 4558650 w 10853928"/>
+              <a:gd name="csY8" fmla="*/ 0 h 18288"/>
+              <a:gd name="csX9" fmla="*/ 5237020 w 10853928"/>
+              <a:gd name="csY9" fmla="*/ 0 h 18288"/>
+              <a:gd name="csX10" fmla="*/ 6132469 w 10853928"/>
+              <a:gd name="csY10" fmla="*/ 0 h 18288"/>
+              <a:gd name="csX11" fmla="*/ 6702301 w 10853928"/>
+              <a:gd name="csY11" fmla="*/ 0 h 18288"/>
+              <a:gd name="csX12" fmla="*/ 7272132 w 10853928"/>
+              <a:gd name="csY12" fmla="*/ 0 h 18288"/>
+              <a:gd name="csX13" fmla="*/ 7950502 w 10853928"/>
+              <a:gd name="csY13" fmla="*/ 0 h 18288"/>
+              <a:gd name="csX14" fmla="*/ 8737412 w 10853928"/>
+              <a:gd name="csY14" fmla="*/ 0 h 18288"/>
+              <a:gd name="csX15" fmla="*/ 9524322 w 10853928"/>
+              <a:gd name="csY15" fmla="*/ 0 h 18288"/>
+              <a:gd name="csX16" fmla="*/ 10853928 w 10853928"/>
+              <a:gd name="csY16" fmla="*/ 0 h 18288"/>
+              <a:gd name="csX17" fmla="*/ 10853928 w 10853928"/>
+              <a:gd name="csY17" fmla="*/ 18288 h 18288"/>
+              <a:gd name="csX18" fmla="*/ 10392636 w 10853928"/>
+              <a:gd name="csY18" fmla="*/ 18288 h 18288"/>
+              <a:gd name="csX19" fmla="*/ 9497187 w 10853928"/>
+              <a:gd name="csY19" fmla="*/ 18288 h 18288"/>
+              <a:gd name="csX20" fmla="*/ 8818817 w 10853928"/>
+              <a:gd name="csY20" fmla="*/ 18288 h 18288"/>
+              <a:gd name="csX21" fmla="*/ 8466064 w 10853928"/>
+              <a:gd name="csY21" fmla="*/ 18288 h 18288"/>
+              <a:gd name="csX22" fmla="*/ 7787693 w 10853928"/>
+              <a:gd name="csY22" fmla="*/ 18288 h 18288"/>
+              <a:gd name="csX23" fmla="*/ 7217862 w 10853928"/>
+              <a:gd name="csY23" fmla="*/ 18288 h 18288"/>
+              <a:gd name="csX24" fmla="*/ 6648031 w 10853928"/>
+              <a:gd name="csY24" fmla="*/ 18288 h 18288"/>
+              <a:gd name="csX25" fmla="*/ 6078200 w 10853928"/>
+              <a:gd name="csY25" fmla="*/ 18288 h 18288"/>
+              <a:gd name="csX26" fmla="*/ 5508368 w 10853928"/>
+              <a:gd name="csY26" fmla="*/ 18288 h 18288"/>
+              <a:gd name="csX27" fmla="*/ 4721459 w 10853928"/>
+              <a:gd name="csY27" fmla="*/ 18288 h 18288"/>
+              <a:gd name="csX28" fmla="*/ 4043088 w 10853928"/>
+              <a:gd name="csY28" fmla="*/ 18288 h 18288"/>
+              <a:gd name="csX29" fmla="*/ 3690336 w 10853928"/>
+              <a:gd name="csY29" fmla="*/ 18288 h 18288"/>
+              <a:gd name="csX30" fmla="*/ 3120504 w 10853928"/>
+              <a:gd name="csY30" fmla="*/ 18288 h 18288"/>
+              <a:gd name="csX31" fmla="*/ 2333595 w 10853928"/>
+              <a:gd name="csY31" fmla="*/ 18288 h 18288"/>
+              <a:gd name="csX32" fmla="*/ 1872303 w 10853928"/>
+              <a:gd name="csY32" fmla="*/ 18288 h 18288"/>
+              <a:gd name="csX33" fmla="*/ 976854 w 10853928"/>
+              <a:gd name="csY33" fmla="*/ 18288 h 18288"/>
+              <a:gd name="csX34" fmla="*/ 0 w 10853928"/>
+              <a:gd name="csY34" fmla="*/ 18288 h 18288"/>
+              <a:gd name="csX35" fmla="*/ 0 w 10853928"/>
+              <a:gd name="csY35" fmla="*/ 0 h 18288"/>
             </a:gdLst>
             <a:ahLst/>
             <a:cxnLst>
               <a:cxn ang="0">
-                <a:pos x="connsiteX0" y="connsiteY0"/>
-              </a:cxn>
-              <a:cxn ang="0">
-                <a:pos x="connsiteX1" y="connsiteY1"/>
-              </a:cxn>
-              <a:cxn ang="0">
-                <a:pos x="connsiteX2" y="connsiteY2"/>
-              </a:cxn>
-              <a:cxn ang="0">
-                <a:pos x="connsiteX3" y="connsiteY3"/>
-              </a:cxn>
-              <a:cxn ang="0">
-                <a:pos x="connsiteX4" y="connsiteY4"/>
-              </a:cxn>
-              <a:cxn ang="0">
-                <a:pos x="connsiteX5" y="connsiteY5"/>
-              </a:cxn>
-              <a:cxn ang="0">
-                <a:pos x="connsiteX6" y="connsiteY6"/>
-              </a:cxn>
-              <a:cxn ang="0">
-                <a:pos x="connsiteX7" y="connsiteY7"/>
-              </a:cxn>
-              <a:cxn ang="0">
-                <a:pos x="connsiteX8" y="connsiteY8"/>
-              </a:cxn>
-              <a:cxn ang="0">
-                <a:pos x="connsiteX9" y="connsiteY9"/>
-              </a:cxn>
-              <a:cxn ang="0">
-                <a:pos x="connsiteX10" y="connsiteY10"/>
-              </a:cxn>
-              <a:cxn ang="0">
-                <a:pos x="connsiteX11" y="connsiteY11"/>
-              </a:cxn>
-              <a:cxn ang="0">
-                <a:pos x="connsiteX12" y="connsiteY12"/>
-              </a:cxn>
-              <a:cxn ang="0">
-                <a:pos x="connsiteX13" y="connsiteY13"/>
-              </a:cxn>
-              <a:cxn ang="0">
-                <a:pos x="connsiteX14" y="connsiteY14"/>
-              </a:cxn>
-              <a:cxn ang="0">
-                <a:pos x="connsiteX15" y="connsiteY15"/>
-              </a:cxn>
-              <a:cxn ang="0">
-                <a:pos x="connsiteX16" y="connsiteY16"/>
-              </a:cxn>
-              <a:cxn ang="0">
-                <a:pos x="connsiteX17" y="connsiteY17"/>
-              </a:cxn>
-              <a:cxn ang="0">
-                <a:pos x="connsiteX18" y="connsiteY18"/>
+                <a:pos x="csX0" y="csY0"/>
+              </a:cxn>
+              <a:cxn ang="0">
+                <a:pos x="csX1" y="csY1"/>
+              </a:cxn>
+              <a:cxn ang="0">
+                <a:pos x="csX2" y="csY2"/>
+              </a:cxn>
+              <a:cxn ang="0">
+                <a:pos x="csX3" y="csY3"/>
+              </a:cxn>
+              <a:cxn ang="0">
+                <a:pos x="csX4" y="csY4"/>
+              </a:cxn>
+              <a:cxn ang="0">
+                <a:pos x="csX5" y="csY5"/>
+              </a:cxn>
+              <a:cxn ang="0">
+                <a:pos x="csX6" y="csY6"/>
+              </a:cxn>
+              <a:cxn ang="0">
+                <a:pos x="csX7" y="csY7"/>
+              </a:cxn>
+              <a:cxn ang="0">
+                <a:pos x="csX8" y="csY8"/>
+              </a:cxn>
+              <a:cxn ang="0">
+                <a:pos x="csX9" y="csY9"/>
+              </a:cxn>
+              <a:cxn ang="0">
+                <a:pos x="csX10" y="csY10"/>
+              </a:cxn>
+              <a:cxn ang="0">
+                <a:pos x="csX11" y="csY11"/>
+              </a:cxn>
+              <a:cxn ang="0">
+                <a:pos x="csX12" y="csY12"/>
+              </a:cxn>
+              <a:cxn ang="0">
+                <a:pos x="csX13" y="csY13"/>
+              </a:cxn>
+              <a:cxn ang="0">
+                <a:pos x="csX14" y="csY14"/>
+              </a:cxn>
+              <a:cxn ang="0">
+                <a:pos x="csX15" y="csY15"/>
+              </a:cxn>
+              <a:cxn ang="0">
+                <a:pos x="csX16" y="csY16"/>
+              </a:cxn>
+              <a:cxn ang="0">
+                <a:pos x="csX17" y="csY17"/>
+              </a:cxn>
+              <a:cxn ang="0">
+                <a:pos x="csX18" y="csY18"/>
+              </a:cxn>
+              <a:cxn ang="0">
+                <a:pos x="csX19" y="csY19"/>
+              </a:cxn>
+              <a:cxn ang="0">
+                <a:pos x="csX20" y="csY20"/>
+              </a:cxn>
+              <a:cxn ang="0">
+                <a:pos x="csX21" y="csY21"/>
+              </a:cxn>
+              <a:cxn ang="0">
+                <a:pos x="csX22" y="csY22"/>
+              </a:cxn>
+              <a:cxn ang="0">
+                <a:pos x="csX23" y="csY23"/>
+              </a:cxn>
+              <a:cxn ang="0">
+                <a:pos x="csX24" y="csY24"/>
+              </a:cxn>
+              <a:cxn ang="0">
+                <a:pos x="csX25" y="csY25"/>
+              </a:cxn>
+              <a:cxn ang="0">
+                <a:pos x="csX26" y="csY26"/>
+              </a:cxn>
+              <a:cxn ang="0">
+                <a:pos x="csX27" y="csY27"/>
+              </a:cxn>
+              <a:cxn ang="0">
+                <a:pos x="csX28" y="csY28"/>
+              </a:cxn>
+              <a:cxn ang="0">
+                <a:pos x="csX29" y="csY29"/>
+              </a:cxn>
+              <a:cxn ang="0">
+                <a:pos x="csX30" y="csY30"/>
+              </a:cxn>
+              <a:cxn ang="0">
+                <a:pos x="csX31" y="csY31"/>
+              </a:cxn>
+              <a:cxn ang="0">
+                <a:pos x="csX32" y="csY32"/>
+              </a:cxn>
+              <a:cxn ang="0">
+                <a:pos x="csX33" y="csY33"/>
+              </a:cxn>
+              <a:cxn ang="0">
+                <a:pos x="csX34" y="csY34"/>
+              </a:cxn>
+              <a:cxn ang="0">
+                <a:pos x="csX35" y="csY35"/>
               </a:cxn>
             </a:cxnLst>
             <a:rect l="l" t="t" r="r" b="b"/>
             <a:pathLst>
-              <a:path w="5410200" h="18288" fill="none" extrusionOk="0">
+              <a:path w="10853928" h="18288" fill="none" extrusionOk="0">
                 <a:moveTo>
                   <a:pt x="0" y="0"/>
                 </a:moveTo>
                 <a:cubicBezTo>
-                  <a:pt x="163050" y="-18707"/>
-                  <a:pt x="319321" y="-16364"/>
-                  <a:pt x="568071" y="0"/>
-                </a:cubicBezTo>
-                <a:cubicBezTo>
-                  <a:pt x="816821" y="16364"/>
-                  <a:pt x="1013224" y="-7268"/>
-                  <a:pt x="1298448" y="0"/>
-                </a:cubicBezTo>
-                <a:cubicBezTo>
-                  <a:pt x="1583672" y="7268"/>
-                  <a:pt x="1631711" y="-3367"/>
-                  <a:pt x="1920621" y="0"/>
-                </a:cubicBezTo>
-                <a:cubicBezTo>
-                  <a:pt x="2209531" y="3367"/>
-                  <a:pt x="2364420" y="-19184"/>
-                  <a:pt x="2488692" y="0"/>
-                </a:cubicBezTo>
-                <a:cubicBezTo>
-                  <a:pt x="2612964" y="19184"/>
-                  <a:pt x="3023298" y="-34627"/>
-                  <a:pt x="3219069" y="0"/>
-                </a:cubicBezTo>
-                <a:cubicBezTo>
-                  <a:pt x="3414840" y="34627"/>
-                  <a:pt x="3656810" y="24043"/>
-                  <a:pt x="3895344" y="0"/>
-                </a:cubicBezTo>
-                <a:cubicBezTo>
-                  <a:pt x="4133879" y="-24043"/>
-                  <a:pt x="4393984" y="-19577"/>
-                  <a:pt x="4571619" y="0"/>
-                </a:cubicBezTo>
-                <a:cubicBezTo>
-                  <a:pt x="4749255" y="19577"/>
-                  <a:pt x="5179928" y="-6281"/>
-                  <a:pt x="5410200" y="0"/>
-                </a:cubicBezTo>
-                <a:cubicBezTo>
-                  <a:pt x="5410730" y="6954"/>
-                  <a:pt x="5410934" y="12839"/>
-                  <a:pt x="5410200" y="18288"/>
-                </a:cubicBezTo>
-                <a:cubicBezTo>
-                  <a:pt x="5139060" y="6751"/>
-                  <a:pt x="5121593" y="31035"/>
-                  <a:pt x="4842129" y="18288"/>
-                </a:cubicBezTo>
-                <a:cubicBezTo>
-                  <a:pt x="4562665" y="5541"/>
-                  <a:pt x="4448273" y="9487"/>
-                  <a:pt x="4328160" y="18288"/>
-                </a:cubicBezTo>
-                <a:cubicBezTo>
-                  <a:pt x="4208047" y="27089"/>
-                  <a:pt x="3760936" y="22567"/>
-                  <a:pt x="3597783" y="18288"/>
-                </a:cubicBezTo>
-                <a:cubicBezTo>
-                  <a:pt x="3434630" y="14009"/>
-                  <a:pt x="3299718" y="33213"/>
-                  <a:pt x="3029712" y="18288"/>
-                </a:cubicBezTo>
-                <a:cubicBezTo>
-                  <a:pt x="2759706" y="3363"/>
-                  <a:pt x="2640159" y="27394"/>
-                  <a:pt x="2299335" y="18288"/>
-                </a:cubicBezTo>
-                <a:cubicBezTo>
-                  <a:pt x="1958511" y="9182"/>
-                  <a:pt x="1801186" y="28985"/>
-                  <a:pt x="1514856" y="18288"/>
-                </a:cubicBezTo>
-                <a:cubicBezTo>
-                  <a:pt x="1228526" y="7591"/>
-                  <a:pt x="1063509" y="-5305"/>
-                  <a:pt x="892683" y="18288"/>
-                </a:cubicBezTo>
-                <a:cubicBezTo>
-                  <a:pt x="721857" y="41881"/>
-                  <a:pt x="186945" y="-20897"/>
+                  <a:pt x="146993" y="-19076"/>
+                  <a:pt x="347684" y="-4790"/>
+                  <a:pt x="461292" y="0"/>
+                </a:cubicBezTo>
+                <a:cubicBezTo>
+                  <a:pt x="574900" y="4790"/>
+                  <a:pt x="808367" y="19821"/>
+                  <a:pt x="1139662" y="0"/>
+                </a:cubicBezTo>
+                <a:cubicBezTo>
+                  <a:pt x="1470957" y="-19821"/>
+                  <a:pt x="1627405" y="5721"/>
+                  <a:pt x="1926572" y="0"/>
+                </a:cubicBezTo>
+                <a:cubicBezTo>
+                  <a:pt x="2225739" y="-5721"/>
+                  <a:pt x="2137730" y="-3235"/>
+                  <a:pt x="2279325" y="0"/>
+                </a:cubicBezTo>
+                <a:cubicBezTo>
+                  <a:pt x="2420920" y="3235"/>
+                  <a:pt x="2456518" y="9685"/>
+                  <a:pt x="2632078" y="0"/>
+                </a:cubicBezTo>
+                <a:cubicBezTo>
+                  <a:pt x="2807638" y="-9685"/>
+                  <a:pt x="3211516" y="-43007"/>
+                  <a:pt x="3527527" y="0"/>
+                </a:cubicBezTo>
+                <a:cubicBezTo>
+                  <a:pt x="3843538" y="43007"/>
+                  <a:pt x="4058833" y="22042"/>
+                  <a:pt x="4205897" y="0"/>
+                </a:cubicBezTo>
+                <a:cubicBezTo>
+                  <a:pt x="4352961" y="-22042"/>
+                  <a:pt x="4474805" y="-11846"/>
+                  <a:pt x="4558650" y="0"/>
+                </a:cubicBezTo>
+                <a:cubicBezTo>
+                  <a:pt x="4642495" y="11846"/>
+                  <a:pt x="5041928" y="-6069"/>
+                  <a:pt x="5237020" y="0"/>
+                </a:cubicBezTo>
+                <a:cubicBezTo>
+                  <a:pt x="5432112" y="6069"/>
+                  <a:pt x="5943266" y="-17479"/>
+                  <a:pt x="6132469" y="0"/>
+                </a:cubicBezTo>
+                <a:cubicBezTo>
+                  <a:pt x="6321672" y="17479"/>
+                  <a:pt x="6483872" y="26234"/>
+                  <a:pt x="6702301" y="0"/>
+                </a:cubicBezTo>
+                <a:cubicBezTo>
+                  <a:pt x="6920730" y="-26234"/>
+                  <a:pt x="6991194" y="-15156"/>
+                  <a:pt x="7272132" y="0"/>
+                </a:cubicBezTo>
+                <a:cubicBezTo>
+                  <a:pt x="7553070" y="15156"/>
+                  <a:pt x="7684444" y="-32961"/>
+                  <a:pt x="7950502" y="0"/>
+                </a:cubicBezTo>
+                <a:cubicBezTo>
+                  <a:pt x="8216560" y="32961"/>
+                  <a:pt x="8493290" y="-10491"/>
+                  <a:pt x="8737412" y="0"/>
+                </a:cubicBezTo>
+                <a:cubicBezTo>
+                  <a:pt x="8981534" y="10491"/>
+                  <a:pt x="9191586" y="-13899"/>
+                  <a:pt x="9524322" y="0"/>
+                </a:cubicBezTo>
+                <a:cubicBezTo>
+                  <a:pt x="9857058" y="13899"/>
+                  <a:pt x="10297509" y="7485"/>
+                  <a:pt x="10853928" y="0"/>
+                </a:cubicBezTo>
+                <a:cubicBezTo>
+                  <a:pt x="10854574" y="4451"/>
+                  <a:pt x="10854418" y="9226"/>
+                  <a:pt x="10853928" y="18288"/>
+                </a:cubicBezTo>
+                <a:cubicBezTo>
+                  <a:pt x="10691638" y="28522"/>
+                  <a:pt x="10574319" y="29578"/>
+                  <a:pt x="10392636" y="18288"/>
+                </a:cubicBezTo>
+                <a:cubicBezTo>
+                  <a:pt x="10210953" y="6998"/>
+                  <a:pt x="9836277" y="-16742"/>
+                  <a:pt x="9497187" y="18288"/>
+                </a:cubicBezTo>
+                <a:cubicBezTo>
+                  <a:pt x="9158097" y="53318"/>
+                  <a:pt x="9119479" y="30714"/>
+                  <a:pt x="8818817" y="18288"/>
+                </a:cubicBezTo>
+                <a:cubicBezTo>
+                  <a:pt x="8518155" y="5863"/>
+                  <a:pt x="8640037" y="6483"/>
+                  <a:pt x="8466064" y="18288"/>
+                </a:cubicBezTo>
+                <a:cubicBezTo>
+                  <a:pt x="8292091" y="30093"/>
+                  <a:pt x="7997656" y="18914"/>
+                  <a:pt x="7787693" y="18288"/>
+                </a:cubicBezTo>
+                <a:cubicBezTo>
+                  <a:pt x="7577730" y="17662"/>
+                  <a:pt x="7412468" y="21416"/>
+                  <a:pt x="7217862" y="18288"/>
+                </a:cubicBezTo>
+                <a:cubicBezTo>
+                  <a:pt x="7023256" y="15160"/>
+                  <a:pt x="6898018" y="14824"/>
+                  <a:pt x="6648031" y="18288"/>
+                </a:cubicBezTo>
+                <a:cubicBezTo>
+                  <a:pt x="6398044" y="21752"/>
+                  <a:pt x="6254402" y="38625"/>
+                  <a:pt x="6078200" y="18288"/>
+                </a:cubicBezTo>
+                <a:cubicBezTo>
+                  <a:pt x="5901998" y="-2049"/>
+                  <a:pt x="5622886" y="3213"/>
+                  <a:pt x="5508368" y="18288"/>
+                </a:cubicBezTo>
+                <a:cubicBezTo>
+                  <a:pt x="5393850" y="33363"/>
+                  <a:pt x="5036260" y="26830"/>
+                  <a:pt x="4721459" y="18288"/>
+                </a:cubicBezTo>
+                <a:cubicBezTo>
+                  <a:pt x="4406658" y="9746"/>
+                  <a:pt x="4239221" y="41551"/>
+                  <a:pt x="4043088" y="18288"/>
+                </a:cubicBezTo>
+                <a:cubicBezTo>
+                  <a:pt x="3846955" y="-4975"/>
+                  <a:pt x="3818802" y="34658"/>
+                  <a:pt x="3690336" y="18288"/>
+                </a:cubicBezTo>
+                <a:cubicBezTo>
+                  <a:pt x="3561870" y="1918"/>
+                  <a:pt x="3265491" y="42194"/>
+                  <a:pt x="3120504" y="18288"/>
+                </a:cubicBezTo>
+                <a:cubicBezTo>
+                  <a:pt x="2975517" y="-5618"/>
+                  <a:pt x="2720254" y="36673"/>
+                  <a:pt x="2333595" y="18288"/>
+                </a:cubicBezTo>
+                <a:cubicBezTo>
+                  <a:pt x="1946936" y="-97"/>
+                  <a:pt x="2097241" y="5776"/>
+                  <a:pt x="1872303" y="18288"/>
+                </a:cubicBezTo>
+                <a:cubicBezTo>
+                  <a:pt x="1647365" y="30800"/>
+                  <a:pt x="1282708" y="45380"/>
+                  <a:pt x="976854" y="18288"/>
+                </a:cubicBezTo>
+                <a:cubicBezTo>
+                  <a:pt x="671000" y="-8804"/>
+                  <a:pt x="408401" y="-12775"/>
                   <a:pt x="0" y="18288"/>
                 </a:cubicBezTo>
                 <a:cubicBezTo>
-                  <a:pt x="-570" y="9279"/>
-                  <a:pt x="132" y="5100"/>
+                  <a:pt x="-213" y="9468"/>
+                  <a:pt x="187" y="4459"/>
                   <a:pt x="0" y="0"/>
                 </a:cubicBezTo>
                 <a:close/>
               </a:path>
-              <a:path w="5410200" h="18288" stroke="0" extrusionOk="0">
+              <a:path w="10853928" h="18288" stroke="0" extrusionOk="0">
                 <a:moveTo>
                   <a:pt x="0" y="0"/>
                 </a:moveTo>
                 <a:cubicBezTo>
-                  <a:pt x="285096" y="-4925"/>
-                  <a:pt x="376456" y="22268"/>
-                  <a:pt x="622173" y="0"/>
-                </a:cubicBezTo>
-                <a:cubicBezTo>
-                  <a:pt x="867890" y="-22268"/>
-                  <a:pt x="1031392" y="7228"/>
-                  <a:pt x="1136142" y="0"/>
-                </a:cubicBezTo>
-                <a:cubicBezTo>
-                  <a:pt x="1240892" y="-7228"/>
-                  <a:pt x="1561853" y="9877"/>
-                  <a:pt x="1920621" y="0"/>
-                </a:cubicBezTo>
-                <a:cubicBezTo>
-                  <a:pt x="2279389" y="-9877"/>
-                  <a:pt x="2367255" y="19546"/>
-                  <a:pt x="2542794" y="0"/>
-                </a:cubicBezTo>
-                <a:cubicBezTo>
-                  <a:pt x="2718333" y="-19546"/>
-                  <a:pt x="2866732" y="-22226"/>
-                  <a:pt x="3164967" y="0"/>
-                </a:cubicBezTo>
-                <a:cubicBezTo>
-                  <a:pt x="3463202" y="22226"/>
-                  <a:pt x="3568055" y="-2765"/>
-                  <a:pt x="3949446" y="0"/>
-                </a:cubicBezTo>
-                <a:cubicBezTo>
-                  <a:pt x="4330837" y="2765"/>
-                  <a:pt x="4287895" y="10557"/>
-                  <a:pt x="4517517" y="0"/>
-                </a:cubicBezTo>
-                <a:cubicBezTo>
-                  <a:pt x="4747139" y="-10557"/>
-                  <a:pt x="5149588" y="8716"/>
-                  <a:pt x="5410200" y="0"/>
-                </a:cubicBezTo>
-                <a:cubicBezTo>
-                  <a:pt x="5409517" y="5414"/>
-                  <a:pt x="5409480" y="12510"/>
-                  <a:pt x="5410200" y="18288"/>
-                </a:cubicBezTo>
-                <a:cubicBezTo>
-                  <a:pt x="5163327" y="41494"/>
-                  <a:pt x="5008749" y="10693"/>
-                  <a:pt x="4842129" y="18288"/>
-                </a:cubicBezTo>
-                <a:cubicBezTo>
-                  <a:pt x="4675509" y="25883"/>
-                  <a:pt x="4433401" y="-615"/>
-                  <a:pt x="4165854" y="18288"/>
-                </a:cubicBezTo>
-                <a:cubicBezTo>
-                  <a:pt x="3898308" y="37191"/>
-                  <a:pt x="3809032" y="-8710"/>
-                  <a:pt x="3543681" y="18288"/>
-                </a:cubicBezTo>
-                <a:cubicBezTo>
-                  <a:pt x="3278330" y="45286"/>
-                  <a:pt x="3073876" y="-15917"/>
-                  <a:pt x="2759202" y="18288"/>
-                </a:cubicBezTo>
-                <a:cubicBezTo>
-                  <a:pt x="2444528" y="52493"/>
-                  <a:pt x="2204144" y="3372"/>
-                  <a:pt x="1974723" y="18288"/>
-                </a:cubicBezTo>
-                <a:cubicBezTo>
-                  <a:pt x="1745302" y="33204"/>
-                  <a:pt x="1602335" y="31490"/>
-                  <a:pt x="1406652" y="18288"/>
-                </a:cubicBezTo>
-                <a:cubicBezTo>
-                  <a:pt x="1210969" y="5086"/>
-                  <a:pt x="923948" y="3161"/>
-                  <a:pt x="730377" y="18288"/>
-                </a:cubicBezTo>
-                <a:cubicBezTo>
-                  <a:pt x="536806" y="33415"/>
-                  <a:pt x="336496" y="-141"/>
+                  <a:pt x="267322" y="15284"/>
+                  <a:pt x="415388" y="-21048"/>
+                  <a:pt x="569831" y="0"/>
+                </a:cubicBezTo>
+                <a:cubicBezTo>
+                  <a:pt x="724274" y="21048"/>
+                  <a:pt x="769333" y="-2353"/>
+                  <a:pt x="922584" y="0"/>
+                </a:cubicBezTo>
+                <a:cubicBezTo>
+                  <a:pt x="1075835" y="2353"/>
+                  <a:pt x="1399490" y="-145"/>
+                  <a:pt x="1818033" y="0"/>
+                </a:cubicBezTo>
+                <a:cubicBezTo>
+                  <a:pt x="2236576" y="145"/>
+                  <a:pt x="2145330" y="5482"/>
+                  <a:pt x="2387864" y="0"/>
+                </a:cubicBezTo>
+                <a:cubicBezTo>
+                  <a:pt x="2630398" y="-5482"/>
+                  <a:pt x="2793207" y="18487"/>
+                  <a:pt x="2957695" y="0"/>
+                </a:cubicBezTo>
+                <a:cubicBezTo>
+                  <a:pt x="3122183" y="-18487"/>
+                  <a:pt x="3579141" y="19003"/>
+                  <a:pt x="3853144" y="0"/>
+                </a:cubicBezTo>
+                <a:cubicBezTo>
+                  <a:pt x="4127147" y="-19003"/>
+                  <a:pt x="4209857" y="12211"/>
+                  <a:pt x="4314436" y="0"/>
+                </a:cubicBezTo>
+                <a:cubicBezTo>
+                  <a:pt x="4419015" y="-12211"/>
+                  <a:pt x="4762459" y="-17220"/>
+                  <a:pt x="5209885" y="0"/>
+                </a:cubicBezTo>
+                <a:cubicBezTo>
+                  <a:pt x="5657311" y="17220"/>
+                  <a:pt x="5692663" y="-3290"/>
+                  <a:pt x="6105335" y="0"/>
+                </a:cubicBezTo>
+                <a:cubicBezTo>
+                  <a:pt x="6518007" y="3290"/>
+                  <a:pt x="6455516" y="-5124"/>
+                  <a:pt x="6783705" y="0"/>
+                </a:cubicBezTo>
+                <a:cubicBezTo>
+                  <a:pt x="7111894" y="5124"/>
+                  <a:pt x="7441941" y="-17829"/>
+                  <a:pt x="7679154" y="0"/>
+                </a:cubicBezTo>
+                <a:cubicBezTo>
+                  <a:pt x="7916367" y="17829"/>
+                  <a:pt x="8102967" y="-24363"/>
+                  <a:pt x="8248985" y="0"/>
+                </a:cubicBezTo>
+                <a:cubicBezTo>
+                  <a:pt x="8395003" y="24363"/>
+                  <a:pt x="8552393" y="25505"/>
+                  <a:pt x="8818817" y="0"/>
+                </a:cubicBezTo>
+                <a:cubicBezTo>
+                  <a:pt x="9085241" y="-25505"/>
+                  <a:pt x="9411308" y="38000"/>
+                  <a:pt x="9605726" y="0"/>
+                </a:cubicBezTo>
+                <a:cubicBezTo>
+                  <a:pt x="9800144" y="-38000"/>
+                  <a:pt x="10006468" y="-25741"/>
+                  <a:pt x="10175558" y="0"/>
+                </a:cubicBezTo>
+                <a:cubicBezTo>
+                  <a:pt x="10344648" y="25741"/>
+                  <a:pt x="10696282" y="695"/>
+                  <a:pt x="10853928" y="0"/>
+                </a:cubicBezTo>
+                <a:cubicBezTo>
+                  <a:pt x="10853521" y="8690"/>
+                  <a:pt x="10853774" y="14141"/>
+                  <a:pt x="10853928" y="18288"/>
+                </a:cubicBezTo>
+                <a:cubicBezTo>
+                  <a:pt x="10608124" y="24255"/>
+                  <a:pt x="10343415" y="22307"/>
+                  <a:pt x="10067018" y="18288"/>
+                </a:cubicBezTo>
+                <a:cubicBezTo>
+                  <a:pt x="9790621" y="14270"/>
+                  <a:pt x="9843266" y="3564"/>
+                  <a:pt x="9714266" y="18288"/>
+                </a:cubicBezTo>
+                <a:cubicBezTo>
+                  <a:pt x="9585266" y="33012"/>
+                  <a:pt x="9379484" y="1875"/>
+                  <a:pt x="9252974" y="18288"/>
+                </a:cubicBezTo>
+                <a:cubicBezTo>
+                  <a:pt x="9126464" y="34701"/>
+                  <a:pt x="8580678" y="-4904"/>
+                  <a:pt x="8357525" y="18288"/>
+                </a:cubicBezTo>
+                <a:cubicBezTo>
+                  <a:pt x="8134372" y="41480"/>
+                  <a:pt x="7903199" y="26458"/>
+                  <a:pt x="7679154" y="18288"/>
+                </a:cubicBezTo>
+                <a:cubicBezTo>
+                  <a:pt x="7455109" y="10118"/>
+                  <a:pt x="7435944" y="27109"/>
+                  <a:pt x="7217862" y="18288"/>
+                </a:cubicBezTo>
+                <a:cubicBezTo>
+                  <a:pt x="6999780" y="9467"/>
+                  <a:pt x="6680409" y="18985"/>
+                  <a:pt x="6539492" y="18288"/>
+                </a:cubicBezTo>
+                <a:cubicBezTo>
+                  <a:pt x="6398575" y="17592"/>
+                  <a:pt x="6312077" y="33018"/>
+                  <a:pt x="6186739" y="18288"/>
+                </a:cubicBezTo>
+                <a:cubicBezTo>
+                  <a:pt x="6061401" y="3558"/>
+                  <a:pt x="5947033" y="12075"/>
+                  <a:pt x="5833986" y="18288"/>
+                </a:cubicBezTo>
+                <a:cubicBezTo>
+                  <a:pt x="5720939" y="24501"/>
+                  <a:pt x="5482226" y="8586"/>
+                  <a:pt x="5155616" y="18288"/>
+                </a:cubicBezTo>
+                <a:cubicBezTo>
+                  <a:pt x="4829006" y="27991"/>
+                  <a:pt x="4841274" y="29316"/>
+                  <a:pt x="4694324" y="18288"/>
+                </a:cubicBezTo>
+                <a:cubicBezTo>
+                  <a:pt x="4547374" y="7260"/>
+                  <a:pt x="4077675" y="7013"/>
+                  <a:pt x="3907414" y="18288"/>
+                </a:cubicBezTo>
+                <a:cubicBezTo>
+                  <a:pt x="3737153" y="29564"/>
+                  <a:pt x="3538393" y="21630"/>
+                  <a:pt x="3446122" y="18288"/>
+                </a:cubicBezTo>
+                <a:cubicBezTo>
+                  <a:pt x="3353851" y="14946"/>
+                  <a:pt x="2990320" y="-8091"/>
+                  <a:pt x="2659212" y="18288"/>
+                </a:cubicBezTo>
+                <a:cubicBezTo>
+                  <a:pt x="2328104" y="44667"/>
+                  <a:pt x="2427653" y="9607"/>
+                  <a:pt x="2306460" y="18288"/>
+                </a:cubicBezTo>
+                <a:cubicBezTo>
+                  <a:pt x="2185267" y="26969"/>
+                  <a:pt x="1719763" y="3717"/>
+                  <a:pt x="1519550" y="18288"/>
+                </a:cubicBezTo>
+                <a:cubicBezTo>
+                  <a:pt x="1319337" y="32860"/>
+                  <a:pt x="1167371" y="17040"/>
+                  <a:pt x="1058258" y="18288"/>
+                </a:cubicBezTo>
+                <a:cubicBezTo>
+                  <a:pt x="949145" y="19536"/>
+                  <a:pt x="780234" y="31447"/>
+                  <a:pt x="705505" y="18288"/>
+                </a:cubicBezTo>
+                <a:cubicBezTo>
+                  <a:pt x="630776" y="5129"/>
+                  <a:pt x="215796" y="30056"/>
                   <a:pt x="0" y="18288"/>
                 </a:cubicBezTo>
                 <a:cubicBezTo>
-                  <a:pt x="-306" y="11061"/>
-                  <a:pt x="-655" y="7751"/>
+                  <a:pt x="-53" y="11301"/>
+                  <a:pt x="-649" y="7756"/>
                   <a:pt x="0" y="0"/>
                 </a:cubicBezTo>
                 <a:close/>
@@ -10924,41 +16145,597 @@
           </a:p>
         </p:txBody>
       </p:sp>
-      <p:graphicFrame>
-        <p:nvGraphicFramePr>
-          <p:cNvPr id="5" name="Content Placeholder 2">
+      <p:sp>
+        <p:nvSpPr>
+          <p:cNvPr id="3" name="Content Placeholder 2">
             <a:extLst>
               <a:ext uri="{FF2B5EF4-FFF2-40B4-BE49-F238E27FC236}">
-                <a16:creationId xmlns:a16="http://schemas.microsoft.com/office/drawing/2014/main" id="{895758D9-3E9B-F7B8-8790-932AC7060478}"/>
+                <a16:creationId xmlns:a16="http://schemas.microsoft.com/office/drawing/2014/main" id="{D51548BD-3B41-D896-F2A3-6EC921AE9CD6}"/>
               </a:ext>
             </a:extLst>
           </p:cNvPr>
-          <p:cNvGraphicFramePr>
-            <a:graphicFrameLocks noGrp="1"/>
-          </p:cNvGraphicFramePr>
+          <p:cNvSpPr>
+            <a:spLocks noGrp="1"/>
+          </p:cNvSpPr>
           <p:nvPr>
             <p:ph idx="1"/>
+          </p:nvPr>
+        </p:nvSpPr>
+        <p:spPr>
+          <a:xfrm>
+            <a:off x="838200" y="1929384"/>
+            <a:ext cx="10515600" cy="4251960"/>
+          </a:xfrm>
+        </p:spPr>
+        <p:txBody>
+          <a:bodyPr>
+            <a:normAutofit/>
+          </a:bodyPr>
+          <a:lstStyle/>
+          <a:p>
+            <a:r>
+              <a:rPr lang="en-US" sz="2400" dirty="0"/>
+              <a:t>Business rules engine frameworks</a:t>
+            </a:r>
+          </a:p>
+          <a:p>
+            <a:pPr lvl="1"/>
+            <a:r>
+              <a:rPr lang="en-US" sz="1400" dirty="0"/>
+              <a:t>Most are Java based, not a good fit for team</a:t>
+            </a:r>
+          </a:p>
+          <a:p>
+            <a:pPr lvl="1"/>
+            <a:r>
+              <a:rPr lang="en-US" sz="1400" dirty="0"/>
+              <a:t>Another paradigm for business users to learn</a:t>
+            </a:r>
+          </a:p>
+          <a:p>
+            <a:r>
+              <a:rPr lang="en-US" sz="1800" dirty="0"/>
+              <a:t>Microsoft’s Rules Engine</a:t>
+            </a:r>
+          </a:p>
+          <a:p>
+            <a:pPr lvl="1"/>
+            <a:r>
+              <a:rPr lang="en-US" sz="1400" dirty="0">
+                <a:hlinkClick r:id="rId3"/>
+              </a:rPr>
+              <a:t>https://github.com/microsoft/RulesEngine</a:t>
+            </a:r>
+            <a:endParaRPr lang="en-US" sz="1400" dirty="0"/>
+          </a:p>
+          <a:p>
+            <a:pPr lvl="1"/>
+            <a:r>
+              <a:rPr lang="en-US" sz="1400" dirty="0"/>
+              <a:t>Unfamiliar syntax for existing org</a:t>
+            </a:r>
+          </a:p>
+          <a:p>
+            <a:r>
+              <a:rPr lang="en-US" sz="1800" dirty="0"/>
+              <a:t>Graphical DSL</a:t>
+            </a:r>
+          </a:p>
+          <a:p>
+            <a:pPr lvl="1"/>
+            <a:r>
+              <a:rPr lang="en-US" sz="1400" dirty="0"/>
+              <a:t>Classic Windows Workflows</a:t>
+            </a:r>
+          </a:p>
+          <a:p>
+            <a:r>
+              <a:rPr lang="en-US" sz="1800" dirty="0" err="1"/>
+              <a:t>PowerFX</a:t>
+            </a:r>
+            <a:endParaRPr lang="en-US" sz="1800" dirty="0"/>
+          </a:p>
+          <a:p>
+            <a:pPr lvl="1"/>
+            <a:endParaRPr lang="en-US" sz="1000" dirty="0"/>
+          </a:p>
+          <a:p>
+            <a:endParaRPr lang="en-US" sz="1800" dirty="0"/>
+          </a:p>
+          <a:p>
+            <a:endParaRPr lang="en-US" sz="2200" dirty="0"/>
+          </a:p>
+          <a:p>
+            <a:pPr lvl="1"/>
+            <a:endParaRPr lang="en-US" sz="1800" dirty="0"/>
+          </a:p>
+        </p:txBody>
+      </p:sp>
+    </p:spTree>
+    <p:extLst>
+      <p:ext uri="{BB962C8B-B14F-4D97-AF65-F5344CB8AC3E}">
+        <p14:creationId xmlns:p14="http://schemas.microsoft.com/office/powerpoint/2010/main" val="1560222976"/>
+      </p:ext>
+    </p:extLst>
+  </p:cSld>
+  <p:clrMapOvr>
+    <a:masterClrMapping/>
+  </p:clrMapOvr>
+</p:sld>
+</file>
+
+<file path=ppt/slides/slide8.xml><?xml version="1.0" encoding="utf-8"?>
+<p:sld xmlns:a="http://schemas.openxmlformats.org/drawingml/2006/main" xmlns:r="http://schemas.openxmlformats.org/officeDocument/2006/relationships" xmlns:p="http://schemas.openxmlformats.org/presentationml/2006/main">
+  <p:cSld>
+    <p:bg>
+      <p:bgPr>
+        <a:solidFill>
+          <a:schemeClr val="bg1"/>
+        </a:solidFill>
+        <a:effectLst/>
+      </p:bgPr>
+    </p:bg>
+    <p:spTree>
+      <p:nvGrpSpPr>
+        <p:cNvPr id="1" name="">
+          <a:extLst>
+            <a:ext uri="{FF2B5EF4-FFF2-40B4-BE49-F238E27FC236}">
+              <a16:creationId xmlns:a16="http://schemas.microsoft.com/office/drawing/2014/main" id="{59AE677F-C6E5-FFA4-6478-5D58E56AA595}"/>
+            </a:ext>
+          </a:extLst>
+        </p:cNvPr>
+        <p:cNvGrpSpPr/>
+        <p:nvPr/>
+      </p:nvGrpSpPr>
+      <p:grpSpPr>
+        <a:xfrm>
+          <a:off x="0" y="0"/>
+          <a:ext cx="0" cy="0"/>
+          <a:chOff x="0" y="0"/>
+          <a:chExt cx="0" cy="0"/>
+        </a:xfrm>
+      </p:grpSpPr>
+      <p:sp useBgFill="1">
+        <p:nvSpPr>
+          <p:cNvPr id="8" name="Rectangle 7">
+            <a:extLst>
+              <a:ext uri="{FF2B5EF4-FFF2-40B4-BE49-F238E27FC236}">
+                <a16:creationId xmlns:a16="http://schemas.microsoft.com/office/drawing/2014/main" id="{907EF6B7-1338-4443-8C46-6A318D952DFD}"/>
+              </a:ext>
+              <a:ext uri="{C183D7F6-B498-43B3-948B-1728B52AA6E4}">
+                <adec:decorative xmlns:adec="http://schemas.microsoft.com/office/drawing/2017/decorative" val="1"/>
+              </a:ext>
+            </a:extLst>
+          </p:cNvPr>
+          <p:cNvSpPr>
+            <a:spLocks noGrp="1" noRot="1" noChangeAspect="1" noMove="1" noResize="1" noEditPoints="1" noAdjustHandles="1" noChangeArrowheads="1" noChangeShapeType="1" noTextEdit="1"/>
+          </p:cNvSpPr>
+          <p:nvPr>
             <p:extLst>
-              <p:ext uri="{D42A27DB-BD31-4B8C-83A1-F6EECF244321}">
-                <p14:modId xmlns:p14="http://schemas.microsoft.com/office/powerpoint/2010/main" val="3183306137"/>
+              <p:ext uri="{386F3935-93C4-4BCD-93E2-E3B085C9AB24}">
+                <p16:designElem xmlns:p16="http://schemas.microsoft.com/office/powerpoint/2015/main" val="1"/>
               </p:ext>
             </p:extLst>
           </p:nvPr>
-        </p:nvGraphicFramePr>
-        <p:xfrm>
-          <a:off x="4648018" y="640822"/>
-          <a:ext cx="6900512" cy="5536141"/>
-        </p:xfrm>
-        <a:graphic>
-          <a:graphicData uri="http://schemas.openxmlformats.org/drawingml/2006/diagram">
-            <dgm:relIds xmlns:dgm="http://schemas.openxmlformats.org/drawingml/2006/diagram" xmlns:r="http://schemas.openxmlformats.org/officeDocument/2006/relationships" r:dm="rId2" r:lo="rId3" r:qs="rId4" r:cs="rId5"/>
-          </a:graphicData>
-        </a:graphic>
-      </p:graphicFrame>
+        </p:nvSpPr>
+        <p:spPr>
+          <a:xfrm>
+            <a:off x="3048" y="0"/>
+            <a:ext cx="12188952" cy="6858000"/>
+          </a:xfrm>
+          <a:prstGeom prst="rect">
+            <a:avLst/>
+          </a:prstGeom>
+          <a:ln>
+            <a:noFill/>
+          </a:ln>
+        </p:spPr>
+        <p:style>
+          <a:lnRef idx="2">
+            <a:schemeClr val="accent1">
+              <a:shade val="50000"/>
+            </a:schemeClr>
+          </a:lnRef>
+          <a:fillRef idx="1">
+            <a:schemeClr val="accent1"/>
+          </a:fillRef>
+          <a:effectRef idx="0">
+            <a:schemeClr val="accent1"/>
+          </a:effectRef>
+          <a:fontRef idx="minor">
+            <a:schemeClr val="lt1"/>
+          </a:fontRef>
+        </p:style>
+        <p:txBody>
+          <a:bodyPr rtlCol="0" anchor="ctr"/>
+          <a:lstStyle/>
+          <a:p>
+            <a:pPr algn="ctr"/>
+            <a:endParaRPr lang="en-US"/>
+          </a:p>
+        </p:txBody>
+      </p:sp>
+      <p:sp>
+        <p:nvSpPr>
+          <p:cNvPr id="10" name="Freeform: Shape 9">
+            <a:extLst>
+              <a:ext uri="{FF2B5EF4-FFF2-40B4-BE49-F238E27FC236}">
+                <a16:creationId xmlns:a16="http://schemas.microsoft.com/office/drawing/2014/main" id="{DAAE4CDD-124C-4DCF-9584-B6033B545DD5}"/>
+              </a:ext>
+              <a:ext uri="{C183D7F6-B498-43B3-948B-1728B52AA6E4}">
+                <adec:decorative xmlns:adec="http://schemas.microsoft.com/office/drawing/2017/decorative" val="1"/>
+              </a:ext>
+            </a:extLst>
+          </p:cNvPr>
+          <p:cNvSpPr>
+            <a:spLocks noGrp="1" noRot="1" noChangeAspect="1" noMove="1" noResize="1" noEditPoints="1" noAdjustHandles="1" noChangeArrowheads="1" noChangeShapeType="1" noTextEdit="1"/>
+          </p:cNvSpPr>
+          <p:nvPr>
+            <p:extLst>
+              <p:ext uri="{386F3935-93C4-4BCD-93E2-E3B085C9AB24}">
+                <p16:designElem xmlns:p16="http://schemas.microsoft.com/office/powerpoint/2015/main" val="1"/>
+              </p:ext>
+            </p:extLst>
+          </p:nvPr>
+        </p:nvSpPr>
+        <p:spPr>
+          <a:xfrm>
+            <a:off x="1" y="0"/>
+            <a:ext cx="4167271" cy="6858000"/>
+          </a:xfrm>
+          <a:custGeom>
+            <a:avLst/>
+            <a:gdLst>
+              <a:gd name="connsiteX0" fmla="*/ 0 w 4167271"/>
+              <a:gd name="connsiteY0" fmla="*/ 0 h 6858000"/>
+              <a:gd name="connsiteX1" fmla="*/ 2259550 w 4167271"/>
+              <a:gd name="connsiteY1" fmla="*/ 0 h 6858000"/>
+              <a:gd name="connsiteX2" fmla="*/ 2387803 w 4167271"/>
+              <a:gd name="connsiteY2" fmla="*/ 82222 h 6858000"/>
+              <a:gd name="connsiteX3" fmla="*/ 4167271 w 4167271"/>
+              <a:gd name="connsiteY3" fmla="*/ 3429000 h 6858000"/>
+              <a:gd name="connsiteX4" fmla="*/ 2387803 w 4167271"/>
+              <a:gd name="connsiteY4" fmla="*/ 6775779 h 6858000"/>
+              <a:gd name="connsiteX5" fmla="*/ 2259550 w 4167271"/>
+              <a:gd name="connsiteY5" fmla="*/ 6858000 h 6858000"/>
+              <a:gd name="connsiteX6" fmla="*/ 0 w 4167271"/>
+              <a:gd name="connsiteY6" fmla="*/ 6858000 h 6858000"/>
+            </a:gdLst>
+            <a:ahLst/>
+            <a:cxnLst>
+              <a:cxn ang="0">
+                <a:pos x="connsiteX0" y="connsiteY0"/>
+              </a:cxn>
+              <a:cxn ang="0">
+                <a:pos x="connsiteX1" y="connsiteY1"/>
+              </a:cxn>
+              <a:cxn ang="0">
+                <a:pos x="connsiteX2" y="connsiteY2"/>
+              </a:cxn>
+              <a:cxn ang="0">
+                <a:pos x="connsiteX3" y="connsiteY3"/>
+              </a:cxn>
+              <a:cxn ang="0">
+                <a:pos x="connsiteX4" y="connsiteY4"/>
+              </a:cxn>
+              <a:cxn ang="0">
+                <a:pos x="connsiteX5" y="connsiteY5"/>
+              </a:cxn>
+              <a:cxn ang="0">
+                <a:pos x="connsiteX6" y="connsiteY6"/>
+              </a:cxn>
+            </a:cxnLst>
+            <a:rect l="l" t="t" r="r" b="b"/>
+            <a:pathLst>
+              <a:path w="4167271" h="6858000">
+                <a:moveTo>
+                  <a:pt x="0" y="0"/>
+                </a:moveTo>
+                <a:lnTo>
+                  <a:pt x="2259550" y="0"/>
+                </a:lnTo>
+                <a:lnTo>
+                  <a:pt x="2387803" y="82222"/>
+                </a:lnTo>
+                <a:cubicBezTo>
+                  <a:pt x="3461407" y="807534"/>
+                  <a:pt x="4167271" y="2035835"/>
+                  <a:pt x="4167271" y="3429000"/>
+                </a:cubicBezTo>
+                <a:cubicBezTo>
+                  <a:pt x="4167271" y="4822165"/>
+                  <a:pt x="3461407" y="6050467"/>
+                  <a:pt x="2387803" y="6775779"/>
+                </a:cubicBezTo>
+                <a:lnTo>
+                  <a:pt x="2259550" y="6858000"/>
+                </a:lnTo>
+                <a:lnTo>
+                  <a:pt x="0" y="6858000"/>
+                </a:lnTo>
+                <a:close/>
+              </a:path>
+            </a:pathLst>
+          </a:custGeom>
+          <a:solidFill>
+            <a:schemeClr val="accent2"/>
+          </a:solidFill>
+          <a:ln>
+            <a:noFill/>
+          </a:ln>
+        </p:spPr>
+        <p:style>
+          <a:lnRef idx="2">
+            <a:schemeClr val="accent1">
+              <a:shade val="50000"/>
+            </a:schemeClr>
+          </a:lnRef>
+          <a:fillRef idx="1">
+            <a:schemeClr val="accent1"/>
+          </a:fillRef>
+          <a:effectRef idx="0">
+            <a:schemeClr val="accent1"/>
+          </a:effectRef>
+          <a:fontRef idx="minor">
+            <a:schemeClr val="lt1"/>
+          </a:fontRef>
+        </p:style>
+        <p:txBody>
+          <a:bodyPr rtlCol="0" anchor="ctr"/>
+          <a:lstStyle/>
+          <a:p>
+            <a:pPr algn="ctr"/>
+            <a:endParaRPr lang="en-US"/>
+          </a:p>
+        </p:txBody>
+      </p:sp>
+      <p:sp>
+        <p:nvSpPr>
+          <p:cNvPr id="2" name="Title 1">
+            <a:extLst>
+              <a:ext uri="{FF2B5EF4-FFF2-40B4-BE49-F238E27FC236}">
+                <a16:creationId xmlns:a16="http://schemas.microsoft.com/office/drawing/2014/main" id="{1F6F1046-F7CA-D566-9E0D-D15AB3B8D754}"/>
+              </a:ext>
+            </a:extLst>
+          </p:cNvPr>
+          <p:cNvSpPr>
+            <a:spLocks noGrp="1"/>
+          </p:cNvSpPr>
+          <p:nvPr>
+            <p:ph type="title"/>
+          </p:nvPr>
+        </p:nvSpPr>
+        <p:spPr>
+          <a:xfrm>
+            <a:off x="686834" y="1153572"/>
+            <a:ext cx="3200400" cy="4461163"/>
+          </a:xfrm>
+        </p:spPr>
+        <p:txBody>
+          <a:bodyPr>
+            <a:normAutofit/>
+          </a:bodyPr>
+          <a:lstStyle/>
+          <a:p>
+            <a:r>
+              <a:rPr lang="en-US">
+                <a:solidFill>
+                  <a:srgbClr val="FFFFFF"/>
+                </a:solidFill>
+              </a:rPr>
+              <a:t>Intro to PowerFX</a:t>
+            </a:r>
+          </a:p>
+        </p:txBody>
+      </p:sp>
+      <p:sp>
+        <p:nvSpPr>
+          <p:cNvPr id="12" name="Arc 11">
+            <a:extLst>
+              <a:ext uri="{FF2B5EF4-FFF2-40B4-BE49-F238E27FC236}">
+                <a16:creationId xmlns:a16="http://schemas.microsoft.com/office/drawing/2014/main" id="{081E4A58-353D-44AE-B2FC-2A74E2E400F7}"/>
+              </a:ext>
+              <a:ext uri="{C183D7F6-B498-43B3-948B-1728B52AA6E4}">
+                <adec:decorative xmlns:adec="http://schemas.microsoft.com/office/drawing/2017/decorative" val="1"/>
+              </a:ext>
+            </a:extLst>
+          </p:cNvPr>
+          <p:cNvSpPr>
+            <a:spLocks noGrp="1" noRot="1" noChangeAspect="1" noMove="1" noResize="1" noEditPoints="1" noAdjustHandles="1" noChangeArrowheads="1" noChangeShapeType="1" noTextEdit="1"/>
+          </p:cNvSpPr>
+          <p:nvPr>
+            <p:extLst>
+              <p:ext uri="{386F3935-93C4-4BCD-93E2-E3B085C9AB24}">
+                <p16:designElem xmlns:p16="http://schemas.microsoft.com/office/powerpoint/2015/main" val="1"/>
+              </p:ext>
+            </p:extLst>
+          </p:nvPr>
+        </p:nvSpPr>
+        <p:spPr>
+          <a:xfrm flipV="1">
+            <a:off x="7550402" y="2455479"/>
+            <a:ext cx="4083433" cy="4083433"/>
+          </a:xfrm>
+          <a:prstGeom prst="arc">
+            <a:avLst/>
+          </a:prstGeom>
+          <a:ln w="127000" cap="rnd">
+            <a:solidFill>
+              <a:schemeClr val="accent4"/>
+            </a:solidFill>
+            <a:prstDash val="dash"/>
+          </a:ln>
+        </p:spPr>
+        <p:style>
+          <a:lnRef idx="1">
+            <a:schemeClr val="accent1"/>
+          </a:lnRef>
+          <a:fillRef idx="0">
+            <a:schemeClr val="accent1"/>
+          </a:fillRef>
+          <a:effectRef idx="0">
+            <a:schemeClr val="accent1"/>
+          </a:effectRef>
+          <a:fontRef idx="minor">
+            <a:schemeClr val="tx1"/>
+          </a:fontRef>
+        </p:style>
+        <p:txBody>
+          <a:bodyPr rtlCol="0" anchor="ctr"/>
+          <a:lstStyle/>
+          <a:p>
+            <a:pPr algn="ctr"/>
+            <a:endParaRPr lang="en-US" dirty="0"/>
+          </a:p>
+        </p:txBody>
+      </p:sp>
+      <p:sp>
+        <p:nvSpPr>
+          <p:cNvPr id="3" name="Content Placeholder 2">
+            <a:extLst>
+              <a:ext uri="{FF2B5EF4-FFF2-40B4-BE49-F238E27FC236}">
+                <a16:creationId xmlns:a16="http://schemas.microsoft.com/office/drawing/2014/main" id="{8B69A762-FEC8-E2E1-6828-B3877AE8878A}"/>
+              </a:ext>
+            </a:extLst>
+          </p:cNvPr>
+          <p:cNvSpPr>
+            <a:spLocks noGrp="1"/>
+          </p:cNvSpPr>
+          <p:nvPr>
+            <p:ph idx="1"/>
+          </p:nvPr>
+        </p:nvSpPr>
+        <p:spPr>
+          <a:xfrm>
+            <a:off x="4447308" y="591344"/>
+            <a:ext cx="6906491" cy="5585619"/>
+          </a:xfrm>
+        </p:spPr>
+        <p:txBody>
+          <a:bodyPr anchor="ctr">
+            <a:normAutofit/>
+          </a:bodyPr>
+          <a:lstStyle/>
+          <a:p>
+            <a:r>
+              <a:rPr lang="en-US"/>
+              <a:t>Business user friendly</a:t>
+            </a:r>
+          </a:p>
+          <a:p>
+            <a:r>
+              <a:rPr lang="en-US"/>
+              <a:t>Open sourced by Microsoft</a:t>
+            </a:r>
+          </a:p>
+          <a:p>
+            <a:r>
+              <a:rPr lang="en-US"/>
+              <a:t>Similar to Excel formulas</a:t>
+            </a:r>
+          </a:p>
+          <a:p>
+            <a:r>
+              <a:rPr lang="en-US"/>
+              <a:t>Use in many parts of the Power Platform</a:t>
+            </a:r>
+          </a:p>
+          <a:p>
+            <a:pPr lvl="1"/>
+            <a:r>
+              <a:rPr lang="en-US"/>
+              <a:t>Many Experts, Tutorials, Articles, etc</a:t>
+            </a:r>
+          </a:p>
+        </p:txBody>
+      </p:sp>
     </p:spTree>
     <p:extLst>
       <p:ext uri="{BB962C8B-B14F-4D97-AF65-F5344CB8AC3E}">
-        <p14:creationId xmlns:p14="http://schemas.microsoft.com/office/powerpoint/2010/main" val="3977157553"/>
+        <p14:creationId xmlns:p14="http://schemas.microsoft.com/office/powerpoint/2010/main" val="2726405216"/>
+      </p:ext>
+    </p:extLst>
+  </p:cSld>
+  <p:clrMapOvr>
+    <a:masterClrMapping/>
+  </p:clrMapOvr>
+</p:sld>
+</file>
+
+<file path=ppt/slides/slide9.xml><?xml version="1.0" encoding="utf-8"?>
+<p:sld xmlns:a="http://schemas.openxmlformats.org/drawingml/2006/main" xmlns:r="http://schemas.openxmlformats.org/officeDocument/2006/relationships" xmlns:p="http://schemas.openxmlformats.org/presentationml/2006/main">
+  <p:cSld>
+    <p:spTree>
+      <p:nvGrpSpPr>
+        <p:cNvPr id="1" name=""/>
+        <p:cNvGrpSpPr/>
+        <p:nvPr/>
+      </p:nvGrpSpPr>
+      <p:grpSpPr>
+        <a:xfrm>
+          <a:off x="0" y="0"/>
+          <a:ext cx="0" cy="0"/>
+          <a:chOff x="0" y="0"/>
+          <a:chExt cx="0" cy="0"/>
+        </a:xfrm>
+      </p:grpSpPr>
+      <p:sp>
+        <p:nvSpPr>
+          <p:cNvPr id="4" name="Title 3">
+            <a:extLst>
+              <a:ext uri="{FF2B5EF4-FFF2-40B4-BE49-F238E27FC236}">
+                <a16:creationId xmlns:a16="http://schemas.microsoft.com/office/drawing/2014/main" id="{47C3B51B-CD1E-84E5-E7B2-ED12B12BB2EC}"/>
+              </a:ext>
+            </a:extLst>
+          </p:cNvPr>
+          <p:cNvSpPr>
+            <a:spLocks noGrp="1"/>
+          </p:cNvSpPr>
+          <p:nvPr>
+            <p:ph type="ctrTitle"/>
+          </p:nvPr>
+        </p:nvSpPr>
+        <p:spPr/>
+        <p:txBody>
+          <a:bodyPr/>
+          <a:lstStyle/>
+          <a:p>
+            <a:r>
+              <a:rPr lang="en-US" dirty="0"/>
+              <a:t>Demo</a:t>
+            </a:r>
+          </a:p>
+        </p:txBody>
+      </p:sp>
+      <p:sp>
+        <p:nvSpPr>
+          <p:cNvPr id="5" name="Subtitle 4">
+            <a:extLst>
+              <a:ext uri="{FF2B5EF4-FFF2-40B4-BE49-F238E27FC236}">
+                <a16:creationId xmlns:a16="http://schemas.microsoft.com/office/drawing/2014/main" id="{C3E3E2C1-3777-0AA9-FFD7-C0605B1B0494}"/>
+              </a:ext>
+            </a:extLst>
+          </p:cNvPr>
+          <p:cNvSpPr>
+            <a:spLocks noGrp="1"/>
+          </p:cNvSpPr>
+          <p:nvPr>
+            <p:ph type="subTitle" idx="1"/>
+          </p:nvPr>
+        </p:nvSpPr>
+        <p:spPr/>
+        <p:txBody>
+          <a:bodyPr/>
+          <a:lstStyle/>
+          <a:p>
+            <a:endParaRPr lang="en-US"/>
+          </a:p>
+        </p:txBody>
+      </p:sp>
+    </p:spTree>
+    <p:extLst>
+      <p:ext uri="{BB962C8B-B14F-4D97-AF65-F5344CB8AC3E}">
+        <p14:creationId xmlns:p14="http://schemas.microsoft.com/office/powerpoint/2010/main" val="2253528452"/>
       </p:ext>
     </p:extLst>
   </p:cSld>
@@ -11281,4 +17058,319 @@
     </a:ext>
   </a:extLst>
 </a:theme>
+</file>
+
+<file path=ppt/theme/theme2.xml><?xml version="1.0" encoding="utf-8"?>
+<a:theme xmlns:a="http://schemas.openxmlformats.org/drawingml/2006/main" name="Office Theme">
+  <a:themeElements>
+    <a:clrScheme name="Office">
+      <a:dk1>
+        <a:sysClr val="windowText" lastClr="000000"/>
+      </a:dk1>
+      <a:lt1>
+        <a:sysClr val="window" lastClr="FFFFFF"/>
+      </a:lt1>
+      <a:dk2>
+        <a:srgbClr val="0E2841"/>
+      </a:dk2>
+      <a:lt2>
+        <a:srgbClr val="E8E8E8"/>
+      </a:lt2>
+      <a:accent1>
+        <a:srgbClr val="156082"/>
+      </a:accent1>
+      <a:accent2>
+        <a:srgbClr val="E97132"/>
+      </a:accent2>
+      <a:accent3>
+        <a:srgbClr val="196B24"/>
+      </a:accent3>
+      <a:accent4>
+        <a:srgbClr val="0F9ED5"/>
+      </a:accent4>
+      <a:accent5>
+        <a:srgbClr val="A02B93"/>
+      </a:accent5>
+      <a:accent6>
+        <a:srgbClr val="4EA72E"/>
+      </a:accent6>
+      <a:hlink>
+        <a:srgbClr val="467886"/>
+      </a:hlink>
+      <a:folHlink>
+        <a:srgbClr val="96607D"/>
+      </a:folHlink>
+    </a:clrScheme>
+    <a:fontScheme name="Office">
+      <a:majorFont>
+        <a:latin typeface="Aptos Display" panose="02110004020202020204"/>
+        <a:ea typeface=""/>
+        <a:cs typeface=""/>
+        <a:font script="Jpan" typeface="游ゴシック Light"/>
+        <a:font script="Hang" typeface="맑은 고딕"/>
+        <a:font script="Hans" typeface="等线 Light"/>
+        <a:font script="Hant" typeface="新細明體"/>
+        <a:font script="Arab" typeface="Times New Roman"/>
+        <a:font script="Hebr" typeface="Times New Roman"/>
+        <a:font script="Thai" typeface="Angsana New"/>
+        <a:font script="Ethi" typeface="Nyala"/>
+        <a:font script="Beng" typeface="Vrinda"/>
+        <a:font script="Gujr" typeface="Shruti"/>
+        <a:font script="Khmr" typeface="MoolBoran"/>
+        <a:font script="Knda" typeface="Tunga"/>
+        <a:font script="Guru" typeface="Raavi"/>
+        <a:font script="Cans" typeface="Euphemia"/>
+        <a:font script="Cher" typeface="Plantagenet Cherokee"/>
+        <a:font script="Yiii" typeface="Microsoft Yi Baiti"/>
+        <a:font script="Tibt" typeface="Microsoft Himalaya"/>
+        <a:font script="Thaa" typeface="MV Boli"/>
+        <a:font script="Deva" typeface="Mangal"/>
+        <a:font script="Telu" typeface="Gautami"/>
+        <a:font script="Taml" typeface="Latha"/>
+        <a:font script="Syrc" typeface="Estrangelo Edessa"/>
+        <a:font script="Orya" typeface="Kalinga"/>
+        <a:font script="Mlym" typeface="Kartika"/>
+        <a:font script="Laoo" typeface="DokChampa"/>
+        <a:font script="Sinh" typeface="Iskoola Pota"/>
+        <a:font script="Mong" typeface="Mongolian Baiti"/>
+        <a:font script="Viet" typeface="Times New Roman"/>
+        <a:font script="Uigh" typeface="Microsoft Uighur"/>
+        <a:font script="Geor" typeface="Sylfaen"/>
+        <a:font script="Armn" typeface="Arial"/>
+        <a:font script="Bugi" typeface="Leelawadee UI"/>
+        <a:font script="Bopo" typeface="Microsoft JhengHei"/>
+        <a:font script="Java" typeface="Javanese Text"/>
+        <a:font script="Lisu" typeface="Segoe UI"/>
+        <a:font script="Mymr" typeface="Myanmar Text"/>
+        <a:font script="Nkoo" typeface="Ebrima"/>
+        <a:font script="Olck" typeface="Nirmala UI"/>
+        <a:font script="Osma" typeface="Ebrima"/>
+        <a:font script="Phag" typeface="Phagspa"/>
+        <a:font script="Syrn" typeface="Estrangelo Edessa"/>
+        <a:font script="Syrj" typeface="Estrangelo Edessa"/>
+        <a:font script="Syre" typeface="Estrangelo Edessa"/>
+        <a:font script="Sora" typeface="Nirmala UI"/>
+        <a:font script="Tale" typeface="Microsoft Tai Le"/>
+        <a:font script="Talu" typeface="Microsoft New Tai Lue"/>
+        <a:font script="Tfng" typeface="Ebrima"/>
+      </a:majorFont>
+      <a:minorFont>
+        <a:latin typeface="Aptos" panose="02110004020202020204"/>
+        <a:ea typeface=""/>
+        <a:cs typeface=""/>
+        <a:font script="Jpan" typeface="游ゴシック"/>
+        <a:font script="Hang" typeface="맑은 고딕"/>
+        <a:font script="Hans" typeface="等线"/>
+        <a:font script="Hant" typeface="新細明體"/>
+        <a:font script="Arab" typeface="Arial"/>
+        <a:font script="Hebr" typeface="Arial"/>
+        <a:font script="Thai" typeface="Cordia New"/>
+        <a:font script="Ethi" typeface="Nyala"/>
+        <a:font script="Beng" typeface="Vrinda"/>
+        <a:font script="Gujr" typeface="Shruti"/>
+        <a:font script="Khmr" typeface="DaunPenh"/>
+        <a:font script="Knda" typeface="Tunga"/>
+        <a:font script="Guru" typeface="Raavi"/>
+        <a:font script="Cans" typeface="Euphemia"/>
+        <a:font script="Cher" typeface="Plantagenet Cherokee"/>
+        <a:font script="Yiii" typeface="Microsoft Yi Baiti"/>
+        <a:font script="Tibt" typeface="Microsoft Himalaya"/>
+        <a:font script="Thaa" typeface="MV Boli"/>
+        <a:font script="Deva" typeface="Mangal"/>
+        <a:font script="Telu" typeface="Gautami"/>
+        <a:font script="Taml" typeface="Latha"/>
+        <a:font script="Syrc" typeface="Estrangelo Edessa"/>
+        <a:font script="Orya" typeface="Kalinga"/>
+        <a:font script="Mlym" typeface="Kartika"/>
+        <a:font script="Laoo" typeface="DokChampa"/>
+        <a:font script="Sinh" typeface="Iskoola Pota"/>
+        <a:font script="Mong" typeface="Mongolian Baiti"/>
+        <a:font script="Viet" typeface="Arial"/>
+        <a:font script="Uigh" typeface="Microsoft Uighur"/>
+        <a:font script="Geor" typeface="Sylfaen"/>
+        <a:font script="Armn" typeface="Arial"/>
+        <a:font script="Bugi" typeface="Leelawadee UI"/>
+        <a:font script="Bopo" typeface="Microsoft JhengHei"/>
+        <a:font script="Java" typeface="Javanese Text"/>
+        <a:font script="Lisu" typeface="Segoe UI"/>
+        <a:font script="Mymr" typeface="Myanmar Text"/>
+        <a:font script="Nkoo" typeface="Ebrima"/>
+        <a:font script="Olck" typeface="Nirmala UI"/>
+        <a:font script="Osma" typeface="Ebrima"/>
+        <a:font script="Phag" typeface="Phagspa"/>
+        <a:font script="Syrn" typeface="Estrangelo Edessa"/>
+        <a:font script="Syrj" typeface="Estrangelo Edessa"/>
+        <a:font script="Syre" typeface="Estrangelo Edessa"/>
+        <a:font script="Sora" typeface="Nirmala UI"/>
+        <a:font script="Tale" typeface="Microsoft Tai Le"/>
+        <a:font script="Talu" typeface="Microsoft New Tai Lue"/>
+        <a:font script="Tfng" typeface="Ebrima"/>
+      </a:minorFont>
+    </a:fontScheme>
+    <a:fmtScheme name="Office">
+      <a:fillStyleLst>
+        <a:solidFill>
+          <a:schemeClr val="phClr"/>
+        </a:solidFill>
+        <a:gradFill rotWithShape="1">
+          <a:gsLst>
+            <a:gs pos="0">
+              <a:schemeClr val="phClr">
+                <a:lumMod val="110000"/>
+                <a:satMod val="105000"/>
+                <a:tint val="67000"/>
+              </a:schemeClr>
+            </a:gs>
+            <a:gs pos="50000">
+              <a:schemeClr val="phClr">
+                <a:lumMod val="105000"/>
+                <a:satMod val="103000"/>
+                <a:tint val="73000"/>
+              </a:schemeClr>
+            </a:gs>
+            <a:gs pos="100000">
+              <a:schemeClr val="phClr">
+                <a:lumMod val="105000"/>
+                <a:satMod val="109000"/>
+                <a:tint val="81000"/>
+              </a:schemeClr>
+            </a:gs>
+          </a:gsLst>
+          <a:lin ang="5400000" scaled="0"/>
+        </a:gradFill>
+        <a:gradFill rotWithShape="1">
+          <a:gsLst>
+            <a:gs pos="0">
+              <a:schemeClr val="phClr">
+                <a:satMod val="103000"/>
+                <a:lumMod val="102000"/>
+                <a:tint val="94000"/>
+              </a:schemeClr>
+            </a:gs>
+            <a:gs pos="50000">
+              <a:schemeClr val="phClr">
+                <a:satMod val="110000"/>
+                <a:lumMod val="100000"/>
+                <a:shade val="100000"/>
+              </a:schemeClr>
+            </a:gs>
+            <a:gs pos="100000">
+              <a:schemeClr val="phClr">
+                <a:lumMod val="99000"/>
+                <a:satMod val="120000"/>
+                <a:shade val="78000"/>
+              </a:schemeClr>
+            </a:gs>
+          </a:gsLst>
+          <a:lin ang="5400000" scaled="0"/>
+        </a:gradFill>
+      </a:fillStyleLst>
+      <a:lnStyleLst>
+        <a:ln w="12700" cap="flat" cmpd="sng" algn="ctr">
+          <a:solidFill>
+            <a:schemeClr val="phClr"/>
+          </a:solidFill>
+          <a:prstDash val="solid"/>
+          <a:miter lim="800000"/>
+        </a:ln>
+        <a:ln w="19050" cap="flat" cmpd="sng" algn="ctr">
+          <a:solidFill>
+            <a:schemeClr val="phClr"/>
+          </a:solidFill>
+          <a:prstDash val="solid"/>
+          <a:miter lim="800000"/>
+        </a:ln>
+        <a:ln w="25400" cap="flat" cmpd="sng" algn="ctr">
+          <a:solidFill>
+            <a:schemeClr val="phClr"/>
+          </a:solidFill>
+          <a:prstDash val="solid"/>
+          <a:miter lim="800000"/>
+        </a:ln>
+      </a:lnStyleLst>
+      <a:effectStyleLst>
+        <a:effectStyle>
+          <a:effectLst/>
+        </a:effectStyle>
+        <a:effectStyle>
+          <a:effectLst/>
+        </a:effectStyle>
+        <a:effectStyle>
+          <a:effectLst>
+            <a:outerShdw blurRad="57150" dist="19050" dir="5400000" algn="ctr" rotWithShape="0">
+              <a:srgbClr val="000000">
+                <a:alpha val="63000"/>
+              </a:srgbClr>
+            </a:outerShdw>
+          </a:effectLst>
+        </a:effectStyle>
+      </a:effectStyleLst>
+      <a:bgFillStyleLst>
+        <a:solidFill>
+          <a:schemeClr val="phClr"/>
+        </a:solidFill>
+        <a:solidFill>
+          <a:schemeClr val="phClr">
+            <a:tint val="95000"/>
+            <a:satMod val="170000"/>
+          </a:schemeClr>
+        </a:solidFill>
+        <a:gradFill rotWithShape="1">
+          <a:gsLst>
+            <a:gs pos="0">
+              <a:schemeClr val="phClr">
+                <a:tint val="93000"/>
+                <a:satMod val="150000"/>
+                <a:shade val="98000"/>
+                <a:lumMod val="102000"/>
+              </a:schemeClr>
+            </a:gs>
+            <a:gs pos="50000">
+              <a:schemeClr val="phClr">
+                <a:tint val="98000"/>
+                <a:satMod val="130000"/>
+                <a:shade val="90000"/>
+                <a:lumMod val="103000"/>
+              </a:schemeClr>
+            </a:gs>
+            <a:gs pos="100000">
+              <a:schemeClr val="phClr">
+                <a:shade val="63000"/>
+                <a:satMod val="120000"/>
+              </a:schemeClr>
+            </a:gs>
+          </a:gsLst>
+          <a:lin ang="5400000" scaled="0"/>
+        </a:gradFill>
+      </a:bgFillStyleLst>
+    </a:fmtScheme>
+  </a:themeElements>
+  <a:objectDefaults>
+    <a:lnDef>
+      <a:spPr/>
+      <a:bodyPr/>
+      <a:lstStyle/>
+      <a:style>
+        <a:lnRef idx="2">
+          <a:schemeClr val="accent1"/>
+        </a:lnRef>
+        <a:fillRef idx="0">
+          <a:schemeClr val="accent1"/>
+        </a:fillRef>
+        <a:effectRef idx="1">
+          <a:schemeClr val="accent1"/>
+        </a:effectRef>
+        <a:fontRef idx="minor">
+          <a:schemeClr val="tx1"/>
+        </a:fontRef>
+      </a:style>
+    </a:lnDef>
+  </a:objectDefaults>
+  <a:extraClrSchemeLst/>
+  <a:extLst>
+    <a:ext uri="{05A4C25C-085E-4340-85A3-A5531E510DB2}">
+      <thm15:themeFamily xmlns:thm15="http://schemas.microsoft.com/office/thememl/2012/main" name="Office Theme" id="{2E142A2C-CD16-42D6-873A-C26D2A0506FA}" vid="{1BDDFF52-6CD6-40A5-AB3C-68EB2F1E4D0A}"/>
+    </a:ext>
+  </a:extLst>
+</a:theme>
 </file>
--- a/src-powerfx/slides/PowerFX embedding session.pptx
+++ b/src-powerfx/slides/PowerFX embedding session.pptx
@@ -5,7 +5,7 @@
     <p:sldMasterId id="2147483648" r:id="rId1"/>
   </p:sldMasterIdLst>
   <p:notesMasterIdLst>
-    <p:notesMasterId r:id="rId18"/>
+    <p:notesMasterId r:id="rId19"/>
   </p:notesMasterIdLst>
   <p:sldIdLst>
     <p:sldId id="256" r:id="rId2"/>
@@ -13,17 +13,18 @@
     <p:sldId id="257" r:id="rId4"/>
     <p:sldId id="271" r:id="rId5"/>
     <p:sldId id="258" r:id="rId6"/>
-    <p:sldId id="267" r:id="rId7"/>
-    <p:sldId id="268" r:id="rId8"/>
-    <p:sldId id="265" r:id="rId9"/>
-    <p:sldId id="260" r:id="rId10"/>
-    <p:sldId id="259" r:id="rId11"/>
-    <p:sldId id="261" r:id="rId12"/>
-    <p:sldId id="262" r:id="rId13"/>
-    <p:sldId id="269" r:id="rId14"/>
-    <p:sldId id="270" r:id="rId15"/>
-    <p:sldId id="263" r:id="rId16"/>
-    <p:sldId id="264" r:id="rId17"/>
+    <p:sldId id="273" r:id="rId7"/>
+    <p:sldId id="267" r:id="rId8"/>
+    <p:sldId id="268" r:id="rId9"/>
+    <p:sldId id="265" r:id="rId10"/>
+    <p:sldId id="260" r:id="rId11"/>
+    <p:sldId id="259" r:id="rId12"/>
+    <p:sldId id="261" r:id="rId13"/>
+    <p:sldId id="262" r:id="rId14"/>
+    <p:sldId id="269" r:id="rId15"/>
+    <p:sldId id="270" r:id="rId16"/>
+    <p:sldId id="263" r:id="rId17"/>
+    <p:sldId id="264" r:id="rId18"/>
   </p:sldIdLst>
   <p:sldSz cx="12192000" cy="6858000"/>
   <p:notesSz cx="6858000" cy="9144000"/>
@@ -3924,7 +3925,13 @@
   <p:cSld>
     <p:spTree>
       <p:nvGrpSpPr>
-        <p:cNvPr id="1" name=""/>
+        <p:cNvPr id="1" name="">
+          <a:extLst>
+            <a:ext uri="{FF2B5EF4-FFF2-40B4-BE49-F238E27FC236}">
+              <a16:creationId xmlns:a16="http://schemas.microsoft.com/office/drawing/2014/main" id="{569CA3A5-22AF-DD8C-00D6-BEC44910FBA9}"/>
+            </a:ext>
+          </a:extLst>
+        </p:cNvPr>
         <p:cNvGrpSpPr/>
         <p:nvPr/>
       </p:nvGrpSpPr>
@@ -3938,7 +3945,13 @@
       </p:grpSpPr>
       <p:sp>
         <p:nvSpPr>
-          <p:cNvPr id="2" name="Slide Image Placeholder 1"/>
+          <p:cNvPr id="2" name="Slide Image Placeholder 1">
+            <a:extLst>
+              <a:ext uri="{FF2B5EF4-FFF2-40B4-BE49-F238E27FC236}">
+                <a16:creationId xmlns:a16="http://schemas.microsoft.com/office/drawing/2014/main" id="{0E3606CC-1D5F-DFBD-43F2-4DF0ACFF201F}"/>
+              </a:ext>
+            </a:extLst>
+          </p:cNvPr>
           <p:cNvSpPr>
             <a:spLocks noGrp="1" noRot="1" noChangeAspect="1"/>
           </p:cNvSpPr>
@@ -3950,7 +3963,13 @@
       </p:sp>
       <p:sp>
         <p:nvSpPr>
-          <p:cNvPr id="3" name="Notes Placeholder 2"/>
+          <p:cNvPr id="3" name="Notes Placeholder 2">
+            <a:extLst>
+              <a:ext uri="{FF2B5EF4-FFF2-40B4-BE49-F238E27FC236}">
+                <a16:creationId xmlns:a16="http://schemas.microsoft.com/office/drawing/2014/main" id="{43182516-3ED4-7437-D0E9-AF86A66FCCFE}"/>
+              </a:ext>
+            </a:extLst>
+          </p:cNvPr>
           <p:cNvSpPr>
             <a:spLocks noGrp="1"/>
           </p:cNvSpPr>
@@ -3963,13 +3982,33 @@
           <a:bodyPr/>
           <a:lstStyle/>
           <a:p>
-            <a:endParaRPr lang="en-US"/>
+            <a:r>
+              <a:rPr lang="en-US" dirty="0"/>
+              <a:t>We need to talk about what is and what is not Business Logic (aka Business Rules). I will give you my definition that I have found from experience </a:t>
+            </a:r>
+            <a:r>
+              <a:rPr lang="en-US"/>
+              <a:t>over the years. </a:t>
+            </a:r>
+            <a:endParaRPr lang="en-US" dirty="0"/>
+          </a:p>
+          <a:p>
+            <a:r>
+              <a:rPr lang="en-US" dirty="0"/>
+              <a:t> </a:t>
+            </a:r>
           </a:p>
         </p:txBody>
       </p:sp>
       <p:sp>
         <p:nvSpPr>
-          <p:cNvPr id="4" name="Slide Number Placeholder 3"/>
+          <p:cNvPr id="4" name="Slide Number Placeholder 3">
+            <a:extLst>
+              <a:ext uri="{FF2B5EF4-FFF2-40B4-BE49-F238E27FC236}">
+                <a16:creationId xmlns:a16="http://schemas.microsoft.com/office/drawing/2014/main" id="{644C8AB5-A7B7-CAEE-2EC0-27C5E6BD9EE8}"/>
+              </a:ext>
+            </a:extLst>
+          </p:cNvPr>
           <p:cNvSpPr>
             <a:spLocks noGrp="1"/>
           </p:cNvSpPr>
@@ -3993,7 +4032,7 @@
     </p:spTree>
     <p:extLst>
       <p:ext uri="{BB962C8B-B14F-4D97-AF65-F5344CB8AC3E}">
-        <p14:creationId xmlns:p14="http://schemas.microsoft.com/office/powerpoint/2010/main" val="1107287744"/>
+        <p14:creationId xmlns:p14="http://schemas.microsoft.com/office/powerpoint/2010/main" val="904800643"/>
       </p:ext>
     </p:extLst>
   </p:cSld>
@@ -4047,7 +4086,49 @@
           <a:bodyPr/>
           <a:lstStyle/>
           <a:p>
-            <a:endParaRPr lang="en-US"/>
+            <a:r>
+              <a:rPr lang="en-US" dirty="0"/>
+              <a:t>Alexandria starts to engage the Business Units to try to find out what tools they use every day, in an effort find patterns that then she can use to help them with the changes they request.</a:t>
+            </a:r>
+          </a:p>
+          <a:p>
+            <a:r>
+              <a:rPr lang="en-US" dirty="0"/>
+              <a:t>She observes that many in the </a:t>
+            </a:r>
+            <a:r>
+              <a:rPr lang="en-US" dirty="0" err="1"/>
+              <a:t>the</a:t>
+            </a:r>
+            <a:r>
+              <a:rPr lang="en-US" dirty="0"/>
+              <a:t> business units are very good Excel users. Many the apps Alexandria created for them had their </a:t>
+            </a:r>
+            <a:r>
+              <a:rPr lang="en-US" dirty="0" err="1"/>
+              <a:t>originins</a:t>
+            </a:r>
+            <a:r>
+              <a:rPr lang="en-US" dirty="0"/>
+              <a:t> on an Excel file created by business user that then grow into a critical business resource.</a:t>
+            </a:r>
+          </a:p>
+          <a:p>
+            <a:r>
+              <a:rPr lang="en-US" dirty="0"/>
+              <a:t>She learns that some of the requests from the business go to a larger IT team, different from the Development team. This team uses the Microsoft </a:t>
+            </a:r>
+            <a:r>
+              <a:rPr lang="en-US" dirty="0" err="1"/>
+              <a:t>PowerPlatform</a:t>
+            </a:r>
+            <a:r>
+              <a:rPr lang="en-US" dirty="0"/>
+              <a:t> to build solutions for the business. However, quite a good part of those requests are too complex or fall outside the skills of that team, so the requests get redirected to the Dev Team to be addressed by custom software.</a:t>
+            </a:r>
+          </a:p>
+          <a:p>
+            <a:endParaRPr lang="en-US" dirty="0"/>
           </a:p>
         </p:txBody>
       </p:sp>
@@ -4077,7 +4158,228 @@
     </p:spTree>
     <p:extLst>
       <p:ext uri="{BB962C8B-B14F-4D97-AF65-F5344CB8AC3E}">
+        <p14:creationId xmlns:p14="http://schemas.microsoft.com/office/powerpoint/2010/main" val="1107287744"/>
+      </p:ext>
+    </p:extLst>
+  </p:cSld>
+  <p:clrMapOvr>
+    <a:masterClrMapping/>
+  </p:clrMapOvr>
+</p:notes>
+</file>
+
+<file path=ppt/notesSlides/notesSlide8.xml><?xml version="1.0" encoding="utf-8"?>
+<p:notes xmlns:a="http://schemas.openxmlformats.org/drawingml/2006/main" xmlns:r="http://schemas.openxmlformats.org/officeDocument/2006/relationships" xmlns:p="http://schemas.openxmlformats.org/presentationml/2006/main">
+  <p:cSld>
+    <p:spTree>
+      <p:nvGrpSpPr>
+        <p:cNvPr id="1" name=""/>
+        <p:cNvGrpSpPr/>
+        <p:nvPr/>
+      </p:nvGrpSpPr>
+      <p:grpSpPr>
+        <a:xfrm>
+          <a:off x="0" y="0"/>
+          <a:ext cx="0" cy="0"/>
+          <a:chOff x="0" y="0"/>
+          <a:chExt cx="0" cy="0"/>
+        </a:xfrm>
+      </p:grpSpPr>
+      <p:sp>
+        <p:nvSpPr>
+          <p:cNvPr id="2" name="Slide Image Placeholder 1"/>
+          <p:cNvSpPr>
+            <a:spLocks noGrp="1" noRot="1" noChangeAspect="1"/>
+          </p:cNvSpPr>
+          <p:nvPr>
+            <p:ph type="sldImg"/>
+          </p:nvPr>
+        </p:nvSpPr>
+        <p:spPr/>
+      </p:sp>
+      <p:sp>
+        <p:nvSpPr>
+          <p:cNvPr id="3" name="Notes Placeholder 2"/>
+          <p:cNvSpPr>
+            <a:spLocks noGrp="1"/>
+          </p:cNvSpPr>
+          <p:nvPr>
+            <p:ph type="body" idx="1"/>
+          </p:nvPr>
+        </p:nvSpPr>
+        <p:spPr/>
+        <p:txBody>
+          <a:bodyPr/>
+          <a:lstStyle/>
+          <a:p>
+            <a:r>
+              <a:rPr lang="en-US" dirty="0"/>
+              <a:t>Alexandria starts looking for tools that can assist the business units with coming with solutions to their needs. She finds many applications and </a:t>
+            </a:r>
+            <a:r>
+              <a:rPr lang="en-US" dirty="0" err="1"/>
+              <a:t>frmeworks</a:t>
+            </a:r>
+            <a:r>
+              <a:rPr lang="en-US" dirty="0"/>
+              <a:t> whose purpose is to define and execute business. </a:t>
+            </a:r>
+          </a:p>
+          <a:p>
+            <a:r>
+              <a:rPr lang="en-US" dirty="0"/>
+              <a:t>A lot of the software out there for business rules is actually pretty mature, with </a:t>
+            </a:r>
+            <a:r>
+              <a:rPr lang="en-US" dirty="0" err="1"/>
+              <a:t>frameowkrs</a:t>
+            </a:r>
+            <a:r>
+              <a:rPr lang="en-US" dirty="0"/>
+              <a:t> such as Drools, and Camunda’s DNN. However, as good as those tools are, they are not a good fit for her org because most of those tools are Java based and would require the business units to learn new paradigms and syntaxes.</a:t>
+            </a:r>
+          </a:p>
+          <a:p>
+            <a:r>
+              <a:rPr lang="en-US" dirty="0"/>
+              <a:t>Alexandria does find that Microsoft has an Open Source engine for </a:t>
+            </a:r>
+            <a:r>
+              <a:rPr lang="en-US" dirty="0" err="1"/>
+              <a:t>.net</a:t>
+            </a:r>
+            <a:r>
+              <a:rPr lang="en-US" dirty="0"/>
+              <a:t> for rules. Even though this one is based in </a:t>
+            </a:r>
+            <a:r>
+              <a:rPr lang="en-US" dirty="0" err="1"/>
+              <a:t>.net</a:t>
+            </a:r>
+            <a:r>
+              <a:rPr lang="en-US" dirty="0"/>
+              <a:t>, the syntax is still a little bit unfamiliar to the business.</a:t>
+            </a:r>
+          </a:p>
+          <a:p>
+            <a:r>
+              <a:rPr lang="en-US" dirty="0"/>
+              <a:t>Another approach she finds is using Windows Workflows as a business friendly to define business logic.</a:t>
+            </a:r>
+          </a:p>
+        </p:txBody>
+      </p:sp>
+      <p:sp>
+        <p:nvSpPr>
+          <p:cNvPr id="4" name="Slide Number Placeholder 3"/>
+          <p:cNvSpPr>
+            <a:spLocks noGrp="1"/>
+          </p:cNvSpPr>
+          <p:nvPr>
+            <p:ph type="sldNum" sz="quarter" idx="5"/>
+          </p:nvPr>
+        </p:nvSpPr>
+        <p:spPr/>
+        <p:txBody>
+          <a:bodyPr/>
+          <a:lstStyle/>
+          <a:p>
+            <a:fld id="{A3FADD39-AB8A-4278-99D9-40CD8D745BA1}" type="slidenum">
+              <a:rPr lang="en-US" smtClean="0"/>
+              <a:t>8</a:t>
+            </a:fld>
+            <a:endParaRPr lang="en-US"/>
+          </a:p>
+        </p:txBody>
+      </p:sp>
+    </p:spTree>
+    <p:extLst>
+      <p:ext uri="{BB962C8B-B14F-4D97-AF65-F5344CB8AC3E}">
         <p14:creationId xmlns:p14="http://schemas.microsoft.com/office/powerpoint/2010/main" val="2463375002"/>
+      </p:ext>
+    </p:extLst>
+  </p:cSld>
+  <p:clrMapOvr>
+    <a:masterClrMapping/>
+  </p:clrMapOvr>
+</p:notes>
+</file>
+
+<file path=ppt/notesSlides/notesSlide9.xml><?xml version="1.0" encoding="utf-8"?>
+<p:notes xmlns:a="http://schemas.openxmlformats.org/drawingml/2006/main" xmlns:r="http://schemas.openxmlformats.org/officeDocument/2006/relationships" xmlns:p="http://schemas.openxmlformats.org/presentationml/2006/main">
+  <p:cSld>
+    <p:spTree>
+      <p:nvGrpSpPr>
+        <p:cNvPr id="1" name=""/>
+        <p:cNvGrpSpPr/>
+        <p:nvPr/>
+      </p:nvGrpSpPr>
+      <p:grpSpPr>
+        <a:xfrm>
+          <a:off x="0" y="0"/>
+          <a:ext cx="0" cy="0"/>
+          <a:chOff x="0" y="0"/>
+          <a:chExt cx="0" cy="0"/>
+        </a:xfrm>
+      </p:grpSpPr>
+      <p:sp>
+        <p:nvSpPr>
+          <p:cNvPr id="2" name="Slide Image Placeholder 1"/>
+          <p:cNvSpPr>
+            <a:spLocks noGrp="1" noRot="1" noChangeAspect="1"/>
+          </p:cNvSpPr>
+          <p:nvPr>
+            <p:ph type="sldImg"/>
+          </p:nvPr>
+        </p:nvSpPr>
+        <p:spPr/>
+      </p:sp>
+      <p:sp>
+        <p:nvSpPr>
+          <p:cNvPr id="3" name="Notes Placeholder 2"/>
+          <p:cNvSpPr>
+            <a:spLocks noGrp="1"/>
+          </p:cNvSpPr>
+          <p:nvPr>
+            <p:ph type="body" idx="1"/>
+          </p:nvPr>
+        </p:nvSpPr>
+        <p:spPr/>
+        <p:txBody>
+          <a:bodyPr/>
+          <a:lstStyle/>
+          <a:p>
+            <a:endParaRPr lang="en-US"/>
+          </a:p>
+        </p:txBody>
+      </p:sp>
+      <p:sp>
+        <p:nvSpPr>
+          <p:cNvPr id="4" name="Slide Number Placeholder 3"/>
+          <p:cNvSpPr>
+            <a:spLocks noGrp="1"/>
+          </p:cNvSpPr>
+          <p:nvPr>
+            <p:ph type="sldNum" sz="quarter" idx="5"/>
+          </p:nvPr>
+        </p:nvSpPr>
+        <p:spPr/>
+        <p:txBody>
+          <a:bodyPr/>
+          <a:lstStyle/>
+          <a:p>
+            <a:fld id="{A3FADD39-AB8A-4278-99D9-40CD8D745BA1}" type="slidenum">
+              <a:rPr lang="en-US" smtClean="0"/>
+              <a:t>9</a:t>
+            </a:fld>
+            <a:endParaRPr lang="en-US"/>
+          </a:p>
+        </p:txBody>
+      </p:sp>
+    </p:spTree>
+    <p:extLst>
+      <p:ext uri="{BB962C8B-B14F-4D97-AF65-F5344CB8AC3E}">
+        <p14:creationId xmlns:p14="http://schemas.microsoft.com/office/powerpoint/2010/main" val="3461771002"/>
       </p:ext>
     </p:extLst>
   </p:cSld>
@@ -7981,6 +8283,89 @@
 <file path=ppt/slides/slide10.xml><?xml version="1.0" encoding="utf-8"?>
 <p:sld xmlns:a="http://schemas.openxmlformats.org/drawingml/2006/main" xmlns:r="http://schemas.openxmlformats.org/officeDocument/2006/relationships" xmlns:p="http://schemas.openxmlformats.org/presentationml/2006/main">
   <p:cSld>
+    <p:spTree>
+      <p:nvGrpSpPr>
+        <p:cNvPr id="1" name=""/>
+        <p:cNvGrpSpPr/>
+        <p:nvPr/>
+      </p:nvGrpSpPr>
+      <p:grpSpPr>
+        <a:xfrm>
+          <a:off x="0" y="0"/>
+          <a:ext cx="0" cy="0"/>
+          <a:chOff x="0" y="0"/>
+          <a:chExt cx="0" cy="0"/>
+        </a:xfrm>
+      </p:grpSpPr>
+      <p:sp>
+        <p:nvSpPr>
+          <p:cNvPr id="4" name="Title 3">
+            <a:extLst>
+              <a:ext uri="{FF2B5EF4-FFF2-40B4-BE49-F238E27FC236}">
+                <a16:creationId xmlns:a16="http://schemas.microsoft.com/office/drawing/2014/main" id="{47C3B51B-CD1E-84E5-E7B2-ED12B12BB2EC}"/>
+              </a:ext>
+            </a:extLst>
+          </p:cNvPr>
+          <p:cNvSpPr>
+            <a:spLocks noGrp="1"/>
+          </p:cNvSpPr>
+          <p:nvPr>
+            <p:ph type="ctrTitle"/>
+          </p:nvPr>
+        </p:nvSpPr>
+        <p:spPr/>
+        <p:txBody>
+          <a:bodyPr/>
+          <a:lstStyle/>
+          <a:p>
+            <a:r>
+              <a:rPr lang="en-US" dirty="0"/>
+              <a:t>Demo</a:t>
+            </a:r>
+          </a:p>
+        </p:txBody>
+      </p:sp>
+      <p:sp>
+        <p:nvSpPr>
+          <p:cNvPr id="5" name="Subtitle 4">
+            <a:extLst>
+              <a:ext uri="{FF2B5EF4-FFF2-40B4-BE49-F238E27FC236}">
+                <a16:creationId xmlns:a16="http://schemas.microsoft.com/office/drawing/2014/main" id="{C3E3E2C1-3777-0AA9-FFD7-C0605B1B0494}"/>
+              </a:ext>
+            </a:extLst>
+          </p:cNvPr>
+          <p:cNvSpPr>
+            <a:spLocks noGrp="1"/>
+          </p:cNvSpPr>
+          <p:nvPr>
+            <p:ph type="subTitle" idx="1"/>
+          </p:nvPr>
+        </p:nvSpPr>
+        <p:spPr/>
+        <p:txBody>
+          <a:bodyPr/>
+          <a:lstStyle/>
+          <a:p>
+            <a:endParaRPr lang="en-US"/>
+          </a:p>
+        </p:txBody>
+      </p:sp>
+    </p:spTree>
+    <p:extLst>
+      <p:ext uri="{BB962C8B-B14F-4D97-AF65-F5344CB8AC3E}">
+        <p14:creationId xmlns:p14="http://schemas.microsoft.com/office/powerpoint/2010/main" val="2253528452"/>
+      </p:ext>
+    </p:extLst>
+  </p:cSld>
+  <p:clrMapOvr>
+    <a:masterClrMapping/>
+  </p:clrMapOvr>
+</p:sld>
+</file>
+
+<file path=ppt/slides/slide11.xml><?xml version="1.0" encoding="utf-8"?>
+<p:sld xmlns:a="http://schemas.openxmlformats.org/drawingml/2006/main" xmlns:r="http://schemas.openxmlformats.org/officeDocument/2006/relationships" xmlns:p="http://schemas.openxmlformats.org/presentationml/2006/main">
+  <p:cSld>
     <p:bg>
       <p:bgPr>
         <a:solidFill>
@@ -8822,7 +9207,7 @@
 </p:sld>
 </file>
 
-<file path=ppt/slides/slide11.xml><?xml version="1.0" encoding="utf-8"?>
+<file path=ppt/slides/slide12.xml><?xml version="1.0" encoding="utf-8"?>
 <p:sld xmlns:a="http://schemas.openxmlformats.org/drawingml/2006/main" xmlns:r="http://schemas.openxmlformats.org/officeDocument/2006/relationships" xmlns:p="http://schemas.openxmlformats.org/presentationml/2006/main">
   <p:cSld>
     <p:spTree>
@@ -8911,7 +9296,7 @@
 </p:sld>
 </file>
 
-<file path=ppt/slides/slide12.xml><?xml version="1.0" encoding="utf-8"?>
+<file path=ppt/slides/slide13.xml><?xml version="1.0" encoding="utf-8"?>
 <p:sld xmlns:a="http://schemas.openxmlformats.org/drawingml/2006/main" xmlns:r="http://schemas.openxmlformats.org/officeDocument/2006/relationships" xmlns:p="http://schemas.openxmlformats.org/presentationml/2006/main">
   <p:cSld>
     <p:bg>
@@ -9762,7 +10147,7 @@
 </p:sld>
 </file>
 
-<file path=ppt/slides/slide13.xml><?xml version="1.0" encoding="utf-8"?>
+<file path=ppt/slides/slide14.xml><?xml version="1.0" encoding="utf-8"?>
 <p:sld xmlns:a="http://schemas.openxmlformats.org/drawingml/2006/main" xmlns:r="http://schemas.openxmlformats.org/officeDocument/2006/relationships" xmlns:p="http://schemas.openxmlformats.org/presentationml/2006/main">
   <p:cSld>
     <p:bg>
@@ -10594,7 +10979,7 @@
 </p:sld>
 </file>
 
-<file path=ppt/slides/slide14.xml><?xml version="1.0" encoding="utf-8"?>
+<file path=ppt/slides/slide15.xml><?xml version="1.0" encoding="utf-8"?>
 <p:sld xmlns:a="http://schemas.openxmlformats.org/drawingml/2006/main" xmlns:r="http://schemas.openxmlformats.org/officeDocument/2006/relationships" xmlns:p="http://schemas.openxmlformats.org/presentationml/2006/main">
   <p:cSld>
     <p:bg>
@@ -11426,7 +11811,7 @@
 </p:sld>
 </file>
 
-<file path=ppt/slides/slide15.xml><?xml version="1.0" encoding="utf-8"?>
+<file path=ppt/slides/slide16.xml><?xml version="1.0" encoding="utf-8"?>
 <p:sld xmlns:a="http://schemas.openxmlformats.org/drawingml/2006/main" xmlns:r="http://schemas.openxmlformats.org/officeDocument/2006/relationships" xmlns:p="http://schemas.openxmlformats.org/presentationml/2006/main">
   <p:cSld>
     <p:spTree>
@@ -11515,7 +11900,7 @@
 </p:sld>
 </file>
 
-<file path=ppt/slides/slide16.xml><?xml version="1.0" encoding="utf-8"?>
+<file path=ppt/slides/slide17.xml><?xml version="1.0" encoding="utf-8"?>
 <p:sld xmlns:a="http://schemas.openxmlformats.org/drawingml/2006/main" xmlns:r="http://schemas.openxmlformats.org/officeDocument/2006/relationships" xmlns:p="http://schemas.openxmlformats.org/presentationml/2006/main">
   <p:cSld>
     <p:bg>
@@ -14538,6 +14923,859 @@
         <p:cNvPr id="1" name="">
           <a:extLst>
             <a:ext uri="{FF2B5EF4-FFF2-40B4-BE49-F238E27FC236}">
+              <a16:creationId xmlns:a16="http://schemas.microsoft.com/office/drawing/2014/main" id="{6D1DC4CF-4AB5-0446-B26D-657B29F30197}"/>
+            </a:ext>
+          </a:extLst>
+        </p:cNvPr>
+        <p:cNvGrpSpPr/>
+        <p:nvPr/>
+      </p:nvGrpSpPr>
+      <p:grpSpPr>
+        <a:xfrm>
+          <a:off x="0" y="0"/>
+          <a:ext cx="0" cy="0"/>
+          <a:chOff x="0" y="0"/>
+          <a:chExt cx="0" cy="0"/>
+        </a:xfrm>
+      </p:grpSpPr>
+      <p:sp useBgFill="1">
+        <p:nvSpPr>
+          <p:cNvPr id="8" name="Rectangle 7">
+            <a:extLst>
+              <a:ext uri="{FF2B5EF4-FFF2-40B4-BE49-F238E27FC236}">
+                <a16:creationId xmlns:a16="http://schemas.microsoft.com/office/drawing/2014/main" id="{E54B72FC-B4D7-7E3A-A879-719B20351377}"/>
+              </a:ext>
+              <a:ext uri="{C183D7F6-B498-43B3-948B-1728B52AA6E4}">
+                <adec:decorative xmlns:adec="http://schemas.microsoft.com/office/drawing/2017/decorative" val="1"/>
+              </a:ext>
+            </a:extLst>
+          </p:cNvPr>
+          <p:cNvSpPr>
+            <a:spLocks noGrp="1" noRot="1" noChangeAspect="1" noMove="1" noResize="1" noEditPoints="1" noAdjustHandles="1" noChangeArrowheads="1" noChangeShapeType="1" noTextEdit="1"/>
+          </p:cNvSpPr>
+          <p:nvPr>
+            <p:extLst>
+              <p:ext uri="{386F3935-93C4-4BCD-93E2-E3B085C9AB24}">
+                <p16:designElem xmlns:p16="http://schemas.microsoft.com/office/powerpoint/2015/main" val="1"/>
+              </p:ext>
+            </p:extLst>
+          </p:nvPr>
+        </p:nvSpPr>
+        <p:spPr>
+          <a:xfrm>
+            <a:off x="0" y="0"/>
+            <a:ext cx="12188952" cy="6858000"/>
+          </a:xfrm>
+          <a:prstGeom prst="rect">
+            <a:avLst/>
+          </a:prstGeom>
+          <a:ln>
+            <a:noFill/>
+          </a:ln>
+        </p:spPr>
+        <p:style>
+          <a:lnRef idx="2">
+            <a:schemeClr val="accent1">
+              <a:shade val="50000"/>
+            </a:schemeClr>
+          </a:lnRef>
+          <a:fillRef idx="1">
+            <a:schemeClr val="accent1"/>
+          </a:fillRef>
+          <a:effectRef idx="0">
+            <a:schemeClr val="accent1"/>
+          </a:effectRef>
+          <a:fontRef idx="minor">
+            <a:schemeClr val="lt1"/>
+          </a:fontRef>
+        </p:style>
+        <p:txBody>
+          <a:bodyPr rtlCol="0" anchor="ctr"/>
+          <a:lstStyle/>
+          <a:p>
+            <a:pPr algn="ctr"/>
+            <a:endParaRPr lang="en-US"/>
+          </a:p>
+        </p:txBody>
+      </p:sp>
+      <p:sp>
+        <p:nvSpPr>
+          <p:cNvPr id="2" name="Title 1">
+            <a:extLst>
+              <a:ext uri="{FF2B5EF4-FFF2-40B4-BE49-F238E27FC236}">
+                <a16:creationId xmlns:a16="http://schemas.microsoft.com/office/drawing/2014/main" id="{8914C442-E974-988D-294E-92EA24E112D5}"/>
+              </a:ext>
+            </a:extLst>
+          </p:cNvPr>
+          <p:cNvSpPr>
+            <a:spLocks noGrp="1"/>
+          </p:cNvSpPr>
+          <p:nvPr>
+            <p:ph type="title"/>
+          </p:nvPr>
+        </p:nvSpPr>
+        <p:spPr>
+          <a:xfrm>
+            <a:off x="838200" y="365125"/>
+            <a:ext cx="10515600" cy="1325563"/>
+          </a:xfrm>
+        </p:spPr>
+        <p:txBody>
+          <a:bodyPr>
+            <a:normAutofit/>
+          </a:bodyPr>
+          <a:lstStyle/>
+          <a:p>
+            <a:r>
+              <a:rPr lang="en-US" sz="5400" dirty="0"/>
+              <a:t>Business Logic vs Other logic</a:t>
+            </a:r>
+          </a:p>
+        </p:txBody>
+      </p:sp>
+      <p:sp>
+        <p:nvSpPr>
+          <p:cNvPr id="10" name="sketch line">
+            <a:extLst>
+              <a:ext uri="{FF2B5EF4-FFF2-40B4-BE49-F238E27FC236}">
+                <a16:creationId xmlns:a16="http://schemas.microsoft.com/office/drawing/2014/main" id="{D6B4D6EA-99E7-3C21-6C50-984A838BA473}"/>
+              </a:ext>
+              <a:ext uri="{C183D7F6-B498-43B3-948B-1728B52AA6E4}">
+                <adec:decorative xmlns:adec="http://schemas.microsoft.com/office/drawing/2017/decorative" val="1"/>
+              </a:ext>
+            </a:extLst>
+          </p:cNvPr>
+          <p:cNvSpPr>
+            <a:spLocks noGrp="1" noRot="1" noChangeAspect="1" noMove="1" noResize="1" noEditPoints="1" noAdjustHandles="1" noChangeArrowheads="1" noChangeShapeType="1" noTextEdit="1"/>
+          </p:cNvSpPr>
+          <p:nvPr>
+            <p:extLst>
+              <p:ext uri="{386F3935-93C4-4BCD-93E2-E3B085C9AB24}">
+                <p16:designElem xmlns:p16="http://schemas.microsoft.com/office/powerpoint/2015/main" val="1"/>
+              </p:ext>
+            </p:extLst>
+          </p:nvPr>
+        </p:nvSpPr>
+        <p:spPr>
+          <a:xfrm>
+            <a:off x="669036" y="1677373"/>
+            <a:ext cx="10853928" cy="18288"/>
+          </a:xfrm>
+          <a:custGeom>
+            <a:avLst/>
+            <a:gdLst>
+              <a:gd name="csX0" fmla="*/ 0 w 10853928"/>
+              <a:gd name="csY0" fmla="*/ 0 h 18288"/>
+              <a:gd name="csX1" fmla="*/ 461292 w 10853928"/>
+              <a:gd name="csY1" fmla="*/ 0 h 18288"/>
+              <a:gd name="csX2" fmla="*/ 1139662 w 10853928"/>
+              <a:gd name="csY2" fmla="*/ 0 h 18288"/>
+              <a:gd name="csX3" fmla="*/ 1926572 w 10853928"/>
+              <a:gd name="csY3" fmla="*/ 0 h 18288"/>
+              <a:gd name="csX4" fmla="*/ 2279325 w 10853928"/>
+              <a:gd name="csY4" fmla="*/ 0 h 18288"/>
+              <a:gd name="csX5" fmla="*/ 2632078 w 10853928"/>
+              <a:gd name="csY5" fmla="*/ 0 h 18288"/>
+              <a:gd name="csX6" fmla="*/ 3527527 w 10853928"/>
+              <a:gd name="csY6" fmla="*/ 0 h 18288"/>
+              <a:gd name="csX7" fmla="*/ 4205897 w 10853928"/>
+              <a:gd name="csY7" fmla="*/ 0 h 18288"/>
+              <a:gd name="csX8" fmla="*/ 4558650 w 10853928"/>
+              <a:gd name="csY8" fmla="*/ 0 h 18288"/>
+              <a:gd name="csX9" fmla="*/ 5237020 w 10853928"/>
+              <a:gd name="csY9" fmla="*/ 0 h 18288"/>
+              <a:gd name="csX10" fmla="*/ 6132469 w 10853928"/>
+              <a:gd name="csY10" fmla="*/ 0 h 18288"/>
+              <a:gd name="csX11" fmla="*/ 6702301 w 10853928"/>
+              <a:gd name="csY11" fmla="*/ 0 h 18288"/>
+              <a:gd name="csX12" fmla="*/ 7272132 w 10853928"/>
+              <a:gd name="csY12" fmla="*/ 0 h 18288"/>
+              <a:gd name="csX13" fmla="*/ 7950502 w 10853928"/>
+              <a:gd name="csY13" fmla="*/ 0 h 18288"/>
+              <a:gd name="csX14" fmla="*/ 8737412 w 10853928"/>
+              <a:gd name="csY14" fmla="*/ 0 h 18288"/>
+              <a:gd name="csX15" fmla="*/ 9524322 w 10853928"/>
+              <a:gd name="csY15" fmla="*/ 0 h 18288"/>
+              <a:gd name="csX16" fmla="*/ 10853928 w 10853928"/>
+              <a:gd name="csY16" fmla="*/ 0 h 18288"/>
+              <a:gd name="csX17" fmla="*/ 10853928 w 10853928"/>
+              <a:gd name="csY17" fmla="*/ 18288 h 18288"/>
+              <a:gd name="csX18" fmla="*/ 10392636 w 10853928"/>
+              <a:gd name="csY18" fmla="*/ 18288 h 18288"/>
+              <a:gd name="csX19" fmla="*/ 9497187 w 10853928"/>
+              <a:gd name="csY19" fmla="*/ 18288 h 18288"/>
+              <a:gd name="csX20" fmla="*/ 8818817 w 10853928"/>
+              <a:gd name="csY20" fmla="*/ 18288 h 18288"/>
+              <a:gd name="csX21" fmla="*/ 8466064 w 10853928"/>
+              <a:gd name="csY21" fmla="*/ 18288 h 18288"/>
+              <a:gd name="csX22" fmla="*/ 7787693 w 10853928"/>
+              <a:gd name="csY22" fmla="*/ 18288 h 18288"/>
+              <a:gd name="csX23" fmla="*/ 7217862 w 10853928"/>
+              <a:gd name="csY23" fmla="*/ 18288 h 18288"/>
+              <a:gd name="csX24" fmla="*/ 6648031 w 10853928"/>
+              <a:gd name="csY24" fmla="*/ 18288 h 18288"/>
+              <a:gd name="csX25" fmla="*/ 6078200 w 10853928"/>
+              <a:gd name="csY25" fmla="*/ 18288 h 18288"/>
+              <a:gd name="csX26" fmla="*/ 5508368 w 10853928"/>
+              <a:gd name="csY26" fmla="*/ 18288 h 18288"/>
+              <a:gd name="csX27" fmla="*/ 4721459 w 10853928"/>
+              <a:gd name="csY27" fmla="*/ 18288 h 18288"/>
+              <a:gd name="csX28" fmla="*/ 4043088 w 10853928"/>
+              <a:gd name="csY28" fmla="*/ 18288 h 18288"/>
+              <a:gd name="csX29" fmla="*/ 3690336 w 10853928"/>
+              <a:gd name="csY29" fmla="*/ 18288 h 18288"/>
+              <a:gd name="csX30" fmla="*/ 3120504 w 10853928"/>
+              <a:gd name="csY30" fmla="*/ 18288 h 18288"/>
+              <a:gd name="csX31" fmla="*/ 2333595 w 10853928"/>
+              <a:gd name="csY31" fmla="*/ 18288 h 18288"/>
+              <a:gd name="csX32" fmla="*/ 1872303 w 10853928"/>
+              <a:gd name="csY32" fmla="*/ 18288 h 18288"/>
+              <a:gd name="csX33" fmla="*/ 976854 w 10853928"/>
+              <a:gd name="csY33" fmla="*/ 18288 h 18288"/>
+              <a:gd name="csX34" fmla="*/ 0 w 10853928"/>
+              <a:gd name="csY34" fmla="*/ 18288 h 18288"/>
+              <a:gd name="csX35" fmla="*/ 0 w 10853928"/>
+              <a:gd name="csY35" fmla="*/ 0 h 18288"/>
+            </a:gdLst>
+            <a:ahLst/>
+            <a:cxnLst>
+              <a:cxn ang="0">
+                <a:pos x="csX0" y="csY0"/>
+              </a:cxn>
+              <a:cxn ang="0">
+                <a:pos x="csX1" y="csY1"/>
+              </a:cxn>
+              <a:cxn ang="0">
+                <a:pos x="csX2" y="csY2"/>
+              </a:cxn>
+              <a:cxn ang="0">
+                <a:pos x="csX3" y="csY3"/>
+              </a:cxn>
+              <a:cxn ang="0">
+                <a:pos x="csX4" y="csY4"/>
+              </a:cxn>
+              <a:cxn ang="0">
+                <a:pos x="csX5" y="csY5"/>
+              </a:cxn>
+              <a:cxn ang="0">
+                <a:pos x="csX6" y="csY6"/>
+              </a:cxn>
+              <a:cxn ang="0">
+                <a:pos x="csX7" y="csY7"/>
+              </a:cxn>
+              <a:cxn ang="0">
+                <a:pos x="csX8" y="csY8"/>
+              </a:cxn>
+              <a:cxn ang="0">
+                <a:pos x="csX9" y="csY9"/>
+              </a:cxn>
+              <a:cxn ang="0">
+                <a:pos x="csX10" y="csY10"/>
+              </a:cxn>
+              <a:cxn ang="0">
+                <a:pos x="csX11" y="csY11"/>
+              </a:cxn>
+              <a:cxn ang="0">
+                <a:pos x="csX12" y="csY12"/>
+              </a:cxn>
+              <a:cxn ang="0">
+                <a:pos x="csX13" y="csY13"/>
+              </a:cxn>
+              <a:cxn ang="0">
+                <a:pos x="csX14" y="csY14"/>
+              </a:cxn>
+              <a:cxn ang="0">
+                <a:pos x="csX15" y="csY15"/>
+              </a:cxn>
+              <a:cxn ang="0">
+                <a:pos x="csX16" y="csY16"/>
+              </a:cxn>
+              <a:cxn ang="0">
+                <a:pos x="csX17" y="csY17"/>
+              </a:cxn>
+              <a:cxn ang="0">
+                <a:pos x="csX18" y="csY18"/>
+              </a:cxn>
+              <a:cxn ang="0">
+                <a:pos x="csX19" y="csY19"/>
+              </a:cxn>
+              <a:cxn ang="0">
+                <a:pos x="csX20" y="csY20"/>
+              </a:cxn>
+              <a:cxn ang="0">
+                <a:pos x="csX21" y="csY21"/>
+              </a:cxn>
+              <a:cxn ang="0">
+                <a:pos x="csX22" y="csY22"/>
+              </a:cxn>
+              <a:cxn ang="0">
+                <a:pos x="csX23" y="csY23"/>
+              </a:cxn>
+              <a:cxn ang="0">
+                <a:pos x="csX24" y="csY24"/>
+              </a:cxn>
+              <a:cxn ang="0">
+                <a:pos x="csX25" y="csY25"/>
+              </a:cxn>
+              <a:cxn ang="0">
+                <a:pos x="csX26" y="csY26"/>
+              </a:cxn>
+              <a:cxn ang="0">
+                <a:pos x="csX27" y="csY27"/>
+              </a:cxn>
+              <a:cxn ang="0">
+                <a:pos x="csX28" y="csY28"/>
+              </a:cxn>
+              <a:cxn ang="0">
+                <a:pos x="csX29" y="csY29"/>
+              </a:cxn>
+              <a:cxn ang="0">
+                <a:pos x="csX30" y="csY30"/>
+              </a:cxn>
+              <a:cxn ang="0">
+                <a:pos x="csX31" y="csY31"/>
+              </a:cxn>
+              <a:cxn ang="0">
+                <a:pos x="csX32" y="csY32"/>
+              </a:cxn>
+              <a:cxn ang="0">
+                <a:pos x="csX33" y="csY33"/>
+              </a:cxn>
+              <a:cxn ang="0">
+                <a:pos x="csX34" y="csY34"/>
+              </a:cxn>
+              <a:cxn ang="0">
+                <a:pos x="csX35" y="csY35"/>
+              </a:cxn>
+            </a:cxnLst>
+            <a:rect l="l" t="t" r="r" b="b"/>
+            <a:pathLst>
+              <a:path w="10853928" h="18288" fill="none" extrusionOk="0">
+                <a:moveTo>
+                  <a:pt x="0" y="0"/>
+                </a:moveTo>
+                <a:cubicBezTo>
+                  <a:pt x="146993" y="-19076"/>
+                  <a:pt x="347684" y="-4790"/>
+                  <a:pt x="461292" y="0"/>
+                </a:cubicBezTo>
+                <a:cubicBezTo>
+                  <a:pt x="574900" y="4790"/>
+                  <a:pt x="808367" y="19821"/>
+                  <a:pt x="1139662" y="0"/>
+                </a:cubicBezTo>
+                <a:cubicBezTo>
+                  <a:pt x="1470957" y="-19821"/>
+                  <a:pt x="1627405" y="5721"/>
+                  <a:pt x="1926572" y="0"/>
+                </a:cubicBezTo>
+                <a:cubicBezTo>
+                  <a:pt x="2225739" y="-5721"/>
+                  <a:pt x="2137730" y="-3235"/>
+                  <a:pt x="2279325" y="0"/>
+                </a:cubicBezTo>
+                <a:cubicBezTo>
+                  <a:pt x="2420920" y="3235"/>
+                  <a:pt x="2456518" y="9685"/>
+                  <a:pt x="2632078" y="0"/>
+                </a:cubicBezTo>
+                <a:cubicBezTo>
+                  <a:pt x="2807638" y="-9685"/>
+                  <a:pt x="3211516" y="-43007"/>
+                  <a:pt x="3527527" y="0"/>
+                </a:cubicBezTo>
+                <a:cubicBezTo>
+                  <a:pt x="3843538" y="43007"/>
+                  <a:pt x="4058833" y="22042"/>
+                  <a:pt x="4205897" y="0"/>
+                </a:cubicBezTo>
+                <a:cubicBezTo>
+                  <a:pt x="4352961" y="-22042"/>
+                  <a:pt x="4474805" y="-11846"/>
+                  <a:pt x="4558650" y="0"/>
+                </a:cubicBezTo>
+                <a:cubicBezTo>
+                  <a:pt x="4642495" y="11846"/>
+                  <a:pt x="5041928" y="-6069"/>
+                  <a:pt x="5237020" y="0"/>
+                </a:cubicBezTo>
+                <a:cubicBezTo>
+                  <a:pt x="5432112" y="6069"/>
+                  <a:pt x="5943266" y="-17479"/>
+                  <a:pt x="6132469" y="0"/>
+                </a:cubicBezTo>
+                <a:cubicBezTo>
+                  <a:pt x="6321672" y="17479"/>
+                  <a:pt x="6483872" y="26234"/>
+                  <a:pt x="6702301" y="0"/>
+                </a:cubicBezTo>
+                <a:cubicBezTo>
+                  <a:pt x="6920730" y="-26234"/>
+                  <a:pt x="6991194" y="-15156"/>
+                  <a:pt x="7272132" y="0"/>
+                </a:cubicBezTo>
+                <a:cubicBezTo>
+                  <a:pt x="7553070" y="15156"/>
+                  <a:pt x="7684444" y="-32961"/>
+                  <a:pt x="7950502" y="0"/>
+                </a:cubicBezTo>
+                <a:cubicBezTo>
+                  <a:pt x="8216560" y="32961"/>
+                  <a:pt x="8493290" y="-10491"/>
+                  <a:pt x="8737412" y="0"/>
+                </a:cubicBezTo>
+                <a:cubicBezTo>
+                  <a:pt x="8981534" y="10491"/>
+                  <a:pt x="9191586" y="-13899"/>
+                  <a:pt x="9524322" y="0"/>
+                </a:cubicBezTo>
+                <a:cubicBezTo>
+                  <a:pt x="9857058" y="13899"/>
+                  <a:pt x="10297509" y="7485"/>
+                  <a:pt x="10853928" y="0"/>
+                </a:cubicBezTo>
+                <a:cubicBezTo>
+                  <a:pt x="10854574" y="4451"/>
+                  <a:pt x="10854418" y="9226"/>
+                  <a:pt x="10853928" y="18288"/>
+                </a:cubicBezTo>
+                <a:cubicBezTo>
+                  <a:pt x="10691638" y="28522"/>
+                  <a:pt x="10574319" y="29578"/>
+                  <a:pt x="10392636" y="18288"/>
+                </a:cubicBezTo>
+                <a:cubicBezTo>
+                  <a:pt x="10210953" y="6998"/>
+                  <a:pt x="9836277" y="-16742"/>
+                  <a:pt x="9497187" y="18288"/>
+                </a:cubicBezTo>
+                <a:cubicBezTo>
+                  <a:pt x="9158097" y="53318"/>
+                  <a:pt x="9119479" y="30714"/>
+                  <a:pt x="8818817" y="18288"/>
+                </a:cubicBezTo>
+                <a:cubicBezTo>
+                  <a:pt x="8518155" y="5863"/>
+                  <a:pt x="8640037" y="6483"/>
+                  <a:pt x="8466064" y="18288"/>
+                </a:cubicBezTo>
+                <a:cubicBezTo>
+                  <a:pt x="8292091" y="30093"/>
+                  <a:pt x="7997656" y="18914"/>
+                  <a:pt x="7787693" y="18288"/>
+                </a:cubicBezTo>
+                <a:cubicBezTo>
+                  <a:pt x="7577730" y="17662"/>
+                  <a:pt x="7412468" y="21416"/>
+                  <a:pt x="7217862" y="18288"/>
+                </a:cubicBezTo>
+                <a:cubicBezTo>
+                  <a:pt x="7023256" y="15160"/>
+                  <a:pt x="6898018" y="14824"/>
+                  <a:pt x="6648031" y="18288"/>
+                </a:cubicBezTo>
+                <a:cubicBezTo>
+                  <a:pt x="6398044" y="21752"/>
+                  <a:pt x="6254402" y="38625"/>
+                  <a:pt x="6078200" y="18288"/>
+                </a:cubicBezTo>
+                <a:cubicBezTo>
+                  <a:pt x="5901998" y="-2049"/>
+                  <a:pt x="5622886" y="3213"/>
+                  <a:pt x="5508368" y="18288"/>
+                </a:cubicBezTo>
+                <a:cubicBezTo>
+                  <a:pt x="5393850" y="33363"/>
+                  <a:pt x="5036260" y="26830"/>
+                  <a:pt x="4721459" y="18288"/>
+                </a:cubicBezTo>
+                <a:cubicBezTo>
+                  <a:pt x="4406658" y="9746"/>
+                  <a:pt x="4239221" y="41551"/>
+                  <a:pt x="4043088" y="18288"/>
+                </a:cubicBezTo>
+                <a:cubicBezTo>
+                  <a:pt x="3846955" y="-4975"/>
+                  <a:pt x="3818802" y="34658"/>
+                  <a:pt x="3690336" y="18288"/>
+                </a:cubicBezTo>
+                <a:cubicBezTo>
+                  <a:pt x="3561870" y="1918"/>
+                  <a:pt x="3265491" y="42194"/>
+                  <a:pt x="3120504" y="18288"/>
+                </a:cubicBezTo>
+                <a:cubicBezTo>
+                  <a:pt x="2975517" y="-5618"/>
+                  <a:pt x="2720254" y="36673"/>
+                  <a:pt x="2333595" y="18288"/>
+                </a:cubicBezTo>
+                <a:cubicBezTo>
+                  <a:pt x="1946936" y="-97"/>
+                  <a:pt x="2097241" y="5776"/>
+                  <a:pt x="1872303" y="18288"/>
+                </a:cubicBezTo>
+                <a:cubicBezTo>
+                  <a:pt x="1647365" y="30800"/>
+                  <a:pt x="1282708" y="45380"/>
+                  <a:pt x="976854" y="18288"/>
+                </a:cubicBezTo>
+                <a:cubicBezTo>
+                  <a:pt x="671000" y="-8804"/>
+                  <a:pt x="408401" y="-12775"/>
+                  <a:pt x="0" y="18288"/>
+                </a:cubicBezTo>
+                <a:cubicBezTo>
+                  <a:pt x="-213" y="9468"/>
+                  <a:pt x="187" y="4459"/>
+                  <a:pt x="0" y="0"/>
+                </a:cubicBezTo>
+                <a:close/>
+              </a:path>
+              <a:path w="10853928" h="18288" stroke="0" extrusionOk="0">
+                <a:moveTo>
+                  <a:pt x="0" y="0"/>
+                </a:moveTo>
+                <a:cubicBezTo>
+                  <a:pt x="267322" y="15284"/>
+                  <a:pt x="415388" y="-21048"/>
+                  <a:pt x="569831" y="0"/>
+                </a:cubicBezTo>
+                <a:cubicBezTo>
+                  <a:pt x="724274" y="21048"/>
+                  <a:pt x="769333" y="-2353"/>
+                  <a:pt x="922584" y="0"/>
+                </a:cubicBezTo>
+                <a:cubicBezTo>
+                  <a:pt x="1075835" y="2353"/>
+                  <a:pt x="1399490" y="-145"/>
+                  <a:pt x="1818033" y="0"/>
+                </a:cubicBezTo>
+                <a:cubicBezTo>
+                  <a:pt x="2236576" y="145"/>
+                  <a:pt x="2145330" y="5482"/>
+                  <a:pt x="2387864" y="0"/>
+                </a:cubicBezTo>
+                <a:cubicBezTo>
+                  <a:pt x="2630398" y="-5482"/>
+                  <a:pt x="2793207" y="18487"/>
+                  <a:pt x="2957695" y="0"/>
+                </a:cubicBezTo>
+                <a:cubicBezTo>
+                  <a:pt x="3122183" y="-18487"/>
+                  <a:pt x="3579141" y="19003"/>
+                  <a:pt x="3853144" y="0"/>
+                </a:cubicBezTo>
+                <a:cubicBezTo>
+                  <a:pt x="4127147" y="-19003"/>
+                  <a:pt x="4209857" y="12211"/>
+                  <a:pt x="4314436" y="0"/>
+                </a:cubicBezTo>
+                <a:cubicBezTo>
+                  <a:pt x="4419015" y="-12211"/>
+                  <a:pt x="4762459" y="-17220"/>
+                  <a:pt x="5209885" y="0"/>
+                </a:cubicBezTo>
+                <a:cubicBezTo>
+                  <a:pt x="5657311" y="17220"/>
+                  <a:pt x="5692663" y="-3290"/>
+                  <a:pt x="6105335" y="0"/>
+                </a:cubicBezTo>
+                <a:cubicBezTo>
+                  <a:pt x="6518007" y="3290"/>
+                  <a:pt x="6455516" y="-5124"/>
+                  <a:pt x="6783705" y="0"/>
+                </a:cubicBezTo>
+                <a:cubicBezTo>
+                  <a:pt x="7111894" y="5124"/>
+                  <a:pt x="7441941" y="-17829"/>
+                  <a:pt x="7679154" y="0"/>
+                </a:cubicBezTo>
+                <a:cubicBezTo>
+                  <a:pt x="7916367" y="17829"/>
+                  <a:pt x="8102967" y="-24363"/>
+                  <a:pt x="8248985" y="0"/>
+                </a:cubicBezTo>
+                <a:cubicBezTo>
+                  <a:pt x="8395003" y="24363"/>
+                  <a:pt x="8552393" y="25505"/>
+                  <a:pt x="8818817" y="0"/>
+                </a:cubicBezTo>
+                <a:cubicBezTo>
+                  <a:pt x="9085241" y="-25505"/>
+                  <a:pt x="9411308" y="38000"/>
+                  <a:pt x="9605726" y="0"/>
+                </a:cubicBezTo>
+                <a:cubicBezTo>
+                  <a:pt x="9800144" y="-38000"/>
+                  <a:pt x="10006468" y="-25741"/>
+                  <a:pt x="10175558" y="0"/>
+                </a:cubicBezTo>
+                <a:cubicBezTo>
+                  <a:pt x="10344648" y="25741"/>
+                  <a:pt x="10696282" y="695"/>
+                  <a:pt x="10853928" y="0"/>
+                </a:cubicBezTo>
+                <a:cubicBezTo>
+                  <a:pt x="10853521" y="8690"/>
+                  <a:pt x="10853774" y="14141"/>
+                  <a:pt x="10853928" y="18288"/>
+                </a:cubicBezTo>
+                <a:cubicBezTo>
+                  <a:pt x="10608124" y="24255"/>
+                  <a:pt x="10343415" y="22307"/>
+                  <a:pt x="10067018" y="18288"/>
+                </a:cubicBezTo>
+                <a:cubicBezTo>
+                  <a:pt x="9790621" y="14270"/>
+                  <a:pt x="9843266" y="3564"/>
+                  <a:pt x="9714266" y="18288"/>
+                </a:cubicBezTo>
+                <a:cubicBezTo>
+                  <a:pt x="9585266" y="33012"/>
+                  <a:pt x="9379484" y="1875"/>
+                  <a:pt x="9252974" y="18288"/>
+                </a:cubicBezTo>
+                <a:cubicBezTo>
+                  <a:pt x="9126464" y="34701"/>
+                  <a:pt x="8580678" y="-4904"/>
+                  <a:pt x="8357525" y="18288"/>
+                </a:cubicBezTo>
+                <a:cubicBezTo>
+                  <a:pt x="8134372" y="41480"/>
+                  <a:pt x="7903199" y="26458"/>
+                  <a:pt x="7679154" y="18288"/>
+                </a:cubicBezTo>
+                <a:cubicBezTo>
+                  <a:pt x="7455109" y="10118"/>
+                  <a:pt x="7435944" y="27109"/>
+                  <a:pt x="7217862" y="18288"/>
+                </a:cubicBezTo>
+                <a:cubicBezTo>
+                  <a:pt x="6999780" y="9467"/>
+                  <a:pt x="6680409" y="18985"/>
+                  <a:pt x="6539492" y="18288"/>
+                </a:cubicBezTo>
+                <a:cubicBezTo>
+                  <a:pt x="6398575" y="17592"/>
+                  <a:pt x="6312077" y="33018"/>
+                  <a:pt x="6186739" y="18288"/>
+                </a:cubicBezTo>
+                <a:cubicBezTo>
+                  <a:pt x="6061401" y="3558"/>
+                  <a:pt x="5947033" y="12075"/>
+                  <a:pt x="5833986" y="18288"/>
+                </a:cubicBezTo>
+                <a:cubicBezTo>
+                  <a:pt x="5720939" y="24501"/>
+                  <a:pt x="5482226" y="8586"/>
+                  <a:pt x="5155616" y="18288"/>
+                </a:cubicBezTo>
+                <a:cubicBezTo>
+                  <a:pt x="4829006" y="27991"/>
+                  <a:pt x="4841274" y="29316"/>
+                  <a:pt x="4694324" y="18288"/>
+                </a:cubicBezTo>
+                <a:cubicBezTo>
+                  <a:pt x="4547374" y="7260"/>
+                  <a:pt x="4077675" y="7013"/>
+                  <a:pt x="3907414" y="18288"/>
+                </a:cubicBezTo>
+                <a:cubicBezTo>
+                  <a:pt x="3737153" y="29564"/>
+                  <a:pt x="3538393" y="21630"/>
+                  <a:pt x="3446122" y="18288"/>
+                </a:cubicBezTo>
+                <a:cubicBezTo>
+                  <a:pt x="3353851" y="14946"/>
+                  <a:pt x="2990320" y="-8091"/>
+                  <a:pt x="2659212" y="18288"/>
+                </a:cubicBezTo>
+                <a:cubicBezTo>
+                  <a:pt x="2328104" y="44667"/>
+                  <a:pt x="2427653" y="9607"/>
+                  <a:pt x="2306460" y="18288"/>
+                </a:cubicBezTo>
+                <a:cubicBezTo>
+                  <a:pt x="2185267" y="26969"/>
+                  <a:pt x="1719763" y="3717"/>
+                  <a:pt x="1519550" y="18288"/>
+                </a:cubicBezTo>
+                <a:cubicBezTo>
+                  <a:pt x="1319337" y="32860"/>
+                  <a:pt x="1167371" y="17040"/>
+                  <a:pt x="1058258" y="18288"/>
+                </a:cubicBezTo>
+                <a:cubicBezTo>
+                  <a:pt x="949145" y="19536"/>
+                  <a:pt x="780234" y="31447"/>
+                  <a:pt x="705505" y="18288"/>
+                </a:cubicBezTo>
+                <a:cubicBezTo>
+                  <a:pt x="630776" y="5129"/>
+                  <a:pt x="215796" y="30056"/>
+                  <a:pt x="0" y="18288"/>
+                </a:cubicBezTo>
+                <a:cubicBezTo>
+                  <a:pt x="-53" y="11301"/>
+                  <a:pt x="-649" y="7756"/>
+                  <a:pt x="0" y="0"/>
+                </a:cubicBezTo>
+                <a:close/>
+              </a:path>
+            </a:pathLst>
+          </a:custGeom>
+          <a:solidFill>
+            <a:schemeClr val="accent2"/>
+          </a:solidFill>
+          <a:ln w="41275" cap="rnd">
+            <a:solidFill>
+              <a:schemeClr val="accent2"/>
+            </a:solidFill>
+            <a:round/>
+            <a:extLst>
+              <a:ext uri="{C807C97D-BFC1-408E-A445-0C87EB9F89A2}">
+                <ask:lineSketchStyleProps xmlns:ask="http://schemas.microsoft.com/office/drawing/2018/sketchyshapes" sd="1219033472">
+                  <a:prstGeom prst="rect">
+                    <a:avLst/>
+                  </a:prstGeom>
+                  <ask:type>
+                    <ask:lineSketchFreehand/>
+                  </ask:type>
+                </ask:lineSketchStyleProps>
+              </a:ext>
+            </a:extLst>
+          </a:ln>
+        </p:spPr>
+        <p:style>
+          <a:lnRef idx="2">
+            <a:schemeClr val="accent1">
+              <a:shade val="50000"/>
+            </a:schemeClr>
+          </a:lnRef>
+          <a:fillRef idx="1">
+            <a:schemeClr val="accent1"/>
+          </a:fillRef>
+          <a:effectRef idx="0">
+            <a:schemeClr val="accent1"/>
+          </a:effectRef>
+          <a:fontRef idx="minor">
+            <a:schemeClr val="lt1"/>
+          </a:fontRef>
+        </p:style>
+        <p:txBody>
+          <a:bodyPr rtlCol="0" anchor="ctr"/>
+          <a:lstStyle/>
+          <a:p>
+            <a:pPr algn="ctr"/>
+            <a:endParaRPr lang="en-US"/>
+          </a:p>
+        </p:txBody>
+      </p:sp>
+      <p:sp>
+        <p:nvSpPr>
+          <p:cNvPr id="3" name="Content Placeholder 2">
+            <a:extLst>
+              <a:ext uri="{FF2B5EF4-FFF2-40B4-BE49-F238E27FC236}">
+                <a16:creationId xmlns:a16="http://schemas.microsoft.com/office/drawing/2014/main" id="{7F01B539-6D2D-BD6C-11D8-913928F24928}"/>
+              </a:ext>
+            </a:extLst>
+          </p:cNvPr>
+          <p:cNvSpPr>
+            <a:spLocks noGrp="1"/>
+          </p:cNvSpPr>
+          <p:nvPr>
+            <p:ph idx="1"/>
+          </p:nvPr>
+        </p:nvSpPr>
+        <p:spPr>
+          <a:xfrm>
+            <a:off x="838200" y="1929384"/>
+            <a:ext cx="10515600" cy="4251960"/>
+          </a:xfrm>
+        </p:spPr>
+        <p:txBody>
+          <a:bodyPr>
+            <a:normAutofit/>
+          </a:bodyPr>
+          <a:lstStyle/>
+          <a:p>
+            <a:r>
+              <a:rPr lang="en-US" sz="1800" dirty="0"/>
+              <a:t>Business logic is the logic that is unique to the business problem you are trying to solve. </a:t>
+            </a:r>
+          </a:p>
+          <a:p>
+            <a:r>
+              <a:rPr lang="en-US" sz="1800" dirty="0"/>
+              <a:t>It can be very unique</a:t>
+            </a:r>
+          </a:p>
+          <a:p>
+            <a:pPr lvl="1"/>
+            <a:r>
+              <a:rPr lang="en-US" sz="1400" dirty="0"/>
+              <a:t>Examples</a:t>
+            </a:r>
+          </a:p>
+          <a:p>
+            <a:pPr lvl="2"/>
+            <a:r>
+              <a:rPr lang="en-US" sz="1000" dirty="0"/>
+              <a:t>Logic to drop a message in a queue is common across industries</a:t>
+            </a:r>
+          </a:p>
+          <a:p>
+            <a:pPr lvl="2"/>
+            <a:r>
+              <a:rPr lang="en-US" sz="1000" dirty="0"/>
+              <a:t>Logic that specifies that customers with certain amount of purchases get a discount is very </a:t>
+            </a:r>
+            <a:r>
+              <a:rPr lang="en-US" sz="1000" dirty="0" err="1"/>
+              <a:t>speciifc</a:t>
+            </a:r>
+            <a:r>
+              <a:rPr lang="en-US" sz="1000" dirty="0"/>
+              <a:t>.</a:t>
+            </a:r>
+          </a:p>
+          <a:p>
+            <a:r>
+              <a:rPr lang="en-US" sz="1800" dirty="0"/>
+              <a:t>It can be executed in a vacuum with no direct dependencies on external resources</a:t>
+            </a:r>
+          </a:p>
+        </p:txBody>
+      </p:sp>
+    </p:spTree>
+    <p:extLst>
+      <p:ext uri="{BB962C8B-B14F-4D97-AF65-F5344CB8AC3E}">
+        <p14:creationId xmlns:p14="http://schemas.microsoft.com/office/powerpoint/2010/main" val="3681795694"/>
+      </p:ext>
+    </p:extLst>
+  </p:cSld>
+  <p:clrMapOvr>
+    <a:masterClrMapping/>
+  </p:clrMapOvr>
+</p:sld>
+</file>
+
+<file path=ppt/slides/slide7.xml><?xml version="1.0" encoding="utf-8"?>
+<p:sld xmlns:a="http://schemas.openxmlformats.org/drawingml/2006/main" xmlns:r="http://schemas.openxmlformats.org/officeDocument/2006/relationships" xmlns:p="http://schemas.openxmlformats.org/presentationml/2006/main">
+  <p:cSld>
+    <p:bg>
+      <p:bgPr>
+        <a:solidFill>
+          <a:schemeClr val="bg1"/>
+        </a:solidFill>
+        <a:effectLst/>
+      </p:bgPr>
+    </p:bg>
+    <p:spTree>
+      <p:nvGrpSpPr>
+        <p:cNvPr id="1" name="">
+          <a:extLst>
+            <a:ext uri="{FF2B5EF4-FFF2-40B4-BE49-F238E27FC236}">
               <a16:creationId xmlns:a16="http://schemas.microsoft.com/office/drawing/2014/main" id="{F06B4CC0-BDED-B9D3-A847-01342D2310A1}"/>
             </a:ext>
           </a:extLst>
@@ -15381,7 +16619,7 @@
 </p:sld>
 </file>
 
-<file path=ppt/slides/slide7.xml><?xml version="1.0" encoding="utf-8"?>
+<file path=ppt/slides/slide8.xml><?xml version="1.0" encoding="utf-8"?>
 <p:sld xmlns:a="http://schemas.openxmlformats.org/drawingml/2006/main" xmlns:r="http://schemas.openxmlformats.org/officeDocument/2006/relationships" xmlns:p="http://schemas.openxmlformats.org/presentationml/2006/main">
   <p:cSld>
     <p:bg>
@@ -16264,7 +17502,7 @@
 </p:sld>
 </file>
 
-<file path=ppt/slides/slide8.xml><?xml version="1.0" encoding="utf-8"?>
+<file path=ppt/slides/slide9.xml><?xml version="1.0" encoding="utf-8"?>
 <p:sld xmlns:a="http://schemas.openxmlformats.org/drawingml/2006/main" xmlns:r="http://schemas.openxmlformats.org/officeDocument/2006/relationships" xmlns:p="http://schemas.openxmlformats.org/presentationml/2006/main">
   <p:cSld>
     <p:bg>
@@ -16653,89 +17891,6 @@
     <p:extLst>
       <p:ext uri="{BB962C8B-B14F-4D97-AF65-F5344CB8AC3E}">
         <p14:creationId xmlns:p14="http://schemas.microsoft.com/office/powerpoint/2010/main" val="2726405216"/>
-      </p:ext>
-    </p:extLst>
-  </p:cSld>
-  <p:clrMapOvr>
-    <a:masterClrMapping/>
-  </p:clrMapOvr>
-</p:sld>
-</file>
-
-<file path=ppt/slides/slide9.xml><?xml version="1.0" encoding="utf-8"?>
-<p:sld xmlns:a="http://schemas.openxmlformats.org/drawingml/2006/main" xmlns:r="http://schemas.openxmlformats.org/officeDocument/2006/relationships" xmlns:p="http://schemas.openxmlformats.org/presentationml/2006/main">
-  <p:cSld>
-    <p:spTree>
-      <p:nvGrpSpPr>
-        <p:cNvPr id="1" name=""/>
-        <p:cNvGrpSpPr/>
-        <p:nvPr/>
-      </p:nvGrpSpPr>
-      <p:grpSpPr>
-        <a:xfrm>
-          <a:off x="0" y="0"/>
-          <a:ext cx="0" cy="0"/>
-          <a:chOff x="0" y="0"/>
-          <a:chExt cx="0" cy="0"/>
-        </a:xfrm>
-      </p:grpSpPr>
-      <p:sp>
-        <p:nvSpPr>
-          <p:cNvPr id="4" name="Title 3">
-            <a:extLst>
-              <a:ext uri="{FF2B5EF4-FFF2-40B4-BE49-F238E27FC236}">
-                <a16:creationId xmlns:a16="http://schemas.microsoft.com/office/drawing/2014/main" id="{47C3B51B-CD1E-84E5-E7B2-ED12B12BB2EC}"/>
-              </a:ext>
-            </a:extLst>
-          </p:cNvPr>
-          <p:cNvSpPr>
-            <a:spLocks noGrp="1"/>
-          </p:cNvSpPr>
-          <p:nvPr>
-            <p:ph type="ctrTitle"/>
-          </p:nvPr>
-        </p:nvSpPr>
-        <p:spPr/>
-        <p:txBody>
-          <a:bodyPr/>
-          <a:lstStyle/>
-          <a:p>
-            <a:r>
-              <a:rPr lang="en-US" dirty="0"/>
-              <a:t>Demo</a:t>
-            </a:r>
-          </a:p>
-        </p:txBody>
-      </p:sp>
-      <p:sp>
-        <p:nvSpPr>
-          <p:cNvPr id="5" name="Subtitle 4">
-            <a:extLst>
-              <a:ext uri="{FF2B5EF4-FFF2-40B4-BE49-F238E27FC236}">
-                <a16:creationId xmlns:a16="http://schemas.microsoft.com/office/drawing/2014/main" id="{C3E3E2C1-3777-0AA9-FFD7-C0605B1B0494}"/>
-              </a:ext>
-            </a:extLst>
-          </p:cNvPr>
-          <p:cNvSpPr>
-            <a:spLocks noGrp="1"/>
-          </p:cNvSpPr>
-          <p:nvPr>
-            <p:ph type="subTitle" idx="1"/>
-          </p:nvPr>
-        </p:nvSpPr>
-        <p:spPr/>
-        <p:txBody>
-          <a:bodyPr/>
-          <a:lstStyle/>
-          <a:p>
-            <a:endParaRPr lang="en-US"/>
-          </a:p>
-        </p:txBody>
-      </p:sp>
-    </p:spTree>
-    <p:extLst>
-      <p:ext uri="{BB962C8B-B14F-4D97-AF65-F5344CB8AC3E}">
-        <p14:creationId xmlns:p14="http://schemas.microsoft.com/office/powerpoint/2010/main" val="2253528452"/>
       </p:ext>
     </p:extLst>
   </p:cSld>
